--- a/thesis/abs/THỰC TẬP ĐỒ ÁN CHUYÊN NGÀNH.pptx
+++ b/thesis/abs/THỰC TẬP ĐỒ ÁN CHUYÊN NGÀNH.pptx
@@ -5,47 +5,32 @@
     <p:sldMasterId id="2147483648" r:id="rId1"/>
   </p:sldMasterIdLst>
   <p:notesMasterIdLst>
-    <p:notesMasterId r:id="rId11"/>
+    <p:notesMasterId r:id="rId18"/>
   </p:notesMasterIdLst>
   <p:sldIdLst>
-    <p:sldId id="256" r:id="rId3"/>
-    <p:sldId id="257" r:id="rId4"/>
-    <p:sldId id="258" r:id="rId5"/>
-    <p:sldId id="259" r:id="rId6"/>
-    <p:sldId id="260" r:id="rId7"/>
-    <p:sldId id="274" r:id="rId8"/>
-    <p:sldId id="261" r:id="rId9"/>
-    <p:sldId id="262" r:id="rId10"/>
-    <p:sldId id="276" r:id="rId12"/>
-    <p:sldId id="289" r:id="rId13"/>
-    <p:sldId id="290" r:id="rId14"/>
-    <p:sldId id="264" r:id="rId15"/>
-    <p:sldId id="306" r:id="rId16"/>
-    <p:sldId id="307" r:id="rId17"/>
-    <p:sldId id="291" r:id="rId18"/>
-    <p:sldId id="298" r:id="rId19"/>
+    <p:sldId id="256" r:id="rId2"/>
+    <p:sldId id="257" r:id="rId3"/>
+    <p:sldId id="258" r:id="rId4"/>
+    <p:sldId id="259" r:id="rId5"/>
+    <p:sldId id="260" r:id="rId6"/>
+    <p:sldId id="274" r:id="rId7"/>
+    <p:sldId id="261" r:id="rId8"/>
+    <p:sldId id="262" r:id="rId9"/>
+    <p:sldId id="276" r:id="rId10"/>
+    <p:sldId id="289" r:id="rId11"/>
+    <p:sldId id="290" r:id="rId12"/>
+    <p:sldId id="264" r:id="rId13"/>
+    <p:sldId id="306" r:id="rId14"/>
+    <p:sldId id="307" r:id="rId15"/>
+    <p:sldId id="291" r:id="rId16"/>
+    <p:sldId id="298" r:id="rId17"/>
   </p:sldIdLst>
   <p:sldSz cx="18288000" cy="10287000"/>
   <p:notesSz cx="6858000" cy="9144000"/>
   <p:embeddedFontLst>
     <p:embeddedFont>
-      <p:font typeface="Cormorant Garamond Bold Italics" panose="00000800000000000000"/>
-      <p:boldItalic r:id="rId23"/>
-    </p:embeddedFont>
-    <p:embeddedFont>
-      <p:font typeface="Times New Roman Condensed" panose="02030506070405020303"/>
-      <p:regular r:id="rId24"/>
-    </p:embeddedFont>
-    <p:embeddedFont>
-      <p:font typeface="Cormorant Garamond Bold" panose="00000800000000000000"/>
-      <p:bold r:id="rId25"/>
-    </p:embeddedFont>
-    <p:embeddedFont>
-      <p:font typeface="Calibri" panose="020F0502020204030204" charset="0"/>
-      <p:regular r:id="rId26"/>
-      <p:bold r:id="rId27"/>
-      <p:italic r:id="rId28"/>
-      <p:boldItalic r:id="rId29"/>
+      <p:font typeface="Cormorant Garamond Bold Italics" panose="020B0604020202020204" charset="0"/>
+      <p:boldItalic r:id="rId19"/>
     </p:embeddedFont>
   </p:embeddedFontLst>
   <p:defaultTextStyle>
@@ -244,6 +229,7 @@
           <a:p>
             <a:fld id="{3EFD42F7-718C-4B98-AAEC-167E6DDD60A7}" type="datetimeFigureOut">
               <a:rPr lang="en-US" smtClean="0"/>
+              <a:t>1/9/2025</a:t>
             </a:fld>
             <a:endParaRPr lang="en-US"/>
           </a:p>
@@ -307,42 +293,37 @@
           <a:p>
             <a:pPr lvl="0"/>
             <a:r>
-              <a:rPr lang="en-US" smtClean="0"/>
+              <a:rPr lang="en-US"/>
               <a:t>Click to edit Master text styles</a:t>
             </a:r>
-            <a:endParaRPr lang="en-US" smtClean="0"/>
           </a:p>
           <a:p>
             <a:pPr lvl="1"/>
             <a:r>
-              <a:rPr lang="en-US" smtClean="0"/>
+              <a:rPr lang="en-US"/>
               <a:t>Second level</a:t>
             </a:r>
-            <a:endParaRPr lang="en-US" smtClean="0"/>
           </a:p>
           <a:p>
             <a:pPr lvl="2"/>
             <a:r>
-              <a:rPr lang="en-US" smtClean="0"/>
+              <a:rPr lang="en-US"/>
               <a:t>Third level</a:t>
             </a:r>
-            <a:endParaRPr lang="en-US" smtClean="0"/>
           </a:p>
           <a:p>
             <a:pPr lvl="3"/>
             <a:r>
-              <a:rPr lang="en-US" smtClean="0"/>
+              <a:rPr lang="en-US"/>
               <a:t>Fourth level</a:t>
             </a:r>
-            <a:endParaRPr lang="en-US" smtClean="0"/>
           </a:p>
           <a:p>
             <a:pPr lvl="4"/>
             <a:r>
-              <a:rPr lang="en-US" smtClean="0"/>
+              <a:rPr lang="en-US"/>
               <a:t>Fifth level</a:t>
             </a:r>
-            <a:endParaRPr lang="en-US"/>
           </a:p>
         </p:txBody>
       </p:sp>
@@ -406,6 +387,7 @@
           <a:p>
             <a:fld id="{21B2AA4F-B828-4D7C-AFD3-893933DAFCB4}" type="slidenum">
               <a:rPr lang="en-US" smtClean="0"/>
+              <a:t>‹#›</a:t>
             </a:fld>
             <a:endParaRPr lang="en-US"/>
           </a:p>
@@ -518,12 +500,19 @@
         <p:cNvGrpSpPr/>
         <p:nvPr/>
       </p:nvGrpSpPr>
-      <p:grpSpPr/>
+      <p:grpSpPr>
+        <a:xfrm>
+          <a:off x="0" y="0"/>
+          <a:ext cx="0" cy="0"/>
+          <a:chOff x="0" y="0"/>
+          <a:chExt cx="0" cy="0"/>
+        </a:xfrm>
+      </p:grpSpPr>
       <p:sp>
         <p:nvSpPr>
           <p:cNvPr id="2" name="Slide Image Placeholder 1"/>
           <p:cNvSpPr>
-            <a:spLocks noGrp="1"/>
+            <a:spLocks noGrp="1" noRot="1" noChangeAspect="1"/>
           </p:cNvSpPr>
           <p:nvPr>
             <p:ph type="sldImg" idx="2"/>
@@ -544,6 +533,7 @@
         <p:spPr/>
         <p:txBody>
           <a:bodyPr/>
+          <a:lstStyle/>
           <a:p>
             <a:endParaRPr lang="en-US"/>
           </a:p>
@@ -566,12 +556,19 @@
         <p:cNvGrpSpPr/>
         <p:nvPr/>
       </p:nvGrpSpPr>
-      <p:grpSpPr/>
+      <p:grpSpPr>
+        <a:xfrm>
+          <a:off x="0" y="0"/>
+          <a:ext cx="0" cy="0"/>
+          <a:chOff x="0" y="0"/>
+          <a:chExt cx="0" cy="0"/>
+        </a:xfrm>
+      </p:grpSpPr>
       <p:sp>
         <p:nvSpPr>
           <p:cNvPr id="2" name="Slide Image Placeholder 1"/>
           <p:cNvSpPr>
-            <a:spLocks noGrp="1"/>
+            <a:spLocks noGrp="1" noRot="1" noChangeAspect="1"/>
           </p:cNvSpPr>
           <p:nvPr>
             <p:ph type="sldImg" idx="2"/>
@@ -592,6 +589,7 @@
         <p:spPr/>
         <p:txBody>
           <a:bodyPr/>
+          <a:lstStyle/>
           <a:p>
             <a:endParaRPr lang="en-US"/>
           </a:p>
@@ -643,10 +641,9 @@
           <a:lstStyle/>
           <a:p>
             <a:r>
-              <a:rPr lang="en-US" smtClean="0"/>
+              <a:rPr lang="en-US"/>
               <a:t>Click to edit Master title style</a:t>
             </a:r>
-            <a:endParaRPr lang="en-US"/>
           </a:p>
         </p:txBody>
       </p:sp>
@@ -762,10 +759,9 @@
           </a:lstStyle>
           <a:p>
             <a:r>
-              <a:rPr lang="en-US" smtClean="0"/>
+              <a:rPr lang="en-US"/>
               <a:t>Click to edit Master subtitle style</a:t>
             </a:r>
-            <a:endParaRPr lang="en-US"/>
           </a:p>
         </p:txBody>
       </p:sp>
@@ -786,6 +782,7 @@
           <a:p>
             <a:fld id="{1D8BD707-D9CF-40AE-B4C6-C98DA3205C09}" type="datetimeFigureOut">
               <a:rPr lang="en-US" smtClean="0"/>
+              <a:t>1/9/2025</a:t>
             </a:fld>
             <a:endParaRPr lang="en-US"/>
           </a:p>
@@ -827,6 +824,7 @@
           <a:p>
             <a:fld id="{B6F15528-21DE-4FAA-801E-634DDDAF4B2B}" type="slidenum">
               <a:rPr lang="en-US" smtClean="0"/>
+              <a:t>‹#›</a:t>
             </a:fld>
             <a:endParaRPr lang="en-US"/>
           </a:p>
@@ -873,10 +871,9 @@
           <a:lstStyle/>
           <a:p>
             <a:r>
-              <a:rPr lang="en-US" smtClean="0"/>
+              <a:rPr lang="en-US"/>
               <a:t>Click to edit Master title style</a:t>
             </a:r>
-            <a:endParaRPr lang="en-US"/>
           </a:p>
         </p:txBody>
       </p:sp>
@@ -897,42 +894,37 @@
           <a:p>
             <a:pPr lvl="0"/>
             <a:r>
-              <a:rPr lang="en-US" smtClean="0"/>
+              <a:rPr lang="en-US"/>
               <a:t>Click to edit Master text styles</a:t>
             </a:r>
-            <a:endParaRPr lang="en-US" smtClean="0"/>
           </a:p>
           <a:p>
             <a:pPr lvl="1"/>
             <a:r>
-              <a:rPr lang="en-US" smtClean="0"/>
+              <a:rPr lang="en-US"/>
               <a:t>Second level</a:t>
             </a:r>
-            <a:endParaRPr lang="en-US" smtClean="0"/>
           </a:p>
           <a:p>
             <a:pPr lvl="2"/>
             <a:r>
-              <a:rPr lang="en-US" smtClean="0"/>
+              <a:rPr lang="en-US"/>
               <a:t>Third level</a:t>
             </a:r>
-            <a:endParaRPr lang="en-US" smtClean="0"/>
           </a:p>
           <a:p>
             <a:pPr lvl="3"/>
             <a:r>
-              <a:rPr lang="en-US" smtClean="0"/>
+              <a:rPr lang="en-US"/>
               <a:t>Fourth level</a:t>
             </a:r>
-            <a:endParaRPr lang="en-US" smtClean="0"/>
           </a:p>
           <a:p>
             <a:pPr lvl="4"/>
             <a:r>
-              <a:rPr lang="en-US" smtClean="0"/>
+              <a:rPr lang="en-US"/>
               <a:t>Fifth level</a:t>
             </a:r>
-            <a:endParaRPr lang="en-US"/>
           </a:p>
         </p:txBody>
       </p:sp>
@@ -953,6 +945,7 @@
           <a:p>
             <a:fld id="{1D8BD707-D9CF-40AE-B4C6-C98DA3205C09}" type="datetimeFigureOut">
               <a:rPr lang="en-US" smtClean="0"/>
+              <a:t>1/9/2025</a:t>
             </a:fld>
             <a:endParaRPr lang="en-US"/>
           </a:p>
@@ -994,6 +987,7 @@
           <a:p>
             <a:fld id="{B6F15528-21DE-4FAA-801E-634DDDAF4B2B}" type="slidenum">
               <a:rPr lang="en-US" smtClean="0"/>
+              <a:t>‹#›</a:t>
             </a:fld>
             <a:endParaRPr lang="en-US"/>
           </a:p>
@@ -1045,10 +1039,9 @@
           <a:lstStyle/>
           <a:p>
             <a:r>
-              <a:rPr lang="en-US" smtClean="0"/>
+              <a:rPr lang="en-US"/>
               <a:t>Click to edit Master title style</a:t>
             </a:r>
-            <a:endParaRPr lang="en-US"/>
           </a:p>
         </p:txBody>
       </p:sp>
@@ -1074,42 +1067,37 @@
           <a:p>
             <a:pPr lvl="0"/>
             <a:r>
-              <a:rPr lang="en-US" smtClean="0"/>
+              <a:rPr lang="en-US"/>
               <a:t>Click to edit Master text styles</a:t>
             </a:r>
-            <a:endParaRPr lang="en-US" smtClean="0"/>
           </a:p>
           <a:p>
             <a:pPr lvl="1"/>
             <a:r>
-              <a:rPr lang="en-US" smtClean="0"/>
+              <a:rPr lang="en-US"/>
               <a:t>Second level</a:t>
             </a:r>
-            <a:endParaRPr lang="en-US" smtClean="0"/>
           </a:p>
           <a:p>
             <a:pPr lvl="2"/>
             <a:r>
-              <a:rPr lang="en-US" smtClean="0"/>
+              <a:rPr lang="en-US"/>
               <a:t>Third level</a:t>
             </a:r>
-            <a:endParaRPr lang="en-US" smtClean="0"/>
           </a:p>
           <a:p>
             <a:pPr lvl="3"/>
             <a:r>
-              <a:rPr lang="en-US" smtClean="0"/>
+              <a:rPr lang="en-US"/>
               <a:t>Fourth level</a:t>
             </a:r>
-            <a:endParaRPr lang="en-US" smtClean="0"/>
           </a:p>
           <a:p>
             <a:pPr lvl="4"/>
             <a:r>
-              <a:rPr lang="en-US" smtClean="0"/>
+              <a:rPr lang="en-US"/>
               <a:t>Fifth level</a:t>
             </a:r>
-            <a:endParaRPr lang="en-US"/>
           </a:p>
         </p:txBody>
       </p:sp>
@@ -1130,6 +1118,7 @@
           <a:p>
             <a:fld id="{1D8BD707-D9CF-40AE-B4C6-C98DA3205C09}" type="datetimeFigureOut">
               <a:rPr lang="en-US" smtClean="0"/>
+              <a:t>1/9/2025</a:t>
             </a:fld>
             <a:endParaRPr lang="en-US"/>
           </a:p>
@@ -1171,6 +1160,7 @@
           <a:p>
             <a:fld id="{B6F15528-21DE-4FAA-801E-634DDDAF4B2B}" type="slidenum">
               <a:rPr lang="en-US" smtClean="0"/>
+              <a:t>‹#›</a:t>
             </a:fld>
             <a:endParaRPr lang="en-US"/>
           </a:p>
@@ -1217,10 +1207,9 @@
           <a:lstStyle/>
           <a:p>
             <a:r>
-              <a:rPr lang="en-US" smtClean="0"/>
+              <a:rPr lang="en-US"/>
               <a:t>Click to edit Master title style</a:t>
             </a:r>
-            <a:endParaRPr lang="en-US"/>
           </a:p>
         </p:txBody>
       </p:sp>
@@ -1241,42 +1230,37 @@
           <a:p>
             <a:pPr lvl="0"/>
             <a:r>
-              <a:rPr lang="en-US" smtClean="0"/>
+              <a:rPr lang="en-US"/>
               <a:t>Click to edit Master text styles</a:t>
             </a:r>
-            <a:endParaRPr lang="en-US" smtClean="0"/>
           </a:p>
           <a:p>
             <a:pPr lvl="1"/>
             <a:r>
-              <a:rPr lang="en-US" smtClean="0"/>
+              <a:rPr lang="en-US"/>
               <a:t>Second level</a:t>
             </a:r>
-            <a:endParaRPr lang="en-US" smtClean="0"/>
           </a:p>
           <a:p>
             <a:pPr lvl="2"/>
             <a:r>
-              <a:rPr lang="en-US" smtClean="0"/>
+              <a:rPr lang="en-US"/>
               <a:t>Third level</a:t>
             </a:r>
-            <a:endParaRPr lang="en-US" smtClean="0"/>
           </a:p>
           <a:p>
             <a:pPr lvl="3"/>
             <a:r>
-              <a:rPr lang="en-US" smtClean="0"/>
+              <a:rPr lang="en-US"/>
               <a:t>Fourth level</a:t>
             </a:r>
-            <a:endParaRPr lang="en-US" smtClean="0"/>
           </a:p>
           <a:p>
             <a:pPr lvl="4"/>
             <a:r>
-              <a:rPr lang="en-US" smtClean="0"/>
+              <a:rPr lang="en-US"/>
               <a:t>Fifth level</a:t>
             </a:r>
-            <a:endParaRPr lang="en-US"/>
           </a:p>
         </p:txBody>
       </p:sp>
@@ -1297,6 +1281,7 @@
           <a:p>
             <a:fld id="{1D8BD707-D9CF-40AE-B4C6-C98DA3205C09}" type="datetimeFigureOut">
               <a:rPr lang="en-US" smtClean="0"/>
+              <a:t>1/9/2025</a:t>
             </a:fld>
             <a:endParaRPr lang="en-US"/>
           </a:p>
@@ -1338,6 +1323,7 @@
           <a:p>
             <a:fld id="{B6F15528-21DE-4FAA-801E-634DDDAF4B2B}" type="slidenum">
               <a:rPr lang="en-US" smtClean="0"/>
+              <a:t>‹#›</a:t>
             </a:fld>
             <a:endParaRPr lang="en-US"/>
           </a:p>
@@ -1393,10 +1379,9 @@
           </a:lstStyle>
           <a:p>
             <a:r>
-              <a:rPr lang="en-US" smtClean="0"/>
+              <a:rPr lang="en-US"/>
               <a:t>Click to edit Master title style</a:t>
             </a:r>
-            <a:endParaRPr lang="en-US"/>
           </a:p>
         </p:txBody>
       </p:sp>
@@ -1513,10 +1498,9 @@
           <a:p>
             <a:pPr lvl="0"/>
             <a:r>
-              <a:rPr lang="en-US" smtClean="0"/>
+              <a:rPr lang="en-US"/>
               <a:t>Click to edit Master text styles</a:t>
             </a:r>
-            <a:endParaRPr lang="en-US" smtClean="0"/>
           </a:p>
         </p:txBody>
       </p:sp>
@@ -1537,6 +1521,7 @@
           <a:p>
             <a:fld id="{1D8BD707-D9CF-40AE-B4C6-C98DA3205C09}" type="datetimeFigureOut">
               <a:rPr lang="en-US" smtClean="0"/>
+              <a:t>1/9/2025</a:t>
             </a:fld>
             <a:endParaRPr lang="en-US"/>
           </a:p>
@@ -1578,6 +1563,7 @@
           <a:p>
             <a:fld id="{B6F15528-21DE-4FAA-801E-634DDDAF4B2B}" type="slidenum">
               <a:rPr lang="en-US" smtClean="0"/>
+              <a:t>‹#›</a:t>
             </a:fld>
             <a:endParaRPr lang="en-US"/>
           </a:p>
@@ -1624,10 +1610,9 @@
           <a:lstStyle/>
           <a:p>
             <a:r>
-              <a:rPr lang="en-US" smtClean="0"/>
+              <a:rPr lang="en-US"/>
               <a:t>Click to edit Master title style</a:t>
             </a:r>
-            <a:endParaRPr lang="en-US"/>
           </a:p>
         </p:txBody>
       </p:sp>
@@ -1681,42 +1666,37 @@
           <a:p>
             <a:pPr lvl="0"/>
             <a:r>
-              <a:rPr lang="en-US" smtClean="0"/>
+              <a:rPr lang="en-US"/>
               <a:t>Click to edit Master text styles</a:t>
             </a:r>
-            <a:endParaRPr lang="en-US" smtClean="0"/>
           </a:p>
           <a:p>
             <a:pPr lvl="1"/>
             <a:r>
-              <a:rPr lang="en-US" smtClean="0"/>
+              <a:rPr lang="en-US"/>
               <a:t>Second level</a:t>
             </a:r>
-            <a:endParaRPr lang="en-US" smtClean="0"/>
           </a:p>
           <a:p>
             <a:pPr lvl="2"/>
             <a:r>
-              <a:rPr lang="en-US" smtClean="0"/>
+              <a:rPr lang="en-US"/>
               <a:t>Third level</a:t>
             </a:r>
-            <a:endParaRPr lang="en-US" smtClean="0"/>
           </a:p>
           <a:p>
             <a:pPr lvl="3"/>
             <a:r>
-              <a:rPr lang="en-US" smtClean="0"/>
+              <a:rPr lang="en-US"/>
               <a:t>Fourth level</a:t>
             </a:r>
-            <a:endParaRPr lang="en-US" smtClean="0"/>
           </a:p>
           <a:p>
             <a:pPr lvl="4"/>
             <a:r>
-              <a:rPr lang="en-US" smtClean="0"/>
+              <a:rPr lang="en-US"/>
               <a:t>Fifth level</a:t>
             </a:r>
-            <a:endParaRPr lang="en-US"/>
           </a:p>
         </p:txBody>
       </p:sp>
@@ -1770,42 +1750,37 @@
           <a:p>
             <a:pPr lvl="0"/>
             <a:r>
-              <a:rPr lang="en-US" smtClean="0"/>
+              <a:rPr lang="en-US"/>
               <a:t>Click to edit Master text styles</a:t>
             </a:r>
-            <a:endParaRPr lang="en-US" smtClean="0"/>
           </a:p>
           <a:p>
             <a:pPr lvl="1"/>
             <a:r>
-              <a:rPr lang="en-US" smtClean="0"/>
+              <a:rPr lang="en-US"/>
               <a:t>Second level</a:t>
             </a:r>
-            <a:endParaRPr lang="en-US" smtClean="0"/>
           </a:p>
           <a:p>
             <a:pPr lvl="2"/>
             <a:r>
-              <a:rPr lang="en-US" smtClean="0"/>
+              <a:rPr lang="en-US"/>
               <a:t>Third level</a:t>
             </a:r>
-            <a:endParaRPr lang="en-US" smtClean="0"/>
           </a:p>
           <a:p>
             <a:pPr lvl="3"/>
             <a:r>
-              <a:rPr lang="en-US" smtClean="0"/>
+              <a:rPr lang="en-US"/>
               <a:t>Fourth level</a:t>
             </a:r>
-            <a:endParaRPr lang="en-US" smtClean="0"/>
           </a:p>
           <a:p>
             <a:pPr lvl="4"/>
             <a:r>
-              <a:rPr lang="en-US" smtClean="0"/>
+              <a:rPr lang="en-US"/>
               <a:t>Fifth level</a:t>
             </a:r>
-            <a:endParaRPr lang="en-US"/>
           </a:p>
         </p:txBody>
       </p:sp>
@@ -1826,6 +1801,7 @@
           <a:p>
             <a:fld id="{1D8BD707-D9CF-40AE-B4C6-C98DA3205C09}" type="datetimeFigureOut">
               <a:rPr lang="en-US" smtClean="0"/>
+              <a:t>1/9/2025</a:t>
             </a:fld>
             <a:endParaRPr lang="en-US"/>
           </a:p>
@@ -1867,6 +1843,7 @@
           <a:p>
             <a:fld id="{B6F15528-21DE-4FAA-801E-634DDDAF4B2B}" type="slidenum">
               <a:rPr lang="en-US" smtClean="0"/>
+              <a:t>‹#›</a:t>
             </a:fld>
             <a:endParaRPr lang="en-US"/>
           </a:p>
@@ -1917,10 +1894,9 @@
           </a:lstStyle>
           <a:p>
             <a:r>
-              <a:rPr lang="en-US" smtClean="0"/>
+              <a:rPr lang="en-US"/>
               <a:t>Click to edit Master title style</a:t>
             </a:r>
-            <a:endParaRPr lang="en-US"/>
           </a:p>
         </p:txBody>
       </p:sp>
@@ -1983,10 +1959,9 @@
           <a:p>
             <a:pPr lvl="0"/>
             <a:r>
-              <a:rPr lang="en-US" smtClean="0"/>
+              <a:rPr lang="en-US"/>
               <a:t>Click to edit Master text styles</a:t>
             </a:r>
-            <a:endParaRPr lang="en-US" smtClean="0"/>
           </a:p>
         </p:txBody>
       </p:sp>
@@ -2040,42 +2015,37 @@
           <a:p>
             <a:pPr lvl="0"/>
             <a:r>
-              <a:rPr lang="en-US" smtClean="0"/>
+              <a:rPr lang="en-US"/>
               <a:t>Click to edit Master text styles</a:t>
             </a:r>
-            <a:endParaRPr lang="en-US" smtClean="0"/>
           </a:p>
           <a:p>
             <a:pPr lvl="1"/>
             <a:r>
-              <a:rPr lang="en-US" smtClean="0"/>
+              <a:rPr lang="en-US"/>
               <a:t>Second level</a:t>
             </a:r>
-            <a:endParaRPr lang="en-US" smtClean="0"/>
           </a:p>
           <a:p>
             <a:pPr lvl="2"/>
             <a:r>
-              <a:rPr lang="en-US" smtClean="0"/>
+              <a:rPr lang="en-US"/>
               <a:t>Third level</a:t>
             </a:r>
-            <a:endParaRPr lang="en-US" smtClean="0"/>
           </a:p>
           <a:p>
             <a:pPr lvl="3"/>
             <a:r>
-              <a:rPr lang="en-US" smtClean="0"/>
+              <a:rPr lang="en-US"/>
               <a:t>Fourth level</a:t>
             </a:r>
-            <a:endParaRPr lang="en-US" smtClean="0"/>
           </a:p>
           <a:p>
             <a:pPr lvl="4"/>
             <a:r>
-              <a:rPr lang="en-US" smtClean="0"/>
+              <a:rPr lang="en-US"/>
               <a:t>Fifth level</a:t>
             </a:r>
-            <a:endParaRPr lang="en-US"/>
           </a:p>
         </p:txBody>
       </p:sp>
@@ -2138,10 +2108,9 @@
           <a:p>
             <a:pPr lvl="0"/>
             <a:r>
-              <a:rPr lang="en-US" smtClean="0"/>
+              <a:rPr lang="en-US"/>
               <a:t>Click to edit Master text styles</a:t>
             </a:r>
-            <a:endParaRPr lang="en-US" smtClean="0"/>
           </a:p>
         </p:txBody>
       </p:sp>
@@ -2195,42 +2164,37 @@
           <a:p>
             <a:pPr lvl="0"/>
             <a:r>
-              <a:rPr lang="en-US" smtClean="0"/>
+              <a:rPr lang="en-US"/>
               <a:t>Click to edit Master text styles</a:t>
             </a:r>
-            <a:endParaRPr lang="en-US" smtClean="0"/>
           </a:p>
           <a:p>
             <a:pPr lvl="1"/>
             <a:r>
-              <a:rPr lang="en-US" smtClean="0"/>
+              <a:rPr lang="en-US"/>
               <a:t>Second level</a:t>
             </a:r>
-            <a:endParaRPr lang="en-US" smtClean="0"/>
           </a:p>
           <a:p>
             <a:pPr lvl="2"/>
             <a:r>
-              <a:rPr lang="en-US" smtClean="0"/>
+              <a:rPr lang="en-US"/>
               <a:t>Third level</a:t>
             </a:r>
-            <a:endParaRPr lang="en-US" smtClean="0"/>
           </a:p>
           <a:p>
             <a:pPr lvl="3"/>
             <a:r>
-              <a:rPr lang="en-US" smtClean="0"/>
+              <a:rPr lang="en-US"/>
               <a:t>Fourth level</a:t>
             </a:r>
-            <a:endParaRPr lang="en-US" smtClean="0"/>
           </a:p>
           <a:p>
             <a:pPr lvl="4"/>
             <a:r>
-              <a:rPr lang="en-US" smtClean="0"/>
+              <a:rPr lang="en-US"/>
               <a:t>Fifth level</a:t>
             </a:r>
-            <a:endParaRPr lang="en-US"/>
           </a:p>
         </p:txBody>
       </p:sp>
@@ -2251,6 +2215,7 @@
           <a:p>
             <a:fld id="{1D8BD707-D9CF-40AE-B4C6-C98DA3205C09}" type="datetimeFigureOut">
               <a:rPr lang="en-US" smtClean="0"/>
+              <a:t>1/9/2025</a:t>
             </a:fld>
             <a:endParaRPr lang="en-US"/>
           </a:p>
@@ -2292,6 +2257,7 @@
           <a:p>
             <a:fld id="{B6F15528-21DE-4FAA-801E-634DDDAF4B2B}" type="slidenum">
               <a:rPr lang="en-US" smtClean="0"/>
+              <a:t>‹#›</a:t>
             </a:fld>
             <a:endParaRPr lang="en-US"/>
           </a:p>
@@ -2338,10 +2304,9 @@
           <a:lstStyle/>
           <a:p>
             <a:r>
-              <a:rPr lang="en-US" smtClean="0"/>
+              <a:rPr lang="en-US"/>
               <a:t>Click to edit Master title style</a:t>
             </a:r>
-            <a:endParaRPr lang="en-US"/>
           </a:p>
         </p:txBody>
       </p:sp>
@@ -2362,6 +2327,7 @@
           <a:p>
             <a:fld id="{1D8BD707-D9CF-40AE-B4C6-C98DA3205C09}" type="datetimeFigureOut">
               <a:rPr lang="en-US" smtClean="0"/>
+              <a:t>1/9/2025</a:t>
             </a:fld>
             <a:endParaRPr lang="en-US"/>
           </a:p>
@@ -2403,6 +2369,7 @@
           <a:p>
             <a:fld id="{B6F15528-21DE-4FAA-801E-634DDDAF4B2B}" type="slidenum">
               <a:rPr lang="en-US" smtClean="0"/>
+              <a:t>‹#›</a:t>
             </a:fld>
             <a:endParaRPr lang="en-US"/>
           </a:p>
@@ -2450,6 +2417,7 @@
           <a:p>
             <a:fld id="{1D8BD707-D9CF-40AE-B4C6-C98DA3205C09}" type="datetimeFigureOut">
               <a:rPr lang="en-US" smtClean="0"/>
+              <a:t>1/9/2025</a:t>
             </a:fld>
             <a:endParaRPr lang="en-US"/>
           </a:p>
@@ -2491,6 +2459,7 @@
           <a:p>
             <a:fld id="{B6F15528-21DE-4FAA-801E-634DDDAF4B2B}" type="slidenum">
               <a:rPr lang="en-US" smtClean="0"/>
+              <a:t>‹#›</a:t>
             </a:fld>
             <a:endParaRPr lang="en-US"/>
           </a:p>
@@ -2546,10 +2515,9 @@
           </a:lstStyle>
           <a:p>
             <a:r>
-              <a:rPr lang="en-US" smtClean="0"/>
+              <a:rPr lang="en-US"/>
               <a:t>Click to edit Master title style</a:t>
             </a:r>
-            <a:endParaRPr lang="en-US"/>
           </a:p>
         </p:txBody>
       </p:sp>
@@ -2603,42 +2571,37 @@
           <a:p>
             <a:pPr lvl="0"/>
             <a:r>
-              <a:rPr lang="en-US" smtClean="0"/>
+              <a:rPr lang="en-US"/>
               <a:t>Click to edit Master text styles</a:t>
             </a:r>
-            <a:endParaRPr lang="en-US" smtClean="0"/>
           </a:p>
           <a:p>
             <a:pPr lvl="1"/>
             <a:r>
-              <a:rPr lang="en-US" smtClean="0"/>
+              <a:rPr lang="en-US"/>
               <a:t>Second level</a:t>
             </a:r>
-            <a:endParaRPr lang="en-US" smtClean="0"/>
           </a:p>
           <a:p>
             <a:pPr lvl="2"/>
             <a:r>
-              <a:rPr lang="en-US" smtClean="0"/>
+              <a:rPr lang="en-US"/>
               <a:t>Third level</a:t>
             </a:r>
-            <a:endParaRPr lang="en-US" smtClean="0"/>
           </a:p>
           <a:p>
             <a:pPr lvl="3"/>
             <a:r>
-              <a:rPr lang="en-US" smtClean="0"/>
+              <a:rPr lang="en-US"/>
               <a:t>Fourth level</a:t>
             </a:r>
-            <a:endParaRPr lang="en-US" smtClean="0"/>
           </a:p>
           <a:p>
             <a:pPr lvl="4"/>
             <a:r>
-              <a:rPr lang="en-US" smtClean="0"/>
+              <a:rPr lang="en-US"/>
               <a:t>Fifth level</a:t>
             </a:r>
-            <a:endParaRPr lang="en-US"/>
           </a:p>
         </p:txBody>
       </p:sp>
@@ -2701,10 +2664,9 @@
           <a:p>
             <a:pPr lvl="0"/>
             <a:r>
-              <a:rPr lang="en-US" smtClean="0"/>
+              <a:rPr lang="en-US"/>
               <a:t>Click to edit Master text styles</a:t>
             </a:r>
-            <a:endParaRPr lang="en-US" smtClean="0"/>
           </a:p>
         </p:txBody>
       </p:sp>
@@ -2725,6 +2687,7 @@
           <a:p>
             <a:fld id="{1D8BD707-D9CF-40AE-B4C6-C98DA3205C09}" type="datetimeFigureOut">
               <a:rPr lang="en-US" smtClean="0"/>
+              <a:t>1/9/2025</a:t>
             </a:fld>
             <a:endParaRPr lang="en-US"/>
           </a:p>
@@ -2766,6 +2729,7 @@
           <a:p>
             <a:fld id="{B6F15528-21DE-4FAA-801E-634DDDAF4B2B}" type="slidenum">
               <a:rPr lang="en-US" smtClean="0"/>
+              <a:t>‹#›</a:t>
             </a:fld>
             <a:endParaRPr lang="en-US"/>
           </a:p>
@@ -2821,10 +2785,9 @@
           </a:lstStyle>
           <a:p>
             <a:r>
-              <a:rPr lang="en-US" smtClean="0"/>
+              <a:rPr lang="en-US"/>
               <a:t>Click to edit Master title style</a:t>
             </a:r>
-            <a:endParaRPr lang="en-US"/>
           </a:p>
         </p:txBody>
       </p:sp>
@@ -2948,10 +2911,9 @@
           <a:p>
             <a:pPr lvl="0"/>
             <a:r>
-              <a:rPr lang="en-US" smtClean="0"/>
+              <a:rPr lang="en-US"/>
               <a:t>Click to edit Master text styles</a:t>
             </a:r>
-            <a:endParaRPr lang="en-US" smtClean="0"/>
           </a:p>
         </p:txBody>
       </p:sp>
@@ -2972,6 +2934,7 @@
           <a:p>
             <a:fld id="{1D8BD707-D9CF-40AE-B4C6-C98DA3205C09}" type="datetimeFigureOut">
               <a:rPr lang="en-US" smtClean="0"/>
+              <a:t>1/9/2025</a:t>
             </a:fld>
             <a:endParaRPr lang="en-US"/>
           </a:p>
@@ -3013,6 +2976,7 @@
           <a:p>
             <a:fld id="{B6F15528-21DE-4FAA-801E-634DDDAF4B2B}" type="slidenum">
               <a:rPr lang="en-US" smtClean="0"/>
+              <a:t>‹#›</a:t>
             </a:fld>
             <a:endParaRPr lang="en-US"/>
           </a:p>
@@ -3074,10 +3038,9 @@
           <a:lstStyle/>
           <a:p>
             <a:r>
-              <a:rPr lang="en-US" smtClean="0"/>
+              <a:rPr lang="en-US"/>
               <a:t>Click to edit Master title style</a:t>
             </a:r>
-            <a:endParaRPr lang="en-US"/>
           </a:p>
         </p:txBody>
       </p:sp>
@@ -3108,42 +3071,37 @@
           <a:p>
             <a:pPr lvl="0"/>
             <a:r>
-              <a:rPr lang="en-US" smtClean="0"/>
+              <a:rPr lang="en-US"/>
               <a:t>Click to edit Master text styles</a:t>
             </a:r>
-            <a:endParaRPr lang="en-US" smtClean="0"/>
           </a:p>
           <a:p>
             <a:pPr lvl="1"/>
             <a:r>
-              <a:rPr lang="en-US" smtClean="0"/>
+              <a:rPr lang="en-US"/>
               <a:t>Second level</a:t>
             </a:r>
-            <a:endParaRPr lang="en-US" smtClean="0"/>
           </a:p>
           <a:p>
             <a:pPr lvl="2"/>
             <a:r>
-              <a:rPr lang="en-US" smtClean="0"/>
+              <a:rPr lang="en-US"/>
               <a:t>Third level</a:t>
             </a:r>
-            <a:endParaRPr lang="en-US" smtClean="0"/>
           </a:p>
           <a:p>
             <a:pPr lvl="3"/>
             <a:r>
-              <a:rPr lang="en-US" smtClean="0"/>
+              <a:rPr lang="en-US"/>
               <a:t>Fourth level</a:t>
             </a:r>
-            <a:endParaRPr lang="en-US" smtClean="0"/>
           </a:p>
           <a:p>
             <a:pPr lvl="4"/>
             <a:r>
-              <a:rPr lang="en-US" smtClean="0"/>
+              <a:rPr lang="en-US"/>
               <a:t>Fifth level</a:t>
             </a:r>
-            <a:endParaRPr lang="en-US"/>
           </a:p>
         </p:txBody>
       </p:sp>
@@ -3182,6 +3140,7 @@
           <a:p>
             <a:fld id="{1D8BD707-D9CF-40AE-B4C6-C98DA3205C09}" type="datetimeFigureOut">
               <a:rPr lang="en-US" smtClean="0"/>
+              <a:t>1/9/2025</a:t>
             </a:fld>
             <a:endParaRPr lang="en-US"/>
           </a:p>
@@ -3259,6 +3218,7 @@
           <a:p>
             <a:fld id="{B6F15528-21DE-4FAA-801E-634DDDAF4B2B}" type="slidenum">
               <a:rPr lang="en-US" smtClean="0"/>
+              <a:t>‹#›</a:t>
             </a:fld>
             <a:endParaRPr lang="en-US"/>
           </a:p>
@@ -3589,7 +3549,7 @@
             </a:pathLst>
           </a:custGeom>
           <a:blipFill>
-            <a:blip r:embed="rId1"/>
+            <a:blip r:embed="rId2"/>
             <a:stretch>
               <a:fillRect l="-2204" r="-2204"/>
             </a:stretch>
@@ -3635,10 +3595,10 @@
             </a:pathLst>
           </a:custGeom>
           <a:blipFill>
-            <a:blip r:embed="rId2">
+            <a:blip r:embed="rId3">
               <a:extLst>
                 <a:ext uri="{96DAC541-7B7A-43D3-8B79-37D633B846F1}">
-                  <asvg:svgBlip xmlns:asvg="http://schemas.microsoft.com/office/drawing/2016/SVG/main" r:embed="rId3"/>
+                  <asvg:svgBlip xmlns:asvg="http://schemas.microsoft.com/office/drawing/2016/SVG/main" r:embed="rId4"/>
                 </a:ext>
               </a:extLst>
             </a:blip>
@@ -3687,10 +3647,10 @@
             </a:pathLst>
           </a:custGeom>
           <a:blipFill>
-            <a:blip r:embed="rId4">
+            <a:blip r:embed="rId5">
               <a:extLst>
                 <a:ext uri="{96DAC541-7B7A-43D3-8B79-37D633B846F1}">
-                  <asvg:svgBlip xmlns:asvg="http://schemas.microsoft.com/office/drawing/2016/SVG/main" r:embed="rId5"/>
+                  <asvg:svgBlip xmlns:asvg="http://schemas.microsoft.com/office/drawing/2016/SVG/main" r:embed="rId6"/>
                 </a:ext>
               </a:extLst>
             </a:blip>
@@ -3708,7 +3668,7 @@
         </p:nvSpPr>
         <p:spPr>
           <a:xfrm flipH="1">
-            <a:off x="2163248" y="2221779"/>
+            <a:off x="2514600" y="2602779"/>
             <a:ext cx="0" cy="5843443"/>
           </a:xfrm>
           <a:prstGeom prst="line">
@@ -3763,7 +3723,7 @@
             </a:pathLst>
           </a:custGeom>
           <a:blipFill>
-            <a:blip r:embed="rId6"/>
+            <a:blip r:embed="rId7"/>
             <a:stretch>
               <a:fillRect/>
             </a:stretch>
@@ -3778,8 +3738,90 @@
         </p:nvSpPr>
         <p:spPr>
           <a:xfrm>
-            <a:off x="2417593" y="3812384"/>
-            <a:ext cx="15404202" cy="1813708"/>
+            <a:off x="2705101" y="3051798"/>
+            <a:ext cx="12877798" cy="3005246"/>
+          </a:xfrm>
+          <a:prstGeom prst="rect">
+            <a:avLst/>
+          </a:prstGeom>
+        </p:spPr>
+        <p:txBody>
+          <a:bodyPr wrap="square" lIns="0" tIns="0" rIns="0" bIns="0" rtlCol="0" anchor="t">
+            <a:spAutoFit/>
+          </a:bodyPr>
+          <a:lstStyle/>
+          <a:p>
+            <a:pPr algn="ctr">
+              <a:lnSpc>
+                <a:spcPct val="150000"/>
+              </a:lnSpc>
+            </a:pPr>
+            <a:r>
+              <a:rPr lang="vi-VN" sz="4500" b="1" i="1" dirty="0">
+                <a:solidFill>
+                  <a:schemeClr val="tx2"/>
+                </a:solidFill>
+                <a:effectLst/>
+                <a:latin typeface="+mj-lt"/>
+              </a:rPr>
+              <a:t>TÌM HIỂU GIẢI PHÁP THU THẬP DỮ LIỆU</a:t>
+            </a:r>
+          </a:p>
+          <a:p>
+            <a:pPr algn="ctr">
+              <a:lnSpc>
+                <a:spcPct val="150000"/>
+              </a:lnSpc>
+            </a:pPr>
+            <a:r>
+              <a:rPr lang="vi-VN" sz="4500" b="1" i="1" dirty="0">
+                <a:solidFill>
+                  <a:schemeClr val="tx2"/>
+                </a:solidFill>
+                <a:effectLst/>
+                <a:latin typeface="+mj-lt"/>
+              </a:rPr>
+              <a:t> THÔNG QUA  API CỦA CÁC NỀN TẢNG </a:t>
+            </a:r>
+          </a:p>
+          <a:p>
+            <a:pPr algn="ctr">
+              <a:lnSpc>
+                <a:spcPct val="150000"/>
+              </a:lnSpc>
+            </a:pPr>
+            <a:r>
+              <a:rPr lang="vi-VN" sz="4500" b="1" i="1" dirty="0">
+                <a:solidFill>
+                  <a:schemeClr val="tx2"/>
+                </a:solidFill>
+                <a:effectLst/>
+                <a:latin typeface="+mj-lt"/>
+              </a:rPr>
+              <a:t>THƯƠNG MẠI ĐIỆN TỬ</a:t>
+            </a:r>
+            <a:endParaRPr lang="en-US" sz="4500" b="1" i="1" dirty="0">
+              <a:solidFill>
+                <a:schemeClr val="tx2"/>
+              </a:solidFill>
+              <a:latin typeface="+mj-lt"/>
+              <a:ea typeface="Cormorant Garamond Bold Italics" panose="00000800000000000000"/>
+              <a:cs typeface="Cormorant Garamond Bold Italics" panose="00000800000000000000"/>
+              <a:sym typeface="Cormorant Garamond Bold Italics" panose="00000800000000000000"/>
+            </a:endParaRPr>
+          </a:p>
+        </p:txBody>
+      </p:sp>
+      <p:sp>
+        <p:nvSpPr>
+          <p:cNvPr id="8" name="TextBox 8"/>
+          <p:cNvSpPr txBox="1"/>
+          <p:nvPr/>
+        </p:nvSpPr>
+        <p:spPr>
+          <a:xfrm>
+            <a:off x="2895600" y="6341757"/>
+            <a:ext cx="10368096" cy="1307465"/>
           </a:xfrm>
           <a:prstGeom prst="rect">
             <a:avLst/>
@@ -3793,71 +3835,238 @@
           <a:p>
             <a:pPr algn="l">
               <a:lnSpc>
-                <a:spcPts val="7350"/>
+                <a:spcPts val="5100"/>
               </a:lnSpc>
             </a:pPr>
             <a:r>
-              <a:rPr lang="en-US" sz="4900" b="1" i="1">
+              <a:rPr lang="en-US" sz="3400" spc="13" dirty="0">
                 <a:solidFill>
                   <a:srgbClr val="2D3880"/>
                 </a:solidFill>
-                <a:latin typeface="Cormorant Garamond Bold Italics" panose="00000800000000000000"/>
-                <a:ea typeface="Cormorant Garamond Bold Italics" panose="00000800000000000000"/>
-                <a:cs typeface="Cormorant Garamond Bold Italics" panose="00000800000000000000"/>
-                <a:sym typeface="Cormorant Garamond Bold Italics" panose="00000800000000000000"/>
-              </a:rPr>
-              <a:t>TIỂM HIỂU GIẢI PHÁP THU TẬP DỮ LIỆU THÔNG QUA API</a:t>
-            </a:r>
-            <a:endParaRPr lang="en-US" sz="4900" b="1" i="1">
+                <a:latin typeface="Times New Roman" panose="02020603050405020304" charset="0"/>
+                <a:ea typeface="Times New Roman Condensed" panose="02030506070405020303"/>
+                <a:cs typeface="Times New Roman" panose="02020603050405020304" charset="0"/>
+                <a:sym typeface="Times New Roman Condensed" panose="02030506070405020303"/>
+              </a:rPr>
+              <a:t>GVHD: </a:t>
+            </a:r>
+            <a:r>
+              <a:rPr lang="en-US" sz="3400" spc="13" dirty="0" err="1">
+                <a:solidFill>
+                  <a:srgbClr val="2D3880"/>
+                </a:solidFill>
+                <a:latin typeface="Times New Roman" panose="02020603050405020304" charset="0"/>
+                <a:ea typeface="Times New Roman Condensed" panose="02030506070405020303"/>
+                <a:cs typeface="Times New Roman" panose="02020603050405020304" charset="0"/>
+                <a:sym typeface="Times New Roman Condensed" panose="02030506070405020303"/>
+              </a:rPr>
+              <a:t>Nguyễn</a:t>
+            </a:r>
+            <a:r>
+              <a:rPr lang="en-US" sz="3400" spc="13" dirty="0">
+                <a:solidFill>
+                  <a:srgbClr val="2D3880"/>
+                </a:solidFill>
+                <a:latin typeface="Times New Roman" panose="02020603050405020304" charset="0"/>
+                <a:ea typeface="Times New Roman Condensed" panose="02030506070405020303"/>
+                <a:cs typeface="Times New Roman" panose="02020603050405020304" charset="0"/>
+                <a:sym typeface="Times New Roman Condensed" panose="02030506070405020303"/>
+              </a:rPr>
+              <a:t> </a:t>
+            </a:r>
+            <a:r>
+              <a:rPr lang="en-US" sz="3400" spc="13" dirty="0" err="1">
+                <a:solidFill>
+                  <a:srgbClr val="2D3880"/>
+                </a:solidFill>
+                <a:latin typeface="Times New Roman" panose="02020603050405020304" charset="0"/>
+                <a:ea typeface="Times New Roman Condensed" panose="02030506070405020303"/>
+                <a:cs typeface="Times New Roman" panose="02020603050405020304" charset="0"/>
+                <a:sym typeface="Times New Roman Condensed" panose="02030506070405020303"/>
+              </a:rPr>
+              <a:t>Khắc</a:t>
+            </a:r>
+            <a:r>
+              <a:rPr lang="en-US" sz="3400" spc="13" dirty="0">
+                <a:solidFill>
+                  <a:srgbClr val="2D3880"/>
+                </a:solidFill>
+                <a:latin typeface="Times New Roman" panose="02020603050405020304" charset="0"/>
+                <a:ea typeface="Times New Roman Condensed" panose="02030506070405020303"/>
+                <a:cs typeface="Times New Roman" panose="02020603050405020304" charset="0"/>
+                <a:sym typeface="Times New Roman Condensed" panose="02030506070405020303"/>
+              </a:rPr>
+              <a:t> </a:t>
+            </a:r>
+            <a:r>
+              <a:rPr lang="en-US" sz="3400" spc="13" dirty="0" err="1">
+                <a:solidFill>
+                  <a:srgbClr val="2D3880"/>
+                </a:solidFill>
+                <a:latin typeface="Times New Roman" panose="02020603050405020304" charset="0"/>
+                <a:ea typeface="Times New Roman Condensed" panose="02030506070405020303"/>
+                <a:cs typeface="Times New Roman" panose="02020603050405020304" charset="0"/>
+                <a:sym typeface="Times New Roman Condensed" panose="02030506070405020303"/>
+              </a:rPr>
+              <a:t>Quốc</a:t>
+            </a:r>
+            <a:endParaRPr lang="en-US" sz="3400" spc="13" dirty="0">
               <a:solidFill>
                 <a:srgbClr val="2D3880"/>
               </a:solidFill>
-              <a:latin typeface="Cormorant Garamond Bold Italics" panose="00000800000000000000"/>
-              <a:ea typeface="Cormorant Garamond Bold Italics" panose="00000800000000000000"/>
-              <a:cs typeface="Cormorant Garamond Bold Italics" panose="00000800000000000000"/>
-              <a:sym typeface="Cormorant Garamond Bold Italics" panose="00000800000000000000"/>
+              <a:latin typeface="Times New Roman" panose="02020603050405020304" charset="0"/>
+              <a:ea typeface="Times New Roman Condensed" panose="02030506070405020303"/>
+              <a:cs typeface="Times New Roman" panose="02020603050405020304" charset="0"/>
+              <a:sym typeface="Times New Roman Condensed" panose="02030506070405020303"/>
             </a:endParaRPr>
           </a:p>
           <a:p>
             <a:pPr marL="0" lvl="0" indent="0" algn="l">
               <a:lnSpc>
-                <a:spcPts val="7350"/>
+                <a:spcPts val="5100"/>
               </a:lnSpc>
             </a:pPr>
             <a:r>
-              <a:rPr lang="en-US" sz="4900" b="1" i="1">
+              <a:rPr lang="en-US" sz="3400" spc="13" dirty="0">
                 <a:solidFill>
                   <a:srgbClr val="2D3880"/>
                 </a:solidFill>
-                <a:latin typeface="Cormorant Garamond Bold Italics" panose="00000800000000000000"/>
-                <a:ea typeface="Cormorant Garamond Bold Italics" panose="00000800000000000000"/>
-                <a:cs typeface="Cormorant Garamond Bold Italics" panose="00000800000000000000"/>
-                <a:sym typeface="Cormorant Garamond Bold Italics" panose="00000800000000000000"/>
-              </a:rPr>
-              <a:t>TỪ CÁC NỀN TẢNG THƯƠNG MẠI ĐIỆN TỬ</a:t>
-            </a:r>
-            <a:endParaRPr lang="en-US" sz="4900" b="1" i="1">
-              <a:solidFill>
-                <a:srgbClr val="2D3880"/>
-              </a:solidFill>
-              <a:latin typeface="Cormorant Garamond Bold Italics" panose="00000800000000000000"/>
-              <a:ea typeface="Cormorant Garamond Bold Italics" panose="00000800000000000000"/>
-              <a:cs typeface="Cormorant Garamond Bold Italics" panose="00000800000000000000"/>
-              <a:sym typeface="Cormorant Garamond Bold Italics" panose="00000800000000000000"/>
-            </a:endParaRPr>
+                <a:latin typeface="Times New Roman" panose="02020603050405020304" charset="0"/>
+                <a:ea typeface="Times New Roman Condensed" panose="02030506070405020303"/>
+                <a:cs typeface="Times New Roman" panose="02020603050405020304" charset="0"/>
+                <a:sym typeface="Times New Roman Condensed" panose="02030506070405020303"/>
+              </a:rPr>
+              <a:t>SVTH: </a:t>
+            </a:r>
+            <a:r>
+              <a:rPr lang="en-US" sz="3400" spc="13" dirty="0" err="1">
+                <a:solidFill>
+                  <a:srgbClr val="2D3880"/>
+                </a:solidFill>
+                <a:latin typeface="Times New Roman" panose="02020603050405020304" charset="0"/>
+                <a:ea typeface="Times New Roman Condensed" panose="02030506070405020303"/>
+                <a:cs typeface="Times New Roman" panose="02020603050405020304" charset="0"/>
+                <a:sym typeface="Times New Roman Condensed" panose="02030506070405020303"/>
+              </a:rPr>
+              <a:t>Nguyễn</a:t>
+            </a:r>
+            <a:r>
+              <a:rPr lang="en-US" sz="3400" spc="13" dirty="0">
+                <a:solidFill>
+                  <a:srgbClr val="2D3880"/>
+                </a:solidFill>
+                <a:latin typeface="Times New Roman" panose="02020603050405020304" charset="0"/>
+                <a:ea typeface="Times New Roman Condensed" panose="02030506070405020303"/>
+                <a:cs typeface="Times New Roman" panose="02020603050405020304" charset="0"/>
+                <a:sym typeface="Times New Roman Condensed" panose="02030506070405020303"/>
+              </a:rPr>
+              <a:t> </a:t>
+            </a:r>
+            <a:r>
+              <a:rPr lang="en-US" sz="3400" spc="13" dirty="0" err="1">
+                <a:solidFill>
+                  <a:srgbClr val="2D3880"/>
+                </a:solidFill>
+                <a:latin typeface="Times New Roman" panose="02020603050405020304" charset="0"/>
+                <a:ea typeface="Times New Roman Condensed" panose="02030506070405020303"/>
+                <a:cs typeface="Times New Roman" panose="02020603050405020304" charset="0"/>
+                <a:sym typeface="Times New Roman Condensed" panose="02030506070405020303"/>
+              </a:rPr>
+              <a:t>Tấn</a:t>
+            </a:r>
+            <a:r>
+              <a:rPr lang="en-US" sz="3400" spc="13" dirty="0">
+                <a:solidFill>
+                  <a:srgbClr val="2D3880"/>
+                </a:solidFill>
+                <a:latin typeface="Times New Roman" panose="02020603050405020304" charset="0"/>
+                <a:ea typeface="Times New Roman Condensed" panose="02030506070405020303"/>
+                <a:cs typeface="Times New Roman" panose="02020603050405020304" charset="0"/>
+                <a:sym typeface="Times New Roman Condensed" panose="02030506070405020303"/>
+              </a:rPr>
+              <a:t> </a:t>
+            </a:r>
+            <a:r>
+              <a:rPr lang="en-US" sz="3400" spc="13" dirty="0" err="1">
+                <a:solidFill>
+                  <a:srgbClr val="2D3880"/>
+                </a:solidFill>
+                <a:latin typeface="Times New Roman" panose="02020603050405020304" charset="0"/>
+                <a:ea typeface="Times New Roman Condensed" panose="02030506070405020303"/>
+                <a:cs typeface="Times New Roman" panose="02020603050405020304" charset="0"/>
+                <a:sym typeface="Times New Roman Condensed" panose="02030506070405020303"/>
+              </a:rPr>
+              <a:t>Lộc</a:t>
+            </a:r>
+            <a:r>
+              <a:rPr lang="en-US" sz="3400" spc="13" dirty="0">
+                <a:solidFill>
+                  <a:srgbClr val="2D3880"/>
+                </a:solidFill>
+                <a:latin typeface="Times New Roman" panose="02020603050405020304" charset="0"/>
+                <a:ea typeface="Times New Roman Condensed" panose="02030506070405020303"/>
+                <a:cs typeface="Times New Roman" panose="02020603050405020304" charset="0"/>
+                <a:sym typeface="Times New Roman Condensed" panose="02030506070405020303"/>
+              </a:rPr>
+              <a:t> - 110121189</a:t>
+            </a:r>
           </a:p>
         </p:txBody>
       </p:sp>
       <p:sp>
         <p:nvSpPr>
-          <p:cNvPr id="8" name="TextBox 8"/>
+          <p:cNvPr id="9" name="TextBox 9"/>
           <p:cNvSpPr txBox="1"/>
           <p:nvPr/>
         </p:nvSpPr>
         <p:spPr>
           <a:xfrm>
-            <a:off x="2417593" y="5960757"/>
-            <a:ext cx="10368096" cy="1307465"/>
+            <a:off x="4359910" y="1866900"/>
+            <a:ext cx="9568815" cy="681990"/>
+          </a:xfrm>
+          <a:prstGeom prst="rect">
+            <a:avLst/>
+          </a:prstGeom>
+        </p:spPr>
+        <p:txBody>
+          <a:bodyPr wrap="square" lIns="0" tIns="0" rIns="0" bIns="0" rtlCol="0" anchor="t">
+            <a:spAutoFit/>
+          </a:bodyPr>
+          <a:lstStyle/>
+          <a:p>
+            <a:pPr marL="0" lvl="0" indent="0" algn="ctr">
+              <a:lnSpc>
+                <a:spcPts val="5320"/>
+              </a:lnSpc>
+              <a:spcBef>
+                <a:spcPct val="0"/>
+              </a:spcBef>
+            </a:pPr>
+            <a:r>
+              <a:rPr lang="en-US" sz="3800" b="1" dirty="0">
+                <a:solidFill>
+                  <a:srgbClr val="2D3880"/>
+                </a:solidFill>
+                <a:latin typeface="Times New Roman" panose="02020603050405020304" charset="0"/>
+                <a:ea typeface="Glacial Indifference Bold" panose="00000800000000000000"/>
+                <a:cs typeface="Times New Roman" panose="02020603050405020304" charset="0"/>
+                <a:sym typeface="Glacial Indifference Bold" panose="00000800000000000000"/>
+              </a:rPr>
+              <a:t>THỰC TẬP ĐỒ ÁN CHUYÊN NGÀNH</a:t>
+            </a:r>
+          </a:p>
+        </p:txBody>
+      </p:sp>
+      <p:sp>
+        <p:nvSpPr>
+          <p:cNvPr id="10" name="TextBox 10"/>
+          <p:cNvSpPr txBox="1"/>
+          <p:nvPr/>
+        </p:nvSpPr>
+        <p:spPr>
+          <a:xfrm>
+            <a:off x="2895600" y="7908376"/>
+            <a:ext cx="10368096" cy="574040"/>
           </a:xfrm>
           <a:prstGeom prst="rect">
             <a:avLst/>
@@ -3869,137 +4078,6 @@
           </a:bodyPr>
           <a:lstStyle/>
           <a:p>
-            <a:pPr algn="l">
-              <a:lnSpc>
-                <a:spcPts val="5100"/>
-              </a:lnSpc>
-            </a:pPr>
-            <a:r>
-              <a:rPr lang="en-US" sz="3400" spc="13">
-                <a:solidFill>
-                  <a:srgbClr val="2D3880"/>
-                </a:solidFill>
-                <a:latin typeface="Times New Roman" panose="02020603050405020304" charset="0"/>
-                <a:ea typeface="Times New Roman Condensed" panose="02030506070405020303"/>
-                <a:cs typeface="Times New Roman" panose="02020603050405020304" charset="0"/>
-                <a:sym typeface="Times New Roman Condensed" panose="02030506070405020303"/>
-              </a:rPr>
-              <a:t>GVHD: Nguyễn Khắc Quốc</a:t>
-            </a:r>
-            <a:endParaRPr lang="en-US" sz="3400" spc="13">
-              <a:solidFill>
-                <a:srgbClr val="2D3880"/>
-              </a:solidFill>
-              <a:latin typeface="Times New Roman" panose="02020603050405020304" charset="0"/>
-              <a:ea typeface="Times New Roman Condensed" panose="02030506070405020303"/>
-              <a:cs typeface="Times New Roman" panose="02020603050405020304" charset="0"/>
-              <a:sym typeface="Times New Roman Condensed" panose="02030506070405020303"/>
-            </a:endParaRPr>
-          </a:p>
-          <a:p>
-            <a:pPr marL="0" lvl="0" indent="0" algn="l">
-              <a:lnSpc>
-                <a:spcPts val="5100"/>
-              </a:lnSpc>
-            </a:pPr>
-            <a:r>
-              <a:rPr lang="en-US" sz="3400" spc="13">
-                <a:solidFill>
-                  <a:srgbClr val="2D3880"/>
-                </a:solidFill>
-                <a:latin typeface="Times New Roman" panose="02020603050405020304" charset="0"/>
-                <a:ea typeface="Times New Roman Condensed" panose="02030506070405020303"/>
-                <a:cs typeface="Times New Roman" panose="02020603050405020304" charset="0"/>
-                <a:sym typeface="Times New Roman Condensed" panose="02030506070405020303"/>
-              </a:rPr>
-              <a:t>SVTH: Nguyễn Tấn Lộc - 110121189</a:t>
-            </a:r>
-            <a:endParaRPr lang="en-US" sz="3400" spc="13">
-              <a:solidFill>
-                <a:srgbClr val="2D3880"/>
-              </a:solidFill>
-              <a:latin typeface="Times New Roman" panose="02020603050405020304" charset="0"/>
-              <a:ea typeface="Times New Roman Condensed" panose="02030506070405020303"/>
-              <a:cs typeface="Times New Roman" panose="02020603050405020304" charset="0"/>
-              <a:sym typeface="Times New Roman Condensed" panose="02030506070405020303"/>
-            </a:endParaRPr>
-          </a:p>
-        </p:txBody>
-      </p:sp>
-      <p:sp>
-        <p:nvSpPr>
-          <p:cNvPr id="9" name="TextBox 9"/>
-          <p:cNvSpPr txBox="1"/>
-          <p:nvPr/>
-        </p:nvSpPr>
-        <p:spPr>
-          <a:xfrm>
-            <a:off x="4359910" y="2400300"/>
-            <a:ext cx="9568815" cy="681990"/>
-          </a:xfrm>
-          <a:prstGeom prst="rect">
-            <a:avLst/>
-          </a:prstGeom>
-        </p:spPr>
-        <p:txBody>
-          <a:bodyPr wrap="square" lIns="0" tIns="0" rIns="0" bIns="0" rtlCol="0" anchor="t">
-            <a:spAutoFit/>
-          </a:bodyPr>
-          <a:lstStyle/>
-          <a:p>
-            <a:pPr marL="0" lvl="0" indent="0" algn="ctr">
-              <a:lnSpc>
-                <a:spcPts val="5320"/>
-              </a:lnSpc>
-              <a:spcBef>
-                <a:spcPct val="0"/>
-              </a:spcBef>
-            </a:pPr>
-            <a:r>
-              <a:rPr lang="en-US" sz="3800" b="1">
-                <a:solidFill>
-                  <a:srgbClr val="2D3880"/>
-                </a:solidFill>
-                <a:latin typeface="Times New Roman" panose="02020603050405020304" charset="0"/>
-                <a:ea typeface="Glacial Indifference Bold" panose="00000800000000000000"/>
-                <a:cs typeface="Times New Roman" panose="02020603050405020304" charset="0"/>
-                <a:sym typeface="Glacial Indifference Bold" panose="00000800000000000000"/>
-              </a:rPr>
-              <a:t>THỰC TẬP ĐỒ ÁN CHUYÊN NGÀNH</a:t>
-            </a:r>
-            <a:endParaRPr lang="en-US" sz="3800" b="1">
-              <a:solidFill>
-                <a:srgbClr val="2D3880"/>
-              </a:solidFill>
-              <a:latin typeface="Times New Roman" panose="02020603050405020304" charset="0"/>
-              <a:ea typeface="Glacial Indifference Bold" panose="00000800000000000000"/>
-              <a:cs typeface="Times New Roman" panose="02020603050405020304" charset="0"/>
-              <a:sym typeface="Glacial Indifference Bold" panose="00000800000000000000"/>
-            </a:endParaRPr>
-          </a:p>
-        </p:txBody>
-      </p:sp>
-      <p:sp>
-        <p:nvSpPr>
-          <p:cNvPr id="10" name="TextBox 10"/>
-          <p:cNvSpPr txBox="1"/>
-          <p:nvPr/>
-        </p:nvSpPr>
-        <p:spPr>
-          <a:xfrm>
-            <a:off x="2417593" y="7527376"/>
-            <a:ext cx="10368096" cy="574040"/>
-          </a:xfrm>
-          <a:prstGeom prst="rect">
-            <a:avLst/>
-          </a:prstGeom>
-        </p:spPr>
-        <p:txBody>
-          <a:bodyPr lIns="0" tIns="0" rIns="0" bIns="0" rtlCol="0" anchor="t">
-            <a:spAutoFit/>
-          </a:bodyPr>
-          <a:lstStyle/>
-          <a:p>
             <a:pPr marL="0" lvl="0" indent="0" algn="l">
               <a:lnSpc>
                 <a:spcPts val="4480"/>
@@ -4020,15 +4098,6 @@
               </a:rPr>
               <a:t>DA21TTB</a:t>
             </a:r>
-            <a:endParaRPr lang="en-US" sz="3200">
-              <a:solidFill>
-                <a:srgbClr val="2D3880"/>
-              </a:solidFill>
-              <a:latin typeface="Times New Roman" panose="02020603050405020304" charset="0"/>
-              <a:ea typeface="Glacial Indifference"/>
-              <a:cs typeface="Times New Roman" panose="02020603050405020304" charset="0"/>
-              <a:sym typeface="Glacial Indifference"/>
-            </a:endParaRPr>
           </a:p>
         </p:txBody>
       </p:sp>
@@ -4037,13 +4106,13 @@
   <p:clrMapOvr>
     <a:masterClrMapping/>
   </p:clrMapOvr>
-  <mc:AlternateContent xmlns:mc="http://schemas.openxmlformats.org/markup-compatibility/2006">
-    <mc:Choice xmlns:p14="http://schemas.microsoft.com/office/powerpoint/2010/main" Requires="p14">
-      <p:transition spd="slow" p14:dur="1000">
+  <mc:AlternateContent xmlns:mc="http://schemas.openxmlformats.org/markup-compatibility/2006" xmlns:p14="http://schemas.microsoft.com/office/powerpoint/2010/main">
+    <mc:Choice Requires="p14">
+      <p:transition spd="slow">
         <p:wedge/>
       </p:transition>
     </mc:Choice>
-    <mc:Fallback>
+    <mc:Fallback xmlns="">
       <p:transition spd="slow">
         <p:wedge/>
       </p:transition>
@@ -4076,7 +4145,7 @@
           <p:nvPr/>
         </p:nvGrpSpPr>
         <p:grpSpPr>
-          <a:xfrm rot="0">
+          <a:xfrm>
             <a:off x="1028700" y="2122170"/>
             <a:ext cx="8115300" cy="3233058"/>
             <a:chOff x="0" y="0"/>
@@ -4147,6 +4216,7 @@
                   <a:spcPts val="3360"/>
                 </a:lnSpc>
               </a:pPr>
+              <a:endParaRPr/>
             </a:p>
           </p:txBody>
         </p:sp>
@@ -4158,7 +4228,7 @@
           <p:nvPr/>
         </p:nvGrpSpPr>
         <p:grpSpPr>
-          <a:xfrm rot="0">
+          <a:xfrm>
             <a:off x="9144000" y="2122170"/>
             <a:ext cx="8115300" cy="3233058"/>
             <a:chOff x="0" y="0"/>
@@ -4229,6 +4299,7 @@
                   <a:spcPts val="3360"/>
                 </a:lnSpc>
               </a:pPr>
+              <a:endParaRPr/>
             </a:p>
           </p:txBody>
         </p:sp>
@@ -4240,7 +4311,7 @@
           <p:nvPr/>
         </p:nvGrpSpPr>
         <p:grpSpPr>
-          <a:xfrm rot="0">
+          <a:xfrm>
             <a:off x="9144000" y="6031503"/>
             <a:ext cx="8115300" cy="3226797"/>
             <a:chOff x="0" y="0"/>
@@ -4311,6 +4382,7 @@
                   <a:spcPts val="3360"/>
                 </a:lnSpc>
               </a:pPr>
+              <a:endParaRPr/>
             </a:p>
           </p:txBody>
         </p:sp>
@@ -4322,7 +4394,7 @@
           <p:nvPr/>
         </p:nvGrpSpPr>
         <p:grpSpPr>
-          <a:xfrm rot="0">
+          <a:xfrm>
             <a:off x="1028700" y="6025242"/>
             <a:ext cx="8115300" cy="3233058"/>
             <a:chOff x="0" y="0"/>
@@ -4393,6 +4465,7 @@
                   <a:spcPts val="3360"/>
                 </a:lnSpc>
               </a:pPr>
+              <a:endParaRPr/>
             </a:p>
           </p:txBody>
         </p:sp>
@@ -4436,29 +4509,8 @@
                 <a:cs typeface="Times New Roman" panose="02020603050405020304" charset="0"/>
                 <a:sym typeface="Cormorant Garamond Bold" panose="00000800000000000000"/>
               </a:rPr>
-              <a:t>Các giải pháp nghiên </a:t>
-            </a:r>
-            <a:r>
-              <a:rPr lang="vi-VN" altLang="en-US" sz="7200" b="1">
-                <a:solidFill>
-                  <a:srgbClr val="2D3880"/>
-                </a:solidFill>
-                <a:latin typeface="Times New Roman" panose="02020603050405020304" charset="0"/>
-                <a:ea typeface="Cormorant Garamond Bold" panose="00000800000000000000"/>
-                <a:cs typeface="Times New Roman" panose="02020603050405020304" charset="0"/>
-                <a:sym typeface="Cormorant Garamond Bold" panose="00000800000000000000"/>
-              </a:rPr>
-              <a:t>cứu</a:t>
-            </a:r>
-            <a:endParaRPr lang="vi-VN" altLang="en-US" sz="7200" b="1">
-              <a:solidFill>
-                <a:srgbClr val="2D3880"/>
-              </a:solidFill>
-              <a:latin typeface="Times New Roman" panose="02020603050405020304" charset="0"/>
-              <a:ea typeface="Cormorant Garamond Bold" panose="00000800000000000000"/>
-              <a:cs typeface="Times New Roman" panose="02020603050405020304" charset="0"/>
-              <a:sym typeface="Cormorant Garamond Bold" panose="00000800000000000000"/>
-            </a:endParaRPr>
+              <a:t>Các giải pháp nghiên cứu</a:t>
+            </a:r>
           </a:p>
         </p:txBody>
       </p:sp>
@@ -4503,15 +4555,6 @@
               </a:rPr>
               <a:t>Giải pháp thu thấp dữ liệu thông qua API bằng Python</a:t>
             </a:r>
-            <a:endParaRPr lang="vi-VN" altLang="en-US" sz="3600" b="1">
-              <a:solidFill>
-                <a:srgbClr val="2D3880"/>
-              </a:solidFill>
-              <a:latin typeface="Times New Roman" panose="02020603050405020304" charset="0"/>
-              <a:ea typeface="Glacial Indifference Bold" panose="00000800000000000000"/>
-              <a:cs typeface="Times New Roman" panose="02020603050405020304" charset="0"/>
-              <a:sym typeface="Glacial Indifference Bold" panose="00000800000000000000"/>
-            </a:endParaRPr>
           </a:p>
         </p:txBody>
       </p:sp>
@@ -4554,29 +4597,8 @@
                 <a:cs typeface="Times New Roman" panose="02020603050405020304" charset="0"/>
                 <a:sym typeface="Glacial Indifference Bold" panose="00000800000000000000"/>
               </a:rPr>
-              <a:t>Giải pháp thu thập dữ liệu thông qua API </a:t>
-            </a:r>
-            <a:r>
-              <a:rPr lang="vi-VN" altLang="en-US" sz="3600" b="1">
-                <a:solidFill>
-                  <a:srgbClr val="2D3880"/>
-                </a:solidFill>
-                <a:latin typeface="Times New Roman" panose="02020603050405020304" charset="0"/>
-                <a:ea typeface="Glacial Indifference Bold" panose="00000800000000000000"/>
-                <a:cs typeface="Times New Roman" panose="02020603050405020304" charset="0"/>
-                <a:sym typeface="Glacial Indifference Bold" panose="00000800000000000000"/>
-              </a:rPr>
-              <a:t>qua việc </a:t>
-            </a:r>
-            <a:endParaRPr lang="vi-VN" altLang="en-US" sz="3600" b="1">
-              <a:solidFill>
-                <a:srgbClr val="2D3880"/>
-              </a:solidFill>
-              <a:latin typeface="Times New Roman" panose="02020603050405020304" charset="0"/>
-              <a:ea typeface="Glacial Indifference Bold" panose="00000800000000000000"/>
-              <a:cs typeface="Times New Roman" panose="02020603050405020304" charset="0"/>
-              <a:sym typeface="Glacial Indifference Bold" panose="00000800000000000000"/>
-            </a:endParaRPr>
+              <a:t>Giải pháp thu thập dữ liệu thông qua API qua việc </a:t>
+            </a:r>
           </a:p>
           <a:p>
             <a:pPr marL="0" lvl="0" indent="0" algn="ctr">
@@ -4599,15 +4621,6 @@
               </a:rPr>
               <a:t>bán hàng</a:t>
             </a:r>
-            <a:endParaRPr lang="vi-VN" altLang="en-US" sz="3600" b="1">
-              <a:solidFill>
-                <a:srgbClr val="2D3880"/>
-              </a:solidFill>
-              <a:latin typeface="Times New Roman" panose="02020603050405020304" charset="0"/>
-              <a:ea typeface="Glacial Indifference Bold" panose="00000800000000000000"/>
-              <a:cs typeface="Times New Roman" panose="02020603050405020304" charset="0"/>
-              <a:sym typeface="Glacial Indifference Bold" panose="00000800000000000000"/>
-            </a:endParaRPr>
           </a:p>
         </p:txBody>
       </p:sp>
@@ -4652,15 +4665,6 @@
               </a:rPr>
               <a:t>Giải pháp thu thập dữ liệu thông qua API bằng phần mềm quản lý đám mây</a:t>
             </a:r>
-            <a:endParaRPr lang="vi-VN" altLang="en-US" sz="3600" b="1">
-              <a:solidFill>
-                <a:srgbClr val="2D3880"/>
-              </a:solidFill>
-              <a:latin typeface="Times New Roman" panose="02020603050405020304" charset="0"/>
-              <a:ea typeface="Glacial Indifference Bold" panose="00000800000000000000"/>
-              <a:cs typeface="Times New Roman" panose="02020603050405020304" charset="0"/>
-              <a:sym typeface="Glacial Indifference Bold" panose="00000800000000000000"/>
-            </a:endParaRPr>
           </a:p>
         </p:txBody>
       </p:sp>
@@ -4703,29 +4707,8 @@
                 <a:cs typeface="Times New Roman" panose="02020603050405020304" charset="0"/>
                 <a:sym typeface="Glacial Indifference Bold" panose="00000800000000000000"/>
               </a:rPr>
-              <a:t>Giải pháp thu thập dữ liệu thông qua API </a:t>
-            </a:r>
-            <a:r>
-              <a:rPr lang="vi-VN" altLang="en-US" sz="3600" b="1">
-                <a:solidFill>
-                  <a:srgbClr val="2D3880"/>
-                </a:solidFill>
-                <a:latin typeface="Times New Roman" panose="02020603050405020304" charset="0"/>
-                <a:ea typeface="Glacial Indifference Bold" panose="00000800000000000000"/>
-                <a:cs typeface="Times New Roman" panose="02020603050405020304" charset="0"/>
-                <a:sym typeface="Glacial Indifference Bold" panose="00000800000000000000"/>
-              </a:rPr>
-              <a:t>qua việc hợp tác với các cửa hàng </a:t>
-            </a:r>
-            <a:endParaRPr lang="vi-VN" altLang="en-US" sz="3600" b="1">
-              <a:solidFill>
-                <a:srgbClr val="2D3880"/>
-              </a:solidFill>
-              <a:latin typeface="Times New Roman" panose="02020603050405020304" charset="0"/>
-              <a:ea typeface="Glacial Indifference Bold" panose="00000800000000000000"/>
-              <a:cs typeface="Times New Roman" panose="02020603050405020304" charset="0"/>
-              <a:sym typeface="Glacial Indifference Bold" panose="00000800000000000000"/>
-            </a:endParaRPr>
+              <a:t>Giải pháp thu thập dữ liệu thông qua API qua việc hợp tác với các cửa hàng </a:t>
+            </a:r>
           </a:p>
         </p:txBody>
       </p:sp>
@@ -4736,7 +4719,7 @@
           <p:nvPr/>
         </p:nvPicPr>
         <p:blipFill>
-          <a:blip r:embed="rId1"/>
+          <a:blip r:embed="rId2"/>
           <a:srcRect l="39111" t="4741" r="7556" b="8736"/>
           <a:stretch>
             <a:fillRect/>
@@ -4759,7 +4742,7 @@
           <p:nvPr/>
         </p:nvPicPr>
         <p:blipFill>
-          <a:blip r:embed="rId2"/>
+          <a:blip r:embed="rId3"/>
           <a:srcRect l="35500" t="30260" r="35500"/>
           <a:stretch>
             <a:fillRect/>
@@ -4782,7 +4765,7 @@
           <p:nvPr/>
         </p:nvPicPr>
         <p:blipFill>
-          <a:blip r:embed="rId3"/>
+          <a:blip r:embed="rId4"/>
           <a:srcRect l="18667" r="16000"/>
           <a:stretch>
             <a:fillRect/>
@@ -4805,7 +4788,7 @@
           <p:nvPr/>
         </p:nvPicPr>
         <p:blipFill>
-          <a:blip r:embed="rId4"/>
+          <a:blip r:embed="rId5"/>
           <a:srcRect l="24609" t="9028" r="17578" b="4861"/>
           <a:stretch>
             <a:fillRect/>
@@ -4853,7 +4836,7 @@
           <p:nvPr/>
         </p:nvGrpSpPr>
         <p:grpSpPr>
-          <a:xfrm rot="0">
+          <a:xfrm>
             <a:off x="9889130" y="1055071"/>
             <a:ext cx="7370170" cy="8203229"/>
             <a:chOff x="0" y="0"/>
@@ -4924,6 +4907,7 @@
                   <a:spcPts val="3010"/>
                 </a:lnSpc>
               </a:pPr>
+              <a:endParaRPr/>
             </a:p>
           </p:txBody>
         </p:sp>
@@ -4967,10 +4951,10 @@
             </a:pathLst>
           </a:custGeom>
           <a:blipFill>
-            <a:blip r:embed="rId1">
+            <a:blip r:embed="rId2">
               <a:extLst>
                 <a:ext uri="{96DAC541-7B7A-43D3-8B79-37D633B846F1}">
-                  <asvg:svgBlip xmlns:asvg="http://schemas.microsoft.com/office/drawing/2016/SVG/main" r:embed="rId2"/>
+                  <asvg:svgBlip xmlns:asvg="http://schemas.microsoft.com/office/drawing/2016/SVG/main" r:embed="rId3"/>
                 </a:ext>
               </a:extLst>
             </a:blip>
@@ -5019,10 +5003,10 @@
             </a:pathLst>
           </a:custGeom>
           <a:blipFill>
-            <a:blip r:embed="rId3">
+            <a:blip r:embed="rId4">
               <a:extLst>
                 <a:ext uri="{96DAC541-7B7A-43D3-8B79-37D633B846F1}">
-                  <asvg:svgBlip xmlns:asvg="http://schemas.microsoft.com/office/drawing/2016/SVG/main" r:embed="rId4"/>
+                  <asvg:svgBlip xmlns:asvg="http://schemas.microsoft.com/office/drawing/2016/SVG/main" r:embed="rId5"/>
                 </a:ext>
               </a:extLst>
             </a:blip>
@@ -5073,15 +5057,6 @@
               </a:rPr>
               <a:t>Kết quả</a:t>
             </a:r>
-            <a:endParaRPr lang="vi-VN" altLang="en-US" sz="10800" b="1" i="1">
-              <a:solidFill>
-                <a:srgbClr val="2D3880"/>
-              </a:solidFill>
-              <a:latin typeface="Times New Roman" panose="02020603050405020304" charset="0"/>
-              <a:ea typeface="Cormorant Garamond Bold Italics" panose="00000800000000000000"/>
-              <a:cs typeface="Times New Roman" panose="02020603050405020304" charset="0"/>
-              <a:sym typeface="Cormorant Garamond Bold Italics" panose="00000800000000000000"/>
-            </a:endParaRPr>
           </a:p>
         </p:txBody>
       </p:sp>
@@ -5092,7 +5067,7 @@
           <p:nvPr/>
         </p:nvPicPr>
         <p:blipFill>
-          <a:blip r:embed="rId5"/>
+          <a:blip r:embed="rId6"/>
           <a:stretch>
             <a:fillRect/>
           </a:stretch>
@@ -5171,10 +5146,10 @@
             </a:pathLst>
           </a:custGeom>
           <a:blipFill>
-            <a:blip r:embed="rId1">
+            <a:blip r:embed="rId2">
               <a:extLst>
                 <a:ext uri="{96DAC541-7B7A-43D3-8B79-37D633B846F1}">
-                  <asvg:svgBlip xmlns:asvg="http://schemas.microsoft.com/office/drawing/2016/SVG/main" r:embed="rId2"/>
+                  <asvg:svgBlip xmlns:asvg="http://schemas.microsoft.com/office/drawing/2016/SVG/main" r:embed="rId3"/>
                 </a:ext>
               </a:extLst>
             </a:blip>
@@ -5222,15 +5197,6 @@
               </a:rPr>
               <a:t>Ưu điểm:</a:t>
             </a:r>
-            <a:endParaRPr lang="vi-VN" altLang="en-US" sz="3600" b="1">
-              <a:solidFill>
-                <a:srgbClr val="2D3880"/>
-              </a:solidFill>
-              <a:latin typeface="Times New Roman" panose="02020603050405020304" charset="0"/>
-              <a:ea typeface="Glacial Indifference Bold" panose="00000800000000000000"/>
-              <a:cs typeface="Times New Roman" panose="02020603050405020304" charset="0"/>
-              <a:sym typeface="Glacial Indifference Bold" panose="00000800000000000000"/>
-            </a:endParaRPr>
           </a:p>
         </p:txBody>
       </p:sp>
@@ -5275,15 +5241,6 @@
               </a:rPr>
               <a:t>Nhược điểm:</a:t>
             </a:r>
-            <a:endParaRPr lang="vi-VN" altLang="en-US" sz="3600" b="1">
-              <a:solidFill>
-                <a:srgbClr val="2D3880"/>
-              </a:solidFill>
-              <a:latin typeface="Times New Roman" panose="02020603050405020304" charset="0"/>
-              <a:ea typeface="Glacial Indifference Bold" panose="00000800000000000000"/>
-              <a:cs typeface="Times New Roman" panose="02020603050405020304" charset="0"/>
-              <a:sym typeface="Glacial Indifference Bold" panose="00000800000000000000"/>
-            </a:endParaRPr>
           </a:p>
         </p:txBody>
       </p:sp>
@@ -5321,6 +5278,7 @@
         </p:style>
         <p:txBody>
           <a:bodyPr rtlCol="0" anchor="ctr"/>
+          <a:lstStyle/>
           <a:p>
             <a:pPr algn="ctr"/>
             <a:r>
@@ -5380,6 +5338,7 @@
         </p:style>
         <p:txBody>
           <a:bodyPr rtlCol="0" anchor="ctr"/>
+          <a:lstStyle/>
           <a:p>
             <a:pPr algn="l">
               <a:lnSpc>
@@ -5396,13 +5355,6 @@
               </a:rPr>
               <a:t>- Linh hoạt và tùy biến cao</a:t>
             </a:r>
-            <a:endParaRPr lang="en-US" altLang="en-US" sz="3200">
-              <a:solidFill>
-                <a:schemeClr val="tx2"/>
-              </a:solidFill>
-              <a:latin typeface="Times New Roman" panose="02020603050405020304" charset="0"/>
-              <a:cs typeface="Times New Roman" panose="02020603050405020304" charset="0"/>
-            </a:endParaRPr>
           </a:p>
           <a:p>
             <a:pPr algn="l">
@@ -5418,35 +5370,8 @@
                 <a:latin typeface="Times New Roman" panose="02020603050405020304" charset="0"/>
                 <a:cs typeface="Times New Roman" panose="02020603050405020304" charset="0"/>
               </a:rPr>
-              <a:t>- Th</a:t>
-            </a:r>
-            <a:r>
-              <a:rPr lang="en-US" altLang="en-US" sz="3200">
-                <a:solidFill>
-                  <a:schemeClr val="tx2"/>
-                </a:solidFill>
-                <a:latin typeface="Times New Roman" panose="02020603050405020304" charset="0"/>
-                <a:cs typeface="Times New Roman" panose="02020603050405020304" charset="0"/>
-              </a:rPr>
-              <a:t>ư</a:t>
-            </a:r>
-            <a:r>
-              <a:rPr lang="en-US" altLang="en-US" sz="3200">
-                <a:solidFill>
-                  <a:schemeClr val="tx2"/>
-                </a:solidFill>
-                <a:latin typeface="Times New Roman" panose="02020603050405020304" charset="0"/>
-                <a:cs typeface="Times New Roman" panose="02020603050405020304" charset="0"/>
-              </a:rPr>
-              <a:t> viện hỗ trợ phong phú</a:t>
-            </a:r>
-            <a:endParaRPr lang="en-US" altLang="en-US" sz="3200">
-              <a:solidFill>
-                <a:schemeClr val="tx2"/>
-              </a:solidFill>
-              <a:latin typeface="Times New Roman" panose="02020603050405020304" charset="0"/>
-              <a:cs typeface="Times New Roman" panose="02020603050405020304" charset="0"/>
-            </a:endParaRPr>
+              <a:t>- Thư viện hỗ trợ phong phú</a:t>
+            </a:r>
           </a:p>
           <a:p>
             <a:pPr algn="l">
@@ -5464,13 +5389,6 @@
               </a:rPr>
               <a:t>- Tiết kiệm chi phí</a:t>
             </a:r>
-            <a:endParaRPr lang="en-US" altLang="en-US" sz="3200">
-              <a:solidFill>
-                <a:schemeClr val="tx2"/>
-              </a:solidFill>
-              <a:latin typeface="Times New Roman" panose="02020603050405020304" charset="0"/>
-              <a:cs typeface="Times New Roman" panose="02020603050405020304" charset="0"/>
-            </a:endParaRPr>
           </a:p>
           <a:p>
             <a:pPr algn="l">
@@ -5486,35 +5404,8 @@
                 <a:latin typeface="Times New Roman" panose="02020603050405020304" charset="0"/>
                 <a:cs typeface="Times New Roman" panose="02020603050405020304" charset="0"/>
               </a:rPr>
-              <a:t>- Khả n</a:t>
-            </a:r>
-            <a:r>
-              <a:rPr lang="en-US" altLang="en-US" sz="3200">
-                <a:solidFill>
-                  <a:schemeClr val="tx2"/>
-                </a:solidFill>
-                <a:latin typeface="Times New Roman" panose="02020603050405020304" charset="0"/>
-                <a:cs typeface="Times New Roman" panose="02020603050405020304" charset="0"/>
-              </a:rPr>
-              <a:t>ă</a:t>
-            </a:r>
-            <a:r>
-              <a:rPr lang="en-US" altLang="en-US" sz="3200">
-                <a:solidFill>
-                  <a:schemeClr val="tx2"/>
-                </a:solidFill>
-                <a:latin typeface="Times New Roman" panose="02020603050405020304" charset="0"/>
-                <a:cs typeface="Times New Roman" panose="02020603050405020304" charset="0"/>
-              </a:rPr>
-              <a:t>ng mở rộng</a:t>
-            </a:r>
-            <a:endParaRPr lang="en-US" altLang="en-US" sz="3200">
-              <a:solidFill>
-                <a:schemeClr val="tx2"/>
-              </a:solidFill>
-              <a:latin typeface="Times New Roman" panose="02020603050405020304" charset="0"/>
-              <a:cs typeface="Times New Roman" panose="02020603050405020304" charset="0"/>
-            </a:endParaRPr>
+              <a:t>- Khả năng mở rộng</a:t>
+            </a:r>
           </a:p>
         </p:txBody>
       </p:sp>
@@ -5557,6 +5448,7 @@
         </p:style>
         <p:txBody>
           <a:bodyPr rtlCol="0" anchor="ctr"/>
+          <a:lstStyle/>
           <a:p>
             <a:pPr algn="l">
               <a:lnSpc>
@@ -5571,35 +5463,8 @@
                 <a:latin typeface="Times New Roman" panose="02020603050405020304" charset="0"/>
                 <a:cs typeface="Times New Roman" panose="02020603050405020304" charset="0"/>
               </a:rPr>
-              <a:t>- Yêu cầu kỹ n</a:t>
-            </a:r>
-            <a:r>
-              <a:rPr lang="en-US" altLang="en-US" sz="3200">
-                <a:solidFill>
-                  <a:schemeClr val="tx2"/>
-                </a:solidFill>
-                <a:latin typeface="Times New Roman" panose="02020603050405020304" charset="0"/>
-                <a:cs typeface="Times New Roman" panose="02020603050405020304" charset="0"/>
-              </a:rPr>
-              <a:t>ă</a:t>
-            </a:r>
-            <a:r>
-              <a:rPr lang="en-US" altLang="en-US" sz="3200">
-                <a:solidFill>
-                  <a:schemeClr val="tx2"/>
-                </a:solidFill>
-                <a:latin typeface="Times New Roman" panose="02020603050405020304" charset="0"/>
-                <a:cs typeface="Times New Roman" panose="02020603050405020304" charset="0"/>
-              </a:rPr>
-              <a:t>ng lập trình</a:t>
-            </a:r>
-            <a:endParaRPr lang="en-US" altLang="en-US" sz="3200">
-              <a:solidFill>
-                <a:schemeClr val="tx2"/>
-              </a:solidFill>
-              <a:latin typeface="Times New Roman" panose="02020603050405020304" charset="0"/>
-              <a:cs typeface="Times New Roman" panose="02020603050405020304" charset="0"/>
-            </a:endParaRPr>
+              <a:t>- Yêu cầu kỹ năng lập trình</a:t>
+            </a:r>
           </a:p>
           <a:p>
             <a:pPr algn="l">
@@ -5615,55 +5480,8 @@
                 <a:latin typeface="Times New Roman" panose="02020603050405020304" charset="0"/>
                 <a:cs typeface="Times New Roman" panose="02020603050405020304" charset="0"/>
               </a:rPr>
-              <a:t>- Quản l</a:t>
-            </a:r>
-            <a:r>
-              <a:rPr lang="en-US" altLang="en-US" sz="3200">
-                <a:solidFill>
-                  <a:schemeClr val="tx2"/>
-                </a:solidFill>
-                <a:latin typeface="Times New Roman" panose="02020603050405020304" charset="0"/>
-                <a:cs typeface="Times New Roman" panose="02020603050405020304" charset="0"/>
-              </a:rPr>
-              <a:t>ý</a:t>
-            </a:r>
-            <a:r>
-              <a:rPr lang="en-US" altLang="en-US" sz="3200">
-                <a:solidFill>
-                  <a:schemeClr val="tx2"/>
-                </a:solidFill>
-                <a:latin typeface="Times New Roman" panose="02020603050405020304" charset="0"/>
-                <a:cs typeface="Times New Roman" panose="02020603050405020304" charset="0"/>
-              </a:rPr>
-              <a:t> môi tr</a:t>
-            </a:r>
-            <a:r>
-              <a:rPr lang="en-US" altLang="en-US" sz="3200">
-                <a:solidFill>
-                  <a:schemeClr val="tx2"/>
-                </a:solidFill>
-                <a:latin typeface="Times New Roman" panose="02020603050405020304" charset="0"/>
-                <a:cs typeface="Times New Roman" panose="02020603050405020304" charset="0"/>
-              </a:rPr>
-              <a:t>ư</a:t>
-            </a:r>
-            <a:r>
-              <a:rPr lang="en-US" altLang="en-US" sz="3200">
-                <a:solidFill>
-                  <a:schemeClr val="tx2"/>
-                </a:solidFill>
-                <a:latin typeface="Times New Roman" panose="02020603050405020304" charset="0"/>
-                <a:cs typeface="Times New Roman" panose="02020603050405020304" charset="0"/>
-              </a:rPr>
-              <a:t>ờng</a:t>
-            </a:r>
-            <a:endParaRPr lang="en-US" altLang="en-US" sz="3200">
-              <a:solidFill>
-                <a:schemeClr val="tx2"/>
-              </a:solidFill>
-              <a:latin typeface="Times New Roman" panose="02020603050405020304" charset="0"/>
-              <a:cs typeface="Times New Roman" panose="02020603050405020304" charset="0"/>
-            </a:endParaRPr>
+              <a:t>- Quản lý môi trường</a:t>
+            </a:r>
           </a:p>
           <a:p>
             <a:pPr algn="l">
@@ -5679,35 +5497,8 @@
                 <a:latin typeface="Times New Roman" panose="02020603050405020304" charset="0"/>
                 <a:cs typeface="Times New Roman" panose="02020603050405020304" charset="0"/>
               </a:rPr>
-              <a:t>- Giới hạn hiệu n</a:t>
-            </a:r>
-            <a:r>
-              <a:rPr lang="en-US" altLang="en-US" sz="3200">
-                <a:solidFill>
-                  <a:schemeClr val="tx2"/>
-                </a:solidFill>
-                <a:latin typeface="Times New Roman" panose="02020603050405020304" charset="0"/>
-                <a:cs typeface="Times New Roman" panose="02020603050405020304" charset="0"/>
-              </a:rPr>
-              <a:t>ă</a:t>
-            </a:r>
-            <a:r>
-              <a:rPr lang="en-US" altLang="en-US" sz="3200">
-                <a:solidFill>
-                  <a:schemeClr val="tx2"/>
-                </a:solidFill>
-                <a:latin typeface="Times New Roman" panose="02020603050405020304" charset="0"/>
-                <a:cs typeface="Times New Roman" panose="02020603050405020304" charset="0"/>
-              </a:rPr>
-              <a:t>ng khi </a:t>
-            </a:r>
-            <a:endParaRPr lang="en-US" altLang="en-US" sz="3200">
-              <a:solidFill>
-                <a:schemeClr val="tx2"/>
-              </a:solidFill>
-              <a:latin typeface="Times New Roman" panose="02020603050405020304" charset="0"/>
-              <a:cs typeface="Times New Roman" panose="02020603050405020304" charset="0"/>
-            </a:endParaRPr>
+              <a:t>- Giới hạn hiệu năng khi </a:t>
+            </a:r>
           </a:p>
         </p:txBody>
       </p:sp>
@@ -5745,6 +5536,7 @@
         </p:style>
         <p:txBody>
           <a:bodyPr rtlCol="0" anchor="ctr"/>
+          <a:lstStyle/>
           <a:p>
             <a:pPr marL="0" lvl="0" indent="0" algn="ctr">
               <a:lnSpc>
@@ -5814,6 +5606,7 @@
         </p:style>
         <p:txBody>
           <a:bodyPr rtlCol="0" anchor="ctr"/>
+          <a:lstStyle/>
           <a:p>
             <a:pPr algn="l">
               <a:lnSpc>
@@ -5829,6 +5622,40 @@
                 <a:cs typeface="Times New Roman" panose="02020603050405020304" charset="0"/>
               </a:rPr>
               <a:t>- Dễ triển khai và sử dụng</a:t>
+            </a:r>
+          </a:p>
+          <a:p>
+            <a:pPr algn="l">
+              <a:lnSpc>
+                <a:spcPct val="150000"/>
+              </a:lnSpc>
+            </a:pPr>
+            <a:r>
+              <a:rPr lang="en-US" altLang="en-US" sz="3200">
+                <a:solidFill>
+                  <a:schemeClr val="tx2"/>
+                </a:solidFill>
+                <a:latin typeface="Times New Roman" panose="02020603050405020304" charset="0"/>
+                <a:cs typeface="Times New Roman" panose="02020603050405020304" charset="0"/>
+              </a:rPr>
+              <a:t>- Hiệu năng cao và ổn định</a:t>
+            </a:r>
+          </a:p>
+          <a:p>
+            <a:pPr algn="l">
+              <a:lnSpc>
+                <a:spcPct val="150000"/>
+              </a:lnSpc>
+            </a:pPr>
+            <a:r>
+              <a:rPr lang="vi-VN" altLang="en-US" sz="3200">
+                <a:solidFill>
+                  <a:schemeClr val="tx2"/>
+                </a:solidFill>
+                <a:latin typeface="Times New Roman" panose="02020603050405020304" charset="0"/>
+                <a:cs typeface="Times New Roman" panose="02020603050405020304" charset="0"/>
+              </a:rPr>
+              <a:t>- Khả năng mở rộng</a:t>
             </a:r>
             <a:endParaRPr lang="en-US" altLang="en-US" sz="3200">
               <a:solidFill>
@@ -5852,55 +5679,8 @@
                 <a:latin typeface="Times New Roman" panose="02020603050405020304" charset="0"/>
                 <a:cs typeface="Times New Roman" panose="02020603050405020304" charset="0"/>
               </a:rPr>
-              <a:t>- Hiệu n</a:t>
-            </a:r>
-            <a:r>
-              <a:rPr lang="en-US" altLang="en-US" sz="3200">
-                <a:solidFill>
-                  <a:schemeClr val="tx2"/>
-                </a:solidFill>
-                <a:latin typeface="Times New Roman" panose="02020603050405020304" charset="0"/>
-                <a:cs typeface="Times New Roman" panose="02020603050405020304" charset="0"/>
-              </a:rPr>
-              <a:t>ă</a:t>
-            </a:r>
-            <a:r>
-              <a:rPr lang="en-US" altLang="en-US" sz="3200">
-                <a:solidFill>
-                  <a:schemeClr val="tx2"/>
-                </a:solidFill>
-                <a:latin typeface="Times New Roman" panose="02020603050405020304" charset="0"/>
-                <a:cs typeface="Times New Roman" panose="02020603050405020304" charset="0"/>
-              </a:rPr>
-              <a:t>ng cao và ổn </a:t>
-            </a:r>
-            <a:r>
-              <a:rPr lang="en-US" altLang="en-US" sz="3200">
-                <a:solidFill>
-                  <a:schemeClr val="tx2"/>
-                </a:solidFill>
-                <a:latin typeface="Times New Roman" panose="02020603050405020304" charset="0"/>
-                <a:cs typeface="Times New Roman" panose="02020603050405020304" charset="0"/>
-              </a:rPr>
-              <a:t>đ</a:t>
-            </a:r>
-            <a:r>
-              <a:rPr lang="en-US" altLang="en-US" sz="3200">
-                <a:solidFill>
-                  <a:schemeClr val="tx2"/>
-                </a:solidFill>
-                <a:latin typeface="Times New Roman" panose="02020603050405020304" charset="0"/>
-                <a:cs typeface="Times New Roman" panose="02020603050405020304" charset="0"/>
-              </a:rPr>
-              <a:t>ịnh</a:t>
-            </a:r>
-            <a:endParaRPr lang="en-US" altLang="en-US" sz="3200">
-              <a:solidFill>
-                <a:schemeClr val="tx2"/>
-              </a:solidFill>
-              <a:latin typeface="Times New Roman" panose="02020603050405020304" charset="0"/>
-              <a:cs typeface="Times New Roman" panose="02020603050405020304" charset="0"/>
-            </a:endParaRPr>
+              <a:t>- Quản lý tự động</a:t>
+            </a:r>
           </a:p>
           <a:p>
             <a:pPr algn="l">
@@ -5909,110 +5689,15 @@
               </a:lnSpc>
             </a:pPr>
             <a:r>
-              <a:rPr lang="vi-VN" altLang="en-US" sz="3200">
+              <a:rPr lang="en-US" altLang="en-US" sz="3200">
                 <a:solidFill>
                   <a:schemeClr val="tx2"/>
                 </a:solidFill>
                 <a:latin typeface="Times New Roman" panose="02020603050405020304" charset="0"/>
                 <a:cs typeface="Times New Roman" panose="02020603050405020304" charset="0"/>
               </a:rPr>
-              <a:t>- Khả năng mở rộng</a:t>
-            </a:r>
-            <a:endParaRPr lang="en-US" altLang="en-US" sz="3200">
-              <a:solidFill>
-                <a:schemeClr val="tx2"/>
-              </a:solidFill>
-              <a:latin typeface="Times New Roman" panose="02020603050405020304" charset="0"/>
-              <a:cs typeface="Times New Roman" panose="02020603050405020304" charset="0"/>
-            </a:endParaRPr>
-          </a:p>
-          <a:p>
-            <a:pPr algn="l">
-              <a:lnSpc>
-                <a:spcPct val="150000"/>
-              </a:lnSpc>
-            </a:pPr>
-            <a:r>
-              <a:rPr lang="en-US" altLang="en-US" sz="3200">
-                <a:solidFill>
-                  <a:schemeClr val="tx2"/>
-                </a:solidFill>
-                <a:latin typeface="Times New Roman" panose="02020603050405020304" charset="0"/>
-                <a:cs typeface="Times New Roman" panose="02020603050405020304" charset="0"/>
-              </a:rPr>
-              <a:t>- Quản l</a:t>
-            </a:r>
-            <a:r>
-              <a:rPr lang="en-US" altLang="en-US" sz="3200">
-                <a:solidFill>
-                  <a:schemeClr val="tx2"/>
-                </a:solidFill>
-                <a:latin typeface="Times New Roman" panose="02020603050405020304" charset="0"/>
-                <a:cs typeface="Times New Roman" panose="02020603050405020304" charset="0"/>
-              </a:rPr>
-              <a:t>ý</a:t>
-            </a:r>
-            <a:r>
-              <a:rPr lang="en-US" altLang="en-US" sz="3200">
-                <a:solidFill>
-                  <a:schemeClr val="tx2"/>
-                </a:solidFill>
-                <a:latin typeface="Times New Roman" panose="02020603050405020304" charset="0"/>
-                <a:cs typeface="Times New Roman" panose="02020603050405020304" charset="0"/>
-              </a:rPr>
-              <a:t> tự </a:t>
-            </a:r>
-            <a:r>
-              <a:rPr lang="en-US" altLang="en-US" sz="3200">
-                <a:solidFill>
-                  <a:schemeClr val="tx2"/>
-                </a:solidFill>
-                <a:latin typeface="Times New Roman" panose="02020603050405020304" charset="0"/>
-                <a:cs typeface="Times New Roman" panose="02020603050405020304" charset="0"/>
-              </a:rPr>
-              <a:t>đ</a:t>
-            </a:r>
-            <a:r>
-              <a:rPr lang="en-US" altLang="en-US" sz="3200">
-                <a:solidFill>
-                  <a:schemeClr val="tx2"/>
-                </a:solidFill>
-                <a:latin typeface="Times New Roman" panose="02020603050405020304" charset="0"/>
-                <a:cs typeface="Times New Roman" panose="02020603050405020304" charset="0"/>
-              </a:rPr>
-              <a:t>ộng</a:t>
-            </a:r>
-            <a:endParaRPr lang="en-US" altLang="en-US" sz="3200">
-              <a:solidFill>
-                <a:schemeClr val="tx2"/>
-              </a:solidFill>
-              <a:latin typeface="Times New Roman" panose="02020603050405020304" charset="0"/>
-              <a:cs typeface="Times New Roman" panose="02020603050405020304" charset="0"/>
-            </a:endParaRPr>
-          </a:p>
-          <a:p>
-            <a:pPr algn="l">
-              <a:lnSpc>
-                <a:spcPct val="150000"/>
-              </a:lnSpc>
-            </a:pPr>
-            <a:r>
-              <a:rPr lang="en-US" altLang="en-US" sz="3200">
-                <a:solidFill>
-                  <a:schemeClr val="tx2"/>
-                </a:solidFill>
-                <a:latin typeface="Times New Roman" panose="02020603050405020304" charset="0"/>
-                <a:cs typeface="Times New Roman" panose="02020603050405020304" charset="0"/>
-              </a:rPr>
               <a:t>- An toàn dữ liệu</a:t>
             </a:r>
-            <a:endParaRPr lang="en-US" altLang="en-US" sz="3200">
-              <a:solidFill>
-                <a:schemeClr val="tx2"/>
-              </a:solidFill>
-              <a:latin typeface="Times New Roman" panose="02020603050405020304" charset="0"/>
-              <a:cs typeface="Times New Roman" panose="02020603050405020304" charset="0"/>
-            </a:endParaRPr>
           </a:p>
         </p:txBody>
       </p:sp>
@@ -6055,6 +5740,7 @@
         </p:style>
         <p:txBody>
           <a:bodyPr rtlCol="0" anchor="ctr"/>
+          <a:lstStyle/>
           <a:p>
             <a:pPr algn="l">
               <a:lnSpc>
@@ -6079,25 +5765,8 @@
                 <a:latin typeface="Times New Roman" panose="02020603050405020304" charset="0"/>
                 <a:cs typeface="Times New Roman" panose="02020603050405020304" charset="0"/>
               </a:rPr>
-              <a:t>Chi phí </a:t>
-            </a:r>
-            <a:r>
-              <a:rPr lang="vi-VN" altLang="en-US" sz="3200">
-                <a:solidFill>
-                  <a:schemeClr val="tx2"/>
-                </a:solidFill>
-                <a:latin typeface="Times New Roman" panose="02020603050405020304" charset="0"/>
-                <a:cs typeface="Times New Roman" panose="02020603050405020304" charset="0"/>
-              </a:rPr>
-              <a:t>cao</a:t>
-            </a:r>
-            <a:endParaRPr lang="vi-VN" altLang="en-US" sz="3200">
-              <a:solidFill>
-                <a:schemeClr val="tx2"/>
-              </a:solidFill>
-              <a:latin typeface="Times New Roman" panose="02020603050405020304" charset="0"/>
-              <a:cs typeface="Times New Roman" panose="02020603050405020304" charset="0"/>
-            </a:endParaRPr>
+              <a:t>Chi phí cao</a:t>
+            </a:r>
           </a:p>
           <a:p>
             <a:pPr algn="l">
@@ -6181,25 +5850,8 @@
                 <a:latin typeface="Times New Roman" panose="02020603050405020304" charset="0"/>
                 <a:cs typeface="Times New Roman" panose="02020603050405020304" charset="0"/>
               </a:rPr>
-              <a:t>Yêu cầu kỹ năng quản lý đám </a:t>
-            </a:r>
-            <a:r>
-              <a:rPr lang="vi-VN" altLang="en-US" sz="3200">
-                <a:solidFill>
-                  <a:schemeClr val="tx2"/>
-                </a:solidFill>
-                <a:latin typeface="Times New Roman" panose="02020603050405020304" charset="0"/>
-                <a:cs typeface="Times New Roman" panose="02020603050405020304" charset="0"/>
-              </a:rPr>
-              <a:t>mây</a:t>
-            </a:r>
-            <a:endParaRPr lang="vi-VN" altLang="en-US" sz="3200">
-              <a:solidFill>
-                <a:schemeClr val="tx2"/>
-              </a:solidFill>
-              <a:latin typeface="Times New Roman" panose="02020603050405020304" charset="0"/>
-              <a:cs typeface="Times New Roman" panose="02020603050405020304" charset="0"/>
-            </a:endParaRPr>
+              <a:t>Yêu cầu kỹ năng quản lý đám mây</a:t>
+            </a:r>
           </a:p>
         </p:txBody>
       </p:sp>
@@ -6237,6 +5889,7 @@
         </p:style>
         <p:txBody>
           <a:bodyPr rtlCol="0" anchor="ctr"/>
+          <a:lstStyle/>
           <a:p>
             <a:pPr marL="0" lvl="0" indent="0" algn="ctr">
               <a:lnSpc>
@@ -6258,15 +5911,6 @@
               </a:rPr>
               <a:t>Giải pháp thu thập dữ liệu thông qua API</a:t>
             </a:r>
-            <a:endParaRPr lang="vi-VN" altLang="en-US" sz="5800" b="1">
-              <a:solidFill>
-                <a:srgbClr val="2D3880"/>
-              </a:solidFill>
-              <a:latin typeface="Times New Roman" panose="02020603050405020304" charset="0"/>
-              <a:ea typeface="Glacial Indifference Bold" panose="00000800000000000000"/>
-              <a:cs typeface="Times New Roman" panose="02020603050405020304" charset="0"/>
-              <a:sym typeface="Glacial Indifference Bold" panose="00000800000000000000"/>
-            </a:endParaRPr>
           </a:p>
           <a:p>
             <a:pPr marL="0" lvl="0" indent="0" algn="ctr">
@@ -6334,6 +5978,7 @@
         </p:style>
         <p:txBody>
           <a:bodyPr rtlCol="0" anchor="ctr"/>
+          <a:lstStyle/>
           <a:p>
             <a:pPr algn="l">
               <a:lnSpc>
@@ -6450,25 +6095,8 @@
                 <a:latin typeface="Times New Roman" panose="02020603050405020304" charset="0"/>
                 <a:cs typeface="Times New Roman" panose="02020603050405020304" charset="0"/>
               </a:rPr>
-              <a:t>Dễ tiếp cận và cập nhật liên </a:t>
-            </a:r>
-            <a:r>
-              <a:rPr lang="vi-VN" altLang="en-US" sz="3200">
-                <a:solidFill>
-                  <a:schemeClr val="tx2"/>
-                </a:solidFill>
-                <a:latin typeface="Times New Roman" panose="02020603050405020304" charset="0"/>
-                <a:cs typeface="Times New Roman" panose="02020603050405020304" charset="0"/>
-              </a:rPr>
-              <a:t>tục</a:t>
-            </a:r>
-            <a:endParaRPr lang="vi-VN" altLang="en-US" sz="3200">
-              <a:solidFill>
-                <a:schemeClr val="tx2"/>
-              </a:solidFill>
-              <a:latin typeface="Times New Roman" panose="02020603050405020304" charset="0"/>
-              <a:cs typeface="Times New Roman" panose="02020603050405020304" charset="0"/>
-            </a:endParaRPr>
+              <a:t>Dễ tiếp cận và cập nhật liên tục</a:t>
+            </a:r>
           </a:p>
           <a:p>
             <a:pPr algn="l">
@@ -6525,6 +6153,7 @@
         </p:style>
         <p:txBody>
           <a:bodyPr rtlCol="0" anchor="ctr"/>
+          <a:lstStyle/>
           <a:p>
             <a:pPr algn="l">
               <a:lnSpc>
@@ -6549,25 +6178,8 @@
                 <a:latin typeface="Times New Roman" panose="02020603050405020304" charset="0"/>
                 <a:cs typeface="Times New Roman" panose="02020603050405020304" charset="0"/>
               </a:rPr>
-              <a:t>Khó thu thập dữ liệu quy mô </a:t>
-            </a:r>
-            <a:r>
-              <a:rPr lang="vi-VN" altLang="en-US" sz="3200">
-                <a:solidFill>
-                  <a:schemeClr val="tx2"/>
-                </a:solidFill>
-                <a:latin typeface="Times New Roman" panose="02020603050405020304" charset="0"/>
-                <a:cs typeface="Times New Roman" panose="02020603050405020304" charset="0"/>
-              </a:rPr>
-              <a:t>lớn</a:t>
-            </a:r>
-            <a:endParaRPr lang="vi-VN" altLang="en-US" sz="3200">
-              <a:solidFill>
-                <a:schemeClr val="tx2"/>
-              </a:solidFill>
-              <a:latin typeface="Times New Roman" panose="02020603050405020304" charset="0"/>
-              <a:cs typeface="Times New Roman" panose="02020603050405020304" charset="0"/>
-            </a:endParaRPr>
+              <a:t>Khó thu thập dữ liệu quy mô lớn</a:t>
+            </a:r>
           </a:p>
           <a:p>
             <a:pPr algn="l">
@@ -6677,6 +6289,7 @@
         </p:style>
         <p:txBody>
           <a:bodyPr rtlCol="0" anchor="ctr"/>
+          <a:lstStyle/>
           <a:p>
             <a:pPr marL="0" lvl="0" indent="0" algn="ctr">
               <a:lnSpc>
@@ -6746,6 +6359,7 @@
         </p:style>
         <p:txBody>
           <a:bodyPr rtlCol="0" anchor="ctr"/>
+          <a:lstStyle/>
           <a:p>
             <a:pPr algn="l">
               <a:lnSpc>
@@ -6862,25 +6476,8 @@
                 <a:latin typeface="Times New Roman" panose="02020603050405020304" charset="0"/>
                 <a:cs typeface="Times New Roman" panose="02020603050405020304" charset="0"/>
               </a:rPr>
-              <a:t>Dữ liệu thực tế và kiệp </a:t>
-            </a:r>
-            <a:r>
-              <a:rPr lang="vi-VN" altLang="en-US" sz="3200">
-                <a:solidFill>
-                  <a:schemeClr val="tx2"/>
-                </a:solidFill>
-                <a:latin typeface="Times New Roman" panose="02020603050405020304" charset="0"/>
-                <a:cs typeface="Times New Roman" panose="02020603050405020304" charset="0"/>
-              </a:rPr>
-              <a:t>thời</a:t>
-            </a:r>
-            <a:endParaRPr lang="vi-VN" altLang="en-US" sz="3200">
-              <a:solidFill>
-                <a:schemeClr val="tx2"/>
-              </a:solidFill>
-              <a:latin typeface="Times New Roman" panose="02020603050405020304" charset="0"/>
-              <a:cs typeface="Times New Roman" panose="02020603050405020304" charset="0"/>
-            </a:endParaRPr>
+              <a:t>Dữ liệu thực tế và kiệp thời</a:t>
+            </a:r>
           </a:p>
           <a:p>
             <a:pPr algn="l">
@@ -6937,6 +6534,7 @@
         </p:style>
         <p:txBody>
           <a:bodyPr rtlCol="0" anchor="ctr"/>
+          <a:lstStyle/>
           <a:p>
             <a:pPr algn="l">
               <a:lnSpc>
@@ -6961,25 +6559,8 @@
                 <a:latin typeface="Times New Roman" panose="02020603050405020304" charset="0"/>
                 <a:cs typeface="Times New Roman" panose="02020603050405020304" charset="0"/>
               </a:rPr>
-              <a:t> Phụ thuộc vào các cửa </a:t>
-            </a:r>
-            <a:r>
-              <a:rPr lang="vi-VN" altLang="en-US" sz="3200">
-                <a:solidFill>
-                  <a:schemeClr val="tx2"/>
-                </a:solidFill>
-                <a:latin typeface="Times New Roman" panose="02020603050405020304" charset="0"/>
-                <a:cs typeface="Times New Roman" panose="02020603050405020304" charset="0"/>
-              </a:rPr>
-              <a:t>hàng</a:t>
-            </a:r>
-            <a:endParaRPr lang="vi-VN" altLang="en-US" sz="3200">
-              <a:solidFill>
-                <a:schemeClr val="tx2"/>
-              </a:solidFill>
-              <a:latin typeface="Times New Roman" panose="02020603050405020304" charset="0"/>
-              <a:cs typeface="Times New Roman" panose="02020603050405020304" charset="0"/>
-            </a:endParaRPr>
+              <a:t> Phụ thuộc vào các cửa hàng</a:t>
+            </a:r>
           </a:p>
           <a:p>
             <a:pPr algn="l">
@@ -7053,25 +6634,8 @@
                 <a:latin typeface="Times New Roman" panose="02020603050405020304" charset="0"/>
                 <a:cs typeface="Times New Roman" panose="02020603050405020304" charset="0"/>
               </a:rPr>
-              <a:t>- Khó khăng trong việc đồng bộ hóa dữ </a:t>
-            </a:r>
-            <a:r>
-              <a:rPr lang="vi-VN" altLang="en-US" sz="3200">
-                <a:solidFill>
-                  <a:schemeClr val="tx2"/>
-                </a:solidFill>
-                <a:latin typeface="Times New Roman" panose="02020603050405020304" charset="0"/>
-                <a:cs typeface="Times New Roman" panose="02020603050405020304" charset="0"/>
-              </a:rPr>
-              <a:t>liệu</a:t>
-            </a:r>
-            <a:endParaRPr lang="vi-VN" altLang="en-US" sz="3200">
-              <a:solidFill>
-                <a:schemeClr val="tx2"/>
-              </a:solidFill>
-              <a:latin typeface="Times New Roman" panose="02020603050405020304" charset="0"/>
-              <a:cs typeface="Times New Roman" panose="02020603050405020304" charset="0"/>
-            </a:endParaRPr>
+              <a:t>- Khó khăng trong việc đồng bộ hóa dữ liệu</a:t>
+            </a:r>
           </a:p>
         </p:txBody>
       </p:sp>
@@ -7852,14 +7416,14 @@
       </p:par>
     </p:tnLst>
     <p:bldLst>
+      <p:bldP spid="9" grpId="0"/>
+      <p:bldP spid="9" grpId="1"/>
+      <p:bldP spid="13" grpId="0"/>
+      <p:bldP spid="13" grpId="1"/>
       <p:bldP spid="14" grpId="0" animBg="1"/>
       <p:bldP spid="14" grpId="1" animBg="1"/>
-      <p:bldP spid="9" grpId="0"/>
-      <p:bldP spid="9" grpId="1"/>
       <p:bldP spid="16" grpId="0" animBg="1"/>
       <p:bldP spid="16" grpId="1" animBg="1"/>
-      <p:bldP spid="13" grpId="0"/>
-      <p:bldP spid="13" grpId="1"/>
       <p:bldP spid="17" grpId="0" animBg="1"/>
       <p:bldP spid="17" grpId="1" animBg="1"/>
       <p:bldP spid="18" grpId="0" bldLvl="0" animBg="1"/>
@@ -7909,7 +7473,7 @@
           <p:nvPr/>
         </p:nvGrpSpPr>
         <p:grpSpPr>
-          <a:xfrm rot="0">
+          <a:xfrm>
             <a:off x="10085070" y="1055370"/>
             <a:ext cx="7174230" cy="8202930"/>
             <a:chOff x="0" y="0"/>
@@ -7980,6 +7544,7 @@
                   <a:spcPts val="3010"/>
                 </a:lnSpc>
               </a:pPr>
+              <a:endParaRPr/>
             </a:p>
           </p:txBody>
         </p:sp>
@@ -8023,10 +7588,10 @@
             </a:pathLst>
           </a:custGeom>
           <a:blipFill>
-            <a:blip r:embed="rId1">
+            <a:blip r:embed="rId2">
               <a:extLst>
                 <a:ext uri="{96DAC541-7B7A-43D3-8B79-37D633B846F1}">
-                  <asvg:svgBlip xmlns:asvg="http://schemas.microsoft.com/office/drawing/2016/SVG/main" r:embed="rId2"/>
+                  <asvg:svgBlip xmlns:asvg="http://schemas.microsoft.com/office/drawing/2016/SVG/main" r:embed="rId3"/>
                 </a:ext>
               </a:extLst>
             </a:blip>
@@ -8075,10 +7640,10 @@
             </a:pathLst>
           </a:custGeom>
           <a:blipFill>
-            <a:blip r:embed="rId3">
+            <a:blip r:embed="rId4">
               <a:extLst>
                 <a:ext uri="{96DAC541-7B7A-43D3-8B79-37D633B846F1}">
-                  <asvg:svgBlip xmlns:asvg="http://schemas.microsoft.com/office/drawing/2016/SVG/main" r:embed="rId4"/>
+                  <asvg:svgBlip xmlns:asvg="http://schemas.microsoft.com/office/drawing/2016/SVG/main" r:embed="rId5"/>
                 </a:ext>
               </a:extLst>
             </a:blip>
@@ -8095,7 +7660,7 @@
           <p:nvPr/>
         </p:nvPicPr>
         <p:blipFill>
-          <a:blip r:embed="rId5"/>
+          <a:blip r:embed="rId6"/>
           <a:stretch>
             <a:fillRect/>
           </a:stretch>
@@ -8151,15 +7716,6 @@
               </a:rPr>
               <a:t>Kết luận và </a:t>
             </a:r>
-            <a:endParaRPr lang="vi-VN" altLang="en-US" sz="10800" b="1" i="1">
-              <a:solidFill>
-                <a:srgbClr val="2D3880"/>
-              </a:solidFill>
-              <a:latin typeface="Times New Roman" panose="02020603050405020304" charset="0"/>
-              <a:ea typeface="Cormorant Garamond Bold Italics" panose="00000800000000000000"/>
-              <a:cs typeface="Times New Roman" panose="02020603050405020304" charset="0"/>
-              <a:sym typeface="Cormorant Garamond Bold Italics" panose="00000800000000000000"/>
-            </a:endParaRPr>
           </a:p>
           <a:p>
             <a:pPr marL="0" lvl="0" indent="0" algn="ctr">
@@ -8180,29 +7736,8 @@
                 <a:cs typeface="Times New Roman" panose="02020603050405020304" charset="0"/>
                 <a:sym typeface="Cormorant Garamond Bold Italics" panose="00000800000000000000"/>
               </a:rPr>
-              <a:t>đề </a:t>
-            </a:r>
-            <a:r>
-              <a:rPr lang="vi-VN" altLang="en-US" sz="10800" b="1" i="1">
-                <a:solidFill>
-                  <a:srgbClr val="2D3880"/>
-                </a:solidFill>
-                <a:latin typeface="Times New Roman" panose="02020603050405020304" charset="0"/>
-                <a:ea typeface="Cormorant Garamond Bold Italics" panose="00000800000000000000"/>
-                <a:cs typeface="Times New Roman" panose="02020603050405020304" charset="0"/>
-                <a:sym typeface="Cormorant Garamond Bold Italics" panose="00000800000000000000"/>
-              </a:rPr>
-              <a:t>xuất</a:t>
-            </a:r>
-            <a:endParaRPr lang="vi-VN" altLang="en-US" sz="10800" b="1" i="1">
-              <a:solidFill>
-                <a:srgbClr val="2D3880"/>
-              </a:solidFill>
-              <a:latin typeface="Times New Roman" panose="02020603050405020304" charset="0"/>
-              <a:ea typeface="Cormorant Garamond Bold Italics" panose="00000800000000000000"/>
-              <a:cs typeface="Times New Roman" panose="02020603050405020304" charset="0"/>
-              <a:sym typeface="Cormorant Garamond Bold Italics" panose="00000800000000000000"/>
-            </a:endParaRPr>
+              <a:t>đề xuất</a:t>
+            </a:r>
           </a:p>
         </p:txBody>
       </p:sp>
@@ -8211,13 +7746,13 @@
   <p:clrMapOvr>
     <a:masterClrMapping/>
   </p:clrMapOvr>
-  <mc:AlternateContent xmlns:mc="http://schemas.openxmlformats.org/markup-compatibility/2006">
-    <mc:Choice xmlns:p14="http://schemas.microsoft.com/office/powerpoint/2010/main" Requires="p14">
-      <p:transition spd="med" p14:dur="750">
+  <mc:AlternateContent xmlns:mc="http://schemas.openxmlformats.org/markup-compatibility/2006" xmlns:p14="http://schemas.microsoft.com/office/powerpoint/2010/main">
+    <mc:Choice Requires="p14">
+      <p:transition spd="med">
         <p:pull/>
       </p:transition>
     </mc:Choice>
-    <mc:Fallback>
+    <mc:Fallback xmlns="">
       <p:transition spd="med">
         <p:pull/>
       </p:transition>
@@ -8262,6 +7797,7 @@
           <a:bodyPr wrap="square">
             <a:spAutoFit/>
           </a:bodyPr>
+          <a:lstStyle/>
           <a:p>
             <a:pPr marL="0" indent="0" algn="just" defTabSz="457200">
               <a:lnSpc>
@@ -8605,14 +8141,6 @@
               </a:rPr>
               <a:t>.</a:t>
             </a:r>
-            <a:endParaRPr lang="en-US" sz="3200">
-              <a:solidFill>
-                <a:schemeClr val="tx2"/>
-              </a:solidFill>
-              <a:latin typeface="Times New Roman" panose="02020603050405020304" charset="0"/>
-              <a:ea typeface="Times New Roman" panose="02020603050405020304"/>
-              <a:cs typeface="Times New Roman" panose="02020603050405020304" charset="0"/>
-            </a:endParaRPr>
           </a:p>
           <a:p>
             <a:pPr marL="0" indent="0" algn="just" defTabSz="457200">
@@ -8804,14 +8332,6 @@
               </a:rPr>
               <a:t>giúp thu thập dữ liệu đa dạng hơn so với giải pháp bán hàng, nhưng giải pháp này phụ thuộc vào các cửa hàng.</a:t>
             </a:r>
-            <a:endParaRPr lang="zh-CN" sz="3200">
-              <a:solidFill>
-                <a:schemeClr val="tx2"/>
-              </a:solidFill>
-              <a:latin typeface="Times New Roman" panose="02020603050405020304" charset="0"/>
-              <a:ea typeface="Times New Roman" panose="02020603050405020304"/>
-              <a:cs typeface="Times New Roman" panose="02020603050405020304" charset="0"/>
-            </a:endParaRPr>
           </a:p>
         </p:txBody>
       </p:sp>
@@ -8856,15 +8376,6 @@
               </a:rPr>
               <a:t>Kết luận</a:t>
             </a:r>
-            <a:endParaRPr lang="vi-VN" altLang="en-US" sz="7200" b="1" i="1">
-              <a:solidFill>
-                <a:srgbClr val="2D3880"/>
-              </a:solidFill>
-              <a:latin typeface="Times New Roman" panose="02020603050405020304" charset="0"/>
-              <a:ea typeface="Cormorant Garamond Bold Italics" panose="00000800000000000000"/>
-              <a:cs typeface="Times New Roman" panose="02020603050405020304" charset="0"/>
-              <a:sym typeface="Cormorant Garamond Bold Italics" panose="00000800000000000000"/>
-            </a:endParaRPr>
           </a:p>
         </p:txBody>
       </p:sp>
@@ -8907,10 +8418,10 @@
             </a:pathLst>
           </a:custGeom>
           <a:blipFill>
-            <a:blip r:embed="rId1">
+            <a:blip r:embed="rId2">
               <a:extLst>
                 <a:ext uri="{96DAC541-7B7A-43D3-8B79-37D633B846F1}">
-                  <asvg:svgBlip xmlns:asvg="http://schemas.microsoft.com/office/drawing/2016/SVG/main" r:embed="rId2"/>
+                  <asvg:svgBlip xmlns:asvg="http://schemas.microsoft.com/office/drawing/2016/SVG/main" r:embed="rId3"/>
                 </a:ext>
               </a:extLst>
             </a:blip>
@@ -8959,10 +8470,10 @@
             </a:pathLst>
           </a:custGeom>
           <a:blipFill>
-            <a:blip r:embed="rId1">
+            <a:blip r:embed="rId2">
               <a:extLst>
                 <a:ext uri="{96DAC541-7B7A-43D3-8B79-37D633B846F1}">
-                  <asvg:svgBlip xmlns:asvg="http://schemas.microsoft.com/office/drawing/2016/SVG/main" r:embed="rId2"/>
+                  <asvg:svgBlip xmlns:asvg="http://schemas.microsoft.com/office/drawing/2016/SVG/main" r:embed="rId3"/>
                 </a:ext>
               </a:extLst>
             </a:blip>
@@ -8977,13 +8488,13 @@
   <p:clrMapOvr>
     <a:masterClrMapping/>
   </p:clrMapOvr>
-  <mc:AlternateContent xmlns:mc="http://schemas.openxmlformats.org/markup-compatibility/2006">
-    <mc:Choice xmlns:p14="http://schemas.microsoft.com/office/powerpoint/2010/main" Requires="p14">
-      <p:transition spd="med" p14:dur="750">
+  <mc:AlternateContent xmlns:mc="http://schemas.openxmlformats.org/markup-compatibility/2006" xmlns:p14="http://schemas.microsoft.com/office/powerpoint/2010/main">
+    <mc:Choice Requires="p14">
+      <p:transition spd="med">
         <p:pull/>
       </p:transition>
     </mc:Choice>
-    <mc:Fallback>
+    <mc:Fallback xmlns="">
       <p:transition spd="med">
         <p:pull/>
       </p:transition>
@@ -9016,7 +8527,7 @@
           <p:nvPr/>
         </p:nvGrpSpPr>
         <p:grpSpPr>
-          <a:xfrm rot="0">
+          <a:xfrm>
             <a:off x="0" y="0"/>
             <a:ext cx="6331905" cy="10287000"/>
             <a:chOff x="0" y="0"/>
@@ -9087,6 +8598,7 @@
                   <a:spcPts val="3360"/>
                 </a:lnSpc>
               </a:pPr>
+              <a:endParaRPr/>
             </a:p>
           </p:txBody>
         </p:sp>
@@ -9127,29 +8639,8 @@
                 <a:cs typeface="Times New Roman" panose="02020603050405020304" charset="0"/>
                 <a:sym typeface="Cormorant Garamond Bold Italics" panose="00000800000000000000"/>
               </a:rPr>
-              <a:t>Đề </a:t>
-            </a:r>
-            <a:r>
-              <a:rPr lang="vi-VN" altLang="en-US" sz="8800" b="1" i="1">
-                <a:solidFill>
-                  <a:srgbClr val="FFFFFF"/>
-                </a:solidFill>
-                <a:latin typeface="Times New Roman" panose="02020603050405020304" charset="0"/>
-                <a:ea typeface="Cormorant Garamond Bold Italics" panose="00000800000000000000"/>
-                <a:cs typeface="Times New Roman" panose="02020603050405020304" charset="0"/>
-                <a:sym typeface="Cormorant Garamond Bold Italics" panose="00000800000000000000"/>
-              </a:rPr>
-              <a:t>xuất</a:t>
-            </a:r>
-            <a:endParaRPr lang="vi-VN" altLang="en-US" sz="8800" b="1" i="1">
-              <a:solidFill>
-                <a:srgbClr val="FFFFFF"/>
-              </a:solidFill>
-              <a:latin typeface="Times New Roman" panose="02020603050405020304" charset="0"/>
-              <a:ea typeface="Cormorant Garamond Bold Italics" panose="00000800000000000000"/>
-              <a:cs typeface="Times New Roman" panose="02020603050405020304" charset="0"/>
-              <a:sym typeface="Cormorant Garamond Bold Italics" panose="00000800000000000000"/>
-            </a:endParaRPr>
+              <a:t>Đề xuất</a:t>
+            </a:r>
           </a:p>
         </p:txBody>
       </p:sp>
@@ -9160,7 +8651,7 @@
           <p:nvPr/>
         </p:nvPicPr>
         <p:blipFill>
-          <a:blip r:embed="rId1"/>
+          <a:blip r:embed="rId2"/>
           <a:srcRect b="5926"/>
           <a:stretch>
             <a:fillRect/>
@@ -9195,6 +8686,7 @@
           <a:bodyPr lIns="0" tIns="0" rIns="0" bIns="0" rtlCol="0" anchor="t">
             <a:noAutofit/>
           </a:bodyPr>
+          <a:lstStyle/>
           <a:p>
             <a:pPr marL="0" lvl="0" indent="457200" algn="l">
               <a:lnSpc>
@@ -9211,10 +8703,10 @@
                 <a:cs typeface="Times New Roman" panose="02020603050405020304" charset="0"/>
                 <a:sym typeface="Glacial Indifference"/>
               </a:rPr>
-              <a:t>Dựa vào những giải pháp trên </a:t>
-            </a:r>
-            <a:r>
-              <a:rPr lang="en-US" altLang="en-US" sz="3600">
+              <a:t>Dựa vào những giải pháp trên đưa ra thêm nhiều giải pháp mới hiệu quả hơn, cải tiến hơn, giúp giảm thời gian, công sức, chi phí,… khi muốn thu thập dữ liệu như đánh giá khách hàng, đánh giá người bán, đánh giá hệ thống từ các nền tảng TMĐT</a:t>
+            </a:r>
+            <a:r>
+              <a:rPr lang="vi-VN" altLang="en-US" sz="3600">
                 <a:solidFill>
                   <a:srgbClr val="2D3880"/>
                 </a:solidFill>
@@ -9223,185 +8715,8 @@
                 <a:cs typeface="Times New Roman" panose="02020603050405020304" charset="0"/>
                 <a:sym typeface="Glacial Indifference"/>
               </a:rPr>
-              <a:t>đư</a:t>
-            </a:r>
-            <a:r>
-              <a:rPr lang="en-US" altLang="en-US" sz="3600">
-                <a:solidFill>
-                  <a:srgbClr val="2D3880"/>
-                </a:solidFill>
-                <a:latin typeface="Times New Roman" panose="02020603050405020304" charset="0"/>
-                <a:ea typeface="Glacial Indifference"/>
-                <a:cs typeface="Times New Roman" panose="02020603050405020304" charset="0"/>
-                <a:sym typeface="Glacial Indifference"/>
-              </a:rPr>
-              <a:t>a ra thêm nhiều giải pháp mới hiệu quả hơn, cải tiến hơn, giúp giảm thời gian, công sức, chi phí,… khi muốn thu thập dữ liệu nh</a:t>
-            </a:r>
-            <a:r>
-              <a:rPr lang="en-US" altLang="en-US" sz="3600">
-                <a:solidFill>
-                  <a:srgbClr val="2D3880"/>
-                </a:solidFill>
-                <a:latin typeface="Times New Roman" panose="02020603050405020304" charset="0"/>
-                <a:ea typeface="Glacial Indifference"/>
-                <a:cs typeface="Times New Roman" panose="02020603050405020304" charset="0"/>
-                <a:sym typeface="Glacial Indifference"/>
-              </a:rPr>
-              <a:t>ư</a:t>
-            </a:r>
-            <a:r>
-              <a:rPr lang="en-US" altLang="en-US" sz="3600">
-                <a:solidFill>
-                  <a:srgbClr val="2D3880"/>
-                </a:solidFill>
-                <a:latin typeface="Times New Roman" panose="02020603050405020304" charset="0"/>
-                <a:ea typeface="Glacial Indifference"/>
-                <a:cs typeface="Times New Roman" panose="02020603050405020304" charset="0"/>
-                <a:sym typeface="Glacial Indifference"/>
-              </a:rPr>
-              <a:t> </a:t>
-            </a:r>
-            <a:r>
-              <a:rPr lang="en-US" altLang="en-US" sz="3600">
-                <a:solidFill>
-                  <a:srgbClr val="2D3880"/>
-                </a:solidFill>
-                <a:latin typeface="Times New Roman" panose="02020603050405020304" charset="0"/>
-                <a:ea typeface="Glacial Indifference"/>
-                <a:cs typeface="Times New Roman" panose="02020603050405020304" charset="0"/>
-                <a:sym typeface="Glacial Indifference"/>
-              </a:rPr>
-              <a:t>đ</a:t>
-            </a:r>
-            <a:r>
-              <a:rPr lang="en-US" altLang="en-US" sz="3600">
-                <a:solidFill>
-                  <a:srgbClr val="2D3880"/>
-                </a:solidFill>
-                <a:latin typeface="Times New Roman" panose="02020603050405020304" charset="0"/>
-                <a:ea typeface="Glacial Indifference"/>
-                <a:cs typeface="Times New Roman" panose="02020603050405020304" charset="0"/>
-                <a:sym typeface="Glacial Indifference"/>
-              </a:rPr>
-              <a:t>ánh giá khách hàng, </a:t>
-            </a:r>
-            <a:r>
-              <a:rPr lang="en-US" altLang="en-US" sz="3600">
-                <a:solidFill>
-                  <a:srgbClr val="2D3880"/>
-                </a:solidFill>
-                <a:latin typeface="Times New Roman" panose="02020603050405020304" charset="0"/>
-                <a:ea typeface="Glacial Indifference"/>
-                <a:cs typeface="Times New Roman" panose="02020603050405020304" charset="0"/>
-                <a:sym typeface="Glacial Indifference"/>
-              </a:rPr>
-              <a:t>đ</a:t>
-            </a:r>
-            <a:r>
-              <a:rPr lang="en-US" altLang="en-US" sz="3600">
-                <a:solidFill>
-                  <a:srgbClr val="2D3880"/>
-                </a:solidFill>
-                <a:latin typeface="Times New Roman" panose="02020603050405020304" charset="0"/>
-                <a:ea typeface="Glacial Indifference"/>
-                <a:cs typeface="Times New Roman" panose="02020603050405020304" charset="0"/>
-                <a:sym typeface="Glacial Indifference"/>
-              </a:rPr>
-              <a:t>ánh giá ng</a:t>
-            </a:r>
-            <a:r>
-              <a:rPr lang="en-US" altLang="en-US" sz="3600">
-                <a:solidFill>
-                  <a:srgbClr val="2D3880"/>
-                </a:solidFill>
-                <a:latin typeface="Times New Roman" panose="02020603050405020304" charset="0"/>
-                <a:ea typeface="Glacial Indifference"/>
-                <a:cs typeface="Times New Roman" panose="02020603050405020304" charset="0"/>
-                <a:sym typeface="Glacial Indifference"/>
-              </a:rPr>
-              <a:t>ư</a:t>
-            </a:r>
-            <a:r>
-              <a:rPr lang="en-US" altLang="en-US" sz="3600">
-                <a:solidFill>
-                  <a:srgbClr val="2D3880"/>
-                </a:solidFill>
-                <a:latin typeface="Times New Roman" panose="02020603050405020304" charset="0"/>
-                <a:ea typeface="Glacial Indifference"/>
-                <a:cs typeface="Times New Roman" panose="02020603050405020304" charset="0"/>
-                <a:sym typeface="Glacial Indifference"/>
-              </a:rPr>
-              <a:t>ời bán, </a:t>
-            </a:r>
-            <a:r>
-              <a:rPr lang="en-US" altLang="en-US" sz="3600">
-                <a:solidFill>
-                  <a:srgbClr val="2D3880"/>
-                </a:solidFill>
-                <a:latin typeface="Times New Roman" panose="02020603050405020304" charset="0"/>
-                <a:ea typeface="Glacial Indifference"/>
-                <a:cs typeface="Times New Roman" panose="02020603050405020304" charset="0"/>
-                <a:sym typeface="Glacial Indifference"/>
-              </a:rPr>
-              <a:t>đ</a:t>
-            </a:r>
-            <a:r>
-              <a:rPr lang="en-US" altLang="en-US" sz="3600">
-                <a:solidFill>
-                  <a:srgbClr val="2D3880"/>
-                </a:solidFill>
-                <a:latin typeface="Times New Roman" panose="02020603050405020304" charset="0"/>
-                <a:ea typeface="Glacial Indifference"/>
-                <a:cs typeface="Times New Roman" panose="02020603050405020304" charset="0"/>
-                <a:sym typeface="Glacial Indifference"/>
-              </a:rPr>
-              <a:t>ánh giá hệ thống từ các nền tảng TM</a:t>
-            </a:r>
-            <a:r>
-              <a:rPr lang="en-US" altLang="en-US" sz="3600">
-                <a:solidFill>
-                  <a:srgbClr val="2D3880"/>
-                </a:solidFill>
-                <a:latin typeface="Times New Roman" panose="02020603050405020304" charset="0"/>
-                <a:ea typeface="Glacial Indifference"/>
-                <a:cs typeface="Times New Roman" panose="02020603050405020304" charset="0"/>
-                <a:sym typeface="Glacial Indifference"/>
-              </a:rPr>
-              <a:t>Đ</a:t>
-            </a:r>
-            <a:r>
-              <a:rPr lang="en-US" altLang="en-US" sz="3600">
-                <a:solidFill>
-                  <a:srgbClr val="2D3880"/>
-                </a:solidFill>
-                <a:latin typeface="Times New Roman" panose="02020603050405020304" charset="0"/>
-                <a:ea typeface="Glacial Indifference"/>
-                <a:cs typeface="Times New Roman" panose="02020603050405020304" charset="0"/>
-                <a:sym typeface="Glacial Indifference"/>
-              </a:rPr>
-              <a:t>T</a:t>
-            </a:r>
-            <a:r>
-              <a:rPr lang="vi-VN" altLang="en-US" sz="3600">
-                <a:solidFill>
-                  <a:srgbClr val="2D3880"/>
-                </a:solidFill>
-                <a:latin typeface="Times New Roman" panose="02020603050405020304" charset="0"/>
-                <a:ea typeface="Glacial Indifference"/>
-                <a:cs typeface="Times New Roman" panose="02020603050405020304" charset="0"/>
-                <a:sym typeface="Glacial Indifference"/>
-              </a:rPr>
               <a:t>.</a:t>
             </a:r>
-            <a:endParaRPr lang="vi-VN" altLang="en-US" sz="3600">
-              <a:solidFill>
-                <a:srgbClr val="2D3880"/>
-              </a:solidFill>
-              <a:latin typeface="Times New Roman" panose="02020603050405020304" charset="0"/>
-              <a:ea typeface="Glacial Indifference"/>
-              <a:cs typeface="Times New Roman" panose="02020603050405020304" charset="0"/>
-              <a:sym typeface="Glacial Indifference"/>
-            </a:endParaRPr>
           </a:p>
         </p:txBody>
       </p:sp>
@@ -9410,13 +8725,13 @@
   <p:clrMapOvr>
     <a:masterClrMapping/>
   </p:clrMapOvr>
-  <mc:AlternateContent xmlns:mc="http://schemas.openxmlformats.org/markup-compatibility/2006">
-    <mc:Choice xmlns:p14="http://schemas.microsoft.com/office/powerpoint/2010/main" Requires="p14">
-      <p:transition spd="med" p14:dur="750">
+  <mc:AlternateContent xmlns:mc="http://schemas.openxmlformats.org/markup-compatibility/2006" xmlns:p14="http://schemas.microsoft.com/office/powerpoint/2010/main">
+    <mc:Choice Requires="p14">
+      <p:transition spd="med">
         <p:pull/>
       </p:transition>
     </mc:Choice>
-    <mc:Fallback>
+    <mc:Fallback xmlns="">
       <p:transition spd="med">
         <p:pull/>
       </p:transition>
@@ -9481,10 +8796,10 @@
             </a:pathLst>
           </a:custGeom>
           <a:blipFill>
-            <a:blip r:embed="rId1">
+            <a:blip r:embed="rId2">
               <a:extLst>
                 <a:ext uri="{96DAC541-7B7A-43D3-8B79-37D633B846F1}">
-                  <asvg:svgBlip xmlns:asvg="http://schemas.microsoft.com/office/drawing/2016/SVG/main" r:embed="rId2"/>
+                  <asvg:svgBlip xmlns:asvg="http://schemas.microsoft.com/office/drawing/2016/SVG/main" r:embed="rId3"/>
                 </a:ext>
               </a:extLst>
             </a:blip>
@@ -9532,15 +8847,6 @@
               </a:rPr>
               <a:t>DEMO</a:t>
             </a:r>
-            <a:endParaRPr lang="en-US" sz="23205" b="1" i="1">
-              <a:solidFill>
-                <a:srgbClr val="2D3880"/>
-              </a:solidFill>
-              <a:latin typeface="Cormorant Garamond Bold Italics" panose="00000800000000000000"/>
-              <a:ea typeface="Cormorant Garamond Bold Italics" panose="00000800000000000000"/>
-              <a:cs typeface="Cormorant Garamond Bold Italics" panose="00000800000000000000"/>
-              <a:sym typeface="Cormorant Garamond Bold Italics" panose="00000800000000000000"/>
-            </a:endParaRPr>
           </a:p>
         </p:txBody>
       </p:sp>
@@ -9583,10 +8889,10 @@
             </a:pathLst>
           </a:custGeom>
           <a:blipFill>
-            <a:blip r:embed="rId1">
+            <a:blip r:embed="rId2">
               <a:extLst>
                 <a:ext uri="{96DAC541-7B7A-43D3-8B79-37D633B846F1}">
-                  <asvg:svgBlip xmlns:asvg="http://schemas.microsoft.com/office/drawing/2016/SVG/main" r:embed="rId2"/>
+                  <asvg:svgBlip xmlns:asvg="http://schemas.microsoft.com/office/drawing/2016/SVG/main" r:embed="rId3"/>
                 </a:ext>
               </a:extLst>
             </a:blip>
@@ -9601,13 +8907,13 @@
   <p:clrMapOvr>
     <a:masterClrMapping/>
   </p:clrMapOvr>
-  <mc:AlternateContent xmlns:mc="http://schemas.openxmlformats.org/markup-compatibility/2006">
-    <mc:Choice xmlns:p14="http://schemas.microsoft.com/office/powerpoint/2010/main" Requires="p14">
+  <mc:AlternateContent xmlns:mc="http://schemas.openxmlformats.org/markup-compatibility/2006" xmlns:p14="http://schemas.microsoft.com/office/powerpoint/2010/main">
+    <mc:Choice Requires="p14">
       <p:transition spd="slow" p14:dur="1500">
         <p:split orient="vert" dir="in"/>
       </p:transition>
     </mc:Choice>
-    <mc:Fallback>
+    <mc:Fallback xmlns="">
       <p:transition spd="slow">
         <p:split orient="vert" dir="in"/>
       </p:transition>
@@ -9672,10 +8978,10 @@
             </a:pathLst>
           </a:custGeom>
           <a:blipFill>
-            <a:blip r:embed="rId1">
+            <a:blip r:embed="rId2">
               <a:extLst>
                 <a:ext uri="{96DAC541-7B7A-43D3-8B79-37D633B846F1}">
-                  <asvg:svgBlip xmlns:asvg="http://schemas.microsoft.com/office/drawing/2016/SVG/main" r:embed="rId2"/>
+                  <asvg:svgBlip xmlns:asvg="http://schemas.microsoft.com/office/drawing/2016/SVG/main" r:embed="rId3"/>
                 </a:ext>
               </a:extLst>
             </a:blip>
@@ -9724,10 +9030,10 @@
             </a:pathLst>
           </a:custGeom>
           <a:blipFill>
-            <a:blip r:embed="rId3">
+            <a:blip r:embed="rId4">
               <a:extLst>
                 <a:ext uri="{96DAC541-7B7A-43D3-8B79-37D633B846F1}">
-                  <asvg:svgBlip xmlns:asvg="http://schemas.microsoft.com/office/drawing/2016/SVG/main" r:embed="rId4"/>
+                  <asvg:svgBlip xmlns:asvg="http://schemas.microsoft.com/office/drawing/2016/SVG/main" r:embed="rId5"/>
                 </a:ext>
               </a:extLst>
             </a:blip>
@@ -9744,7 +9050,7 @@
           <p:nvPr/>
         </p:nvGrpSpPr>
         <p:grpSpPr>
-          <a:xfrm rot="0">
+          <a:xfrm>
             <a:off x="5332188" y="2466285"/>
             <a:ext cx="8095674" cy="770455"/>
             <a:chOff x="0" y="0"/>
@@ -9838,6 +9144,7 @@
                   <a:spcPts val="3360"/>
                 </a:lnSpc>
               </a:pPr>
+              <a:endParaRPr/>
             </a:p>
           </p:txBody>
         </p:sp>
@@ -9849,7 +9156,7 @@
           <p:nvPr/>
         </p:nvGrpSpPr>
         <p:grpSpPr>
-          <a:xfrm rot="0">
+          <a:xfrm>
             <a:off x="4860139" y="2459452"/>
             <a:ext cx="795621" cy="877927"/>
             <a:chOff x="0" y="0"/>
@@ -9938,15 +9245,6 @@
                 </a:rPr>
                 <a:t>01</a:t>
               </a:r>
-              <a:endParaRPr lang="en-US" sz="2400" b="1">
-                <a:solidFill>
-                  <a:srgbClr val="FFFFFF"/>
-                </a:solidFill>
-                <a:latin typeface="Times New Roman" panose="02020603050405020304" charset="0"/>
-                <a:ea typeface="Glacial Indifference Bold" panose="00000800000000000000"/>
-                <a:cs typeface="Times New Roman" panose="02020603050405020304" charset="0"/>
-                <a:sym typeface="Glacial Indifference Bold" panose="00000800000000000000"/>
-              </a:endParaRPr>
             </a:p>
           </p:txBody>
         </p:sp>
@@ -9958,7 +9256,7 @@
           <p:nvPr/>
         </p:nvGrpSpPr>
         <p:grpSpPr>
-          <a:xfrm rot="0">
+          <a:xfrm>
             <a:off x="5332188" y="6956107"/>
             <a:ext cx="8095674" cy="770455"/>
             <a:chOff x="0" y="0"/>
@@ -10052,6 +9350,7 @@
                   <a:spcPts val="3360"/>
                 </a:lnSpc>
               </a:pPr>
+              <a:endParaRPr/>
             </a:p>
           </p:txBody>
         </p:sp>
@@ -10063,7 +9362,7 @@
           <p:nvPr/>
         </p:nvGrpSpPr>
         <p:grpSpPr>
-          <a:xfrm rot="0">
+          <a:xfrm>
             <a:off x="4860139" y="6940472"/>
             <a:ext cx="795621" cy="877927"/>
             <a:chOff x="0" y="0"/>
@@ -10152,15 +9451,6 @@
                 </a:rPr>
                 <a:t>04</a:t>
               </a:r>
-              <a:endParaRPr lang="en-US" sz="2400" b="1">
-                <a:solidFill>
-                  <a:srgbClr val="FFFFFF"/>
-                </a:solidFill>
-                <a:latin typeface="Times New Roman" panose="02020603050405020304" charset="0"/>
-                <a:ea typeface="Glacial Indifference Bold" panose="00000800000000000000"/>
-                <a:cs typeface="Times New Roman" panose="02020603050405020304" charset="0"/>
-                <a:sym typeface="Glacial Indifference Bold" panose="00000800000000000000"/>
-              </a:endParaRPr>
             </a:p>
           </p:txBody>
         </p:sp>
@@ -10172,7 +9462,7 @@
           <p:nvPr/>
         </p:nvGrpSpPr>
         <p:grpSpPr>
-          <a:xfrm rot="0">
+          <a:xfrm>
             <a:off x="5332188" y="5444073"/>
             <a:ext cx="8095674" cy="770455"/>
             <a:chOff x="0" y="0"/>
@@ -10266,6 +9556,7 @@
                   <a:spcPts val="3360"/>
                 </a:lnSpc>
               </a:pPr>
+              <a:endParaRPr/>
             </a:p>
           </p:txBody>
         </p:sp>
@@ -10277,7 +9568,7 @@
           <p:nvPr/>
         </p:nvGrpSpPr>
         <p:grpSpPr>
-          <a:xfrm rot="0">
+          <a:xfrm>
             <a:off x="4860139" y="5419934"/>
             <a:ext cx="795621" cy="877927"/>
             <a:chOff x="0" y="0"/>
@@ -10366,15 +9657,6 @@
                 </a:rPr>
                 <a:t>03</a:t>
               </a:r>
-              <a:endParaRPr lang="en-US" sz="2400" b="1">
-                <a:solidFill>
-                  <a:srgbClr val="FFFFFF"/>
-                </a:solidFill>
-                <a:latin typeface="Times New Roman" panose="02020603050405020304" charset="0"/>
-                <a:ea typeface="Glacial Indifference Bold" panose="00000800000000000000"/>
-                <a:cs typeface="Times New Roman" panose="02020603050405020304" charset="0"/>
-                <a:sym typeface="Glacial Indifference Bold" panose="00000800000000000000"/>
-              </a:endParaRPr>
             </a:p>
           </p:txBody>
         </p:sp>
@@ -10386,7 +9668,7 @@
           <p:nvPr/>
         </p:nvGrpSpPr>
         <p:grpSpPr>
-          <a:xfrm rot="0">
+          <a:xfrm>
             <a:off x="5332188" y="3908879"/>
             <a:ext cx="8095674" cy="770455"/>
             <a:chOff x="0" y="0"/>
@@ -10480,6 +9762,7 @@
                   <a:spcPts val="3360"/>
                 </a:lnSpc>
               </a:pPr>
+              <a:endParaRPr/>
             </a:p>
           </p:txBody>
         </p:sp>
@@ -10491,7 +9774,7 @@
           <p:nvPr/>
         </p:nvGrpSpPr>
         <p:grpSpPr>
-          <a:xfrm rot="0">
+          <a:xfrm>
             <a:off x="4860139" y="3899396"/>
             <a:ext cx="795621" cy="877927"/>
             <a:chOff x="0" y="0"/>
@@ -10580,15 +9863,6 @@
                 </a:rPr>
                 <a:t>02</a:t>
               </a:r>
-              <a:endParaRPr lang="en-US" sz="2400" b="1">
-                <a:solidFill>
-                  <a:srgbClr val="FFFFFF"/>
-                </a:solidFill>
-                <a:latin typeface="Times New Roman" panose="02020603050405020304" charset="0"/>
-                <a:ea typeface="Glacial Indifference Bold" panose="00000800000000000000"/>
-                <a:cs typeface="Times New Roman" panose="02020603050405020304" charset="0"/>
-                <a:sym typeface="Glacial Indifference Bold" panose="00000800000000000000"/>
-              </a:endParaRPr>
             </a:p>
           </p:txBody>
         </p:sp>
@@ -10634,15 +9908,6 @@
               </a:rPr>
               <a:t>Nội dung chính</a:t>
             </a:r>
-            <a:endParaRPr lang="en-US" sz="7200" b="1" i="1">
-              <a:solidFill>
-                <a:srgbClr val="2D3880"/>
-              </a:solidFill>
-              <a:latin typeface="Cormorant Garamond Bold Italics" panose="00000800000000000000"/>
-              <a:ea typeface="Cormorant Garamond Bold Italics" panose="00000800000000000000"/>
-              <a:cs typeface="Cormorant Garamond Bold Italics" panose="00000800000000000000"/>
-              <a:sym typeface="Cormorant Garamond Bold Italics" panose="00000800000000000000"/>
-            </a:endParaRPr>
           </a:p>
         </p:txBody>
       </p:sp>
@@ -10684,15 +9949,6 @@
               </a:rPr>
               <a:t>Giới thiệu </a:t>
             </a:r>
-            <a:endParaRPr lang="en-US" sz="3600" b="1">
-              <a:solidFill>
-                <a:srgbClr val="2D3880"/>
-              </a:solidFill>
-              <a:latin typeface="Times New Roman" panose="02020603050405020304" charset="0"/>
-              <a:ea typeface="Glacial Indifference"/>
-              <a:cs typeface="Times New Roman" panose="02020603050405020304" charset="0"/>
-              <a:sym typeface="Glacial Indifference"/>
-            </a:endParaRPr>
           </a:p>
         </p:txBody>
       </p:sp>
@@ -10734,15 +9990,6 @@
               </a:rPr>
               <a:t>Nghiên cứu lý thuyết</a:t>
             </a:r>
-            <a:endParaRPr lang="en-US" sz="3600" b="1">
-              <a:solidFill>
-                <a:srgbClr val="2D3880"/>
-              </a:solidFill>
-              <a:latin typeface="Times New Roman" panose="02020603050405020304" charset="0"/>
-              <a:ea typeface="Glacial Indifference"/>
-              <a:cs typeface="Times New Roman" panose="02020603050405020304" charset="0"/>
-              <a:sym typeface="Glacial Indifference"/>
-            </a:endParaRPr>
           </a:p>
         </p:txBody>
       </p:sp>
@@ -10796,15 +10043,6 @@
               </a:rPr>
               <a:t>quả</a:t>
             </a:r>
-            <a:endParaRPr lang="vi-VN" altLang="en-US" sz="3600" b="1">
-              <a:solidFill>
-                <a:srgbClr val="2D3880"/>
-              </a:solidFill>
-              <a:latin typeface="Times New Roman" panose="02020603050405020304" charset="0"/>
-              <a:ea typeface="Glacial Indifference"/>
-              <a:cs typeface="Times New Roman" panose="02020603050405020304" charset="0"/>
-              <a:sym typeface="Glacial Indifference"/>
-            </a:endParaRPr>
           </a:p>
         </p:txBody>
       </p:sp>
@@ -10882,15 +10120,6 @@
               </a:rPr>
               <a:t> xuất</a:t>
             </a:r>
-            <a:endParaRPr lang="en-US" sz="3600" b="1">
-              <a:solidFill>
-                <a:srgbClr val="2D3880"/>
-              </a:solidFill>
-              <a:latin typeface="Times New Roman" panose="02020603050405020304" charset="0"/>
-              <a:ea typeface="Glacial Indifference"/>
-              <a:cs typeface="Times New Roman" panose="02020603050405020304" charset="0"/>
-              <a:sym typeface="Glacial Indifference"/>
-            </a:endParaRPr>
           </a:p>
         </p:txBody>
       </p:sp>
@@ -10901,7 +10130,7 @@
           <p:nvPr/>
         </p:nvGrpSpPr>
         <p:grpSpPr>
-          <a:xfrm rot="0">
+          <a:xfrm>
             <a:off x="5295944" y="8472209"/>
             <a:ext cx="8095674" cy="770455"/>
             <a:chOff x="0" y="0"/>
@@ -10995,6 +10224,7 @@
                   <a:spcPts val="3360"/>
                 </a:lnSpc>
               </a:pPr>
+              <a:endParaRPr/>
             </a:p>
           </p:txBody>
         </p:sp>
@@ -11006,7 +10236,7 @@
           <p:nvPr/>
         </p:nvGrpSpPr>
         <p:grpSpPr>
-          <a:xfrm rot="0">
+          <a:xfrm>
             <a:off x="4823895" y="8456573"/>
             <a:ext cx="795621" cy="877927"/>
             <a:chOff x="0" y="0"/>
@@ -11095,15 +10325,6 @@
                 </a:rPr>
                 <a:t>05</a:t>
               </a:r>
-              <a:endParaRPr lang="en-US" sz="2400" b="1">
-                <a:solidFill>
-                  <a:srgbClr val="FFFFFF"/>
-                </a:solidFill>
-                <a:latin typeface="Times New Roman" panose="02020603050405020304" charset="0"/>
-                <a:ea typeface="Glacial Indifference Bold" panose="00000800000000000000"/>
-                <a:cs typeface="Times New Roman" panose="02020603050405020304" charset="0"/>
-                <a:sym typeface="Glacial Indifference Bold" panose="00000800000000000000"/>
-              </a:endParaRPr>
             </a:p>
           </p:txBody>
         </p:sp>
@@ -11146,15 +10367,6 @@
               </a:rPr>
               <a:t>Demo</a:t>
             </a:r>
-            <a:endParaRPr lang="en-US" sz="3600" b="1">
-              <a:solidFill>
-                <a:srgbClr val="2D3880"/>
-              </a:solidFill>
-              <a:latin typeface="Times New Roman" panose="02020603050405020304" charset="0"/>
-              <a:ea typeface="Glacial Indifference"/>
-              <a:cs typeface="Times New Roman" panose="02020603050405020304" charset="0"/>
-              <a:sym typeface="Glacial Indifference"/>
-            </a:endParaRPr>
           </a:p>
         </p:txBody>
       </p:sp>
@@ -11163,13 +10375,13 @@
   <p:clrMapOvr>
     <a:masterClrMapping/>
   </p:clrMapOvr>
-  <mc:AlternateContent xmlns:mc="http://schemas.openxmlformats.org/markup-compatibility/2006">
-    <mc:Choice xmlns:p14="http://schemas.microsoft.com/office/powerpoint/2010/main" Requires="p14">
-      <p:transition spd="slow" p14:dur="1000">
+  <mc:AlternateContent xmlns:mc="http://schemas.openxmlformats.org/markup-compatibility/2006" xmlns:p14="http://schemas.microsoft.com/office/powerpoint/2010/main">
+    <mc:Choice Requires="p14">
+      <p:transition spd="slow">
         <p:wipe/>
       </p:transition>
     </mc:Choice>
-    <mc:Fallback>
+    <mc:Fallback xmlns="">
       <p:transition spd="slow">
         <p:wipe/>
       </p:transition>
@@ -11202,7 +10414,7 @@
           <p:nvPr/>
         </p:nvGrpSpPr>
         <p:grpSpPr>
-          <a:xfrm rot="0">
+          <a:xfrm>
             <a:off x="10668000" y="664210"/>
             <a:ext cx="7259320" cy="9122410"/>
             <a:chOff x="0" y="0"/>
@@ -11273,6 +10485,7 @@
                   <a:spcPts val="3010"/>
                 </a:lnSpc>
               </a:pPr>
+              <a:endParaRPr/>
             </a:p>
           </p:txBody>
         </p:sp>
@@ -11318,15 +10531,6 @@
               </a:rPr>
               <a:t>Giới thiệu</a:t>
             </a:r>
-            <a:endParaRPr lang="en-US" sz="10800" b="1" i="1">
-              <a:solidFill>
-                <a:srgbClr val="2D3880"/>
-              </a:solidFill>
-              <a:latin typeface="Cormorant Garamond Bold Italics" panose="00000800000000000000"/>
-              <a:ea typeface="Cormorant Garamond Bold Italics" panose="00000800000000000000"/>
-              <a:cs typeface="Cormorant Garamond Bold Italics" panose="00000800000000000000"/>
-              <a:sym typeface="Cormorant Garamond Bold Italics" panose="00000800000000000000"/>
-            </a:endParaRPr>
           </a:p>
         </p:txBody>
       </p:sp>
@@ -11337,7 +10541,7 @@
           <p:nvPr/>
         </p:nvPicPr>
         <p:blipFill>
-          <a:blip r:embed="rId1"/>
+          <a:blip r:embed="rId2"/>
           <a:stretch>
             <a:fillRect/>
           </a:stretch>
@@ -11391,10 +10595,10 @@
             </a:pathLst>
           </a:custGeom>
           <a:blipFill>
-            <a:blip r:embed="rId2">
+            <a:blip r:embed="rId3">
               <a:extLst>
                 <a:ext uri="{96DAC541-7B7A-43D3-8B79-37D633B846F1}">
-                  <asvg:svgBlip xmlns:asvg="http://schemas.microsoft.com/office/drawing/2016/SVG/main" r:embed="rId3"/>
+                  <asvg:svgBlip xmlns:asvg="http://schemas.microsoft.com/office/drawing/2016/SVG/main" r:embed="rId4"/>
                 </a:ext>
               </a:extLst>
             </a:blip>
@@ -11409,13 +10613,13 @@
   <p:clrMapOvr>
     <a:masterClrMapping/>
   </p:clrMapOvr>
-  <mc:AlternateContent xmlns:mc="http://schemas.openxmlformats.org/markup-compatibility/2006">
-    <mc:Choice xmlns:p14="http://schemas.microsoft.com/office/powerpoint/2010/main" Requires="p14">
-      <p:transition spd="med" p14:dur="750">
+  <mc:AlternateContent xmlns:mc="http://schemas.openxmlformats.org/markup-compatibility/2006" xmlns:p14="http://schemas.microsoft.com/office/powerpoint/2010/main">
+    <mc:Choice Requires="p14">
+      <p:transition spd="med">
         <p:pull/>
       </p:transition>
     </mc:Choice>
-    <mc:Fallback>
+    <mc:Fallback xmlns="">
       <p:transition spd="med">
         <p:pull/>
       </p:transition>
@@ -11482,15 +10686,6 @@
               </a:rPr>
               <a:t>Lí do chọn đề tài</a:t>
             </a:r>
-            <a:endParaRPr lang="en-US" sz="7200" b="1" i="1">
-              <a:solidFill>
-                <a:srgbClr val="2D3880"/>
-              </a:solidFill>
-              <a:latin typeface="Cormorant Garamond Bold Italics" panose="00000800000000000000"/>
-              <a:ea typeface="Cormorant Garamond Bold Italics" panose="00000800000000000000"/>
-              <a:cs typeface="Cormorant Garamond Bold Italics" panose="00000800000000000000"/>
-              <a:sym typeface="Cormorant Garamond Bold Italics" panose="00000800000000000000"/>
-            </a:endParaRPr>
           </a:p>
         </p:txBody>
       </p:sp>
@@ -11532,15 +10727,6 @@
               </a:rPr>
               <a:t>Với sự phát triển về công nghệ hóa hiện nay, Thương mại điện tử đã trở thành một phần không thể thiếu trong cuộc sống hằng ngày, đặt biệt là trong lĩnh vực kinh tế. </a:t>
             </a:r>
-            <a:endParaRPr lang="en-US" sz="3600">
-              <a:solidFill>
-                <a:srgbClr val="2D3880"/>
-              </a:solidFill>
-              <a:latin typeface="Times New Roman" panose="02020603050405020304" charset="0"/>
-              <a:ea typeface="Glacial Indifference"/>
-              <a:cs typeface="Times New Roman" panose="02020603050405020304" charset="0"/>
-              <a:sym typeface="Glacial Indifference"/>
-            </a:endParaRPr>
           </a:p>
           <a:p>
             <a:pPr indent="0" algn="l">
@@ -11598,15 +10784,6 @@
               </a:rPr>
               <a:t>ự dụng API để thu thập dữ liệu giúp tiết kiệm thời gian và công sức.</a:t>
             </a:r>
-            <a:endParaRPr lang="en-US" sz="3600">
-              <a:solidFill>
-                <a:srgbClr val="2D3880"/>
-              </a:solidFill>
-              <a:latin typeface="Times New Roman" panose="02020603050405020304" charset="0"/>
-              <a:ea typeface="Glacial Indifference"/>
-              <a:cs typeface="Times New Roman" panose="02020603050405020304" charset="0"/>
-              <a:sym typeface="Glacial Indifference"/>
-            </a:endParaRPr>
           </a:p>
         </p:txBody>
       </p:sp>
@@ -11617,7 +10794,7 @@
           <p:nvPr/>
         </p:nvPicPr>
         <p:blipFill>
-          <a:blip r:embed="rId1"/>
+          <a:blip r:embed="rId2"/>
           <a:stretch>
             <a:fillRect/>
           </a:stretch>
@@ -11637,13 +10814,13 @@
   <p:clrMapOvr>
     <a:masterClrMapping/>
   </p:clrMapOvr>
-  <mc:AlternateContent xmlns:mc="http://schemas.openxmlformats.org/markup-compatibility/2006">
-    <mc:Choice xmlns:p14="http://schemas.microsoft.com/office/powerpoint/2010/main" Requires="p14">
-      <p:transition spd="med" p14:dur="750">
+  <mc:AlternateContent xmlns:mc="http://schemas.openxmlformats.org/markup-compatibility/2006" xmlns:p14="http://schemas.microsoft.com/office/powerpoint/2010/main">
+    <mc:Choice Requires="p14">
+      <p:transition spd="med">
         <p:pull/>
       </p:transition>
     </mc:Choice>
-    <mc:Fallback>
+    <mc:Fallback xmlns="">
       <p:transition spd="med">
         <p:pull/>
       </p:transition>
@@ -11708,10 +10885,10 @@
             </a:pathLst>
           </a:custGeom>
           <a:blipFill>
-            <a:blip r:embed="rId1">
+            <a:blip r:embed="rId2">
               <a:extLst>
                 <a:ext uri="{96DAC541-7B7A-43D3-8B79-37D633B846F1}">
-                  <asvg:svgBlip xmlns:asvg="http://schemas.microsoft.com/office/drawing/2016/SVG/main" r:embed="rId2"/>
+                  <asvg:svgBlip xmlns:asvg="http://schemas.microsoft.com/office/drawing/2016/SVG/main" r:embed="rId3"/>
                 </a:ext>
               </a:extLst>
             </a:blip>
@@ -11762,15 +10939,6 @@
               </a:rPr>
               <a:t>Mục đích nghiên cứu</a:t>
             </a:r>
-            <a:endParaRPr lang="en-US" sz="7700" b="1" i="1">
-              <a:solidFill>
-                <a:srgbClr val="2D3880"/>
-              </a:solidFill>
-              <a:latin typeface="Cormorant Garamond Bold Italics" panose="00000800000000000000"/>
-              <a:ea typeface="Cormorant Garamond Bold Italics" panose="00000800000000000000"/>
-              <a:cs typeface="Cormorant Garamond Bold Italics" panose="00000800000000000000"/>
-              <a:sym typeface="Cormorant Garamond Bold Italics" panose="00000800000000000000"/>
-            </a:endParaRPr>
           </a:p>
         </p:txBody>
       </p:sp>
@@ -11814,15 +10982,6 @@
               </a:rPr>
               <a:t>Hiểu rõ về API và các giải pháp thu thập dữ liệu</a:t>
             </a:r>
-            <a:endParaRPr lang="en-US" sz="4700">
-              <a:solidFill>
-                <a:srgbClr val="2D3880"/>
-              </a:solidFill>
-              <a:latin typeface="Times New Roman" panose="02020603050405020304" charset="0"/>
-              <a:ea typeface="Glacial Indifference"/>
-              <a:cs typeface="Times New Roman" panose="02020603050405020304" charset="0"/>
-              <a:sym typeface="Glacial Indifference"/>
-            </a:endParaRPr>
           </a:p>
           <a:p>
             <a:pPr marL="1014730" lvl="1" indent="-507365" algn="l">
@@ -11844,15 +11003,6 @@
               </a:rPr>
               <a:t>Thực hiện các giải pháp thu thập dữ liệu</a:t>
             </a:r>
-            <a:endParaRPr lang="en-US" sz="4700">
-              <a:solidFill>
-                <a:srgbClr val="2D3880"/>
-              </a:solidFill>
-              <a:latin typeface="Times New Roman" panose="02020603050405020304" charset="0"/>
-              <a:ea typeface="Glacial Indifference"/>
-              <a:cs typeface="Times New Roman" panose="02020603050405020304" charset="0"/>
-              <a:sym typeface="Glacial Indifference"/>
-            </a:endParaRPr>
           </a:p>
           <a:p>
             <a:pPr marL="1014730" lvl="1" indent="-507365" algn="l">
@@ -11874,15 +11024,6 @@
               </a:rPr>
               <a:t>Đánh giá hiệu quả của các giải pháp</a:t>
             </a:r>
-            <a:endParaRPr lang="en-US" sz="4700">
-              <a:solidFill>
-                <a:srgbClr val="2D3880"/>
-              </a:solidFill>
-              <a:latin typeface="Times New Roman" panose="02020603050405020304" charset="0"/>
-              <a:ea typeface="Glacial Indifference"/>
-              <a:cs typeface="Times New Roman" panose="02020603050405020304" charset="0"/>
-              <a:sym typeface="Glacial Indifference"/>
-            </a:endParaRPr>
           </a:p>
         </p:txBody>
       </p:sp>
@@ -11893,7 +11034,7 @@
           <p:nvPr/>
         </p:nvPicPr>
         <p:blipFill>
-          <a:blip r:embed="rId3"/>
+          <a:blip r:embed="rId4"/>
           <a:srcRect l="13540" r="13438"/>
           <a:stretch>
             <a:fillRect/>
@@ -11914,13 +11055,13 @@
   <p:clrMapOvr>
     <a:masterClrMapping/>
   </p:clrMapOvr>
-  <mc:AlternateContent xmlns:mc="http://schemas.openxmlformats.org/markup-compatibility/2006">
-    <mc:Choice xmlns:p14="http://schemas.microsoft.com/office/powerpoint/2010/main" Requires="p14">
-      <p:transition spd="med" p14:dur="750">
+  <mc:AlternateContent xmlns:mc="http://schemas.openxmlformats.org/markup-compatibility/2006" xmlns:p14="http://schemas.microsoft.com/office/powerpoint/2010/main">
+    <mc:Choice Requires="p14">
+      <p:transition spd="med">
         <p:pull/>
       </p:transition>
     </mc:Choice>
-    <mc:Fallback>
+    <mc:Fallback xmlns="">
       <p:transition spd="med">
         <p:pull/>
       </p:transition>
@@ -11953,7 +11094,7 @@
           <p:nvPr/>
         </p:nvGrpSpPr>
         <p:grpSpPr>
-          <a:xfrm rot="0">
+          <a:xfrm>
             <a:off x="10668000" y="664210"/>
             <a:ext cx="7259320" cy="9122410"/>
             <a:chOff x="0" y="0"/>
@@ -12024,6 +11165,7 @@
                   <a:spcPts val="3010"/>
                 </a:lnSpc>
               </a:pPr>
+              <a:endParaRPr/>
             </a:p>
           </p:txBody>
         </p:sp>
@@ -12072,15 +11214,6 @@
               </a:rPr>
               <a:t>Nghiên cứu lý thuyết</a:t>
             </a:r>
-            <a:endParaRPr lang="vi-VN" altLang="en-US" sz="10800" b="1" i="1">
-              <a:solidFill>
-                <a:srgbClr val="2D3880"/>
-              </a:solidFill>
-              <a:latin typeface="Times New Roman" panose="02020603050405020304" charset="0"/>
-              <a:ea typeface="Cormorant Garamond Bold Italics" panose="00000800000000000000"/>
-              <a:cs typeface="Times New Roman" panose="02020603050405020304" charset="0"/>
-              <a:sym typeface="Cormorant Garamond Bold Italics" panose="00000800000000000000"/>
-            </a:endParaRPr>
           </a:p>
         </p:txBody>
       </p:sp>
@@ -12123,10 +11256,10 @@
             </a:pathLst>
           </a:custGeom>
           <a:blipFill>
-            <a:blip r:embed="rId1">
+            <a:blip r:embed="rId2">
               <a:extLst>
                 <a:ext uri="{96DAC541-7B7A-43D3-8B79-37D633B846F1}">
-                  <asvg:svgBlip xmlns:asvg="http://schemas.microsoft.com/office/drawing/2016/SVG/main" r:embed="rId2"/>
+                  <asvg:svgBlip xmlns:asvg="http://schemas.microsoft.com/office/drawing/2016/SVG/main" r:embed="rId3"/>
                 </a:ext>
               </a:extLst>
             </a:blip>
@@ -12143,7 +11276,7 @@
           <p:nvPr/>
         </p:nvPicPr>
         <p:blipFill>
-          <a:blip r:embed="rId3"/>
+          <a:blip r:embed="rId4"/>
           <a:stretch>
             <a:fillRect/>
           </a:stretch>
@@ -12163,13 +11296,13 @@
   <p:clrMapOvr>
     <a:masterClrMapping/>
   </p:clrMapOvr>
-  <mc:AlternateContent xmlns:mc="http://schemas.openxmlformats.org/markup-compatibility/2006">
-    <mc:Choice xmlns:p14="http://schemas.microsoft.com/office/powerpoint/2010/main" Requires="p14">
-      <p:transition spd="med" p14:dur="750">
+  <mc:AlternateContent xmlns:mc="http://schemas.openxmlformats.org/markup-compatibility/2006" xmlns:p14="http://schemas.microsoft.com/office/powerpoint/2010/main">
+    <mc:Choice Requires="p14">
+      <p:transition spd="med">
         <p:pull/>
       </p:transition>
     </mc:Choice>
-    <mc:Fallback>
+    <mc:Fallback xmlns="">
       <p:transition spd="med">
         <p:pull/>
       </p:transition>
@@ -12233,15 +11366,6 @@
               </a:rPr>
               <a:t>Khái niệm giải pháp thu thập </a:t>
             </a:r>
-            <a:endParaRPr lang="en-US" sz="6000" b="1" i="1">
-              <a:solidFill>
-                <a:srgbClr val="2D3880"/>
-              </a:solidFill>
-              <a:latin typeface="Times New Roman" panose="02020603050405020304" charset="0"/>
-              <a:ea typeface="Cormorant Garamond Bold Italics" panose="00000800000000000000"/>
-              <a:cs typeface="Times New Roman" panose="02020603050405020304" charset="0"/>
-              <a:sym typeface="Cormorant Garamond Bold Italics" panose="00000800000000000000"/>
-            </a:endParaRPr>
           </a:p>
           <a:p>
             <a:pPr marL="0" lvl="0" indent="0" algn="l">
@@ -12261,15 +11385,6 @@
               </a:rPr>
               <a:t>dữ liệu thông qua API</a:t>
             </a:r>
-            <a:endParaRPr lang="en-US" sz="6000" b="1" i="1">
-              <a:solidFill>
-                <a:srgbClr val="2D3880"/>
-              </a:solidFill>
-              <a:latin typeface="Times New Roman" panose="02020603050405020304" charset="0"/>
-              <a:ea typeface="Cormorant Garamond Bold Italics" panose="00000800000000000000"/>
-              <a:cs typeface="Times New Roman" panose="02020603050405020304" charset="0"/>
-              <a:sym typeface="Cormorant Garamond Bold Italics" panose="00000800000000000000"/>
-            </a:endParaRPr>
           </a:p>
         </p:txBody>
       </p:sp>
@@ -12311,15 +11426,6 @@
               </a:rPr>
               <a:t>Giải pháp thu thập dữ liệu thông qua API là một phương pháp lấy thông tin từ các cửa hàng trực tuyến. Có thể truy cập từng trang web và sao chép dữ liệu hay sử dụng các giao diện lập trình ứng dụng (API) mà các nền tảng này cung cấp. </a:t>
             </a:r>
-            <a:endParaRPr lang="en-US" sz="3200">
-              <a:solidFill>
-                <a:srgbClr val="2D3880"/>
-              </a:solidFill>
-              <a:latin typeface="Times New Roman" panose="02020603050405020304" charset="0"/>
-              <a:ea typeface="Glacial Indifference"/>
-              <a:cs typeface="Times New Roman" panose="02020603050405020304" charset="0"/>
-              <a:sym typeface="Glacial Indifference"/>
-            </a:endParaRPr>
           </a:p>
         </p:txBody>
       </p:sp>
@@ -12361,15 +11467,6 @@
               </a:rPr>
               <a:t> API đóng vai trò như một cầu nối, cho phép các ứng dụng khác tương tác và lấy dữ liệu từ hệ thống của nền tảng đó.</a:t>
             </a:r>
-            <a:endParaRPr lang="en-US" sz="3200">
-              <a:solidFill>
-                <a:srgbClr val="2D3880"/>
-              </a:solidFill>
-              <a:latin typeface="Times New Roman" panose="02020603050405020304" charset="0"/>
-              <a:ea typeface="Glacial Indifference"/>
-              <a:cs typeface="Times New Roman" panose="02020603050405020304" charset="0"/>
-              <a:sym typeface="Glacial Indifference"/>
-            </a:endParaRPr>
           </a:p>
         </p:txBody>
       </p:sp>
@@ -12380,7 +11477,7 @@
           <p:nvPr/>
         </p:nvPicPr>
         <p:blipFill>
-          <a:blip r:embed="rId1"/>
+          <a:blip r:embed="rId2"/>
           <a:srcRect r="9485"/>
           <a:stretch>
             <a:fillRect/>
@@ -12401,13 +11498,13 @@
   <p:clrMapOvr>
     <a:masterClrMapping/>
   </p:clrMapOvr>
-  <mc:AlternateContent xmlns:mc="http://schemas.openxmlformats.org/markup-compatibility/2006">
-    <mc:Choice xmlns:p14="http://schemas.microsoft.com/office/powerpoint/2010/main" Requires="p14">
-      <p:transition spd="med" p14:dur="750">
+  <mc:AlternateContent xmlns:mc="http://schemas.openxmlformats.org/markup-compatibility/2006" xmlns:p14="http://schemas.microsoft.com/office/powerpoint/2010/main">
+    <mc:Choice Requires="p14">
+      <p:transition spd="med">
         <p:pull/>
       </p:transition>
     </mc:Choice>
-    <mc:Fallback>
+    <mc:Fallback xmlns="">
       <p:transition spd="med">
         <p:pull/>
       </p:transition>
@@ -12472,10 +11569,10 @@
             </a:pathLst>
           </a:custGeom>
           <a:blipFill>
-            <a:blip r:embed="rId1">
+            <a:blip r:embed="rId3">
               <a:extLst>
                 <a:ext uri="{96DAC541-7B7A-43D3-8B79-37D633B846F1}">
-                  <asvg:svgBlip xmlns:asvg="http://schemas.microsoft.com/office/drawing/2016/SVG/main" r:embed="rId2"/>
+                  <asvg:svgBlip xmlns:asvg="http://schemas.microsoft.com/office/drawing/2016/SVG/main" r:embed="rId4"/>
                 </a:ext>
               </a:extLst>
             </a:blip>
@@ -12526,15 +11623,6 @@
               </a:rPr>
               <a:t>Các loại API</a:t>
             </a:r>
-            <a:endParaRPr lang="vi-VN" altLang="en-US" sz="8800" b="1" i="1">
-              <a:solidFill>
-                <a:srgbClr val="2D3880"/>
-              </a:solidFill>
-              <a:latin typeface="Times New Roman" panose="02020603050405020304" charset="0"/>
-              <a:ea typeface="Cormorant Garamond Bold Italics" panose="00000800000000000000"/>
-              <a:cs typeface="Times New Roman" panose="02020603050405020304" charset="0"/>
-              <a:sym typeface="Cormorant Garamond Bold Italics" panose="00000800000000000000"/>
-            </a:endParaRPr>
           </a:p>
         </p:txBody>
       </p:sp>
@@ -12580,6 +11668,7 @@
         </p:style>
         <p:txBody>
           <a:bodyPr rtlCol="0" anchor="ctr"/>
+          <a:lstStyle/>
           <a:p>
             <a:pPr algn="ctr"/>
             <a:r>
@@ -12594,15 +11683,6 @@
               </a:rPr>
               <a:t>API tổng hợp</a:t>
             </a:r>
-            <a:endParaRPr lang="vi-VN" altLang="en-US" sz="3200">
-              <a:solidFill>
-                <a:schemeClr val="tx2">
-                  <a:lumMod val="75000"/>
-                </a:schemeClr>
-              </a:solidFill>
-              <a:latin typeface="Times New Roman" panose="02020603050405020304" charset="0"/>
-              <a:cs typeface="Times New Roman" panose="02020603050405020304" charset="0"/>
-            </a:endParaRPr>
           </a:p>
         </p:txBody>
       </p:sp>
@@ -12648,6 +11728,7 @@
         </p:style>
         <p:txBody>
           <a:bodyPr rtlCol="0" anchor="ctr"/>
+          <a:lstStyle/>
           <a:p>
             <a:pPr algn="ctr"/>
             <a:r>
@@ -12660,29 +11741,8 @@
                 <a:latin typeface="Times New Roman" panose="02020603050405020304" charset="0"/>
                 <a:cs typeface="Times New Roman" panose="02020603050405020304" charset="0"/>
               </a:rPr>
-              <a:t>API </a:t>
-            </a:r>
-            <a:r>
-              <a:rPr lang="vi-VN" altLang="en-US" sz="3200">
-                <a:solidFill>
-                  <a:schemeClr val="tx2">
-                    <a:lumMod val="75000"/>
-                  </a:schemeClr>
-                </a:solidFill>
-                <a:latin typeface="Times New Roman" panose="02020603050405020304" charset="0"/>
-                <a:cs typeface="Times New Roman" panose="02020603050405020304" charset="0"/>
-              </a:rPr>
-              <a:t>đối tác</a:t>
-            </a:r>
-            <a:endParaRPr lang="vi-VN" altLang="en-US" sz="3200">
-              <a:solidFill>
-                <a:schemeClr val="tx2">
-                  <a:lumMod val="75000"/>
-                </a:schemeClr>
-              </a:solidFill>
-              <a:latin typeface="Times New Roman" panose="02020603050405020304" charset="0"/>
-              <a:cs typeface="Times New Roman" panose="02020603050405020304" charset="0"/>
-            </a:endParaRPr>
+              <a:t>API đối tác</a:t>
+            </a:r>
           </a:p>
         </p:txBody>
       </p:sp>
@@ -12728,6 +11788,7 @@
         </p:style>
         <p:txBody>
           <a:bodyPr rtlCol="0" anchor="ctr"/>
+          <a:lstStyle/>
           <a:p>
             <a:pPr algn="ctr"/>
             <a:r>
@@ -12740,29 +11801,8 @@
                 <a:latin typeface="Times New Roman" panose="02020603050405020304" charset="0"/>
                 <a:cs typeface="Times New Roman" panose="02020603050405020304" charset="0"/>
               </a:rPr>
-              <a:t>API nội </a:t>
-            </a:r>
-            <a:r>
-              <a:rPr lang="vi-VN" altLang="en-US" sz="3200">
-                <a:solidFill>
-                  <a:schemeClr val="tx2">
-                    <a:lumMod val="75000"/>
-                  </a:schemeClr>
-                </a:solidFill>
-                <a:latin typeface="Times New Roman" panose="02020603050405020304" charset="0"/>
-                <a:cs typeface="Times New Roman" panose="02020603050405020304" charset="0"/>
-              </a:rPr>
-              <a:t>bộ</a:t>
-            </a:r>
-            <a:endParaRPr lang="vi-VN" altLang="en-US" sz="3200">
-              <a:solidFill>
-                <a:schemeClr val="tx2">
-                  <a:lumMod val="75000"/>
-                </a:schemeClr>
-              </a:solidFill>
-              <a:latin typeface="Times New Roman" panose="02020603050405020304" charset="0"/>
-              <a:cs typeface="Times New Roman" panose="02020603050405020304" charset="0"/>
-            </a:endParaRPr>
+              <a:t>API nội bộ</a:t>
+            </a:r>
           </a:p>
         </p:txBody>
       </p:sp>
@@ -12818,15 +11858,6 @@
                 </a:rPr>
                 <a:t>API </a:t>
               </a:r>
-              <a:endParaRPr lang="vi-VN" altLang="en-US" sz="4000" b="1">
-                <a:solidFill>
-                  <a:srgbClr val="2D3880"/>
-                </a:solidFill>
-                <a:latin typeface="Times New Roman" panose="02020603050405020304" charset="0"/>
-                <a:ea typeface="Glacial Indifference Bold" panose="00000800000000000000"/>
-                <a:cs typeface="Times New Roman" panose="02020603050405020304" charset="0"/>
-                <a:sym typeface="Glacial Indifference Bold" panose="00000800000000000000"/>
-              </a:endParaRPr>
             </a:p>
             <a:p>
               <a:pPr marL="0" lvl="0" indent="0" algn="ctr">
@@ -12846,15 +11877,6 @@
                 </a:rPr>
                 <a:t>về mặt truy cập</a:t>
               </a:r>
-              <a:endParaRPr lang="vi-VN" altLang="en-US" sz="4000" b="1">
-                <a:solidFill>
-                  <a:srgbClr val="2D3880"/>
-                </a:solidFill>
-                <a:latin typeface="Times New Roman" panose="02020603050405020304" charset="0"/>
-                <a:ea typeface="Glacial Indifference Bold" panose="00000800000000000000"/>
-                <a:cs typeface="Times New Roman" panose="02020603050405020304" charset="0"/>
-                <a:sym typeface="Glacial Indifference Bold" panose="00000800000000000000"/>
-              </a:endParaRPr>
             </a:p>
           </p:txBody>
         </p:sp>
@@ -12889,6 +11911,7 @@
           </p:style>
           <p:txBody>
             <a:bodyPr rtlCol="0" anchor="ctr"/>
+            <a:lstStyle/>
             <a:p>
               <a:pPr algn="ctr"/>
               <a:endParaRPr lang="en-US"/>
@@ -12938,6 +11961,7 @@
         </p:style>
         <p:txBody>
           <a:bodyPr rtlCol="0" anchor="ctr"/>
+          <a:lstStyle/>
           <a:p>
             <a:pPr algn="ctr"/>
             <a:r>
@@ -12950,29 +11974,8 @@
                 <a:latin typeface="Times New Roman" panose="02020603050405020304" charset="0"/>
                 <a:cs typeface="Times New Roman" panose="02020603050405020304" charset="0"/>
               </a:rPr>
-              <a:t>API </a:t>
-            </a:r>
-            <a:r>
-              <a:rPr lang="vi-VN" altLang="en-US" sz="3200">
-                <a:solidFill>
-                  <a:schemeClr val="tx2">
-                    <a:lumMod val="75000"/>
-                  </a:schemeClr>
-                </a:solidFill>
-                <a:latin typeface="Times New Roman" panose="02020603050405020304" charset="0"/>
-                <a:cs typeface="Times New Roman" panose="02020603050405020304" charset="0"/>
-              </a:rPr>
-              <a:t>mở</a:t>
-            </a:r>
-            <a:endParaRPr lang="vi-VN" altLang="en-US" sz="3200">
-              <a:solidFill>
-                <a:schemeClr val="tx2">
-                  <a:lumMod val="75000"/>
-                </a:schemeClr>
-              </a:solidFill>
-              <a:latin typeface="Times New Roman" panose="02020603050405020304" charset="0"/>
-              <a:cs typeface="Times New Roman" panose="02020603050405020304" charset="0"/>
-            </a:endParaRPr>
+              <a:t>API mở</a:t>
+            </a:r>
           </a:p>
         </p:txBody>
       </p:sp>
@@ -13155,6 +12158,7 @@
           <a:bodyPr wrap="square">
             <a:spAutoFit/>
           </a:bodyPr>
+          <a:lstStyle/>
           <a:p>
             <a:pPr marL="457200" indent="-228600" defTabSz="457200">
               <a:lnSpc>
@@ -13190,9 +12194,6 @@
               </a:rPr>
               <a:t>Giống như tên gọi, các API này có sẵn công khai, vậy nên sẽ không có bất kỳ hạn chế nào khi người dùng truy cập các API này.</a:t>
             </a:r>
-            <a:endParaRPr lang="en-US" sz="3600">
-              <a:ea typeface="Times New Roman" panose="02020603050405020304"/>
-            </a:endParaRPr>
           </a:p>
         </p:txBody>
       </p:sp>
@@ -13235,10 +12236,10 @@
             </a:pathLst>
           </a:custGeom>
           <a:blipFill>
-            <a:blip r:embed="rId3">
+            <a:blip r:embed="rId5">
               <a:extLst>
                 <a:ext uri="{96DAC541-7B7A-43D3-8B79-37D633B846F1}">
-                  <asvg:svgBlip xmlns:asvg="http://schemas.microsoft.com/office/drawing/2016/SVG/main" r:embed="rId4"/>
+                  <asvg:svgBlip xmlns:asvg="http://schemas.microsoft.com/office/drawing/2016/SVG/main" r:embed="rId6"/>
                 </a:ext>
               </a:extLst>
             </a:blip>
@@ -13275,6 +12276,7 @@
           <a:bodyPr wrap="square">
             <a:spAutoFit/>
           </a:bodyPr>
+          <a:lstStyle/>
           <a:p>
             <a:pPr marL="457200" indent="457200" defTabSz="457200">
               <a:lnSpc>
@@ -13294,23 +12296,8 @@
               <a:rPr lang="en-US" altLang="en-US" sz="3600">
                 <a:ea typeface="Times New Roman" panose="02020603050405020304"/>
               </a:rPr>
-              <a:t>API không có sẵn công khai, chính vì vậy chỉ khi </a:t>
-            </a:r>
-            <a:r>
-              <a:rPr lang="en-US" altLang="en-US" sz="3600">
-                <a:ea typeface="Times New Roman" panose="02020603050405020304"/>
-              </a:rPr>
-              <a:t>đư</a:t>
-            </a:r>
-            <a:r>
-              <a:rPr lang="en-US" altLang="en-US" sz="3600">
-                <a:ea typeface="Times New Roman" panose="02020603050405020304"/>
-              </a:rPr>
-              <a:t>ợc cấp quyền hoặc các giấy phép liên quan thì mới có thể truy cập loại API này.</a:t>
-            </a:r>
-            <a:endParaRPr lang="en-US" altLang="en-US" sz="3600">
-              <a:ea typeface="Times New Roman" panose="02020603050405020304"/>
-            </a:endParaRPr>
+              <a:t>API không có sẵn công khai, chính vì vậy chỉ khi được cấp quyền hoặc các giấy phép liên quan thì mới có thể truy cập loại API này.</a:t>
+            </a:r>
           </a:p>
         </p:txBody>
       </p:sp>
@@ -13341,6 +12328,7 @@
           <a:bodyPr wrap="square" anchor="ctr" anchorCtr="0">
             <a:noAutofit/>
           </a:bodyPr>
+          <a:lstStyle/>
           <a:p>
             <a:pPr marL="457200" indent="457200" algn="l" defTabSz="457200">
               <a:lnSpc>
@@ -13360,23 +12348,8 @@
               <a:rPr lang="en-US" altLang="en-US" sz="3600">
                 <a:ea typeface="Times New Roman" panose="02020603050405020304"/>
               </a:rPr>
-              <a:t>API riêng t</a:t>
-            </a:r>
-            <a:r>
-              <a:rPr lang="en-US" altLang="en-US" sz="3600">
-                <a:ea typeface="Times New Roman" panose="02020603050405020304"/>
-              </a:rPr>
-              <a:t>ư</a:t>
-            </a:r>
-            <a:r>
-              <a:rPr lang="en-US" altLang="en-US" sz="3600">
-                <a:ea typeface="Times New Roman" panose="02020603050405020304"/>
-              </a:rPr>
-              <a:t>, chỉ những hệ thống nội bộ mới có quyền truy cập và sử dụng loại API này</a:t>
-            </a:r>
-            <a:endParaRPr lang="en-US" altLang="en-US" sz="3600">
-              <a:ea typeface="Times New Roman" panose="02020603050405020304"/>
-            </a:endParaRPr>
+              <a:t>API riêng tư, chỉ những hệ thống nội bộ mới có quyền truy cập và sử dụng loại API này</a:t>
+            </a:r>
           </a:p>
         </p:txBody>
       </p:sp>
@@ -13407,6 +12380,7 @@
           <a:bodyPr wrap="square" anchor="ctr" anchorCtr="0">
             <a:noAutofit/>
           </a:bodyPr>
+          <a:lstStyle/>
           <a:p>
             <a:pPr marL="457200" indent="457200" algn="l" defTabSz="457200">
               <a:lnSpc>
@@ -13432,35 +12406,8 @@
               <a:rPr lang="en-US" altLang="en-US" sz="3600">
                 <a:ea typeface="Times New Roman" panose="02020603050405020304"/>
               </a:rPr>
-              <a:t>ự kết hợp của 2 API khác nhau </a:t>
-            </a:r>
-            <a:r>
-              <a:rPr lang="en-US" altLang="en-US" sz="3600">
-                <a:ea typeface="Times New Roman" panose="02020603050405020304"/>
-              </a:rPr>
-              <a:t>đ</a:t>
-            </a:r>
-            <a:r>
-              <a:rPr lang="en-US" altLang="en-US" sz="3600">
-                <a:ea typeface="Times New Roman" panose="02020603050405020304"/>
-              </a:rPr>
-              <a:t>ể giải quyết những vấn </a:t>
-            </a:r>
-            <a:r>
-              <a:rPr lang="en-US" altLang="en-US" sz="3600">
-                <a:ea typeface="Times New Roman" panose="02020603050405020304"/>
-              </a:rPr>
-              <a:t>đ</a:t>
-            </a:r>
-            <a:r>
-              <a:rPr lang="en-US" altLang="en-US" sz="3600">
-                <a:ea typeface="Times New Roman" panose="02020603050405020304"/>
-              </a:rPr>
-              <a:t>ề phức tạp của hệ thống.</a:t>
-            </a:r>
-            <a:endParaRPr lang="en-US" altLang="en-US" sz="3600">
-              <a:ea typeface="Times New Roman" panose="02020603050405020304"/>
-            </a:endParaRPr>
+              <a:t>ự kết hợp của 2 API khác nhau để giải quyết những vấn đề phức tạp của hệ thống.</a:t>
+            </a:r>
           </a:p>
         </p:txBody>
       </p:sp>
@@ -13469,13 +12416,13 @@
   <p:clrMapOvr>
     <a:masterClrMapping/>
   </p:clrMapOvr>
-  <mc:AlternateContent xmlns:mc="http://schemas.openxmlformats.org/markup-compatibility/2006">
-    <mc:Choice xmlns:p14="http://schemas.microsoft.com/office/powerpoint/2010/main" Requires="p14">
+  <mc:AlternateContent xmlns:mc="http://schemas.openxmlformats.org/markup-compatibility/2006" xmlns:p14="http://schemas.microsoft.com/office/powerpoint/2010/main">
+    <mc:Choice Requires="p14">
       <p:transition spd="slow" p14:dur="1500">
         <p:split orient="vert" dir="in"/>
       </p:transition>
     </mc:Choice>
-    <mc:Fallback>
+    <mc:Fallback xmlns="">
       <p:transition spd="slow">
         <p:split orient="vert" dir="in"/>
       </p:transition>
@@ -14128,20 +13075,20 @@
       </p:par>
     </p:tnLst>
     <p:bldLst>
+      <p:bldP spid="17" grpId="0" animBg="1"/>
+      <p:bldP spid="17" grpId="1" animBg="1"/>
+      <p:bldP spid="19" grpId="0" animBg="1"/>
+      <p:bldP spid="19" grpId="1" animBg="1"/>
+      <p:bldP spid="23" grpId="0" animBg="1"/>
+      <p:bldP spid="23" grpId="1" animBg="1"/>
       <p:bldP spid="28" grpId="0" animBg="1"/>
       <p:bldP spid="28" grpId="1" animBg="1"/>
       <p:bldP spid="89" grpId="0" bldLvl="0" animBg="1"/>
       <p:bldP spid="89" grpId="1" animBg="1"/>
-      <p:bldP spid="19" grpId="0" animBg="1"/>
-      <p:bldP spid="19" grpId="1" animBg="1"/>
       <p:bldP spid="92" grpId="0" bldLvl="0" animBg="1"/>
       <p:bldP spid="92" grpId="1" animBg="1"/>
-      <p:bldP spid="23" grpId="0" animBg="1"/>
-      <p:bldP spid="23" grpId="1" animBg="1"/>
       <p:bldP spid="93" grpId="0" bldLvl="0" animBg="1"/>
       <p:bldP spid="93" grpId="1" animBg="1"/>
-      <p:bldP spid="17" grpId="0" animBg="1"/>
-      <p:bldP spid="17" grpId="1" animBg="1"/>
       <p:bldP spid="94" grpId="0" animBg="1"/>
       <p:bldP spid="94" grpId="1" animBg="1"/>
     </p:bldLst>
@@ -14205,10 +13152,10 @@
             </a:pathLst>
           </a:custGeom>
           <a:blipFill>
-            <a:blip r:embed="rId1">
+            <a:blip r:embed="rId3">
               <a:extLst>
                 <a:ext uri="{96DAC541-7B7A-43D3-8B79-37D633B846F1}">
-                  <asvg:svgBlip xmlns:asvg="http://schemas.microsoft.com/office/drawing/2016/SVG/main" r:embed="rId2"/>
+                  <asvg:svgBlip xmlns:asvg="http://schemas.microsoft.com/office/drawing/2016/SVG/main" r:embed="rId4"/>
                 </a:ext>
               </a:extLst>
             </a:blip>
@@ -14259,15 +13206,6 @@
               </a:rPr>
               <a:t>Các loại API</a:t>
             </a:r>
-            <a:endParaRPr lang="vi-VN" altLang="en-US" sz="8800" b="1" i="1">
-              <a:solidFill>
-                <a:srgbClr val="2D3880"/>
-              </a:solidFill>
-              <a:latin typeface="Times New Roman" panose="02020603050405020304" charset="0"/>
-              <a:ea typeface="Cormorant Garamond Bold Italics" panose="00000800000000000000"/>
-              <a:cs typeface="Times New Roman" panose="02020603050405020304" charset="0"/>
-              <a:sym typeface="Cormorant Garamond Bold Italics" panose="00000800000000000000"/>
-            </a:endParaRPr>
           </a:p>
         </p:txBody>
       </p:sp>
@@ -14323,15 +13261,6 @@
                 </a:rPr>
                 <a:t>API </a:t>
               </a:r>
-              <a:endParaRPr lang="vi-VN" altLang="en-US" sz="4000" b="1">
-                <a:solidFill>
-                  <a:srgbClr val="2D3880"/>
-                </a:solidFill>
-                <a:latin typeface="Times New Roman" panose="02020603050405020304" charset="0"/>
-                <a:ea typeface="Glacial Indifference Bold" panose="00000800000000000000"/>
-                <a:cs typeface="Times New Roman" panose="02020603050405020304" charset="0"/>
-                <a:sym typeface="Glacial Indifference Bold" panose="00000800000000000000"/>
-              </a:endParaRPr>
             </a:p>
             <a:p>
               <a:pPr marL="0" lvl="0" indent="0" algn="ctr">
@@ -14349,29 +13278,8 @@
                   <a:cs typeface="Times New Roman" panose="02020603050405020304" charset="0"/>
                   <a:sym typeface="Glacial Indifference Bold" panose="00000800000000000000"/>
                 </a:rPr>
-                <a:t>về mặt kiến t</a:t>
+                <a:t>về mặt kiến trúc</a:t>
               </a:r>
-              <a:r>
-                <a:rPr lang="vi-VN" altLang="en-US" sz="4000" b="1">
-                  <a:solidFill>
-                    <a:srgbClr val="2D3880"/>
-                  </a:solidFill>
-                  <a:latin typeface="Times New Roman" panose="02020603050405020304" charset="0"/>
-                  <a:ea typeface="Glacial Indifference Bold" panose="00000800000000000000"/>
-                  <a:cs typeface="Times New Roman" panose="02020603050405020304" charset="0"/>
-                  <a:sym typeface="Glacial Indifference Bold" panose="00000800000000000000"/>
-                </a:rPr>
-                <a:t>rúc</a:t>
-              </a:r>
-              <a:endParaRPr lang="vi-VN" altLang="en-US" sz="4000" b="1">
-                <a:solidFill>
-                  <a:srgbClr val="2D3880"/>
-                </a:solidFill>
-                <a:latin typeface="Times New Roman" panose="02020603050405020304" charset="0"/>
-                <a:ea typeface="Glacial Indifference Bold" panose="00000800000000000000"/>
-                <a:cs typeface="Times New Roman" panose="02020603050405020304" charset="0"/>
-                <a:sym typeface="Glacial Indifference Bold" panose="00000800000000000000"/>
-              </a:endParaRPr>
             </a:p>
           </p:txBody>
         </p:sp>
@@ -14406,6 +13314,7 @@
           </p:style>
           <p:txBody>
             <a:bodyPr rtlCol="0" anchor="ctr"/>
+            <a:lstStyle/>
             <a:p>
               <a:pPr algn="ctr"/>
               <a:endParaRPr lang="en-US"/>
@@ -14455,6 +13364,7 @@
         </p:style>
         <p:txBody>
           <a:bodyPr rtlCol="0" anchor="ctr"/>
+          <a:lstStyle/>
           <a:p>
             <a:pPr algn="ctr"/>
             <a:r>
@@ -14469,15 +13379,6 @@
               </a:rPr>
               <a:t>REST API</a:t>
             </a:r>
-            <a:endParaRPr lang="vi-VN" altLang="en-US" sz="3200">
-              <a:solidFill>
-                <a:schemeClr val="tx2">
-                  <a:lumMod val="75000"/>
-                </a:schemeClr>
-              </a:solidFill>
-              <a:latin typeface="Times New Roman" panose="02020603050405020304" charset="0"/>
-              <a:cs typeface="Times New Roman" panose="02020603050405020304" charset="0"/>
-            </a:endParaRPr>
           </a:p>
         </p:txBody>
       </p:sp>
@@ -14523,6 +13424,7 @@
         </p:style>
         <p:txBody>
           <a:bodyPr rtlCol="0" anchor="ctr"/>
+          <a:lstStyle/>
           <a:p>
             <a:pPr algn="ctr"/>
             <a:r>
@@ -14561,15 +13463,6 @@
               </a:rPr>
               <a:t> API</a:t>
             </a:r>
-            <a:endParaRPr lang="vi-VN" altLang="en-US" sz="3200">
-              <a:solidFill>
-                <a:schemeClr val="tx2">
-                  <a:lumMod val="75000"/>
-                </a:schemeClr>
-              </a:solidFill>
-              <a:latin typeface="Times New Roman" panose="02020603050405020304" charset="0"/>
-              <a:cs typeface="Times New Roman" panose="02020603050405020304" charset="0"/>
-            </a:endParaRPr>
           </a:p>
         </p:txBody>
       </p:sp>
@@ -14615,6 +13508,7 @@
         </p:style>
         <p:txBody>
           <a:bodyPr rtlCol="0" anchor="ctr"/>
+          <a:lstStyle/>
           <a:p>
             <a:pPr algn="ctr"/>
             <a:r>
@@ -14629,15 +13523,6 @@
               </a:rPr>
               <a:t>SOAP API</a:t>
             </a:r>
-            <a:endParaRPr lang="vi-VN" altLang="en-US" sz="3200">
-              <a:solidFill>
-                <a:schemeClr val="tx2">
-                  <a:lumMod val="75000"/>
-                </a:schemeClr>
-              </a:solidFill>
-              <a:latin typeface="Times New Roman" panose="02020603050405020304" charset="0"/>
-              <a:cs typeface="Times New Roman" panose="02020603050405020304" charset="0"/>
-            </a:endParaRPr>
           </a:p>
         </p:txBody>
       </p:sp>
@@ -14683,6 +13568,7 @@
         </p:style>
         <p:txBody>
           <a:bodyPr rtlCol="0" anchor="ctr"/>
+          <a:lstStyle/>
           <a:p>
             <a:pPr algn="ctr"/>
             <a:r>
@@ -14697,15 +13583,6 @@
               </a:rPr>
               <a:t>Kafka API</a:t>
             </a:r>
-            <a:endParaRPr lang="vi-VN" altLang="en-US" sz="3200">
-              <a:solidFill>
-                <a:schemeClr val="tx2">
-                  <a:lumMod val="75000"/>
-                </a:schemeClr>
-              </a:solidFill>
-              <a:latin typeface="Times New Roman" panose="02020603050405020304" charset="0"/>
-              <a:cs typeface="Times New Roman" panose="02020603050405020304" charset="0"/>
-            </a:endParaRPr>
           </a:p>
         </p:txBody>
       </p:sp>
@@ -14751,6 +13628,7 @@
         </p:style>
         <p:txBody>
           <a:bodyPr rtlCol="0" anchor="ctr"/>
+          <a:lstStyle/>
           <a:p>
             <a:pPr algn="ctr"/>
             <a:r>
@@ -14765,15 +13643,6 @@
               </a:rPr>
               <a:t>Async API</a:t>
             </a:r>
-            <a:endParaRPr lang="vi-VN" altLang="en-US" sz="3200">
-              <a:solidFill>
-                <a:schemeClr val="tx2">
-                  <a:lumMod val="75000"/>
-                </a:schemeClr>
-              </a:solidFill>
-              <a:latin typeface="Times New Roman" panose="02020603050405020304" charset="0"/>
-              <a:cs typeface="Times New Roman" panose="02020603050405020304" charset="0"/>
-            </a:endParaRPr>
           </a:p>
         </p:txBody>
       </p:sp>
@@ -14994,6 +13863,7 @@
           <a:bodyPr wrap="square" anchor="ctr" anchorCtr="0">
             <a:noAutofit/>
           </a:bodyPr>
+          <a:lstStyle/>
           <a:p>
             <a:pPr marL="457200" indent="457200" algn="l" defTabSz="457200">
               <a:lnSpc>
@@ -15013,35 +13883,8 @@
               <a:rPr lang="en-US" altLang="en-US" sz="3600">
                 <a:ea typeface="Times New Roman" panose="02020603050405020304"/>
               </a:rPr>
-              <a:t>Cho phép thực hiện các hoạt </a:t>
-            </a:r>
-            <a:r>
-              <a:rPr lang="en-US" altLang="en-US" sz="3600">
-                <a:ea typeface="Times New Roman" panose="02020603050405020304"/>
-              </a:rPr>
-              <a:t>đ</a:t>
-            </a:r>
-            <a:r>
-              <a:rPr lang="en-US" altLang="en-US" sz="3600">
-                <a:ea typeface="Times New Roman" panose="02020603050405020304"/>
-              </a:rPr>
-              <a:t>ộng CRUD (tạo, </a:t>
-            </a:r>
-            <a:r>
-              <a:rPr lang="en-US" altLang="en-US" sz="3600">
-                <a:ea typeface="Times New Roman" panose="02020603050405020304"/>
-              </a:rPr>
-              <a:t>đ</a:t>
-            </a:r>
-            <a:r>
-              <a:rPr lang="en-US" altLang="en-US" sz="3600">
-                <a:ea typeface="Times New Roman" panose="02020603050405020304"/>
-              </a:rPr>
-              <a:t>ọc, cập nhật và xóa) giữa máy khách và máy chủ.</a:t>
-            </a:r>
-            <a:endParaRPr lang="en-US" altLang="en-US" sz="3600">
-              <a:ea typeface="Times New Roman" panose="02020603050405020304"/>
-            </a:endParaRPr>
+              <a:t>Cho phép thực hiện các hoạt động CRUD (tạo, đọc, cập nhật và xóa) giữa máy khách và máy chủ.</a:t>
+            </a:r>
           </a:p>
         </p:txBody>
       </p:sp>
@@ -15072,6 +13915,7 @@
           <a:bodyPr wrap="square" anchor="ctr" anchorCtr="0">
             <a:noAutofit/>
           </a:bodyPr>
+          <a:lstStyle/>
           <a:p>
             <a:pPr marL="457200" indent="457200" algn="l" defTabSz="457200">
               <a:lnSpc>
@@ -15093,9 +13937,6 @@
               </a:rPr>
               <a:t>Là ngôn ngữ truy vấn cho phép máy khách yêu cầu dữ liệu chính xác mà máy khách yêu cầu từ máy chủ.</a:t>
             </a:r>
-            <a:endParaRPr lang="en-US" altLang="en-US" sz="3600">
-              <a:ea typeface="Times New Roman" panose="02020603050405020304"/>
-            </a:endParaRPr>
           </a:p>
         </p:txBody>
       </p:sp>
@@ -15126,6 +13967,7 @@
           <a:bodyPr wrap="square" anchor="ctr" anchorCtr="0">
             <a:noAutofit/>
           </a:bodyPr>
+          <a:lstStyle/>
           <a:p>
             <a:pPr marL="457200" indent="457200" algn="l" defTabSz="457200">
               <a:lnSpc>
@@ -15145,35 +13987,8 @@
               <a:rPr lang="en-US" altLang="en-US" sz="3600">
                 <a:ea typeface="Times New Roman" panose="02020603050405020304"/>
               </a:rPr>
-              <a:t>Bất kỳ dịch vụ web nào tuân thủ </a:t>
-            </a:r>
-            <a:r>
-              <a:rPr lang="en-US" altLang="en-US" sz="3600">
-                <a:ea typeface="Times New Roman" panose="02020603050405020304"/>
-              </a:rPr>
-              <a:t>đ</a:t>
-            </a:r>
-            <a:r>
-              <a:rPr lang="en-US" altLang="en-US" sz="3600">
-                <a:ea typeface="Times New Roman" panose="02020603050405020304"/>
-              </a:rPr>
-              <a:t>ặc tả API SOAP web service </a:t>
-            </a:r>
-            <a:r>
-              <a:rPr lang="en-US" altLang="en-US" sz="3600">
-                <a:ea typeface="Times New Roman" panose="02020603050405020304"/>
-              </a:rPr>
-              <a:t>đ</a:t>
-            </a:r>
-            <a:r>
-              <a:rPr lang="en-US" altLang="en-US" sz="3600">
-                <a:ea typeface="Times New Roman" panose="02020603050405020304"/>
-              </a:rPr>
-              <a:t>ều là SOAP web service.</a:t>
-            </a:r>
-            <a:endParaRPr lang="en-US" altLang="en-US" sz="3600">
-              <a:ea typeface="Times New Roman" panose="02020603050405020304"/>
-            </a:endParaRPr>
+              <a:t>Bất kỳ dịch vụ web nào tuân thủ đặc tả API SOAP web service đều là SOAP web service.</a:t>
+            </a:r>
           </a:p>
         </p:txBody>
       </p:sp>
@@ -15204,6 +14019,7 @@
           <a:bodyPr wrap="square" anchor="ctr" anchorCtr="0">
             <a:noAutofit/>
           </a:bodyPr>
+          <a:lstStyle/>
           <a:p>
             <a:pPr marL="457200" indent="457200" algn="l" defTabSz="457200">
               <a:lnSpc>
@@ -15223,47 +14039,8 @@
               <a:rPr lang="en-US" altLang="en-US" sz="3600">
                 <a:ea typeface="Times New Roman" panose="02020603050405020304"/>
               </a:rPr>
-              <a:t>Là một nền tảng phát trực tuyến sự kiện kết hợp ba khả n</a:t>
-            </a:r>
-            <a:r>
-              <a:rPr lang="en-US" altLang="en-US" sz="3600">
-                <a:ea typeface="Times New Roman" panose="02020603050405020304"/>
-              </a:rPr>
-              <a:t>ă</a:t>
-            </a:r>
-            <a:r>
-              <a:rPr lang="en-US" altLang="en-US" sz="3600">
-                <a:ea typeface="Times New Roman" panose="02020603050405020304"/>
-              </a:rPr>
-              <a:t>ng </a:t>
-            </a:r>
-            <a:r>
-              <a:rPr lang="en-US" altLang="en-US" sz="3600">
-                <a:ea typeface="Times New Roman" panose="02020603050405020304"/>
-              </a:rPr>
-              <a:t>đ</a:t>
-            </a:r>
-            <a:r>
-              <a:rPr lang="en-US" altLang="en-US" sz="3600">
-                <a:ea typeface="Times New Roman" panose="02020603050405020304"/>
-              </a:rPr>
-              <a:t>ể có thể triển khai các tr</a:t>
-            </a:r>
-            <a:r>
-              <a:rPr lang="en-US" altLang="en-US" sz="3600">
-                <a:ea typeface="Times New Roman" panose="02020603050405020304"/>
-              </a:rPr>
-              <a:t>ư</a:t>
-            </a:r>
-            <a:r>
-              <a:rPr lang="en-US" altLang="en-US" sz="3600">
-                <a:ea typeface="Times New Roman" panose="02020603050405020304"/>
-              </a:rPr>
-              <a:t>ờng hợp sử dụng khác nhau.</a:t>
-            </a:r>
-            <a:endParaRPr lang="en-US" altLang="en-US" sz="3600">
-              <a:ea typeface="Times New Roman" panose="02020603050405020304"/>
-            </a:endParaRPr>
+              <a:t>Là một nền tảng phát trực tuyến sự kiện kết hợp ba khả năng để có thể triển khai các trường hợp sử dụng khác nhau.</a:t>
+            </a:r>
           </a:p>
         </p:txBody>
       </p:sp>
@@ -15294,6 +14071,7 @@
           <a:bodyPr wrap="square" anchor="ctr" anchorCtr="0">
             <a:noAutofit/>
           </a:bodyPr>
+          <a:lstStyle/>
           <a:p>
             <a:pPr marL="457200" indent="457200" algn="l" defTabSz="457200">
               <a:lnSpc>
@@ -15313,47 +14091,8 @@
               <a:rPr lang="en-US" altLang="en-US" sz="3600">
                 <a:ea typeface="Times New Roman" panose="02020603050405020304"/>
               </a:rPr>
-              <a:t>Các API này hoạt </a:t>
-            </a:r>
-            <a:r>
-              <a:rPr lang="en-US" altLang="en-US" sz="3600">
-                <a:ea typeface="Times New Roman" panose="02020603050405020304"/>
-              </a:rPr>
-              <a:t>đ</a:t>
-            </a:r>
-            <a:r>
-              <a:rPr lang="en-US" altLang="en-US" sz="3600">
-                <a:ea typeface="Times New Roman" panose="02020603050405020304"/>
-              </a:rPr>
-              <a:t>ộng theo nguyên tắc Event-Driven Architecture (EDA). Trong Async API, nhiều Subscriber có thể </a:t>
-            </a:r>
-            <a:r>
-              <a:rPr lang="en-US" altLang="en-US" sz="3600">
-                <a:ea typeface="Times New Roman" panose="02020603050405020304"/>
-              </a:rPr>
-              <a:t>đă</a:t>
-            </a:r>
-            <a:r>
-              <a:rPr lang="en-US" altLang="en-US" sz="3600">
-                <a:ea typeface="Times New Roman" panose="02020603050405020304"/>
-              </a:rPr>
-              <a:t>ng k</a:t>
-            </a:r>
-            <a:r>
-              <a:rPr lang="en-US" altLang="en-US" sz="3600">
-                <a:ea typeface="Times New Roman" panose="02020603050405020304"/>
-              </a:rPr>
-              <a:t>ý</a:t>
-            </a:r>
-            <a:r>
-              <a:rPr lang="en-US" altLang="en-US" sz="3600">
-                <a:ea typeface="Times New Roman" panose="02020603050405020304"/>
-              </a:rPr>
-              <a:t> Publisher.</a:t>
-            </a:r>
-            <a:endParaRPr lang="en-US" altLang="en-US" sz="3600">
-              <a:ea typeface="Times New Roman" panose="02020603050405020304"/>
-            </a:endParaRPr>
+              <a:t>Các API này hoạt động theo nguyên tắc Event-Driven Architecture (EDA). Trong Async API, nhiều Subscriber có thể đăng ký Publisher.</a:t>
+            </a:r>
           </a:p>
         </p:txBody>
       </p:sp>
@@ -15362,13 +14101,13 @@
   <p:clrMapOvr>
     <a:masterClrMapping/>
   </p:clrMapOvr>
-  <mc:AlternateContent xmlns:mc="http://schemas.openxmlformats.org/markup-compatibility/2006">
-    <mc:Choice xmlns:p14="http://schemas.microsoft.com/office/powerpoint/2010/main" Requires="p14">
-      <p:transition spd="slow" p14:dur="1000">
+  <mc:AlternateContent xmlns:mc="http://schemas.openxmlformats.org/markup-compatibility/2006" xmlns:p14="http://schemas.microsoft.com/office/powerpoint/2010/main">
+    <mc:Choice Requires="p14">
+      <p:transition spd="slow">
         <p:wipe/>
       </p:transition>
     </mc:Choice>
-    <mc:Fallback>
+    <mc:Fallback xmlns="">
       <p:transition spd="slow">
         <p:wipe/>
       </p:transition>
@@ -16164,22 +14903,22 @@
     <p:bldLst>
       <p:bldP spid="73" grpId="0" animBg="1"/>
       <p:bldP spid="73" grpId="1" animBg="1"/>
+      <p:bldP spid="74" grpId="0" animBg="1"/>
+      <p:bldP spid="74" grpId="1" animBg="1"/>
+      <p:bldP spid="75" grpId="0" animBg="1"/>
+      <p:bldP spid="75" grpId="1" animBg="1"/>
+      <p:bldP spid="76" grpId="0" animBg="1"/>
+      <p:bldP spid="76" grpId="1" animBg="1"/>
+      <p:bldP spid="77" grpId="0" animBg="1"/>
+      <p:bldP spid="77" grpId="1" animBg="1"/>
       <p:bldP spid="12" grpId="0" animBg="1"/>
       <p:bldP spid="12" grpId="1" animBg="1"/>
-      <p:bldP spid="74" grpId="0" animBg="1"/>
-      <p:bldP spid="74" grpId="1" animBg="1"/>
       <p:bldP spid="13" grpId="0" animBg="1"/>
       <p:bldP spid="13" grpId="1" animBg="1"/>
-      <p:bldP spid="75" grpId="0" animBg="1"/>
-      <p:bldP spid="75" grpId="1" animBg="1"/>
       <p:bldP spid="14" grpId="0" animBg="1"/>
       <p:bldP spid="14" grpId="1" animBg="1"/>
-      <p:bldP spid="76" grpId="0" animBg="1"/>
-      <p:bldP spid="76" grpId="1" animBg="1"/>
       <p:bldP spid="15" grpId="0" animBg="1"/>
       <p:bldP spid="15" grpId="1" animBg="1"/>
-      <p:bldP spid="77" grpId="0" animBg="1"/>
-      <p:bldP spid="77" grpId="1" animBg="1"/>
       <p:bldP spid="16" grpId="0" animBg="1"/>
       <p:bldP spid="16" grpId="1" animBg="1"/>
     </p:bldLst>
@@ -16465,6 +15204,8 @@
       </a:bgFillStyleLst>
     </a:fmtScheme>
   </a:themeElements>
+  <a:objectDefaults/>
+  <a:extraClrSchemeLst/>
   <a:extLst>
     <a:ext uri="{05A4C25C-085E-4340-85A3-A5531E510DB2}">
       <thm15:themeFamily xmlns:thm15="http://schemas.microsoft.com/office/thememl/2012/main" name="Office Theme" id="{62F939B6-93AF-4DB8-9C6B-D6C7DFDC589F}" vid="{4A3C46E8-61CC-4603-A589-7422A47A8E4A}"/>
@@ -16724,6 +15465,8 @@
       </a:bgFillStyleLst>
     </a:fmtScheme>
   </a:themeElements>
+  <a:objectDefaults/>
+  <a:extraClrSchemeLst/>
   <a:extLst>
     <a:ext uri="{05A4C25C-085E-4340-85A3-A5531E510DB2}">
       <thm15:themeFamily xmlns:thm15="http://schemas.microsoft.com/office/thememl/2012/main" name="Office Theme" id="{62F939B6-93AF-4DB8-9C6B-D6C7DFDC589F}" vid="{4A3C46E8-61CC-4603-A589-7422A47A8E4A}"/>

--- a/thesis/abs/THỰC TẬP ĐỒ ÁN CHUYÊN NGÀNH.pptx
+++ b/thesis/abs/THỰC TẬP ĐỒ ÁN CHUYÊN NGÀNH.pptx
@@ -7,6 +7,9 @@
   <p:notesMasterIdLst>
     <p:notesMasterId r:id="rId18"/>
   </p:notesMasterIdLst>
+  <p:handoutMasterIdLst>
+    <p:handoutMasterId r:id="rId19"/>
+  </p:handoutMasterIdLst>
   <p:sldIdLst>
     <p:sldId id="256" r:id="rId2"/>
     <p:sldId id="257" r:id="rId3"/>
@@ -30,7 +33,7 @@
   <p:embeddedFontLst>
     <p:embeddedFont>
       <p:font typeface="Cormorant Garamond Bold Italics" panose="020B0604020202020204" charset="0"/>
-      <p:boldItalic r:id="rId19"/>
+      <p:boldItalic r:id="rId20"/>
     </p:embeddedFont>
   </p:embeddedFontLst>
   <p:defaultTextStyle>
@@ -147,6 +150,196 @@
 </p:presentation>
 </file>
 
+<file path=ppt/handoutMasters/handoutMaster1.xml><?xml version="1.0" encoding="utf-8"?>
+<p:handoutMaster xmlns:a="http://schemas.openxmlformats.org/drawingml/2006/main" xmlns:r="http://schemas.openxmlformats.org/officeDocument/2006/relationships" xmlns:p="http://schemas.openxmlformats.org/presentationml/2006/main">
+  <p:cSld>
+    <p:bg>
+      <p:bgRef idx="1001">
+        <a:schemeClr val="bg1"/>
+      </p:bgRef>
+    </p:bg>
+    <p:spTree>
+      <p:nvGrpSpPr>
+        <p:cNvPr id="1" name=""/>
+        <p:cNvGrpSpPr/>
+        <p:nvPr/>
+      </p:nvGrpSpPr>
+      <p:grpSpPr>
+        <a:xfrm>
+          <a:off x="0" y="0"/>
+          <a:ext cx="0" cy="0"/>
+          <a:chOff x="0" y="0"/>
+          <a:chExt cx="0" cy="0"/>
+        </a:xfrm>
+      </p:grpSpPr>
+      <p:sp>
+        <p:nvSpPr>
+          <p:cNvPr id="2" name="Header Placeholder 1">
+            <a:extLst>
+              <a:ext uri="{FF2B5EF4-FFF2-40B4-BE49-F238E27FC236}">
+                <a16:creationId xmlns:a16="http://schemas.microsoft.com/office/drawing/2014/main" id="{4F3812EA-CB2B-19A8-3CB6-4B3AEF360528}"/>
+              </a:ext>
+            </a:extLst>
+          </p:cNvPr>
+          <p:cNvSpPr>
+            <a:spLocks noGrp="1"/>
+          </p:cNvSpPr>
+          <p:nvPr>
+            <p:ph type="hdr" sz="quarter"/>
+          </p:nvPr>
+        </p:nvSpPr>
+        <p:spPr>
+          <a:xfrm>
+            <a:off x="0" y="0"/>
+            <a:ext cx="2971800" cy="458788"/>
+          </a:xfrm>
+          <a:prstGeom prst="rect">
+            <a:avLst/>
+          </a:prstGeom>
+        </p:spPr>
+        <p:txBody>
+          <a:bodyPr vert="horz" lIns="91440" tIns="45720" rIns="91440" bIns="45720" rtlCol="0"/>
+          <a:lstStyle>
+            <a:lvl1pPr algn="l">
+              <a:defRPr sz="1200"/>
+            </a:lvl1pPr>
+          </a:lstStyle>
+          <a:p>
+            <a:endParaRPr lang="en-US"/>
+          </a:p>
+        </p:txBody>
+      </p:sp>
+      <p:sp>
+        <p:nvSpPr>
+          <p:cNvPr id="3" name="Date Placeholder 2">
+            <a:extLst>
+              <a:ext uri="{FF2B5EF4-FFF2-40B4-BE49-F238E27FC236}">
+                <a16:creationId xmlns:a16="http://schemas.microsoft.com/office/drawing/2014/main" id="{7A242026-B713-8C00-C7FA-ED32007EB460}"/>
+              </a:ext>
+            </a:extLst>
+          </p:cNvPr>
+          <p:cNvSpPr>
+            <a:spLocks noGrp="1"/>
+          </p:cNvSpPr>
+          <p:nvPr>
+            <p:ph type="dt" sz="quarter" idx="1"/>
+          </p:nvPr>
+        </p:nvSpPr>
+        <p:spPr>
+          <a:xfrm>
+            <a:off x="3884613" y="0"/>
+            <a:ext cx="2971800" cy="458788"/>
+          </a:xfrm>
+          <a:prstGeom prst="rect">
+            <a:avLst/>
+          </a:prstGeom>
+        </p:spPr>
+        <p:txBody>
+          <a:bodyPr vert="horz" lIns="91440" tIns="45720" rIns="91440" bIns="45720" rtlCol="0"/>
+          <a:lstStyle>
+            <a:lvl1pPr algn="r">
+              <a:defRPr sz="1200"/>
+            </a:lvl1pPr>
+          </a:lstStyle>
+          <a:p>
+            <a:fld id="{40785DC8-3A28-411D-A7B8-C80CBE98942F}" type="datetimeFigureOut">
+              <a:rPr lang="en-US" smtClean="0"/>
+              <a:t>1/16/2025</a:t>
+            </a:fld>
+            <a:endParaRPr lang="en-US"/>
+          </a:p>
+        </p:txBody>
+      </p:sp>
+      <p:sp>
+        <p:nvSpPr>
+          <p:cNvPr id="4" name="Footer Placeholder 3">
+            <a:extLst>
+              <a:ext uri="{FF2B5EF4-FFF2-40B4-BE49-F238E27FC236}">
+                <a16:creationId xmlns:a16="http://schemas.microsoft.com/office/drawing/2014/main" id="{6E202930-E454-B09F-4C4E-473EF170F371}"/>
+              </a:ext>
+            </a:extLst>
+          </p:cNvPr>
+          <p:cNvSpPr>
+            <a:spLocks noGrp="1"/>
+          </p:cNvSpPr>
+          <p:nvPr>
+            <p:ph type="ftr" sz="quarter" idx="2"/>
+          </p:nvPr>
+        </p:nvSpPr>
+        <p:spPr>
+          <a:xfrm>
+            <a:off x="0" y="8685213"/>
+            <a:ext cx="2971800" cy="458787"/>
+          </a:xfrm>
+          <a:prstGeom prst="rect">
+            <a:avLst/>
+          </a:prstGeom>
+        </p:spPr>
+        <p:txBody>
+          <a:bodyPr vert="horz" lIns="91440" tIns="45720" rIns="91440" bIns="45720" rtlCol="0" anchor="b"/>
+          <a:lstStyle>
+            <a:lvl1pPr algn="l">
+              <a:defRPr sz="1200"/>
+            </a:lvl1pPr>
+          </a:lstStyle>
+          <a:p>
+            <a:endParaRPr lang="en-US"/>
+          </a:p>
+        </p:txBody>
+      </p:sp>
+      <p:sp>
+        <p:nvSpPr>
+          <p:cNvPr id="5" name="Slide Number Placeholder 4">
+            <a:extLst>
+              <a:ext uri="{FF2B5EF4-FFF2-40B4-BE49-F238E27FC236}">
+                <a16:creationId xmlns:a16="http://schemas.microsoft.com/office/drawing/2014/main" id="{A49F19BD-600D-B63B-96D6-47EC731F19AF}"/>
+              </a:ext>
+            </a:extLst>
+          </p:cNvPr>
+          <p:cNvSpPr>
+            <a:spLocks noGrp="1"/>
+          </p:cNvSpPr>
+          <p:nvPr>
+            <p:ph type="sldNum" sz="quarter" idx="3"/>
+          </p:nvPr>
+        </p:nvSpPr>
+        <p:spPr>
+          <a:xfrm>
+            <a:off x="3884613" y="8685213"/>
+            <a:ext cx="2971800" cy="458787"/>
+          </a:xfrm>
+          <a:prstGeom prst="rect">
+            <a:avLst/>
+          </a:prstGeom>
+        </p:spPr>
+        <p:txBody>
+          <a:bodyPr vert="horz" lIns="91440" tIns="45720" rIns="91440" bIns="45720" rtlCol="0" anchor="b"/>
+          <a:lstStyle>
+            <a:lvl1pPr algn="r">
+              <a:defRPr sz="1200"/>
+            </a:lvl1pPr>
+          </a:lstStyle>
+          <a:p>
+            <a:fld id="{A3CAD390-B9CC-49F6-9B9F-E495CFC853B9}" type="slidenum">
+              <a:rPr lang="en-US" smtClean="0"/>
+              <a:t>‹#›</a:t>
+            </a:fld>
+            <a:endParaRPr lang="en-US"/>
+          </a:p>
+        </p:txBody>
+      </p:sp>
+    </p:spTree>
+    <p:extLst>
+      <p:ext uri="{BB962C8B-B14F-4D97-AF65-F5344CB8AC3E}">
+        <p14:creationId xmlns:p14="http://schemas.microsoft.com/office/powerpoint/2010/main" val="951897444"/>
+      </p:ext>
+    </p:extLst>
+  </p:cSld>
+  <p:clrMap bg1="lt1" tx1="dk1" bg2="lt2" tx2="dk2" accent1="accent1" accent2="accent2" accent3="accent3" accent4="accent4" accent5="accent5" accent6="accent6" hlink="hlink" folHlink="folHlink"/>
+  <p:hf hdr="0" ftr="0" dt="0"/>
+</p:handoutMaster>
+</file>
+
 <file path=ppt/notesMasters/notesMaster1.xml><?xml version="1.0" encoding="utf-8"?>
 <p:notesMaster xmlns:a="http://schemas.openxmlformats.org/drawingml/2006/main" xmlns:r="http://schemas.openxmlformats.org/officeDocument/2006/relationships" xmlns:p="http://schemas.openxmlformats.org/presentationml/2006/main">
   <p:cSld>
@@ -229,7 +422,7 @@
           <a:p>
             <a:fld id="{3EFD42F7-718C-4B98-AAEC-167E6DDD60A7}" type="datetimeFigureOut">
               <a:rPr lang="en-US" smtClean="0"/>
-              <a:t>1/9/2025</a:t>
+              <a:t>1/16/2025</a:t>
             </a:fld>
             <a:endParaRPr lang="en-US"/>
           </a:p>
@@ -396,6 +589,7 @@
     </p:spTree>
   </p:cSld>
   <p:clrMap bg1="lt1" tx1="dk1" bg2="lt2" tx2="dk2" accent1="accent1" accent2="accent2" accent3="accent3" accent4="accent4" accent5="accent5" accent6="accent6" hlink="hlink" folHlink="folHlink"/>
+  <p:hf hdr="0" ftr="0" dt="0"/>
   <p:notesStyle>
     <a:lvl1pPr marL="0" algn="l" defTabSz="914400" rtl="0" eaLnBrk="1" latinLnBrk="0" hangingPunct="1">
       <a:defRPr sz="1200" kern="1200">
@@ -515,19 +709,19 @@
             <a:spLocks noGrp="1" noRot="1" noChangeAspect="1"/>
           </p:cNvSpPr>
           <p:nvPr>
-            <p:ph type="sldImg" idx="2"/>
+            <p:ph type="sldImg"/>
           </p:nvPr>
         </p:nvSpPr>
         <p:spPr/>
       </p:sp>
       <p:sp>
         <p:nvSpPr>
-          <p:cNvPr id="3" name="Text Placeholder 2"/>
+          <p:cNvPr id="3" name="Notes Placeholder 2"/>
           <p:cNvSpPr>
             <a:spLocks noGrp="1"/>
           </p:cNvSpPr>
           <p:nvPr>
-            <p:ph type="body" idx="3"/>
+            <p:ph type="body" idx="1"/>
           </p:nvPr>
         </p:nvSpPr>
         <p:spPr/>
@@ -535,11 +729,39 @@
           <a:bodyPr/>
           <a:lstStyle/>
           <a:p>
+            <a:endParaRPr lang="en-US" dirty="0"/>
+          </a:p>
+        </p:txBody>
+      </p:sp>
+      <p:sp>
+        <p:nvSpPr>
+          <p:cNvPr id="4" name="Slide Number Placeholder 3"/>
+          <p:cNvSpPr>
+            <a:spLocks noGrp="1"/>
+          </p:cNvSpPr>
+          <p:nvPr>
+            <p:ph type="sldNum" sz="quarter" idx="5"/>
+          </p:nvPr>
+        </p:nvSpPr>
+        <p:spPr/>
+        <p:txBody>
+          <a:bodyPr/>
+          <a:lstStyle/>
+          <a:p>
+            <a:fld id="{21B2AA4F-B828-4D7C-AFD3-893933DAFCB4}" type="slidenum">
+              <a:rPr lang="en-US" smtClean="0"/>
+              <a:t>1</a:t>
+            </a:fld>
             <a:endParaRPr lang="en-US"/>
           </a:p>
         </p:txBody>
       </p:sp>
     </p:spTree>
+    <p:extLst>
+      <p:ext uri="{BB962C8B-B14F-4D97-AF65-F5344CB8AC3E}">
+        <p14:creationId xmlns:p14="http://schemas.microsoft.com/office/powerpoint/2010/main" val="1835328114"/>
+      </p:ext>
+    </p:extLst>
   </p:cSld>
   <p:clrMapOvr>
     <a:masterClrMapping/>
@@ -603,6 +825,62 @@
 </p:notes>
 </file>
 
+<file path=ppt/notesSlides/notesSlide3.xml><?xml version="1.0" encoding="utf-8"?>
+<p:notes xmlns:a="http://schemas.openxmlformats.org/drawingml/2006/main" xmlns:r="http://schemas.openxmlformats.org/officeDocument/2006/relationships" xmlns:p="http://schemas.openxmlformats.org/presentationml/2006/main">
+  <p:cSld>
+    <p:spTree>
+      <p:nvGrpSpPr>
+        <p:cNvPr id="1" name=""/>
+        <p:cNvGrpSpPr/>
+        <p:nvPr/>
+      </p:nvGrpSpPr>
+      <p:grpSpPr>
+        <a:xfrm>
+          <a:off x="0" y="0"/>
+          <a:ext cx="0" cy="0"/>
+          <a:chOff x="0" y="0"/>
+          <a:chExt cx="0" cy="0"/>
+        </a:xfrm>
+      </p:grpSpPr>
+      <p:sp>
+        <p:nvSpPr>
+          <p:cNvPr id="2" name="Slide Image Placeholder 1"/>
+          <p:cNvSpPr>
+            <a:spLocks noGrp="1" noRot="1" noChangeAspect="1"/>
+          </p:cNvSpPr>
+          <p:nvPr>
+            <p:ph type="sldImg" idx="2"/>
+          </p:nvPr>
+        </p:nvSpPr>
+        <p:spPr/>
+      </p:sp>
+      <p:sp>
+        <p:nvSpPr>
+          <p:cNvPr id="3" name="Text Placeholder 2"/>
+          <p:cNvSpPr>
+            <a:spLocks noGrp="1"/>
+          </p:cNvSpPr>
+          <p:nvPr>
+            <p:ph type="body" idx="3"/>
+          </p:nvPr>
+        </p:nvSpPr>
+        <p:spPr/>
+        <p:txBody>
+          <a:bodyPr/>
+          <a:lstStyle/>
+          <a:p>
+            <a:endParaRPr lang="en-US"/>
+          </a:p>
+        </p:txBody>
+      </p:sp>
+    </p:spTree>
+  </p:cSld>
+  <p:clrMapOvr>
+    <a:masterClrMapping/>
+  </p:clrMapOvr>
+</p:notes>
+</file>
+
 <file path=ppt/slideLayouts/slideLayout1.xml><?xml version="1.0" encoding="utf-8"?>
 <p:sldLayout xmlns:a="http://schemas.openxmlformats.org/drawingml/2006/main" xmlns:r="http://schemas.openxmlformats.org/officeDocument/2006/relationships" xmlns:p="http://schemas.openxmlformats.org/presentationml/2006/main" type="title" preserve="1">
   <p:cSld name="Title Slide">
@@ -782,7 +1060,7 @@
           <a:p>
             <a:fld id="{1D8BD707-D9CF-40AE-B4C6-C98DA3205C09}" type="datetimeFigureOut">
               <a:rPr lang="en-US" smtClean="0"/>
-              <a:t>1/9/2025</a:t>
+              <a:t>1/16/2025</a:t>
             </a:fld>
             <a:endParaRPr lang="en-US"/>
           </a:p>
@@ -945,7 +1223,7 @@
           <a:p>
             <a:fld id="{1D8BD707-D9CF-40AE-B4C6-C98DA3205C09}" type="datetimeFigureOut">
               <a:rPr lang="en-US" smtClean="0"/>
-              <a:t>1/9/2025</a:t>
+              <a:t>1/16/2025</a:t>
             </a:fld>
             <a:endParaRPr lang="en-US"/>
           </a:p>
@@ -1118,7 +1396,7 @@
           <a:p>
             <a:fld id="{1D8BD707-D9CF-40AE-B4C6-C98DA3205C09}" type="datetimeFigureOut">
               <a:rPr lang="en-US" smtClean="0"/>
-              <a:t>1/9/2025</a:t>
+              <a:t>1/16/2025</a:t>
             </a:fld>
             <a:endParaRPr lang="en-US"/>
           </a:p>
@@ -1281,7 +1559,7 @@
           <a:p>
             <a:fld id="{1D8BD707-D9CF-40AE-B4C6-C98DA3205C09}" type="datetimeFigureOut">
               <a:rPr lang="en-US" smtClean="0"/>
-              <a:t>1/9/2025</a:t>
+              <a:t>1/16/2025</a:t>
             </a:fld>
             <a:endParaRPr lang="en-US"/>
           </a:p>
@@ -1521,7 +1799,7 @@
           <a:p>
             <a:fld id="{1D8BD707-D9CF-40AE-B4C6-C98DA3205C09}" type="datetimeFigureOut">
               <a:rPr lang="en-US" smtClean="0"/>
-              <a:t>1/9/2025</a:t>
+              <a:t>1/16/2025</a:t>
             </a:fld>
             <a:endParaRPr lang="en-US"/>
           </a:p>
@@ -1801,7 +2079,7 @@
           <a:p>
             <a:fld id="{1D8BD707-D9CF-40AE-B4C6-C98DA3205C09}" type="datetimeFigureOut">
               <a:rPr lang="en-US" smtClean="0"/>
-              <a:t>1/9/2025</a:t>
+              <a:t>1/16/2025</a:t>
             </a:fld>
             <a:endParaRPr lang="en-US"/>
           </a:p>
@@ -2215,7 +2493,7 @@
           <a:p>
             <a:fld id="{1D8BD707-D9CF-40AE-B4C6-C98DA3205C09}" type="datetimeFigureOut">
               <a:rPr lang="en-US" smtClean="0"/>
-              <a:t>1/9/2025</a:t>
+              <a:t>1/16/2025</a:t>
             </a:fld>
             <a:endParaRPr lang="en-US"/>
           </a:p>
@@ -2327,7 +2605,7 @@
           <a:p>
             <a:fld id="{1D8BD707-D9CF-40AE-B4C6-C98DA3205C09}" type="datetimeFigureOut">
               <a:rPr lang="en-US" smtClean="0"/>
-              <a:t>1/9/2025</a:t>
+              <a:t>1/16/2025</a:t>
             </a:fld>
             <a:endParaRPr lang="en-US"/>
           </a:p>
@@ -2417,7 +2695,7 @@
           <a:p>
             <a:fld id="{1D8BD707-D9CF-40AE-B4C6-C98DA3205C09}" type="datetimeFigureOut">
               <a:rPr lang="en-US" smtClean="0"/>
-              <a:t>1/9/2025</a:t>
+              <a:t>1/16/2025</a:t>
             </a:fld>
             <a:endParaRPr lang="en-US"/>
           </a:p>
@@ -2687,7 +2965,7 @@
           <a:p>
             <a:fld id="{1D8BD707-D9CF-40AE-B4C6-C98DA3205C09}" type="datetimeFigureOut">
               <a:rPr lang="en-US" smtClean="0"/>
-              <a:t>1/9/2025</a:t>
+              <a:t>1/16/2025</a:t>
             </a:fld>
             <a:endParaRPr lang="en-US"/>
           </a:p>
@@ -2934,7 +3212,7 @@
           <a:p>
             <a:fld id="{1D8BD707-D9CF-40AE-B4C6-C98DA3205C09}" type="datetimeFigureOut">
               <a:rPr lang="en-US" smtClean="0"/>
-              <a:t>1/9/2025</a:t>
+              <a:t>1/16/2025</a:t>
             </a:fld>
             <a:endParaRPr lang="en-US"/>
           </a:p>
@@ -3140,7 +3418,7 @@
           <a:p>
             <a:fld id="{1D8BD707-D9CF-40AE-B4C6-C98DA3205C09}" type="datetimeFigureOut">
               <a:rPr lang="en-US" smtClean="0"/>
-              <a:t>1/9/2025</a:t>
+              <a:t>1/16/2025</a:t>
             </a:fld>
             <a:endParaRPr lang="en-US"/>
           </a:p>
@@ -3549,7 +3827,7 @@
             </a:pathLst>
           </a:custGeom>
           <a:blipFill>
-            <a:blip r:embed="rId2"/>
+            <a:blip r:embed="rId3"/>
             <a:stretch>
               <a:fillRect l="-2204" r="-2204"/>
             </a:stretch>
@@ -3595,10 +3873,10 @@
             </a:pathLst>
           </a:custGeom>
           <a:blipFill>
-            <a:blip r:embed="rId3">
+            <a:blip r:embed="rId4">
               <a:extLst>
                 <a:ext uri="{96DAC541-7B7A-43D3-8B79-37D633B846F1}">
-                  <asvg:svgBlip xmlns:asvg="http://schemas.microsoft.com/office/drawing/2016/SVG/main" r:embed="rId4"/>
+                  <asvg:svgBlip xmlns:asvg="http://schemas.microsoft.com/office/drawing/2016/SVG/main" r:embed="rId5"/>
                 </a:ext>
               </a:extLst>
             </a:blip>
@@ -3647,10 +3925,10 @@
             </a:pathLst>
           </a:custGeom>
           <a:blipFill>
-            <a:blip r:embed="rId5">
+            <a:blip r:embed="rId6">
               <a:extLst>
                 <a:ext uri="{96DAC541-7B7A-43D3-8B79-37D633B846F1}">
-                  <asvg:svgBlip xmlns:asvg="http://schemas.microsoft.com/office/drawing/2016/SVG/main" r:embed="rId6"/>
+                  <asvg:svgBlip xmlns:asvg="http://schemas.microsoft.com/office/drawing/2016/SVG/main" r:embed="rId7"/>
                 </a:ext>
               </a:extLst>
             </a:blip>
@@ -3723,7 +4001,7 @@
             </a:pathLst>
           </a:custGeom>
           <a:blipFill>
-            <a:blip r:embed="rId7"/>
+            <a:blip r:embed="rId8"/>
             <a:stretch>
               <a:fillRect/>
             </a:stretch>
@@ -3820,7 +4098,7 @@
         </p:nvSpPr>
         <p:spPr>
           <a:xfrm>
-            <a:off x="2895600" y="6341757"/>
+            <a:off x="2895600" y="6591300"/>
             <a:ext cx="10368096" cy="1307465"/>
           </a:xfrm>
           <a:prstGeom prst="rect">
@@ -4087,7 +4365,7 @@
               </a:spcBef>
             </a:pPr>
             <a:r>
-              <a:rPr lang="en-US" sz="3200">
+              <a:rPr lang="en-US" sz="3200" dirty="0">
                 <a:solidFill>
                   <a:srgbClr val="2D3880"/>
                 </a:solidFill>
@@ -4098,6 +4376,54 @@
               </a:rPr>
               <a:t>DA21TTB</a:t>
             </a:r>
+          </a:p>
+        </p:txBody>
+      </p:sp>
+      <p:sp>
+        <p:nvSpPr>
+          <p:cNvPr id="15" name="Rectangle: Rounded Corners 14">
+            <a:extLst>
+              <a:ext uri="{FF2B5EF4-FFF2-40B4-BE49-F238E27FC236}">
+                <a16:creationId xmlns:a16="http://schemas.microsoft.com/office/drawing/2014/main" id="{FFAFFD3C-A6F1-CDA9-01C4-7E8308263AC6}"/>
+              </a:ext>
+            </a:extLst>
+          </p:cNvPr>
+          <p:cNvSpPr/>
+          <p:nvPr/>
+        </p:nvSpPr>
+        <p:spPr>
+          <a:xfrm>
+            <a:off x="8856980" y="9598660"/>
+            <a:ext cx="574040" cy="574040"/>
+          </a:xfrm>
+          <a:prstGeom prst="roundRect">
+            <a:avLst/>
+          </a:prstGeom>
+        </p:spPr>
+        <p:style>
+          <a:lnRef idx="2">
+            <a:schemeClr val="accent1"/>
+          </a:lnRef>
+          <a:fillRef idx="1">
+            <a:schemeClr val="lt1"/>
+          </a:fillRef>
+          <a:effectRef idx="0">
+            <a:schemeClr val="accent1"/>
+          </a:effectRef>
+          <a:fontRef idx="minor">
+            <a:schemeClr val="dk1"/>
+          </a:fontRef>
+        </p:style>
+        <p:txBody>
+          <a:bodyPr rtlCol="0" anchor="ctr"/>
+          <a:lstStyle/>
+          <a:p>
+            <a:pPr algn="ctr"/>
+            <a:r>
+              <a:rPr lang="vi-VN" dirty="0"/>
+              <a:t>1</a:t>
+            </a:r>
+            <a:endParaRPr lang="en-US" dirty="0"/>
           </a:p>
         </p:txBody>
       </p:sp>
@@ -4804,6 +5130,54 @@
           </a:prstGeom>
         </p:spPr>
       </p:pic>
+      <p:sp>
+        <p:nvSpPr>
+          <p:cNvPr id="17" name="Rectangle: Rounded Corners 16">
+            <a:extLst>
+              <a:ext uri="{FF2B5EF4-FFF2-40B4-BE49-F238E27FC236}">
+                <a16:creationId xmlns:a16="http://schemas.microsoft.com/office/drawing/2014/main" id="{BCD6AC5C-8130-8197-E7CB-69CC1955ED02}"/>
+              </a:ext>
+            </a:extLst>
+          </p:cNvPr>
+          <p:cNvSpPr/>
+          <p:nvPr/>
+        </p:nvSpPr>
+        <p:spPr>
+          <a:xfrm>
+            <a:off x="8856980" y="9598660"/>
+            <a:ext cx="574040" cy="574040"/>
+          </a:xfrm>
+          <a:prstGeom prst="roundRect">
+            <a:avLst/>
+          </a:prstGeom>
+        </p:spPr>
+        <p:style>
+          <a:lnRef idx="2">
+            <a:schemeClr val="accent1"/>
+          </a:lnRef>
+          <a:fillRef idx="1">
+            <a:schemeClr val="lt1"/>
+          </a:fillRef>
+          <a:effectRef idx="0">
+            <a:schemeClr val="accent1"/>
+          </a:effectRef>
+          <a:fontRef idx="minor">
+            <a:schemeClr val="dk1"/>
+          </a:fontRef>
+        </p:style>
+        <p:txBody>
+          <a:bodyPr rtlCol="0" anchor="ctr"/>
+          <a:lstStyle/>
+          <a:p>
+            <a:pPr algn="ctr"/>
+            <a:r>
+              <a:rPr lang="vi-VN" dirty="0"/>
+              <a:t>10</a:t>
+            </a:r>
+            <a:endParaRPr lang="en-US" dirty="0"/>
+          </a:p>
+        </p:txBody>
+      </p:sp>
     </p:spTree>
   </p:cSld>
   <p:clrMapOvr>
@@ -5082,6 +5456,54 @@
           </a:prstGeom>
         </p:spPr>
       </p:pic>
+      <p:sp>
+        <p:nvSpPr>
+          <p:cNvPr id="8" name="Rectangle: Rounded Corners 7">
+            <a:extLst>
+              <a:ext uri="{FF2B5EF4-FFF2-40B4-BE49-F238E27FC236}">
+                <a16:creationId xmlns:a16="http://schemas.microsoft.com/office/drawing/2014/main" id="{8C6760D8-F2FF-6F70-A105-1AC80988187C}"/>
+              </a:ext>
+            </a:extLst>
+          </p:cNvPr>
+          <p:cNvSpPr/>
+          <p:nvPr/>
+        </p:nvSpPr>
+        <p:spPr>
+          <a:xfrm>
+            <a:off x="8856980" y="9598660"/>
+            <a:ext cx="574040" cy="574040"/>
+          </a:xfrm>
+          <a:prstGeom prst="roundRect">
+            <a:avLst/>
+          </a:prstGeom>
+        </p:spPr>
+        <p:style>
+          <a:lnRef idx="2">
+            <a:schemeClr val="accent1"/>
+          </a:lnRef>
+          <a:fillRef idx="1">
+            <a:schemeClr val="lt1"/>
+          </a:fillRef>
+          <a:effectRef idx="0">
+            <a:schemeClr val="accent1"/>
+          </a:effectRef>
+          <a:fontRef idx="minor">
+            <a:schemeClr val="dk1"/>
+          </a:fontRef>
+        </p:style>
+        <p:txBody>
+          <a:bodyPr rtlCol="0" anchor="ctr"/>
+          <a:lstStyle/>
+          <a:p>
+            <a:pPr algn="ctr"/>
+            <a:r>
+              <a:rPr lang="vi-VN" dirty="0"/>
+              <a:t>11</a:t>
+            </a:r>
+            <a:endParaRPr lang="en-US" dirty="0"/>
+          </a:p>
+        </p:txBody>
+      </p:sp>
     </p:spTree>
   </p:cSld>
   <p:clrMapOvr>
@@ -5208,7 +5630,7 @@
         </p:nvSpPr>
         <p:spPr>
           <a:xfrm>
-            <a:off x="9220070" y="6176025"/>
+            <a:off x="9220070" y="5829300"/>
             <a:ext cx="7582962" cy="430530"/>
           </a:xfrm>
           <a:prstGeom prst="rect">
@@ -5230,7 +5652,7 @@
               </a:spcBef>
             </a:pPr>
             <a:r>
-              <a:rPr lang="vi-VN" altLang="en-US" sz="3600" b="1">
+              <a:rPr lang="vi-VN" altLang="en-US" sz="3600" b="1" dirty="0">
                 <a:solidFill>
                   <a:srgbClr val="2D3880"/>
                 </a:solidFill>
@@ -5417,8 +5839,8 @@
         </p:nvSpPr>
         <p:spPr>
           <a:xfrm>
-            <a:off x="9144000" y="6659245"/>
-            <a:ext cx="7010400" cy="2580005"/>
+            <a:off x="9067800" y="6286500"/>
+            <a:ext cx="7010400" cy="2219509"/>
           </a:xfrm>
           <a:prstGeom prst="rect">
             <a:avLst/>
@@ -5456,15 +5878,132 @@
               </a:lnSpc>
             </a:pPr>
             <a:r>
-              <a:rPr lang="en-US" altLang="en-US" sz="3200">
-                <a:solidFill>
-                  <a:schemeClr val="tx2"/>
-                </a:solidFill>
-                <a:latin typeface="Times New Roman" panose="02020603050405020304" charset="0"/>
-                <a:cs typeface="Times New Roman" panose="02020603050405020304" charset="0"/>
-              </a:rPr>
-              <a:t>- Yêu cầu kỹ năng lập trình</a:t>
-            </a:r>
+              <a:rPr lang="en-US" altLang="en-US" sz="3200" dirty="0">
+                <a:solidFill>
+                  <a:schemeClr val="tx2"/>
+                </a:solidFill>
+                <a:latin typeface="Times New Roman" panose="02020603050405020304" charset="0"/>
+                <a:cs typeface="Times New Roman" panose="02020603050405020304" charset="0"/>
+              </a:rPr>
+              <a:t>- </a:t>
+            </a:r>
+            <a:r>
+              <a:rPr lang="en-US" altLang="en-US" sz="3200" dirty="0" err="1">
+                <a:solidFill>
+                  <a:schemeClr val="tx2"/>
+                </a:solidFill>
+                <a:latin typeface="Times New Roman" panose="02020603050405020304" charset="0"/>
+                <a:cs typeface="Times New Roman" panose="02020603050405020304" charset="0"/>
+              </a:rPr>
+              <a:t>Yêu</a:t>
+            </a:r>
+            <a:r>
+              <a:rPr lang="en-US" altLang="en-US" sz="3200" dirty="0">
+                <a:solidFill>
+                  <a:schemeClr val="tx2"/>
+                </a:solidFill>
+                <a:latin typeface="Times New Roman" panose="02020603050405020304" charset="0"/>
+                <a:cs typeface="Times New Roman" panose="02020603050405020304" charset="0"/>
+              </a:rPr>
+              <a:t> </a:t>
+            </a:r>
+            <a:r>
+              <a:rPr lang="en-US" altLang="en-US" sz="3200" dirty="0" err="1">
+                <a:solidFill>
+                  <a:schemeClr val="tx2"/>
+                </a:solidFill>
+                <a:latin typeface="Times New Roman" panose="02020603050405020304" charset="0"/>
+                <a:cs typeface="Times New Roman" panose="02020603050405020304" charset="0"/>
+              </a:rPr>
+              <a:t>cầu</a:t>
+            </a:r>
+            <a:r>
+              <a:rPr lang="en-US" altLang="en-US" sz="3200" dirty="0">
+                <a:solidFill>
+                  <a:schemeClr val="tx2"/>
+                </a:solidFill>
+                <a:latin typeface="Times New Roman" panose="02020603050405020304" charset="0"/>
+                <a:cs typeface="Times New Roman" panose="02020603050405020304" charset="0"/>
+              </a:rPr>
+              <a:t> </a:t>
+            </a:r>
+            <a:r>
+              <a:rPr lang="en-US" altLang="en-US" sz="3200" dirty="0" err="1">
+                <a:solidFill>
+                  <a:schemeClr val="tx2"/>
+                </a:solidFill>
+                <a:latin typeface="Times New Roman" panose="02020603050405020304" charset="0"/>
+                <a:cs typeface="Times New Roman" panose="02020603050405020304" charset="0"/>
+              </a:rPr>
+              <a:t>kỹ</a:t>
+            </a:r>
+            <a:r>
+              <a:rPr lang="en-US" altLang="en-US" sz="3200" dirty="0">
+                <a:solidFill>
+                  <a:schemeClr val="tx2"/>
+                </a:solidFill>
+                <a:latin typeface="Times New Roman" panose="02020603050405020304" charset="0"/>
+                <a:cs typeface="Times New Roman" panose="02020603050405020304" charset="0"/>
+              </a:rPr>
+              <a:t> </a:t>
+            </a:r>
+            <a:r>
+              <a:rPr lang="en-US" altLang="en-US" sz="3200" dirty="0" err="1">
+                <a:solidFill>
+                  <a:schemeClr val="tx2"/>
+                </a:solidFill>
+                <a:latin typeface="Times New Roman" panose="02020603050405020304" charset="0"/>
+                <a:cs typeface="Times New Roman" panose="02020603050405020304" charset="0"/>
+              </a:rPr>
+              <a:t>năng</a:t>
+            </a:r>
+            <a:r>
+              <a:rPr lang="en-US" altLang="en-US" sz="3200" dirty="0">
+                <a:solidFill>
+                  <a:schemeClr val="tx2"/>
+                </a:solidFill>
+                <a:latin typeface="Times New Roman" panose="02020603050405020304" charset="0"/>
+                <a:cs typeface="Times New Roman" panose="02020603050405020304" charset="0"/>
+              </a:rPr>
+              <a:t> </a:t>
+            </a:r>
+            <a:r>
+              <a:rPr lang="en-US" altLang="en-US" sz="3200" dirty="0" err="1">
+                <a:solidFill>
+                  <a:schemeClr val="tx2"/>
+                </a:solidFill>
+                <a:latin typeface="Times New Roman" panose="02020603050405020304" charset="0"/>
+                <a:cs typeface="Times New Roman" panose="02020603050405020304" charset="0"/>
+              </a:rPr>
+              <a:t>lập</a:t>
+            </a:r>
+            <a:r>
+              <a:rPr lang="en-US" altLang="en-US" sz="3200" dirty="0">
+                <a:solidFill>
+                  <a:schemeClr val="tx2"/>
+                </a:solidFill>
+                <a:latin typeface="Times New Roman" panose="02020603050405020304" charset="0"/>
+                <a:cs typeface="Times New Roman" panose="02020603050405020304" charset="0"/>
+              </a:rPr>
+              <a:t> </a:t>
+            </a:r>
+            <a:r>
+              <a:rPr lang="en-US" altLang="en-US" sz="3200" dirty="0" err="1">
+                <a:solidFill>
+                  <a:schemeClr val="tx2"/>
+                </a:solidFill>
+                <a:latin typeface="Times New Roman" panose="02020603050405020304" charset="0"/>
+                <a:cs typeface="Times New Roman" panose="02020603050405020304" charset="0"/>
+              </a:rPr>
+              <a:t>trình</a:t>
+            </a:r>
+            <a:endParaRPr lang="en-US" altLang="en-US" sz="3200" dirty="0">
+              <a:solidFill>
+                <a:schemeClr val="tx2"/>
+              </a:solidFill>
+              <a:latin typeface="Times New Roman" panose="02020603050405020304" charset="0"/>
+              <a:cs typeface="Times New Roman" panose="02020603050405020304" charset="0"/>
+            </a:endParaRPr>
           </a:p>
           <a:p>
             <a:pPr algn="l">
@@ -5473,15 +6012,92 @@
               </a:lnSpc>
             </a:pPr>
             <a:r>
-              <a:rPr lang="en-US" altLang="en-US" sz="3200">
-                <a:solidFill>
-                  <a:schemeClr val="tx2"/>
-                </a:solidFill>
-                <a:latin typeface="Times New Roman" panose="02020603050405020304" charset="0"/>
-                <a:cs typeface="Times New Roman" panose="02020603050405020304" charset="0"/>
-              </a:rPr>
-              <a:t>- Quản lý môi trường</a:t>
-            </a:r>
+              <a:rPr lang="en-US" altLang="en-US" sz="3200" dirty="0">
+                <a:solidFill>
+                  <a:schemeClr val="tx2"/>
+                </a:solidFill>
+                <a:latin typeface="Times New Roman" panose="02020603050405020304" charset="0"/>
+                <a:cs typeface="Times New Roman" panose="02020603050405020304" charset="0"/>
+              </a:rPr>
+              <a:t>- </a:t>
+            </a:r>
+            <a:r>
+              <a:rPr lang="en-US" altLang="en-US" sz="3200" dirty="0" err="1">
+                <a:solidFill>
+                  <a:schemeClr val="tx2"/>
+                </a:solidFill>
+                <a:latin typeface="Times New Roman" panose="02020603050405020304" charset="0"/>
+                <a:cs typeface="Times New Roman" panose="02020603050405020304" charset="0"/>
+              </a:rPr>
+              <a:t>Quản</a:t>
+            </a:r>
+            <a:r>
+              <a:rPr lang="en-US" altLang="en-US" sz="3200" dirty="0">
+                <a:solidFill>
+                  <a:schemeClr val="tx2"/>
+                </a:solidFill>
+                <a:latin typeface="Times New Roman" panose="02020603050405020304" charset="0"/>
+                <a:cs typeface="Times New Roman" panose="02020603050405020304" charset="0"/>
+              </a:rPr>
+              <a:t> </a:t>
+            </a:r>
+            <a:r>
+              <a:rPr lang="en-US" altLang="en-US" sz="3200" dirty="0" err="1">
+                <a:solidFill>
+                  <a:schemeClr val="tx2"/>
+                </a:solidFill>
+                <a:latin typeface="Times New Roman" panose="02020603050405020304" charset="0"/>
+                <a:cs typeface="Times New Roman" panose="02020603050405020304" charset="0"/>
+              </a:rPr>
+              <a:t>lý</a:t>
+            </a:r>
+            <a:r>
+              <a:rPr lang="en-US" altLang="en-US" sz="3200" dirty="0">
+                <a:solidFill>
+                  <a:schemeClr val="tx2"/>
+                </a:solidFill>
+                <a:latin typeface="Times New Roman" panose="02020603050405020304" charset="0"/>
+                <a:cs typeface="Times New Roman" panose="02020603050405020304" charset="0"/>
+              </a:rPr>
+              <a:t> </a:t>
+            </a:r>
+            <a:r>
+              <a:rPr lang="en-US" altLang="en-US" sz="3200" dirty="0" err="1">
+                <a:solidFill>
+                  <a:schemeClr val="tx2"/>
+                </a:solidFill>
+                <a:latin typeface="Times New Roman" panose="02020603050405020304" charset="0"/>
+                <a:cs typeface="Times New Roman" panose="02020603050405020304" charset="0"/>
+              </a:rPr>
+              <a:t>môi</a:t>
+            </a:r>
+            <a:r>
+              <a:rPr lang="en-US" altLang="en-US" sz="3200" dirty="0">
+                <a:solidFill>
+                  <a:schemeClr val="tx2"/>
+                </a:solidFill>
+                <a:latin typeface="Times New Roman" panose="02020603050405020304" charset="0"/>
+                <a:cs typeface="Times New Roman" panose="02020603050405020304" charset="0"/>
+              </a:rPr>
+              <a:t> </a:t>
+            </a:r>
+            <a:r>
+              <a:rPr lang="en-US" altLang="en-US" sz="3200" dirty="0" err="1">
+                <a:solidFill>
+                  <a:schemeClr val="tx2"/>
+                </a:solidFill>
+                <a:latin typeface="Times New Roman" panose="02020603050405020304" charset="0"/>
+                <a:cs typeface="Times New Roman" panose="02020603050405020304" charset="0"/>
+              </a:rPr>
+              <a:t>trường</a:t>
+            </a:r>
+            <a:endParaRPr lang="en-US" altLang="en-US" sz="3200" dirty="0">
+              <a:solidFill>
+                <a:schemeClr val="tx2"/>
+              </a:solidFill>
+              <a:latin typeface="Times New Roman" panose="02020603050405020304" charset="0"/>
+              <a:cs typeface="Times New Roman" panose="02020603050405020304" charset="0"/>
+            </a:endParaRPr>
           </a:p>
           <a:p>
             <a:pPr algn="l">
@@ -5490,14 +6106,94 @@
               </a:lnSpc>
             </a:pPr>
             <a:r>
-              <a:rPr lang="en-US" altLang="en-US" sz="3200">
-                <a:solidFill>
-                  <a:schemeClr val="tx2"/>
-                </a:solidFill>
-                <a:latin typeface="Times New Roman" panose="02020603050405020304" charset="0"/>
-                <a:cs typeface="Times New Roman" panose="02020603050405020304" charset="0"/>
-              </a:rPr>
-              <a:t>- Giới hạn hiệu năng khi </a:t>
+              <a:rPr lang="en-US" altLang="en-US" sz="3200" dirty="0">
+                <a:solidFill>
+                  <a:schemeClr val="tx2"/>
+                </a:solidFill>
+                <a:latin typeface="Times New Roman" panose="02020603050405020304" charset="0"/>
+                <a:cs typeface="Times New Roman" panose="02020603050405020304" charset="0"/>
+              </a:rPr>
+              <a:t>- </a:t>
+            </a:r>
+            <a:r>
+              <a:rPr lang="en-US" altLang="en-US" sz="3200" dirty="0" err="1">
+                <a:solidFill>
+                  <a:schemeClr val="tx2"/>
+                </a:solidFill>
+                <a:latin typeface="Times New Roman" panose="02020603050405020304" charset="0"/>
+                <a:cs typeface="Times New Roman" panose="02020603050405020304" charset="0"/>
+              </a:rPr>
+              <a:t>Giới</a:t>
+            </a:r>
+            <a:r>
+              <a:rPr lang="en-US" altLang="en-US" sz="3200" dirty="0">
+                <a:solidFill>
+                  <a:schemeClr val="tx2"/>
+                </a:solidFill>
+                <a:latin typeface="Times New Roman" panose="02020603050405020304" charset="0"/>
+                <a:cs typeface="Times New Roman" panose="02020603050405020304" charset="0"/>
+              </a:rPr>
+              <a:t> </a:t>
+            </a:r>
+            <a:r>
+              <a:rPr lang="en-US" altLang="en-US" sz="3200" dirty="0" err="1">
+                <a:solidFill>
+                  <a:schemeClr val="tx2"/>
+                </a:solidFill>
+                <a:latin typeface="Times New Roman" panose="02020603050405020304" charset="0"/>
+                <a:cs typeface="Times New Roman" panose="02020603050405020304" charset="0"/>
+              </a:rPr>
+              <a:t>hạn</a:t>
+            </a:r>
+            <a:r>
+              <a:rPr lang="en-US" altLang="en-US" sz="3200" dirty="0">
+                <a:solidFill>
+                  <a:schemeClr val="tx2"/>
+                </a:solidFill>
+                <a:latin typeface="Times New Roman" panose="02020603050405020304" charset="0"/>
+                <a:cs typeface="Times New Roman" panose="02020603050405020304" charset="0"/>
+              </a:rPr>
+              <a:t> </a:t>
+            </a:r>
+            <a:r>
+              <a:rPr lang="en-US" altLang="en-US" sz="3200" dirty="0" err="1">
+                <a:solidFill>
+                  <a:schemeClr val="tx2"/>
+                </a:solidFill>
+                <a:latin typeface="Times New Roman" panose="02020603050405020304" charset="0"/>
+                <a:cs typeface="Times New Roman" panose="02020603050405020304" charset="0"/>
+              </a:rPr>
+              <a:t>hiệu</a:t>
+            </a:r>
+            <a:r>
+              <a:rPr lang="en-US" altLang="en-US" sz="3200" dirty="0">
+                <a:solidFill>
+                  <a:schemeClr val="tx2"/>
+                </a:solidFill>
+                <a:latin typeface="Times New Roman" panose="02020603050405020304" charset="0"/>
+                <a:cs typeface="Times New Roman" panose="02020603050405020304" charset="0"/>
+              </a:rPr>
+              <a:t> </a:t>
+            </a:r>
+            <a:r>
+              <a:rPr lang="en-US" altLang="en-US" sz="3200" dirty="0" err="1">
+                <a:solidFill>
+                  <a:schemeClr val="tx2"/>
+                </a:solidFill>
+                <a:latin typeface="Times New Roman" panose="02020603050405020304" charset="0"/>
+                <a:cs typeface="Times New Roman" panose="02020603050405020304" charset="0"/>
+              </a:rPr>
+              <a:t>năng</a:t>
+            </a:r>
+            <a:r>
+              <a:rPr lang="en-US" altLang="en-US" sz="3200" dirty="0">
+                <a:solidFill>
+                  <a:schemeClr val="tx2"/>
+                </a:solidFill>
+                <a:latin typeface="Times New Roman" panose="02020603050405020304" charset="0"/>
+                <a:cs typeface="Times New Roman" panose="02020603050405020304" charset="0"/>
+              </a:rPr>
+              <a:t> </a:t>
             </a:r>
           </a:p>
         </p:txBody>
@@ -5550,7 +6246,7 @@
               </a:spcAft>
             </a:pPr>
             <a:r>
-              <a:rPr lang="vi-VN" altLang="en-US" sz="6000" b="1">
+              <a:rPr lang="vi-VN" altLang="en-US" sz="6000" b="1" dirty="0">
                 <a:solidFill>
                   <a:srgbClr val="2D3880"/>
                 </a:solidFill>
@@ -5561,7 +6257,7 @@
               </a:rPr>
               <a:t>Giải pháp thu thập dữ liệu thông qua API bằng phần mềm quản lý đám mây</a:t>
             </a:r>
-            <a:endParaRPr lang="en-US" sz="6000"/>
+            <a:endParaRPr lang="en-US" sz="6000" dirty="0"/>
           </a:p>
         </p:txBody>
       </p:sp>
@@ -5573,7 +6269,7 @@
         </p:nvSpPr>
         <p:spPr>
           <a:xfrm>
-            <a:off x="9271000" y="1917700"/>
+            <a:off x="9144000" y="1695207"/>
             <a:ext cx="7010400" cy="3807460"/>
           </a:xfrm>
           <a:prstGeom prst="rect">
@@ -5614,50 +6310,126 @@
               </a:lnSpc>
             </a:pPr>
             <a:r>
-              <a:rPr lang="en-US" altLang="en-US" sz="3200">
-                <a:solidFill>
-                  <a:schemeClr val="tx2"/>
-                </a:solidFill>
-                <a:latin typeface="Times New Roman" panose="02020603050405020304" charset="0"/>
-                <a:cs typeface="Times New Roman" panose="02020603050405020304" charset="0"/>
-              </a:rPr>
-              <a:t>- Dễ triển khai và sử dụng</a:t>
-            </a:r>
-          </a:p>
-          <a:p>
-            <a:pPr algn="l">
-              <a:lnSpc>
-                <a:spcPct val="150000"/>
-              </a:lnSpc>
-            </a:pPr>
-            <a:r>
-              <a:rPr lang="en-US" altLang="en-US" sz="3200">
-                <a:solidFill>
-                  <a:schemeClr val="tx2"/>
-                </a:solidFill>
-                <a:latin typeface="Times New Roman" panose="02020603050405020304" charset="0"/>
-                <a:cs typeface="Times New Roman" panose="02020603050405020304" charset="0"/>
-              </a:rPr>
-              <a:t>- Hiệu năng cao và ổn định</a:t>
-            </a:r>
-          </a:p>
-          <a:p>
-            <a:pPr algn="l">
-              <a:lnSpc>
-                <a:spcPct val="150000"/>
-              </a:lnSpc>
-            </a:pPr>
-            <a:r>
-              <a:rPr lang="vi-VN" altLang="en-US" sz="3200">
-                <a:solidFill>
-                  <a:schemeClr val="tx2"/>
-                </a:solidFill>
-                <a:latin typeface="Times New Roman" panose="02020603050405020304" charset="0"/>
-                <a:cs typeface="Times New Roman" panose="02020603050405020304" charset="0"/>
-              </a:rPr>
-              <a:t>- Khả năng mở rộng</a:t>
-            </a:r>
-            <a:endParaRPr lang="en-US" altLang="en-US" sz="3200">
+              <a:rPr lang="en-US" altLang="en-US" sz="3200" dirty="0">
+                <a:solidFill>
+                  <a:schemeClr val="tx2"/>
+                </a:solidFill>
+                <a:latin typeface="Times New Roman" panose="02020603050405020304" charset="0"/>
+                <a:cs typeface="Times New Roman" panose="02020603050405020304" charset="0"/>
+              </a:rPr>
+              <a:t>- </a:t>
+            </a:r>
+            <a:r>
+              <a:rPr lang="en-US" altLang="en-US" sz="3200" dirty="0" err="1">
+                <a:solidFill>
+                  <a:schemeClr val="tx2"/>
+                </a:solidFill>
+                <a:latin typeface="Times New Roman" panose="02020603050405020304" charset="0"/>
+                <a:cs typeface="Times New Roman" panose="02020603050405020304" charset="0"/>
+              </a:rPr>
+              <a:t>Dễ</a:t>
+            </a:r>
+            <a:r>
+              <a:rPr lang="en-US" altLang="en-US" sz="3200" dirty="0">
+                <a:solidFill>
+                  <a:schemeClr val="tx2"/>
+                </a:solidFill>
+                <a:latin typeface="Times New Roman" panose="02020603050405020304" charset="0"/>
+                <a:cs typeface="Times New Roman" panose="02020603050405020304" charset="0"/>
+              </a:rPr>
+              <a:t> </a:t>
+            </a:r>
+            <a:r>
+              <a:rPr lang="en-US" altLang="en-US" sz="3200" dirty="0" err="1">
+                <a:solidFill>
+                  <a:schemeClr val="tx2"/>
+                </a:solidFill>
+                <a:latin typeface="Times New Roman" panose="02020603050405020304" charset="0"/>
+                <a:cs typeface="Times New Roman" panose="02020603050405020304" charset="0"/>
+              </a:rPr>
+              <a:t>triển</a:t>
+            </a:r>
+            <a:r>
+              <a:rPr lang="en-US" altLang="en-US" sz="3200" dirty="0">
+                <a:solidFill>
+                  <a:schemeClr val="tx2"/>
+                </a:solidFill>
+                <a:latin typeface="Times New Roman" panose="02020603050405020304" charset="0"/>
+                <a:cs typeface="Times New Roman" panose="02020603050405020304" charset="0"/>
+              </a:rPr>
+              <a:t> </a:t>
+            </a:r>
+            <a:r>
+              <a:rPr lang="en-US" altLang="en-US" sz="3200" dirty="0" err="1">
+                <a:solidFill>
+                  <a:schemeClr val="tx2"/>
+                </a:solidFill>
+                <a:latin typeface="Times New Roman" panose="02020603050405020304" charset="0"/>
+                <a:cs typeface="Times New Roman" panose="02020603050405020304" charset="0"/>
+              </a:rPr>
+              <a:t>khai</a:t>
+            </a:r>
+            <a:r>
+              <a:rPr lang="en-US" altLang="en-US" sz="3200" dirty="0">
+                <a:solidFill>
+                  <a:schemeClr val="tx2"/>
+                </a:solidFill>
+                <a:latin typeface="Times New Roman" panose="02020603050405020304" charset="0"/>
+                <a:cs typeface="Times New Roman" panose="02020603050405020304" charset="0"/>
+              </a:rPr>
+              <a:t> </a:t>
+            </a:r>
+            <a:r>
+              <a:rPr lang="en-US" altLang="en-US" sz="3200" dirty="0" err="1">
+                <a:solidFill>
+                  <a:schemeClr val="tx2"/>
+                </a:solidFill>
+                <a:latin typeface="Times New Roman" panose="02020603050405020304" charset="0"/>
+                <a:cs typeface="Times New Roman" panose="02020603050405020304" charset="0"/>
+              </a:rPr>
+              <a:t>và</a:t>
+            </a:r>
+            <a:r>
+              <a:rPr lang="en-US" altLang="en-US" sz="3200" dirty="0">
+                <a:solidFill>
+                  <a:schemeClr val="tx2"/>
+                </a:solidFill>
+                <a:latin typeface="Times New Roman" panose="02020603050405020304" charset="0"/>
+                <a:cs typeface="Times New Roman" panose="02020603050405020304" charset="0"/>
+              </a:rPr>
+              <a:t> </a:t>
+            </a:r>
+            <a:r>
+              <a:rPr lang="en-US" altLang="en-US" sz="3200" dirty="0" err="1">
+                <a:solidFill>
+                  <a:schemeClr val="tx2"/>
+                </a:solidFill>
+                <a:latin typeface="Times New Roman" panose="02020603050405020304" charset="0"/>
+                <a:cs typeface="Times New Roman" panose="02020603050405020304" charset="0"/>
+              </a:rPr>
+              <a:t>sử</a:t>
+            </a:r>
+            <a:r>
+              <a:rPr lang="en-US" altLang="en-US" sz="3200" dirty="0">
+                <a:solidFill>
+                  <a:schemeClr val="tx2"/>
+                </a:solidFill>
+                <a:latin typeface="Times New Roman" panose="02020603050405020304" charset="0"/>
+                <a:cs typeface="Times New Roman" panose="02020603050405020304" charset="0"/>
+              </a:rPr>
+              <a:t> </a:t>
+            </a:r>
+            <a:r>
+              <a:rPr lang="en-US" altLang="en-US" sz="3200" dirty="0" err="1">
+                <a:solidFill>
+                  <a:schemeClr val="tx2"/>
+                </a:solidFill>
+                <a:latin typeface="Times New Roman" panose="02020603050405020304" charset="0"/>
+                <a:cs typeface="Times New Roman" panose="02020603050405020304" charset="0"/>
+              </a:rPr>
+              <a:t>dụng</a:t>
+            </a:r>
+            <a:endParaRPr lang="en-US" altLang="en-US" sz="3200" dirty="0">
               <a:solidFill>
                 <a:schemeClr val="tx2"/>
               </a:solidFill>
@@ -5672,15 +6444,132 @@
               </a:lnSpc>
             </a:pPr>
             <a:r>
-              <a:rPr lang="en-US" altLang="en-US" sz="3200">
-                <a:solidFill>
-                  <a:schemeClr val="tx2"/>
-                </a:solidFill>
-                <a:latin typeface="Times New Roman" panose="02020603050405020304" charset="0"/>
-                <a:cs typeface="Times New Roman" panose="02020603050405020304" charset="0"/>
-              </a:rPr>
-              <a:t>- Quản lý tự động</a:t>
-            </a:r>
+              <a:rPr lang="en-US" altLang="en-US" sz="3200" dirty="0">
+                <a:solidFill>
+                  <a:schemeClr val="tx2"/>
+                </a:solidFill>
+                <a:latin typeface="Times New Roman" panose="02020603050405020304" charset="0"/>
+                <a:cs typeface="Times New Roman" panose="02020603050405020304" charset="0"/>
+              </a:rPr>
+              <a:t>- </a:t>
+            </a:r>
+            <a:r>
+              <a:rPr lang="en-US" altLang="en-US" sz="3200" dirty="0" err="1">
+                <a:solidFill>
+                  <a:schemeClr val="tx2"/>
+                </a:solidFill>
+                <a:latin typeface="Times New Roman" panose="02020603050405020304" charset="0"/>
+                <a:cs typeface="Times New Roman" panose="02020603050405020304" charset="0"/>
+              </a:rPr>
+              <a:t>Hiệu</a:t>
+            </a:r>
+            <a:r>
+              <a:rPr lang="en-US" altLang="en-US" sz="3200" dirty="0">
+                <a:solidFill>
+                  <a:schemeClr val="tx2"/>
+                </a:solidFill>
+                <a:latin typeface="Times New Roman" panose="02020603050405020304" charset="0"/>
+                <a:cs typeface="Times New Roman" panose="02020603050405020304" charset="0"/>
+              </a:rPr>
+              <a:t> </a:t>
+            </a:r>
+            <a:r>
+              <a:rPr lang="en-US" altLang="en-US" sz="3200" dirty="0" err="1">
+                <a:solidFill>
+                  <a:schemeClr val="tx2"/>
+                </a:solidFill>
+                <a:latin typeface="Times New Roman" panose="02020603050405020304" charset="0"/>
+                <a:cs typeface="Times New Roman" panose="02020603050405020304" charset="0"/>
+              </a:rPr>
+              <a:t>năng</a:t>
+            </a:r>
+            <a:r>
+              <a:rPr lang="en-US" altLang="en-US" sz="3200" dirty="0">
+                <a:solidFill>
+                  <a:schemeClr val="tx2"/>
+                </a:solidFill>
+                <a:latin typeface="Times New Roman" panose="02020603050405020304" charset="0"/>
+                <a:cs typeface="Times New Roman" panose="02020603050405020304" charset="0"/>
+              </a:rPr>
+              <a:t> </a:t>
+            </a:r>
+            <a:r>
+              <a:rPr lang="en-US" altLang="en-US" sz="3200" dirty="0" err="1">
+                <a:solidFill>
+                  <a:schemeClr val="tx2"/>
+                </a:solidFill>
+                <a:latin typeface="Times New Roman" panose="02020603050405020304" charset="0"/>
+                <a:cs typeface="Times New Roman" panose="02020603050405020304" charset="0"/>
+              </a:rPr>
+              <a:t>cao</a:t>
+            </a:r>
+            <a:r>
+              <a:rPr lang="en-US" altLang="en-US" sz="3200" dirty="0">
+                <a:solidFill>
+                  <a:schemeClr val="tx2"/>
+                </a:solidFill>
+                <a:latin typeface="Times New Roman" panose="02020603050405020304" charset="0"/>
+                <a:cs typeface="Times New Roman" panose="02020603050405020304" charset="0"/>
+              </a:rPr>
+              <a:t> </a:t>
+            </a:r>
+            <a:r>
+              <a:rPr lang="en-US" altLang="en-US" sz="3200" dirty="0" err="1">
+                <a:solidFill>
+                  <a:schemeClr val="tx2"/>
+                </a:solidFill>
+                <a:latin typeface="Times New Roman" panose="02020603050405020304" charset="0"/>
+                <a:cs typeface="Times New Roman" panose="02020603050405020304" charset="0"/>
+              </a:rPr>
+              <a:t>và</a:t>
+            </a:r>
+            <a:r>
+              <a:rPr lang="en-US" altLang="en-US" sz="3200" dirty="0">
+                <a:solidFill>
+                  <a:schemeClr val="tx2"/>
+                </a:solidFill>
+                <a:latin typeface="Times New Roman" panose="02020603050405020304" charset="0"/>
+                <a:cs typeface="Times New Roman" panose="02020603050405020304" charset="0"/>
+              </a:rPr>
+              <a:t> </a:t>
+            </a:r>
+            <a:r>
+              <a:rPr lang="en-US" altLang="en-US" sz="3200" dirty="0" err="1">
+                <a:solidFill>
+                  <a:schemeClr val="tx2"/>
+                </a:solidFill>
+                <a:latin typeface="Times New Roman" panose="02020603050405020304" charset="0"/>
+                <a:cs typeface="Times New Roman" panose="02020603050405020304" charset="0"/>
+              </a:rPr>
+              <a:t>ổn</a:t>
+            </a:r>
+            <a:r>
+              <a:rPr lang="en-US" altLang="en-US" sz="3200" dirty="0">
+                <a:solidFill>
+                  <a:schemeClr val="tx2"/>
+                </a:solidFill>
+                <a:latin typeface="Times New Roman" panose="02020603050405020304" charset="0"/>
+                <a:cs typeface="Times New Roman" panose="02020603050405020304" charset="0"/>
+              </a:rPr>
+              <a:t> </a:t>
+            </a:r>
+            <a:r>
+              <a:rPr lang="en-US" altLang="en-US" sz="3200" dirty="0" err="1">
+                <a:solidFill>
+                  <a:schemeClr val="tx2"/>
+                </a:solidFill>
+                <a:latin typeface="Times New Roman" panose="02020603050405020304" charset="0"/>
+                <a:cs typeface="Times New Roman" panose="02020603050405020304" charset="0"/>
+              </a:rPr>
+              <a:t>định</a:t>
+            </a:r>
+            <a:endParaRPr lang="en-US" altLang="en-US" sz="3200" dirty="0">
+              <a:solidFill>
+                <a:schemeClr val="tx2"/>
+              </a:solidFill>
+              <a:latin typeface="Times New Roman" panose="02020603050405020304" charset="0"/>
+              <a:cs typeface="Times New Roman" panose="02020603050405020304" charset="0"/>
+            </a:endParaRPr>
           </a:p>
           <a:p>
             <a:pPr algn="l">
@@ -5689,15 +6578,190 @@
               </a:lnSpc>
             </a:pPr>
             <a:r>
-              <a:rPr lang="en-US" altLang="en-US" sz="3200">
-                <a:solidFill>
-                  <a:schemeClr val="tx2"/>
-                </a:solidFill>
-                <a:latin typeface="Times New Roman" panose="02020603050405020304" charset="0"/>
-                <a:cs typeface="Times New Roman" panose="02020603050405020304" charset="0"/>
-              </a:rPr>
-              <a:t>- An toàn dữ liệu</a:t>
-            </a:r>
+              <a:rPr lang="vi-VN" altLang="en-US" sz="3200" dirty="0">
+                <a:solidFill>
+                  <a:schemeClr val="tx2"/>
+                </a:solidFill>
+                <a:latin typeface="Times New Roman" panose="02020603050405020304" charset="0"/>
+                <a:cs typeface="Times New Roman" panose="02020603050405020304" charset="0"/>
+              </a:rPr>
+              <a:t>- Khả năng mở rộng</a:t>
+            </a:r>
+            <a:endParaRPr lang="en-US" altLang="en-US" sz="3200" dirty="0">
+              <a:solidFill>
+                <a:schemeClr val="tx2"/>
+              </a:solidFill>
+              <a:latin typeface="Times New Roman" panose="02020603050405020304" charset="0"/>
+              <a:cs typeface="Times New Roman" panose="02020603050405020304" charset="0"/>
+            </a:endParaRPr>
+          </a:p>
+          <a:p>
+            <a:pPr algn="l">
+              <a:lnSpc>
+                <a:spcPct val="150000"/>
+              </a:lnSpc>
+            </a:pPr>
+            <a:r>
+              <a:rPr lang="en-US" altLang="en-US" sz="3200" dirty="0">
+                <a:solidFill>
+                  <a:schemeClr val="tx2"/>
+                </a:solidFill>
+                <a:latin typeface="Times New Roman" panose="02020603050405020304" charset="0"/>
+                <a:cs typeface="Times New Roman" panose="02020603050405020304" charset="0"/>
+              </a:rPr>
+              <a:t>- </a:t>
+            </a:r>
+            <a:r>
+              <a:rPr lang="en-US" altLang="en-US" sz="3200" dirty="0" err="1">
+                <a:solidFill>
+                  <a:schemeClr val="tx2"/>
+                </a:solidFill>
+                <a:latin typeface="Times New Roman" panose="02020603050405020304" charset="0"/>
+                <a:cs typeface="Times New Roman" panose="02020603050405020304" charset="0"/>
+              </a:rPr>
+              <a:t>Quản</a:t>
+            </a:r>
+            <a:r>
+              <a:rPr lang="en-US" altLang="en-US" sz="3200" dirty="0">
+                <a:solidFill>
+                  <a:schemeClr val="tx2"/>
+                </a:solidFill>
+                <a:latin typeface="Times New Roman" panose="02020603050405020304" charset="0"/>
+                <a:cs typeface="Times New Roman" panose="02020603050405020304" charset="0"/>
+              </a:rPr>
+              <a:t> </a:t>
+            </a:r>
+            <a:r>
+              <a:rPr lang="en-US" altLang="en-US" sz="3200" dirty="0" err="1">
+                <a:solidFill>
+                  <a:schemeClr val="tx2"/>
+                </a:solidFill>
+                <a:latin typeface="Times New Roman" panose="02020603050405020304" charset="0"/>
+                <a:cs typeface="Times New Roman" panose="02020603050405020304" charset="0"/>
+              </a:rPr>
+              <a:t>lý</a:t>
+            </a:r>
+            <a:r>
+              <a:rPr lang="en-US" altLang="en-US" sz="3200" dirty="0">
+                <a:solidFill>
+                  <a:schemeClr val="tx2"/>
+                </a:solidFill>
+                <a:latin typeface="Times New Roman" panose="02020603050405020304" charset="0"/>
+                <a:cs typeface="Times New Roman" panose="02020603050405020304" charset="0"/>
+              </a:rPr>
+              <a:t> </a:t>
+            </a:r>
+            <a:r>
+              <a:rPr lang="en-US" altLang="en-US" sz="3200" dirty="0" err="1">
+                <a:solidFill>
+                  <a:schemeClr val="tx2"/>
+                </a:solidFill>
+                <a:latin typeface="Times New Roman" panose="02020603050405020304" charset="0"/>
+                <a:cs typeface="Times New Roman" panose="02020603050405020304" charset="0"/>
+              </a:rPr>
+              <a:t>tự</a:t>
+            </a:r>
+            <a:r>
+              <a:rPr lang="en-US" altLang="en-US" sz="3200" dirty="0">
+                <a:solidFill>
+                  <a:schemeClr val="tx2"/>
+                </a:solidFill>
+                <a:latin typeface="Times New Roman" panose="02020603050405020304" charset="0"/>
+                <a:cs typeface="Times New Roman" panose="02020603050405020304" charset="0"/>
+              </a:rPr>
+              <a:t> </a:t>
+            </a:r>
+            <a:r>
+              <a:rPr lang="en-US" altLang="en-US" sz="3200" dirty="0" err="1">
+                <a:solidFill>
+                  <a:schemeClr val="tx2"/>
+                </a:solidFill>
+                <a:latin typeface="Times New Roman" panose="02020603050405020304" charset="0"/>
+                <a:cs typeface="Times New Roman" panose="02020603050405020304" charset="0"/>
+              </a:rPr>
+              <a:t>động</a:t>
+            </a:r>
+            <a:endParaRPr lang="en-US" altLang="en-US" sz="3200" dirty="0">
+              <a:solidFill>
+                <a:schemeClr val="tx2"/>
+              </a:solidFill>
+              <a:latin typeface="Times New Roman" panose="02020603050405020304" charset="0"/>
+              <a:cs typeface="Times New Roman" panose="02020603050405020304" charset="0"/>
+            </a:endParaRPr>
+          </a:p>
+          <a:p>
+            <a:pPr algn="l">
+              <a:lnSpc>
+                <a:spcPct val="150000"/>
+              </a:lnSpc>
+            </a:pPr>
+            <a:r>
+              <a:rPr lang="en-US" altLang="en-US" sz="3200" dirty="0">
+                <a:solidFill>
+                  <a:schemeClr val="tx2"/>
+                </a:solidFill>
+                <a:latin typeface="Times New Roman" panose="02020603050405020304" charset="0"/>
+                <a:cs typeface="Times New Roman" panose="02020603050405020304" charset="0"/>
+              </a:rPr>
+              <a:t>- An </a:t>
+            </a:r>
+            <a:r>
+              <a:rPr lang="en-US" altLang="en-US" sz="3200" dirty="0" err="1">
+                <a:solidFill>
+                  <a:schemeClr val="tx2"/>
+                </a:solidFill>
+                <a:latin typeface="Times New Roman" panose="02020603050405020304" charset="0"/>
+                <a:cs typeface="Times New Roman" panose="02020603050405020304" charset="0"/>
+              </a:rPr>
+              <a:t>toàn</a:t>
+            </a:r>
+            <a:r>
+              <a:rPr lang="en-US" altLang="en-US" sz="3200" dirty="0">
+                <a:solidFill>
+                  <a:schemeClr val="tx2"/>
+                </a:solidFill>
+                <a:latin typeface="Times New Roman" panose="02020603050405020304" charset="0"/>
+                <a:cs typeface="Times New Roman" panose="02020603050405020304" charset="0"/>
+              </a:rPr>
+              <a:t> </a:t>
+            </a:r>
+            <a:r>
+              <a:rPr lang="en-US" altLang="en-US" sz="3200" dirty="0" err="1">
+                <a:solidFill>
+                  <a:schemeClr val="tx2"/>
+                </a:solidFill>
+                <a:latin typeface="Times New Roman" panose="02020603050405020304" charset="0"/>
+                <a:cs typeface="Times New Roman" panose="02020603050405020304" charset="0"/>
+              </a:rPr>
+              <a:t>dữ</a:t>
+            </a:r>
+            <a:r>
+              <a:rPr lang="en-US" altLang="en-US" sz="3200" dirty="0">
+                <a:solidFill>
+                  <a:schemeClr val="tx2"/>
+                </a:solidFill>
+                <a:latin typeface="Times New Roman" panose="02020603050405020304" charset="0"/>
+                <a:cs typeface="Times New Roman" panose="02020603050405020304" charset="0"/>
+              </a:rPr>
+              <a:t> </a:t>
+            </a:r>
+            <a:r>
+              <a:rPr lang="en-US" altLang="en-US" sz="3200" dirty="0" err="1">
+                <a:solidFill>
+                  <a:schemeClr val="tx2"/>
+                </a:solidFill>
+                <a:latin typeface="Times New Roman" panose="02020603050405020304" charset="0"/>
+                <a:cs typeface="Times New Roman" panose="02020603050405020304" charset="0"/>
+              </a:rPr>
+              <a:t>liệu</a:t>
+            </a:r>
+            <a:endParaRPr lang="en-US" altLang="en-US" sz="3200" dirty="0">
+              <a:solidFill>
+                <a:schemeClr val="tx2"/>
+              </a:solidFill>
+              <a:latin typeface="Times New Roman" panose="02020603050405020304" charset="0"/>
+              <a:cs typeface="Times New Roman" panose="02020603050405020304" charset="0"/>
+            </a:endParaRPr>
           </a:p>
         </p:txBody>
       </p:sp>
@@ -5709,8 +6773,8 @@
         </p:nvSpPr>
         <p:spPr>
           <a:xfrm>
-            <a:off x="9194800" y="6633845"/>
-            <a:ext cx="7010400" cy="3217545"/>
+            <a:off x="9144000" y="6292958"/>
+            <a:ext cx="7010400" cy="3076635"/>
           </a:xfrm>
           <a:prstGeom prst="rect">
             <a:avLst/>
@@ -5748,7 +6812,7 @@
               </a:lnSpc>
             </a:pPr>
             <a:r>
-              <a:rPr lang="en-US" altLang="en-US" sz="3200">
+              <a:rPr lang="en-US" altLang="en-US" sz="3200" dirty="0">
                 <a:solidFill>
                   <a:schemeClr val="tx2"/>
                 </a:solidFill>
@@ -5758,7 +6822,7 @@
               <a:t>- </a:t>
             </a:r>
             <a:r>
-              <a:rPr lang="vi-VN" altLang="en-US" sz="3200">
+              <a:rPr lang="vi-VN" altLang="en-US" sz="3200" dirty="0">
                 <a:solidFill>
                   <a:schemeClr val="tx2"/>
                 </a:solidFill>
@@ -5775,7 +6839,7 @@
               </a:lnSpc>
             </a:pPr>
             <a:r>
-              <a:rPr lang="vi-VN" altLang="en-US" sz="3200">
+              <a:rPr lang="vi-VN" altLang="en-US" sz="3200" dirty="0">
                 <a:solidFill>
                   <a:schemeClr val="tx2"/>
                 </a:solidFill>
@@ -5784,7 +6848,7 @@
               </a:rPr>
               <a:t>- Phụ thuộc nhà cung cấp</a:t>
             </a:r>
-            <a:endParaRPr lang="en-US" altLang="en-US" sz="3200">
+            <a:endParaRPr lang="en-US" altLang="en-US" sz="3200" dirty="0">
               <a:solidFill>
                 <a:schemeClr val="tx2"/>
               </a:solidFill>
@@ -5799,7 +6863,7 @@
               </a:lnSpc>
             </a:pPr>
             <a:r>
-              <a:rPr lang="en-US" altLang="en-US" sz="3200">
+              <a:rPr lang="en-US" altLang="en-US" sz="3200" dirty="0">
                 <a:solidFill>
                   <a:schemeClr val="tx2"/>
                 </a:solidFill>
@@ -5809,7 +6873,7 @@
               <a:t>- </a:t>
             </a:r>
             <a:r>
-              <a:rPr lang="vi-VN" altLang="en-US" sz="3200">
+              <a:rPr lang="vi-VN" altLang="en-US" sz="3200" dirty="0">
                 <a:solidFill>
                   <a:schemeClr val="tx2"/>
                 </a:solidFill>
@@ -5818,7 +6882,7 @@
               </a:rPr>
               <a:t>Giới hạn tùy biến</a:t>
             </a:r>
-            <a:endParaRPr lang="en-US" altLang="en-US" sz="3200">
+            <a:endParaRPr lang="en-US" altLang="en-US" sz="3200" dirty="0">
               <a:solidFill>
                 <a:schemeClr val="tx2"/>
               </a:solidFill>
@@ -5833,7 +6897,7 @@
               </a:lnSpc>
             </a:pPr>
             <a:r>
-              <a:rPr lang="en-US" altLang="en-US" sz="3200">
+              <a:rPr lang="en-US" altLang="en-US" sz="3200" dirty="0">
                 <a:solidFill>
                   <a:schemeClr val="tx2"/>
                 </a:solidFill>
@@ -5843,7 +6907,7 @@
               <a:t>- </a:t>
             </a:r>
             <a:r>
-              <a:rPr lang="vi-VN" altLang="en-US" sz="3200">
+              <a:rPr lang="vi-VN" altLang="en-US" sz="3200" dirty="0">
                 <a:solidFill>
                   <a:schemeClr val="tx2"/>
                 </a:solidFill>
@@ -5863,7 +6927,7 @@
         </p:nvSpPr>
         <p:spPr>
           <a:xfrm>
-            <a:off x="508000" y="2070100"/>
+            <a:off x="457200" y="2095500"/>
             <a:ext cx="7315200" cy="4876800"/>
           </a:xfrm>
           <a:prstGeom prst="rect">
@@ -5945,7 +7009,7 @@
         </p:nvSpPr>
         <p:spPr>
           <a:xfrm>
-            <a:off x="9321800" y="1968500"/>
+            <a:off x="9067800" y="1938987"/>
             <a:ext cx="7010400" cy="3807460"/>
           </a:xfrm>
           <a:prstGeom prst="rect">
@@ -5986,7 +7050,7 @@
               </a:lnSpc>
             </a:pPr>
             <a:r>
-              <a:rPr lang="en-US" altLang="en-US" sz="3200">
+              <a:rPr lang="en-US" altLang="en-US" sz="3200" dirty="0">
                 <a:solidFill>
                   <a:schemeClr val="tx2"/>
                 </a:solidFill>
@@ -5996,16 +7060,16 @@
               <a:t>- D</a:t>
             </a:r>
             <a:r>
-              <a:rPr lang="vi-VN" altLang="en-US" sz="3200">
-                <a:solidFill>
-                  <a:schemeClr val="tx2"/>
-                </a:solidFill>
-                <a:latin typeface="Times New Roman" panose="02020603050405020304" charset="0"/>
-                <a:cs typeface="Times New Roman" panose="02020603050405020304" charset="0"/>
-              </a:rPr>
-              <a:t>ữ liệu thục tế</a:t>
-            </a:r>
-            <a:endParaRPr lang="en-US" altLang="en-US" sz="3200">
+              <a:rPr lang="vi-VN" altLang="en-US" sz="3200" dirty="0">
+                <a:solidFill>
+                  <a:schemeClr val="tx2"/>
+                </a:solidFill>
+                <a:latin typeface="Times New Roman" panose="02020603050405020304" charset="0"/>
+                <a:cs typeface="Times New Roman" panose="02020603050405020304" charset="0"/>
+              </a:rPr>
+              <a:t>ữ liệu thực tế</a:t>
+            </a:r>
+            <a:endParaRPr lang="en-US" altLang="en-US" sz="3200" dirty="0">
               <a:solidFill>
                 <a:schemeClr val="tx2"/>
               </a:solidFill>
@@ -6020,7 +7084,7 @@
               </a:lnSpc>
             </a:pPr>
             <a:r>
-              <a:rPr lang="en-US" altLang="en-US" sz="3200">
+              <a:rPr lang="en-US" altLang="en-US" sz="3200" dirty="0">
                 <a:solidFill>
                   <a:schemeClr val="tx2"/>
                 </a:solidFill>
@@ -6030,7 +7094,7 @@
               <a:t>- </a:t>
             </a:r>
             <a:r>
-              <a:rPr lang="vi-VN" altLang="en-US" sz="3200">
+              <a:rPr lang="vi-VN" altLang="en-US" sz="3200" dirty="0">
                 <a:solidFill>
                   <a:schemeClr val="tx2"/>
                 </a:solidFill>
@@ -6039,7 +7103,7 @@
               </a:rPr>
               <a:t>Tối ưu hóa chiến lược kinh doanh</a:t>
             </a:r>
-            <a:endParaRPr lang="en-US" altLang="en-US" sz="3200">
+            <a:endParaRPr lang="en-US" altLang="en-US" sz="3200" dirty="0">
               <a:solidFill>
                 <a:schemeClr val="tx2"/>
               </a:solidFill>
@@ -6054,7 +7118,7 @@
               </a:lnSpc>
             </a:pPr>
             <a:r>
-              <a:rPr lang="vi-VN" altLang="en-US" sz="3200">
+              <a:rPr lang="vi-VN" altLang="en-US" sz="3200" dirty="0">
                 <a:solidFill>
                   <a:schemeClr val="tx2"/>
                 </a:solidFill>
@@ -6063,7 +7127,7 @@
               </a:rPr>
               <a:t>- Đo lường hiệu quả</a:t>
             </a:r>
-            <a:endParaRPr lang="en-US" altLang="en-US" sz="3200">
+            <a:endParaRPr lang="en-US" altLang="en-US" sz="3200" dirty="0">
               <a:solidFill>
                 <a:schemeClr val="tx2"/>
               </a:solidFill>
@@ -6078,7 +7142,7 @@
               </a:lnSpc>
             </a:pPr>
             <a:r>
-              <a:rPr lang="en-US" altLang="en-US" sz="3200">
+              <a:rPr lang="en-US" altLang="en-US" sz="3200" dirty="0">
                 <a:solidFill>
                   <a:schemeClr val="tx2"/>
                 </a:solidFill>
@@ -6088,7 +7152,7 @@
               <a:t>- </a:t>
             </a:r>
             <a:r>
-              <a:rPr lang="vi-VN" altLang="en-US" sz="3200">
+              <a:rPr lang="vi-VN" altLang="en-US" sz="3200" dirty="0">
                 <a:solidFill>
                   <a:schemeClr val="tx2"/>
                 </a:solidFill>
@@ -6104,7 +7168,7 @@
                 <a:spcPct val="150000"/>
               </a:lnSpc>
             </a:pPr>
-            <a:endParaRPr lang="vi-VN" altLang="en-US" sz="3200">
+            <a:endParaRPr lang="vi-VN" altLang="en-US" sz="3200" dirty="0">
               <a:solidFill>
                 <a:schemeClr val="tx2"/>
               </a:solidFill>
@@ -6122,8 +7186,8 @@
         </p:nvSpPr>
         <p:spPr>
           <a:xfrm>
-            <a:off x="9245600" y="6684645"/>
-            <a:ext cx="7010400" cy="3217545"/>
+            <a:off x="9095874" y="6342682"/>
+            <a:ext cx="7010400" cy="3012197"/>
           </a:xfrm>
           <a:prstGeom prst="rect">
             <a:avLst/>
@@ -6161,7 +7225,7 @@
               </a:lnSpc>
             </a:pPr>
             <a:r>
-              <a:rPr lang="en-US" altLang="en-US" sz="3200">
+              <a:rPr lang="en-US" altLang="en-US" sz="3200" dirty="0">
                 <a:solidFill>
                   <a:schemeClr val="tx2"/>
                 </a:solidFill>
@@ -6171,7 +7235,7 @@
               <a:t>- </a:t>
             </a:r>
             <a:r>
-              <a:rPr lang="vi-VN" altLang="en-US" sz="3200">
+              <a:rPr lang="vi-VN" altLang="en-US" sz="3200" dirty="0">
                 <a:solidFill>
                   <a:schemeClr val="tx2"/>
                 </a:solidFill>
@@ -6188,7 +7252,7 @@
               </a:lnSpc>
             </a:pPr>
             <a:r>
-              <a:rPr lang="vi-VN" altLang="en-US" sz="3200">
+              <a:rPr lang="vi-VN" altLang="en-US" sz="3200" dirty="0">
                 <a:solidFill>
                   <a:schemeClr val="tx2"/>
                 </a:solidFill>
@@ -6197,7 +7261,7 @@
               </a:rPr>
               <a:t>- Chi phí đầu tư</a:t>
             </a:r>
-            <a:endParaRPr lang="en-US" altLang="en-US" sz="3200">
+            <a:endParaRPr lang="en-US" altLang="en-US" sz="3200" dirty="0">
               <a:solidFill>
                 <a:schemeClr val="tx2"/>
               </a:solidFill>
@@ -6212,40 +7276,25 @@
               </a:lnSpc>
             </a:pPr>
             <a:r>
-              <a:rPr lang="en-US" altLang="en-US" sz="3200">
-                <a:solidFill>
-                  <a:schemeClr val="tx2"/>
-                </a:solidFill>
-                <a:latin typeface="Times New Roman" panose="02020603050405020304" charset="0"/>
-                <a:cs typeface="Times New Roman" panose="02020603050405020304" charset="0"/>
-              </a:rPr>
-              <a:t>- </a:t>
-            </a:r>
-            <a:r>
-              <a:rPr lang="vi-VN" altLang="en-US" sz="3200">
-                <a:solidFill>
-                  <a:schemeClr val="tx2"/>
-                </a:solidFill>
-                <a:latin typeface="Times New Roman" panose="02020603050405020304" charset="0"/>
-                <a:cs typeface="Times New Roman" panose="02020603050405020304" charset="0"/>
-              </a:rPr>
-              <a:t>Bảo mật dữ liệu</a:t>
-            </a:r>
-            <a:endParaRPr lang="en-US" altLang="en-US" sz="3200">
-              <a:solidFill>
-                <a:schemeClr val="tx2"/>
-              </a:solidFill>
-              <a:latin typeface="Times New Roman" panose="02020603050405020304" charset="0"/>
-              <a:cs typeface="Times New Roman" panose="02020603050405020304" charset="0"/>
-            </a:endParaRPr>
-          </a:p>
-          <a:p>
-            <a:pPr algn="l">
+              <a:rPr lang="vi-VN" altLang="en-US" sz="3200" dirty="0">
+                <a:solidFill>
+                  <a:schemeClr val="tx2"/>
+                </a:solidFill>
+                <a:latin typeface="Times New Roman" panose="02020603050405020304" charset="0"/>
+                <a:cs typeface="Times New Roman" panose="02020603050405020304" charset="0"/>
+              </a:rPr>
+              <a:t>- Bảo mật dữ liệu</a:t>
+            </a:r>
+          </a:p>
+          <a:p>
+            <a:pPr marL="457200" indent="-457200" algn="l">
               <a:lnSpc>
                 <a:spcPct val="150000"/>
               </a:lnSpc>
+              <a:buFontTx/>
+              <a:buChar char="-"/>
             </a:pPr>
-            <a:endParaRPr lang="vi-VN" altLang="en-US" sz="3200">
+            <a:endParaRPr lang="en-US" altLang="en-US" sz="3200" dirty="0">
               <a:solidFill>
                 <a:schemeClr val="tx2"/>
               </a:solidFill>
@@ -6263,7 +7312,7 @@
         </p:nvSpPr>
         <p:spPr>
           <a:xfrm>
-            <a:off x="482600" y="2044700"/>
+            <a:off x="464533" y="2095500"/>
             <a:ext cx="7315200" cy="4876800"/>
           </a:xfrm>
           <a:prstGeom prst="rect">
@@ -6303,7 +7352,7 @@
               </a:spcAft>
             </a:pPr>
             <a:r>
-              <a:rPr lang="vi-VN" altLang="en-US" sz="5800" b="1">
+              <a:rPr lang="vi-VN" altLang="en-US" sz="5800" b="1" dirty="0">
                 <a:solidFill>
                   <a:srgbClr val="2D3880"/>
                 </a:solidFill>
@@ -6314,7 +7363,7 @@
               </a:rPr>
               <a:t>Giải pháp thu thập dữ liệu thông qua API qua việc hợp tác với các cửa hàng </a:t>
             </a:r>
-            <a:endParaRPr lang="en-US" sz="5800"/>
+            <a:endParaRPr lang="en-US" sz="5800" dirty="0"/>
           </a:p>
         </p:txBody>
       </p:sp>
@@ -6326,7 +7375,7 @@
         </p:nvSpPr>
         <p:spPr>
           <a:xfrm>
-            <a:off x="9372600" y="1943100"/>
+            <a:off x="8991600" y="1911925"/>
             <a:ext cx="7010400" cy="3807460"/>
           </a:xfrm>
           <a:prstGeom prst="rect">
@@ -6367,7 +7416,7 @@
               </a:lnSpc>
             </a:pPr>
             <a:r>
-              <a:rPr lang="en-US" altLang="en-US" sz="3200">
+              <a:rPr lang="en-US" altLang="en-US" sz="3200" dirty="0">
                 <a:solidFill>
                   <a:schemeClr val="tx2"/>
                 </a:solidFill>
@@ -6377,7 +7426,7 @@
               <a:t>- </a:t>
             </a:r>
             <a:r>
-              <a:rPr lang="vi-VN" altLang="en-US" sz="3200">
+              <a:rPr lang="vi-VN" altLang="en-US" sz="3200" dirty="0">
                 <a:solidFill>
                   <a:schemeClr val="tx2"/>
                 </a:solidFill>
@@ -6386,7 +7435,7 @@
               </a:rPr>
               <a:t>Nguồn dữ liệu phong phú</a:t>
             </a:r>
-            <a:endParaRPr lang="en-US" altLang="en-US" sz="3200">
+            <a:endParaRPr lang="en-US" altLang="en-US" sz="3200" dirty="0">
               <a:solidFill>
                 <a:schemeClr val="tx2"/>
               </a:solidFill>
@@ -6401,7 +7450,7 @@
               </a:lnSpc>
             </a:pPr>
             <a:r>
-              <a:rPr lang="en-US" altLang="en-US" sz="3200">
+              <a:rPr lang="en-US" altLang="en-US" sz="3200" dirty="0">
                 <a:solidFill>
                   <a:schemeClr val="tx2"/>
                 </a:solidFill>
@@ -6411,7 +7460,7 @@
               <a:t>- </a:t>
             </a:r>
             <a:r>
-              <a:rPr lang="vi-VN" altLang="en-US" sz="3200">
+              <a:rPr lang="vi-VN" altLang="en-US" sz="3200" dirty="0">
                 <a:solidFill>
                   <a:schemeClr val="tx2"/>
                 </a:solidFill>
@@ -6420,7 +7469,7 @@
               </a:rPr>
               <a:t>Tiết kiệm chi phí</a:t>
             </a:r>
-            <a:endParaRPr lang="en-US" altLang="en-US" sz="3200">
+            <a:endParaRPr lang="en-US" altLang="en-US" sz="3200" dirty="0">
               <a:solidFill>
                 <a:schemeClr val="tx2"/>
               </a:solidFill>
@@ -6435,7 +7484,7 @@
               </a:lnSpc>
             </a:pPr>
             <a:r>
-              <a:rPr lang="vi-VN" altLang="en-US" sz="3200">
+              <a:rPr lang="vi-VN" altLang="en-US" sz="3200" dirty="0">
                 <a:solidFill>
                   <a:schemeClr val="tx2"/>
                 </a:solidFill>
@@ -6444,7 +7493,7 @@
               </a:rPr>
               <a:t>- Tăng cường mối quan hệ hợp tác</a:t>
             </a:r>
-            <a:endParaRPr lang="en-US" altLang="en-US" sz="3200">
+            <a:endParaRPr lang="en-US" altLang="en-US" sz="3200" dirty="0">
               <a:solidFill>
                 <a:schemeClr val="tx2"/>
               </a:solidFill>
@@ -6459,7 +7508,7 @@
               </a:lnSpc>
             </a:pPr>
             <a:r>
-              <a:rPr lang="en-US" altLang="en-US" sz="3200">
+              <a:rPr lang="en-US" altLang="en-US" sz="3200" dirty="0">
                 <a:solidFill>
                   <a:schemeClr val="tx2"/>
                 </a:solidFill>
@@ -6469,7 +7518,7 @@
               <a:t>- </a:t>
             </a:r>
             <a:r>
-              <a:rPr lang="vi-VN" altLang="en-US" sz="3200">
+              <a:rPr lang="vi-VN" altLang="en-US" sz="3200" dirty="0">
                 <a:solidFill>
                   <a:schemeClr val="tx2"/>
                 </a:solidFill>
@@ -6485,7 +7534,7 @@
                 <a:spcPct val="150000"/>
               </a:lnSpc>
             </a:pPr>
-            <a:endParaRPr lang="vi-VN" altLang="en-US" sz="3200">
+            <a:endParaRPr lang="vi-VN" altLang="en-US" sz="3200" dirty="0">
               <a:solidFill>
                 <a:schemeClr val="tx2"/>
               </a:solidFill>
@@ -6503,8 +7552,8 @@
         </p:nvSpPr>
         <p:spPr>
           <a:xfrm>
-            <a:off x="9296400" y="6735445"/>
-            <a:ext cx="7331075" cy="3217545"/>
+            <a:off x="9027695" y="6259830"/>
+            <a:ext cx="7331075" cy="3017565"/>
           </a:xfrm>
           <a:prstGeom prst="rect">
             <a:avLst/>
@@ -6542,7 +7591,7 @@
               </a:lnSpc>
             </a:pPr>
             <a:r>
-              <a:rPr lang="en-US" altLang="en-US" sz="3200">
+              <a:rPr lang="en-US" altLang="en-US" sz="3200" dirty="0">
                 <a:solidFill>
                   <a:schemeClr val="tx2"/>
                 </a:solidFill>
@@ -6552,7 +7601,7 @@
               <a:t>-</a:t>
             </a:r>
             <a:r>
-              <a:rPr lang="vi-VN" altLang="en-US" sz="3200">
+              <a:rPr lang="vi-VN" altLang="en-US" sz="3200" dirty="0">
                 <a:solidFill>
                   <a:schemeClr val="tx2"/>
                 </a:solidFill>
@@ -6569,7 +7618,7 @@
               </a:lnSpc>
             </a:pPr>
             <a:r>
-              <a:rPr lang="vi-VN" altLang="en-US" sz="3200">
+              <a:rPr lang="vi-VN" altLang="en-US" sz="3200" dirty="0">
                 <a:solidFill>
                   <a:schemeClr val="tx2"/>
                 </a:solidFill>
@@ -6578,7 +7627,7 @@
               </a:rPr>
               <a:t>- Khó kiểm soát chất lượng dữ liệu</a:t>
             </a:r>
-            <a:endParaRPr lang="en-US" altLang="en-US" sz="3200">
+            <a:endParaRPr lang="en-US" altLang="en-US" sz="3200" dirty="0">
               <a:solidFill>
                 <a:schemeClr val="tx2"/>
               </a:solidFill>
@@ -6593,7 +7642,7 @@
               </a:lnSpc>
             </a:pPr>
             <a:r>
-              <a:rPr lang="en-US" altLang="en-US" sz="3200">
+              <a:rPr lang="en-US" altLang="en-US" sz="3200" dirty="0">
                 <a:solidFill>
                   <a:schemeClr val="tx2"/>
                 </a:solidFill>
@@ -6603,7 +7652,7 @@
               <a:t>- </a:t>
             </a:r>
             <a:r>
-              <a:rPr lang="vi-VN" altLang="en-US" sz="3200">
+              <a:rPr lang="vi-VN" altLang="en-US" sz="3200" dirty="0">
                 <a:solidFill>
                   <a:schemeClr val="tx2"/>
                 </a:solidFill>
@@ -6612,7 +7661,7 @@
               </a:rPr>
               <a:t>Rủi ro bảo mật và quyền riêng tư</a:t>
             </a:r>
-            <a:endParaRPr lang="en-US" altLang="en-US" sz="3200">
+            <a:endParaRPr lang="en-US" altLang="en-US" sz="3200" dirty="0">
               <a:solidFill>
                 <a:schemeClr val="tx2"/>
               </a:solidFill>
@@ -6627,7 +7676,7 @@
               </a:lnSpc>
             </a:pPr>
             <a:r>
-              <a:rPr lang="vi-VN" altLang="en-US" sz="3200">
+              <a:rPr lang="vi-VN" altLang="en-US" sz="3200" dirty="0">
                 <a:solidFill>
                   <a:schemeClr val="tx2"/>
                 </a:solidFill>
@@ -6636,6 +7685,54 @@
               </a:rPr>
               <a:t>- Khó khăng trong việc đồng bộ hóa dữ liệu</a:t>
             </a:r>
+          </a:p>
+        </p:txBody>
+      </p:sp>
+      <p:sp>
+        <p:nvSpPr>
+          <p:cNvPr id="6" name="Rectangle: Rounded Corners 5">
+            <a:extLst>
+              <a:ext uri="{FF2B5EF4-FFF2-40B4-BE49-F238E27FC236}">
+                <a16:creationId xmlns:a16="http://schemas.microsoft.com/office/drawing/2014/main" id="{E01201D9-2300-A584-88CB-AB78CAA35AD6}"/>
+              </a:ext>
+            </a:extLst>
+          </p:cNvPr>
+          <p:cNvSpPr/>
+          <p:nvPr/>
+        </p:nvSpPr>
+        <p:spPr>
+          <a:xfrm>
+            <a:off x="8856980" y="9598660"/>
+            <a:ext cx="574040" cy="574040"/>
+          </a:xfrm>
+          <a:prstGeom prst="roundRect">
+            <a:avLst/>
+          </a:prstGeom>
+        </p:spPr>
+        <p:style>
+          <a:lnRef idx="2">
+            <a:schemeClr val="accent1"/>
+          </a:lnRef>
+          <a:fillRef idx="1">
+            <a:schemeClr val="lt1"/>
+          </a:fillRef>
+          <a:effectRef idx="0">
+            <a:schemeClr val="accent1"/>
+          </a:effectRef>
+          <a:fontRef idx="minor">
+            <a:schemeClr val="dk1"/>
+          </a:fontRef>
+        </p:style>
+        <p:txBody>
+          <a:bodyPr rtlCol="0" anchor="ctr"/>
+          <a:lstStyle/>
+          <a:p>
+            <a:pPr algn="ctr"/>
+            <a:r>
+              <a:rPr lang="vi-VN" dirty="0"/>
+              <a:t>12</a:t>
+            </a:r>
+            <a:endParaRPr lang="en-US" dirty="0"/>
           </a:p>
         </p:txBody>
       </p:sp>
@@ -6672,7 +7769,7 @@
                                   <p:childTnLst>
                                     <p:set>
                                       <p:cBhvr>
-                                        <p:cTn id="6" dur="500" fill="hold">
+                                        <p:cTn id="6" dur="250" fill="hold">
                                           <p:stCondLst>
                                             <p:cond delay="0"/>
                                           </p:stCondLst>
@@ -6690,7 +7787,7 @@
                                     </p:set>
                                     <p:animEffect transition="in" filter="box(in)">
                                       <p:cBhvr>
-                                        <p:cTn id="7" dur="500"/>
+                                        <p:cTn id="7" dur="250"/>
                                         <p:tgtEl>
                                           <p:spTgt spid="14"/>
                                         </p:tgtEl>
@@ -6725,7 +7822,7 @@
                                   <p:childTnLst>
                                     <p:set>
                                       <p:cBhvr>
-                                        <p:cTn id="11" dur="500" fill="hold">
+                                        <p:cTn id="11" dur="250" fill="hold">
                                           <p:stCondLst>
                                             <p:cond delay="0"/>
                                           </p:stCondLst>
@@ -6743,7 +7840,7 @@
                                     </p:set>
                                     <p:animEffect transition="in" filter="plus(in)">
                                       <p:cBhvr>
-                                        <p:cTn id="12" dur="500"/>
+                                        <p:cTn id="12" dur="250"/>
                                         <p:tgtEl>
                                           <p:spTgt spid="9"/>
                                         </p:tgtEl>
@@ -6778,7 +7875,7 @@
                                   <p:childTnLst>
                                     <p:set>
                                       <p:cBhvr>
-                                        <p:cTn id="16" dur="500" fill="hold">
+                                        <p:cTn id="16" dur="250" fill="hold">
                                           <p:stCondLst>
                                             <p:cond delay="0"/>
                                           </p:stCondLst>
@@ -6796,7 +7893,7 @@
                                     </p:set>
                                     <p:animEffect transition="in" filter="box(in)">
                                       <p:cBhvr>
-                                        <p:cTn id="17" dur="500"/>
+                                        <p:cTn id="17" dur="250"/>
                                         <p:tgtEl>
                                           <p:spTgt spid="16"/>
                                         </p:tgtEl>
@@ -6831,7 +7928,7 @@
                                   <p:childTnLst>
                                     <p:set>
                                       <p:cBhvr>
-                                        <p:cTn id="21" dur="500" fill="hold">
+                                        <p:cTn id="21" dur="250" fill="hold">
                                           <p:stCondLst>
                                             <p:cond delay="0"/>
                                           </p:stCondLst>
@@ -6849,7 +7946,7 @@
                                     </p:set>
                                     <p:animEffect transition="in" filter="plus(in)">
                                       <p:cBhvr>
-                                        <p:cTn id="22" dur="500"/>
+                                        <p:cTn id="22" dur="250"/>
                                         <p:tgtEl>
                                           <p:spTgt spid="13"/>
                                         </p:tgtEl>
@@ -6884,7 +7981,7 @@
                                   <p:childTnLst>
                                     <p:set>
                                       <p:cBhvr>
-                                        <p:cTn id="26" dur="500" fill="hold">
+                                        <p:cTn id="26" dur="250" fill="hold">
                                           <p:stCondLst>
                                             <p:cond delay="0"/>
                                           </p:stCondLst>
@@ -6902,7 +7999,7 @@
                                     </p:set>
                                     <p:animEffect transition="in" filter="box(in)">
                                       <p:cBhvr>
-                                        <p:cTn id="27" dur="500"/>
+                                        <p:cTn id="27" dur="250"/>
                                         <p:tgtEl>
                                           <p:spTgt spid="17"/>
                                         </p:tgtEl>
@@ -6937,7 +8034,7 @@
                                   <p:childTnLst>
                                     <p:set>
                                       <p:cBhvr>
-                                        <p:cTn id="31" dur="500" fill="hold">
+                                        <p:cTn id="31" dur="250" fill="hold">
                                           <p:stCondLst>
                                             <p:cond delay="0"/>
                                           </p:stCondLst>
@@ -6955,7 +8052,7 @@
                                     </p:set>
                                     <p:animEffect transition="in" filter="box(in)">
                                       <p:cBhvr>
-                                        <p:cTn id="32" dur="500"/>
+                                        <p:cTn id="32" dur="250"/>
                                         <p:tgtEl>
                                           <p:spTgt spid="18"/>
                                         </p:tgtEl>
@@ -6990,7 +8087,7 @@
                                   <p:childTnLst>
                                     <p:set>
                                       <p:cBhvr>
-                                        <p:cTn id="36" dur="500" fill="hold">
+                                        <p:cTn id="36" dur="250" fill="hold">
                                           <p:stCondLst>
                                             <p:cond delay="0"/>
                                           </p:stCondLst>
@@ -7008,7 +8105,7 @@
                                     </p:set>
                                     <p:animEffect transition="in" filter="box(in)">
                                       <p:cBhvr>
-                                        <p:cTn id="37" dur="500"/>
+                                        <p:cTn id="37" dur="250"/>
                                         <p:tgtEl>
                                           <p:spTgt spid="19"/>
                                         </p:tgtEl>
@@ -7043,7 +8140,7 @@
                                   <p:childTnLst>
                                     <p:set>
                                       <p:cBhvr>
-                                        <p:cTn id="41" dur="500" fill="hold">
+                                        <p:cTn id="41" dur="250" fill="hold">
                                           <p:stCondLst>
                                             <p:cond delay="0"/>
                                           </p:stCondLst>
@@ -7061,7 +8158,7 @@
                                     </p:set>
                                     <p:animEffect transition="in" filter="box(in)">
                                       <p:cBhvr>
-                                        <p:cTn id="42" dur="500"/>
+                                        <p:cTn id="42" dur="250"/>
                                         <p:tgtEl>
                                           <p:spTgt spid="20"/>
                                         </p:tgtEl>
@@ -7096,7 +8193,7 @@
                                   <p:childTnLst>
                                     <p:set>
                                       <p:cBhvr>
-                                        <p:cTn id="46" dur="500" fill="hold">
+                                        <p:cTn id="46" dur="250" fill="hold">
                                           <p:stCondLst>
                                             <p:cond delay="0"/>
                                           </p:stCondLst>
@@ -7114,7 +8211,7 @@
                                     </p:set>
                                     <p:animEffect transition="in" filter="box(in)">
                                       <p:cBhvr>
-                                        <p:cTn id="47" dur="500"/>
+                                        <p:cTn id="47" dur="250"/>
                                         <p:tgtEl>
                                           <p:spTgt spid="21"/>
                                         </p:tgtEl>
@@ -7149,7 +8246,7 @@
                                   <p:childTnLst>
                                     <p:set>
                                       <p:cBhvr>
-                                        <p:cTn id="51" dur="500" fill="hold">
+                                        <p:cTn id="51" dur="250" fill="hold">
                                           <p:stCondLst>
                                             <p:cond delay="0"/>
                                           </p:stCondLst>
@@ -7167,7 +8264,7 @@
                                     </p:set>
                                     <p:animEffect transition="in" filter="box(in)">
                                       <p:cBhvr>
-                                        <p:cTn id="52" dur="500"/>
+                                        <p:cTn id="52" dur="250"/>
                                         <p:tgtEl>
                                           <p:spTgt spid="22"/>
                                         </p:tgtEl>
@@ -7202,7 +8299,7 @@
                                   <p:childTnLst>
                                     <p:set>
                                       <p:cBhvr>
-                                        <p:cTn id="56" dur="500" fill="hold">
+                                        <p:cTn id="56" dur="250" fill="hold">
                                           <p:stCondLst>
                                             <p:cond delay="0"/>
                                           </p:stCondLst>
@@ -7220,7 +8317,7 @@
                                     </p:set>
                                     <p:animEffect transition="in" filter="box(in)">
                                       <p:cBhvr>
-                                        <p:cTn id="57" dur="500"/>
+                                        <p:cTn id="57" dur="250"/>
                                         <p:tgtEl>
                                           <p:spTgt spid="23"/>
                                         </p:tgtEl>
@@ -7255,7 +8352,7 @@
                                   <p:childTnLst>
                                     <p:set>
                                       <p:cBhvr>
-                                        <p:cTn id="61" dur="500" fill="hold">
+                                        <p:cTn id="61" dur="250" fill="hold">
                                           <p:stCondLst>
                                             <p:cond delay="0"/>
                                           </p:stCondLst>
@@ -7273,7 +8370,7 @@
                                     </p:set>
                                     <p:animEffect transition="in" filter="box(in)">
                                       <p:cBhvr>
-                                        <p:cTn id="62" dur="500"/>
+                                        <p:cTn id="62" dur="250"/>
                                         <p:tgtEl>
                                           <p:spTgt spid="24"/>
                                         </p:tgtEl>
@@ -7308,7 +8405,7 @@
                                   <p:childTnLst>
                                     <p:set>
                                       <p:cBhvr>
-                                        <p:cTn id="66" dur="500" fill="hold">
+                                        <p:cTn id="66" dur="250" fill="hold">
                                           <p:stCondLst>
                                             <p:cond delay="0"/>
                                           </p:stCondLst>
@@ -7326,7 +8423,7 @@
                                     </p:set>
                                     <p:animEffect transition="in" filter="box(in)">
                                       <p:cBhvr>
-                                        <p:cTn id="67" dur="500"/>
+                                        <p:cTn id="67" dur="250"/>
                                         <p:tgtEl>
                                           <p:spTgt spid="25"/>
                                         </p:tgtEl>
@@ -7361,7 +8458,7 @@
                                   <p:childTnLst>
                                     <p:set>
                                       <p:cBhvr>
-                                        <p:cTn id="71" dur="500" fill="hold">
+                                        <p:cTn id="71" dur="250" fill="hold">
                                           <p:stCondLst>
                                             <p:cond delay="0"/>
                                           </p:stCondLst>
@@ -7379,7 +8476,7 @@
                                     </p:set>
                                     <p:animEffect transition="in" filter="box(in)">
                                       <p:cBhvr>
-                                        <p:cTn id="72" dur="500"/>
+                                        <p:cTn id="72" dur="250"/>
                                         <p:tgtEl>
                                           <p:spTgt spid="26"/>
                                         </p:tgtEl>
@@ -7741,6 +8838,54 @@
           </a:p>
         </p:txBody>
       </p:sp>
+      <p:sp>
+        <p:nvSpPr>
+          <p:cNvPr id="9" name="Rectangle: Rounded Corners 8">
+            <a:extLst>
+              <a:ext uri="{FF2B5EF4-FFF2-40B4-BE49-F238E27FC236}">
+                <a16:creationId xmlns:a16="http://schemas.microsoft.com/office/drawing/2014/main" id="{B68BDF14-5D94-2627-203E-1B3DC925A5BC}"/>
+              </a:ext>
+            </a:extLst>
+          </p:cNvPr>
+          <p:cNvSpPr/>
+          <p:nvPr/>
+        </p:nvSpPr>
+        <p:spPr>
+          <a:xfrm>
+            <a:off x="8856980" y="9598660"/>
+            <a:ext cx="574040" cy="574040"/>
+          </a:xfrm>
+          <a:prstGeom prst="roundRect">
+            <a:avLst/>
+          </a:prstGeom>
+        </p:spPr>
+        <p:style>
+          <a:lnRef idx="2">
+            <a:schemeClr val="accent1"/>
+          </a:lnRef>
+          <a:fillRef idx="1">
+            <a:schemeClr val="lt1"/>
+          </a:fillRef>
+          <a:effectRef idx="0">
+            <a:schemeClr val="accent1"/>
+          </a:effectRef>
+          <a:fontRef idx="minor">
+            <a:schemeClr val="dk1"/>
+          </a:fontRef>
+        </p:style>
+        <p:txBody>
+          <a:bodyPr rtlCol="0" anchor="ctr"/>
+          <a:lstStyle/>
+          <a:p>
+            <a:pPr algn="ctr"/>
+            <a:r>
+              <a:rPr lang="vi-VN" dirty="0"/>
+              <a:t>13</a:t>
+            </a:r>
+            <a:endParaRPr lang="en-US" dirty="0"/>
+          </a:p>
+        </p:txBody>
+      </p:sp>
     </p:spTree>
   </p:cSld>
   <p:clrMapOvr>
@@ -7786,7 +8931,7 @@
         </p:nvSpPr>
         <p:spPr>
           <a:xfrm>
-            <a:off x="457200" y="1943100"/>
+            <a:off x="457200" y="1776095"/>
             <a:ext cx="17394555" cy="7939405"/>
           </a:xfrm>
           <a:prstGeom prst="rect">
@@ -7811,7 +8956,7 @@
               </a:spcAft>
             </a:pPr>
             <a:r>
-              <a:rPr lang="zh-CN" sz="3200" b="1">
+              <a:rPr lang="zh-CN" sz="3200" b="1" dirty="0">
                 <a:solidFill>
                   <a:schemeClr val="tx2">
                     <a:lumMod val="75000"/>
@@ -7824,7 +8969,7 @@
               <a:t>- </a:t>
             </a:r>
             <a:r>
-              <a:rPr lang="en-US" sz="3200" b="1">
+              <a:rPr lang="en-US" sz="3200" b="1" dirty="0" err="1">
                 <a:solidFill>
                   <a:schemeClr val="tx2">
                     <a:lumMod val="75000"/>
@@ -7834,10 +8979,10 @@
                 <a:ea typeface="Times New Roman" panose="02020603050405020304"/>
                 <a:cs typeface="Times New Roman" panose="02020603050405020304" charset="0"/>
               </a:rPr>
-              <a:t>Giải pháp</a:t>
-            </a:r>
-            <a:r>
-              <a:rPr lang="zh-CN" sz="3200" b="1">
+              <a:t>Giải</a:t>
+            </a:r>
+            <a:r>
+              <a:rPr lang="en-US" sz="3200" b="1" dirty="0">
                 <a:solidFill>
                   <a:schemeClr val="tx2">
                     <a:lumMod val="75000"/>
@@ -7847,10 +8992,10 @@
                 <a:ea typeface="Times New Roman" panose="02020603050405020304"/>
                 <a:cs typeface="Times New Roman" panose="02020603050405020304" charset="0"/>
               </a:rPr>
-              <a:t> thu thập dữ liệu bằng</a:t>
-            </a:r>
-            <a:r>
-              <a:rPr lang="vi-VN" altLang="zh-CN" sz="3200" b="1">
+              <a:t> </a:t>
+            </a:r>
+            <a:r>
+              <a:rPr lang="en-US" sz="3200" b="1" dirty="0" err="1">
                 <a:solidFill>
                   <a:schemeClr val="tx2">
                     <a:lumMod val="75000"/>
@@ -7860,10 +9005,10 @@
                 <a:ea typeface="Times New Roman" panose="02020603050405020304"/>
                 <a:cs typeface="Times New Roman" panose="02020603050405020304" charset="0"/>
               </a:rPr>
-              <a:t> </a:t>
-            </a:r>
-            <a:r>
-              <a:rPr lang="en-US" sz="3200" b="1">
+              <a:t>pháp</a:t>
+            </a:r>
+            <a:r>
+              <a:rPr lang="zh-CN" sz="3200" b="1" dirty="0">
                 <a:solidFill>
                   <a:schemeClr val="tx2">
                     <a:lumMod val="75000"/>
@@ -7873,10 +9018,10 @@
                 <a:ea typeface="Times New Roman" panose="02020603050405020304"/>
                 <a:cs typeface="Times New Roman" panose="02020603050405020304" charset="0"/>
               </a:rPr>
-              <a:t>Python</a:t>
-            </a:r>
-            <a:r>
-              <a:rPr lang="zh-CN" sz="3200" b="1">
+              <a:t> thu thập dữ liệu bằng</a:t>
+            </a:r>
+            <a:r>
+              <a:rPr lang="vi-VN" altLang="zh-CN" sz="3200" b="1" dirty="0">
                 <a:solidFill>
                   <a:schemeClr val="tx2">
                     <a:lumMod val="75000"/>
@@ -7886,10 +9031,36 @@
                 <a:ea typeface="Times New Roman" panose="02020603050405020304"/>
                 <a:cs typeface="Times New Roman" panose="02020603050405020304" charset="0"/>
               </a:rPr>
+              <a:t> </a:t>
+            </a:r>
+            <a:r>
+              <a:rPr lang="en-US" sz="3200" b="1" dirty="0">
+                <a:solidFill>
+                  <a:schemeClr val="tx2">
+                    <a:lumMod val="75000"/>
+                  </a:schemeClr>
+                </a:solidFill>
+                <a:latin typeface="Times New Roman" panose="02020603050405020304" charset="0"/>
+                <a:ea typeface="Times New Roman" panose="02020603050405020304"/>
+                <a:cs typeface="Times New Roman" panose="02020603050405020304" charset="0"/>
+              </a:rPr>
+              <a:t>Python</a:t>
+            </a:r>
+            <a:r>
+              <a:rPr lang="zh-CN" sz="3200" b="1" dirty="0">
+                <a:solidFill>
+                  <a:schemeClr val="tx2">
+                    <a:lumMod val="75000"/>
+                  </a:schemeClr>
+                </a:solidFill>
+                <a:latin typeface="Times New Roman" panose="02020603050405020304" charset="0"/>
+                <a:ea typeface="Times New Roman" panose="02020603050405020304"/>
+                <a:cs typeface="Times New Roman" panose="02020603050405020304" charset="0"/>
+              </a:rPr>
               <a:t>:</a:t>
             </a:r>
             <a:r>
-              <a:rPr lang="en-US" sz="3200">
+              <a:rPr lang="en-US" sz="3200" dirty="0">
                 <a:latin typeface="Times New Roman" panose="02020603050405020304" charset="0"/>
                 <a:ea typeface="Times New Roman" panose="02020603050405020304"/>
                 <a:cs typeface="Times New Roman" panose="02020603050405020304" charset="0"/>
@@ -7897,7 +9068,7 @@
               <a:t> </a:t>
             </a:r>
             <a:r>
-              <a:rPr lang="en-US" sz="3200">
+              <a:rPr lang="en-US" sz="3200" dirty="0" err="1">
                 <a:solidFill>
                   <a:schemeClr val="tx2"/>
                 </a:solidFill>
@@ -7905,10 +9076,10 @@
                 <a:ea typeface="Times New Roman" panose="02020603050405020304"/>
                 <a:cs typeface="Times New Roman" panose="02020603050405020304" charset="0"/>
               </a:rPr>
-              <a:t>phù hợp các lập trình viên,</a:t>
-            </a:r>
-            <a:r>
-              <a:rPr lang="zh-CN" sz="3200">
+              <a:t>phù</a:t>
+            </a:r>
+            <a:r>
+              <a:rPr lang="en-US" sz="3200" dirty="0">
                 <a:solidFill>
                   <a:schemeClr val="tx2"/>
                 </a:solidFill>
@@ -7916,10 +9087,131 @@
                 <a:ea typeface="Times New Roman" panose="02020603050405020304"/>
                 <a:cs typeface="Times New Roman" panose="02020603050405020304" charset="0"/>
               </a:rPr>
+              <a:t> </a:t>
+            </a:r>
+            <a:r>
+              <a:rPr lang="en-US" sz="3200" dirty="0" err="1">
+                <a:solidFill>
+                  <a:schemeClr val="tx2"/>
+                </a:solidFill>
+                <a:latin typeface="Times New Roman" panose="02020603050405020304" charset="0"/>
+                <a:ea typeface="Times New Roman" panose="02020603050405020304"/>
+                <a:cs typeface="Times New Roman" panose="02020603050405020304" charset="0"/>
+              </a:rPr>
+              <a:t>hợp</a:t>
+            </a:r>
+            <a:r>
+              <a:rPr lang="en-US" sz="3200" dirty="0">
+                <a:solidFill>
+                  <a:schemeClr val="tx2"/>
+                </a:solidFill>
+                <a:latin typeface="Times New Roman" panose="02020603050405020304" charset="0"/>
+                <a:ea typeface="Times New Roman" panose="02020603050405020304"/>
+                <a:cs typeface="Times New Roman" panose="02020603050405020304" charset="0"/>
+              </a:rPr>
+              <a:t> </a:t>
+            </a:r>
+            <a:r>
+              <a:rPr lang="en-US" sz="3200" dirty="0" err="1">
+                <a:solidFill>
+                  <a:schemeClr val="tx2"/>
+                </a:solidFill>
+                <a:latin typeface="Times New Roman" panose="02020603050405020304" charset="0"/>
+                <a:ea typeface="Times New Roman" panose="02020603050405020304"/>
+                <a:cs typeface="Times New Roman" panose="02020603050405020304" charset="0"/>
+              </a:rPr>
+              <a:t>các</a:t>
+            </a:r>
+            <a:r>
+              <a:rPr lang="en-US" sz="3200" dirty="0">
+                <a:solidFill>
+                  <a:schemeClr val="tx2"/>
+                </a:solidFill>
+                <a:latin typeface="Times New Roman" panose="02020603050405020304" charset="0"/>
+                <a:ea typeface="Times New Roman" panose="02020603050405020304"/>
+                <a:cs typeface="Times New Roman" panose="02020603050405020304" charset="0"/>
+              </a:rPr>
+              <a:t> </a:t>
+            </a:r>
+            <a:r>
+              <a:rPr lang="en-US" sz="3200" dirty="0" err="1">
+                <a:solidFill>
+                  <a:schemeClr val="tx2"/>
+                </a:solidFill>
+                <a:latin typeface="Times New Roman" panose="02020603050405020304" charset="0"/>
+                <a:ea typeface="Times New Roman" panose="02020603050405020304"/>
+                <a:cs typeface="Times New Roman" panose="02020603050405020304" charset="0"/>
+              </a:rPr>
+              <a:t>lập</a:t>
+            </a:r>
+            <a:r>
+              <a:rPr lang="en-US" sz="3200" dirty="0">
+                <a:solidFill>
+                  <a:schemeClr val="tx2"/>
+                </a:solidFill>
+                <a:latin typeface="Times New Roman" panose="02020603050405020304" charset="0"/>
+                <a:ea typeface="Times New Roman" panose="02020603050405020304"/>
+                <a:cs typeface="Times New Roman" panose="02020603050405020304" charset="0"/>
+              </a:rPr>
+              <a:t> </a:t>
+            </a:r>
+            <a:r>
+              <a:rPr lang="en-US" sz="3200" dirty="0" err="1">
+                <a:solidFill>
+                  <a:schemeClr val="tx2"/>
+                </a:solidFill>
+                <a:latin typeface="Times New Roman" panose="02020603050405020304" charset="0"/>
+                <a:ea typeface="Times New Roman" panose="02020603050405020304"/>
+                <a:cs typeface="Times New Roman" panose="02020603050405020304" charset="0"/>
+              </a:rPr>
+              <a:t>trình</a:t>
+            </a:r>
+            <a:r>
+              <a:rPr lang="en-US" sz="3200" dirty="0">
+                <a:solidFill>
+                  <a:schemeClr val="tx2"/>
+                </a:solidFill>
+                <a:latin typeface="Times New Roman" panose="02020603050405020304" charset="0"/>
+                <a:ea typeface="Times New Roman" panose="02020603050405020304"/>
+                <a:cs typeface="Times New Roman" panose="02020603050405020304" charset="0"/>
+              </a:rPr>
+              <a:t> </a:t>
+            </a:r>
+            <a:r>
+              <a:rPr lang="en-US" sz="3200" dirty="0" err="1">
+                <a:solidFill>
+                  <a:schemeClr val="tx2"/>
+                </a:solidFill>
+                <a:latin typeface="Times New Roman" panose="02020603050405020304" charset="0"/>
+                <a:ea typeface="Times New Roman" panose="02020603050405020304"/>
+                <a:cs typeface="Times New Roman" panose="02020603050405020304" charset="0"/>
+              </a:rPr>
+              <a:t>viên</a:t>
+            </a:r>
+            <a:r>
+              <a:rPr lang="en-US" sz="3200" dirty="0">
+                <a:solidFill>
+                  <a:schemeClr val="tx2"/>
+                </a:solidFill>
+                <a:latin typeface="Times New Roman" panose="02020603050405020304" charset="0"/>
+                <a:ea typeface="Times New Roman" panose="02020603050405020304"/>
+                <a:cs typeface="Times New Roman" panose="02020603050405020304" charset="0"/>
+              </a:rPr>
+              <a:t>,</a:t>
+            </a:r>
+            <a:r>
+              <a:rPr lang="zh-CN" sz="3200" dirty="0">
+                <a:solidFill>
+                  <a:schemeClr val="tx2"/>
+                </a:solidFill>
+                <a:latin typeface="Times New Roman" panose="02020603050405020304" charset="0"/>
+                <a:ea typeface="Times New Roman" panose="02020603050405020304"/>
+                <a:cs typeface="Times New Roman" panose="02020603050405020304" charset="0"/>
+              </a:rPr>
               <a:t> đội ngủ lập trình, những người có khả năng lập trình,</a:t>
             </a:r>
             <a:r>
-              <a:rPr lang="en-US" sz="3200">
+              <a:rPr lang="en-US" sz="3200" dirty="0">
                 <a:solidFill>
                   <a:schemeClr val="tx2"/>
                 </a:solidFill>
@@ -7927,10 +9219,10 @@
                 <a:ea typeface="Times New Roman" panose="02020603050405020304"/>
                 <a:cs typeface="Times New Roman" panose="02020603050405020304" charset="0"/>
               </a:rPr>
-              <a:t> yêu cầu tùy chỉnh</a:t>
-            </a:r>
-            <a:r>
-              <a:rPr lang="zh-CN" sz="3200">
+              <a:t> </a:t>
+            </a:r>
+            <a:r>
+              <a:rPr lang="en-US" sz="3200" dirty="0" err="1">
                 <a:solidFill>
                   <a:schemeClr val="tx2"/>
                 </a:solidFill>
@@ -7938,10 +9230,87 @@
                 <a:ea typeface="Times New Roman" panose="02020603050405020304"/>
                 <a:cs typeface="Times New Roman" panose="02020603050405020304" charset="0"/>
               </a:rPr>
+              <a:t>yêu</a:t>
+            </a:r>
+            <a:r>
+              <a:rPr lang="en-US" sz="3200" dirty="0">
+                <a:solidFill>
+                  <a:schemeClr val="tx2"/>
+                </a:solidFill>
+                <a:latin typeface="Times New Roman" panose="02020603050405020304" charset="0"/>
+                <a:ea typeface="Times New Roman" panose="02020603050405020304"/>
+                <a:cs typeface="Times New Roman" panose="02020603050405020304" charset="0"/>
+              </a:rPr>
+              <a:t> </a:t>
+            </a:r>
+            <a:r>
+              <a:rPr lang="en-US" sz="3200" dirty="0" err="1">
+                <a:solidFill>
+                  <a:schemeClr val="tx2"/>
+                </a:solidFill>
+                <a:latin typeface="Times New Roman" panose="02020603050405020304" charset="0"/>
+                <a:ea typeface="Times New Roman" panose="02020603050405020304"/>
+                <a:cs typeface="Times New Roman" panose="02020603050405020304" charset="0"/>
+              </a:rPr>
+              <a:t>cầu</a:t>
+            </a:r>
+            <a:r>
+              <a:rPr lang="en-US" sz="3200" dirty="0">
+                <a:solidFill>
+                  <a:schemeClr val="tx2"/>
+                </a:solidFill>
+                <a:latin typeface="Times New Roman" panose="02020603050405020304" charset="0"/>
+                <a:ea typeface="Times New Roman" panose="02020603050405020304"/>
+                <a:cs typeface="Times New Roman" panose="02020603050405020304" charset="0"/>
+              </a:rPr>
+              <a:t> </a:t>
+            </a:r>
+            <a:r>
+              <a:rPr lang="en-US" sz="3200" dirty="0" err="1">
+                <a:solidFill>
+                  <a:schemeClr val="tx2"/>
+                </a:solidFill>
+                <a:latin typeface="Times New Roman" panose="02020603050405020304" charset="0"/>
+                <a:ea typeface="Times New Roman" panose="02020603050405020304"/>
+                <a:cs typeface="Times New Roman" panose="02020603050405020304" charset="0"/>
+              </a:rPr>
+              <a:t>tùy</a:t>
+            </a:r>
+            <a:r>
+              <a:rPr lang="en-US" sz="3200" dirty="0">
+                <a:solidFill>
+                  <a:schemeClr val="tx2"/>
+                </a:solidFill>
+                <a:latin typeface="Times New Roman" panose="02020603050405020304" charset="0"/>
+                <a:ea typeface="Times New Roman" panose="02020603050405020304"/>
+                <a:cs typeface="Times New Roman" panose="02020603050405020304" charset="0"/>
+              </a:rPr>
+              <a:t> </a:t>
+            </a:r>
+            <a:r>
+              <a:rPr lang="en-US" sz="3200" dirty="0" err="1">
+                <a:solidFill>
+                  <a:schemeClr val="tx2"/>
+                </a:solidFill>
+                <a:latin typeface="Times New Roman" panose="02020603050405020304" charset="0"/>
+                <a:ea typeface="Times New Roman" panose="02020603050405020304"/>
+                <a:cs typeface="Times New Roman" panose="02020603050405020304" charset="0"/>
+              </a:rPr>
+              <a:t>chỉnh</a:t>
+            </a:r>
+            <a:r>
+              <a:rPr lang="zh-CN" sz="3200" dirty="0">
+                <a:solidFill>
+                  <a:schemeClr val="tx2"/>
+                </a:solidFill>
+                <a:latin typeface="Times New Roman" panose="02020603050405020304" charset="0"/>
+                <a:ea typeface="Times New Roman" panose="02020603050405020304"/>
+                <a:cs typeface="Times New Roman" panose="02020603050405020304" charset="0"/>
+              </a:rPr>
               <a:t>, tính linh hoạt</a:t>
             </a:r>
             <a:r>
-              <a:rPr lang="en-US" sz="3200">
+              <a:rPr lang="en-US" sz="3200" dirty="0">
                 <a:solidFill>
                   <a:schemeClr val="tx2"/>
                 </a:solidFill>
@@ -7949,10 +9318,10 @@
                 <a:ea typeface="Times New Roman" panose="02020603050405020304"/>
                 <a:cs typeface="Times New Roman" panose="02020603050405020304" charset="0"/>
               </a:rPr>
-              <a:t> cao, và ít</a:t>
-            </a:r>
-            <a:r>
-              <a:rPr lang="zh-CN" sz="3200">
+              <a:t> </a:t>
+            </a:r>
+            <a:r>
+              <a:rPr lang="en-US" sz="3200" dirty="0" err="1">
                 <a:solidFill>
                   <a:schemeClr val="tx2"/>
                 </a:solidFill>
@@ -7960,10 +9329,65 @@
                 <a:ea typeface="Times New Roman" panose="02020603050405020304"/>
                 <a:cs typeface="Times New Roman" panose="02020603050405020304" charset="0"/>
               </a:rPr>
+              <a:t>cao</a:t>
+            </a:r>
+            <a:r>
+              <a:rPr lang="en-US" sz="3200" dirty="0">
+                <a:solidFill>
+                  <a:schemeClr val="tx2"/>
+                </a:solidFill>
+                <a:latin typeface="Times New Roman" panose="02020603050405020304" charset="0"/>
+                <a:ea typeface="Times New Roman" panose="02020603050405020304"/>
+                <a:cs typeface="Times New Roman" panose="02020603050405020304" charset="0"/>
+              </a:rPr>
+              <a:t>, </a:t>
+            </a:r>
+            <a:r>
+              <a:rPr lang="en-US" sz="3200" dirty="0" err="1">
+                <a:solidFill>
+                  <a:schemeClr val="tx2"/>
+                </a:solidFill>
+                <a:latin typeface="Times New Roman" panose="02020603050405020304" charset="0"/>
+                <a:ea typeface="Times New Roman" panose="02020603050405020304"/>
+                <a:cs typeface="Times New Roman" panose="02020603050405020304" charset="0"/>
+              </a:rPr>
+              <a:t>và</a:t>
+            </a:r>
+            <a:r>
+              <a:rPr lang="en-US" sz="3200" dirty="0">
+                <a:solidFill>
+                  <a:schemeClr val="tx2"/>
+                </a:solidFill>
+                <a:latin typeface="Times New Roman" panose="02020603050405020304" charset="0"/>
+                <a:ea typeface="Times New Roman" panose="02020603050405020304"/>
+                <a:cs typeface="Times New Roman" panose="02020603050405020304" charset="0"/>
+              </a:rPr>
+              <a:t> </a:t>
+            </a:r>
+            <a:r>
+              <a:rPr lang="en-US" sz="3200" dirty="0" err="1">
+                <a:solidFill>
+                  <a:schemeClr val="tx2"/>
+                </a:solidFill>
+                <a:latin typeface="Times New Roman" panose="02020603050405020304" charset="0"/>
+                <a:ea typeface="Times New Roman" panose="02020603050405020304"/>
+                <a:cs typeface="Times New Roman" panose="02020603050405020304" charset="0"/>
+              </a:rPr>
+              <a:t>ít</a:t>
+            </a:r>
+            <a:r>
+              <a:rPr lang="zh-CN" sz="3200" dirty="0">
+                <a:solidFill>
+                  <a:schemeClr val="tx2"/>
+                </a:solidFill>
+                <a:latin typeface="Times New Roman" panose="02020603050405020304" charset="0"/>
+                <a:ea typeface="Times New Roman" panose="02020603050405020304"/>
+                <a:cs typeface="Times New Roman" panose="02020603050405020304" charset="0"/>
+              </a:rPr>
               <a:t> tốn chi phí</a:t>
             </a:r>
             <a:r>
-              <a:rPr lang="en-US" sz="3200">
+              <a:rPr lang="en-US" sz="3200" dirty="0">
                 <a:solidFill>
                   <a:schemeClr val="tx2"/>
                 </a:solidFill>
@@ -7973,7 +9397,7 @@
               </a:rPr>
               <a:t>.</a:t>
             </a:r>
-            <a:endParaRPr lang="en-US" sz="3200">
+            <a:endParaRPr lang="en-US" sz="3200" dirty="0">
               <a:latin typeface="Times New Roman" panose="02020603050405020304" charset="0"/>
               <a:ea typeface="Times New Roman" panose="02020603050405020304"/>
               <a:cs typeface="Times New Roman" panose="02020603050405020304" charset="0"/>
@@ -7992,7 +9416,7 @@
               </a:spcAft>
             </a:pPr>
             <a:r>
-              <a:rPr lang="zh-CN" sz="3200" b="1">
+              <a:rPr lang="zh-CN" sz="3200" b="1" dirty="0">
                 <a:solidFill>
                   <a:schemeClr val="tx2">
                     <a:lumMod val="75000"/>
@@ -8005,7 +9429,7 @@
               <a:t>- </a:t>
             </a:r>
             <a:r>
-              <a:rPr lang="en-US" sz="3200" b="1">
+              <a:rPr lang="en-US" sz="3200" b="1" dirty="0" err="1">
                 <a:solidFill>
                   <a:schemeClr val="tx2">
                     <a:lumMod val="75000"/>
@@ -8015,10 +9439,10 @@
                 <a:ea typeface="Times New Roman" panose="02020603050405020304"/>
                 <a:cs typeface="Times New Roman" panose="02020603050405020304" charset="0"/>
               </a:rPr>
-              <a:t>Giải pháp</a:t>
-            </a:r>
-            <a:r>
-              <a:rPr lang="zh-CN" sz="3200" b="1">
+              <a:t>Giải</a:t>
+            </a:r>
+            <a:r>
+              <a:rPr lang="en-US" sz="3200" b="1" dirty="0">
                 <a:solidFill>
                   <a:schemeClr val="tx2">
                     <a:lumMod val="75000"/>
@@ -8028,10 +9452,10 @@
                 <a:ea typeface="Times New Roman" panose="02020603050405020304"/>
                 <a:cs typeface="Times New Roman" panose="02020603050405020304" charset="0"/>
               </a:rPr>
-              <a:t> thu thập dữ liệu thông qua phần mềm</a:t>
-            </a:r>
-            <a:r>
-              <a:rPr lang="en-US" sz="3200" b="1">
+              <a:t> </a:t>
+            </a:r>
+            <a:r>
+              <a:rPr lang="en-US" sz="3200" b="1" dirty="0" err="1">
                 <a:solidFill>
                   <a:schemeClr val="tx2">
                     <a:lumMod val="75000"/>
@@ -8041,10 +9465,10 @@
                 <a:ea typeface="Times New Roman" panose="02020603050405020304"/>
                 <a:cs typeface="Times New Roman" panose="02020603050405020304" charset="0"/>
               </a:rPr>
-              <a:t> đám mây</a:t>
-            </a:r>
-            <a:r>
-              <a:rPr lang="zh-CN" sz="3200" b="1">
+              <a:t>pháp</a:t>
+            </a:r>
+            <a:r>
+              <a:rPr lang="zh-CN" sz="3200" b="1" dirty="0">
                 <a:solidFill>
                   <a:schemeClr val="tx2">
                     <a:lumMod val="75000"/>
@@ -8054,10 +9478,75 @@
                 <a:ea typeface="Times New Roman" panose="02020603050405020304"/>
                 <a:cs typeface="Times New Roman" panose="02020603050405020304" charset="0"/>
               </a:rPr>
+              <a:t> thu thập dữ liệu thông qua phần mềm</a:t>
+            </a:r>
+            <a:r>
+              <a:rPr lang="en-US" sz="3200" b="1" dirty="0">
+                <a:solidFill>
+                  <a:schemeClr val="tx2">
+                    <a:lumMod val="75000"/>
+                  </a:schemeClr>
+                </a:solidFill>
+                <a:latin typeface="Times New Roman" panose="02020603050405020304" charset="0"/>
+                <a:ea typeface="Times New Roman" panose="02020603050405020304"/>
+                <a:cs typeface="Times New Roman" panose="02020603050405020304" charset="0"/>
+              </a:rPr>
+              <a:t> </a:t>
+            </a:r>
+            <a:r>
+              <a:rPr lang="en-US" sz="3200" b="1" dirty="0" err="1">
+                <a:solidFill>
+                  <a:schemeClr val="tx2">
+                    <a:lumMod val="75000"/>
+                  </a:schemeClr>
+                </a:solidFill>
+                <a:latin typeface="Times New Roman" panose="02020603050405020304" charset="0"/>
+                <a:ea typeface="Times New Roman" panose="02020603050405020304"/>
+                <a:cs typeface="Times New Roman" panose="02020603050405020304" charset="0"/>
+              </a:rPr>
+              <a:t>đám</a:t>
+            </a:r>
+            <a:r>
+              <a:rPr lang="en-US" sz="3200" b="1" dirty="0">
+                <a:solidFill>
+                  <a:schemeClr val="tx2">
+                    <a:lumMod val="75000"/>
+                  </a:schemeClr>
+                </a:solidFill>
+                <a:latin typeface="Times New Roman" panose="02020603050405020304" charset="0"/>
+                <a:ea typeface="Times New Roman" panose="02020603050405020304"/>
+                <a:cs typeface="Times New Roman" panose="02020603050405020304" charset="0"/>
+              </a:rPr>
+              <a:t> </a:t>
+            </a:r>
+            <a:r>
+              <a:rPr lang="en-US" sz="3200" b="1" dirty="0" err="1">
+                <a:solidFill>
+                  <a:schemeClr val="tx2">
+                    <a:lumMod val="75000"/>
+                  </a:schemeClr>
+                </a:solidFill>
+                <a:latin typeface="Times New Roman" panose="02020603050405020304" charset="0"/>
+                <a:ea typeface="Times New Roman" panose="02020603050405020304"/>
+                <a:cs typeface="Times New Roman" panose="02020603050405020304" charset="0"/>
+              </a:rPr>
+              <a:t>mây</a:t>
+            </a:r>
+            <a:r>
+              <a:rPr lang="zh-CN" sz="3200" b="1" dirty="0">
+                <a:solidFill>
+                  <a:schemeClr val="tx2">
+                    <a:lumMod val="75000"/>
+                  </a:schemeClr>
+                </a:solidFill>
+                <a:latin typeface="Times New Roman" panose="02020603050405020304" charset="0"/>
+                <a:ea typeface="Times New Roman" panose="02020603050405020304"/>
+                <a:cs typeface="Times New Roman" panose="02020603050405020304" charset="0"/>
+              </a:rPr>
               <a:t>:</a:t>
             </a:r>
             <a:r>
-              <a:rPr lang="en-US" sz="3200">
+              <a:rPr lang="en-US" sz="3200" dirty="0">
                 <a:latin typeface="Times New Roman" panose="02020603050405020304" charset="0"/>
                 <a:ea typeface="Times New Roman" panose="02020603050405020304"/>
                 <a:cs typeface="Times New Roman" panose="02020603050405020304" charset="0"/>
@@ -8065,7 +9554,7 @@
               <a:t> </a:t>
             </a:r>
             <a:r>
-              <a:rPr lang="en-US" sz="3200">
+              <a:rPr lang="en-US" sz="3200" dirty="0" err="1">
                 <a:solidFill>
                   <a:schemeClr val="tx2"/>
                 </a:solidFill>
@@ -8073,10 +9562,10 @@
                 <a:ea typeface="Times New Roman" panose="02020603050405020304"/>
                 <a:cs typeface="Times New Roman" panose="02020603050405020304" charset="0"/>
               </a:rPr>
-              <a:t>phù hợp cho các doanh nghiệp</a:t>
-            </a:r>
-            <a:r>
-              <a:rPr lang="zh-CN" sz="3200">
+              <a:t>phù</a:t>
+            </a:r>
+            <a:r>
+              <a:rPr lang="en-US" sz="3200" dirty="0">
                 <a:solidFill>
                   <a:schemeClr val="tx2"/>
                 </a:solidFill>
@@ -8084,10 +9573,120 @@
                 <a:ea typeface="Times New Roman" panose="02020603050405020304"/>
                 <a:cs typeface="Times New Roman" panose="02020603050405020304" charset="0"/>
               </a:rPr>
+              <a:t> </a:t>
+            </a:r>
+            <a:r>
+              <a:rPr lang="en-US" sz="3200" dirty="0" err="1">
+                <a:solidFill>
+                  <a:schemeClr val="tx2"/>
+                </a:solidFill>
+                <a:latin typeface="Times New Roman" panose="02020603050405020304" charset="0"/>
+                <a:ea typeface="Times New Roman" panose="02020603050405020304"/>
+                <a:cs typeface="Times New Roman" panose="02020603050405020304" charset="0"/>
+              </a:rPr>
+              <a:t>hợp</a:t>
+            </a:r>
+            <a:r>
+              <a:rPr lang="en-US" sz="3200" dirty="0">
+                <a:solidFill>
+                  <a:schemeClr val="tx2"/>
+                </a:solidFill>
+                <a:latin typeface="Times New Roman" panose="02020603050405020304" charset="0"/>
+                <a:ea typeface="Times New Roman" panose="02020603050405020304"/>
+                <a:cs typeface="Times New Roman" panose="02020603050405020304" charset="0"/>
+              </a:rPr>
+              <a:t> </a:t>
+            </a:r>
+            <a:r>
+              <a:rPr lang="en-US" sz="3200" dirty="0" err="1">
+                <a:solidFill>
+                  <a:schemeClr val="tx2"/>
+                </a:solidFill>
+                <a:latin typeface="Times New Roman" panose="02020603050405020304" charset="0"/>
+                <a:ea typeface="Times New Roman" panose="02020603050405020304"/>
+                <a:cs typeface="Times New Roman" panose="02020603050405020304" charset="0"/>
+              </a:rPr>
+              <a:t>cho</a:t>
+            </a:r>
+            <a:r>
+              <a:rPr lang="en-US" sz="3200" dirty="0">
+                <a:solidFill>
+                  <a:schemeClr val="tx2"/>
+                </a:solidFill>
+                <a:latin typeface="Times New Roman" panose="02020603050405020304" charset="0"/>
+                <a:ea typeface="Times New Roman" panose="02020603050405020304"/>
+                <a:cs typeface="Times New Roman" panose="02020603050405020304" charset="0"/>
+              </a:rPr>
+              <a:t> </a:t>
+            </a:r>
+            <a:r>
+              <a:rPr lang="en-US" sz="3200" dirty="0" err="1">
+                <a:solidFill>
+                  <a:schemeClr val="tx2"/>
+                </a:solidFill>
+                <a:latin typeface="Times New Roman" panose="02020603050405020304" charset="0"/>
+                <a:ea typeface="Times New Roman" panose="02020603050405020304"/>
+                <a:cs typeface="Times New Roman" panose="02020603050405020304" charset="0"/>
+              </a:rPr>
+              <a:t>các</a:t>
+            </a:r>
+            <a:r>
+              <a:rPr lang="en-US" sz="3200" dirty="0">
+                <a:solidFill>
+                  <a:schemeClr val="tx2"/>
+                </a:solidFill>
+                <a:latin typeface="Times New Roman" panose="02020603050405020304" charset="0"/>
+                <a:ea typeface="Times New Roman" panose="02020603050405020304"/>
+                <a:cs typeface="Times New Roman" panose="02020603050405020304" charset="0"/>
+              </a:rPr>
+              <a:t> </a:t>
+            </a:r>
+            <a:r>
+              <a:rPr lang="en-US" sz="3200" dirty="0" err="1">
+                <a:solidFill>
+                  <a:schemeClr val="tx2"/>
+                </a:solidFill>
+                <a:latin typeface="Times New Roman" panose="02020603050405020304" charset="0"/>
+                <a:ea typeface="Times New Roman" panose="02020603050405020304"/>
+                <a:cs typeface="Times New Roman" panose="02020603050405020304" charset="0"/>
+              </a:rPr>
+              <a:t>doanh</a:t>
+            </a:r>
+            <a:r>
+              <a:rPr lang="en-US" sz="3200" dirty="0">
+                <a:solidFill>
+                  <a:schemeClr val="tx2"/>
+                </a:solidFill>
+                <a:latin typeface="Times New Roman" panose="02020603050405020304" charset="0"/>
+                <a:ea typeface="Times New Roman" panose="02020603050405020304"/>
+                <a:cs typeface="Times New Roman" panose="02020603050405020304" charset="0"/>
+              </a:rPr>
+              <a:t> </a:t>
+            </a:r>
+            <a:r>
+              <a:rPr lang="en-US" sz="3200" dirty="0" err="1">
+                <a:solidFill>
+                  <a:schemeClr val="tx2"/>
+                </a:solidFill>
+                <a:latin typeface="Times New Roman" panose="02020603050405020304" charset="0"/>
+                <a:ea typeface="Times New Roman" panose="02020603050405020304"/>
+                <a:cs typeface="Times New Roman" panose="02020603050405020304" charset="0"/>
+              </a:rPr>
+              <a:t>nghiệp</a:t>
+            </a:r>
+            <a:r>
+              <a:rPr lang="zh-CN" sz="3200" dirty="0">
+                <a:solidFill>
+                  <a:schemeClr val="tx2"/>
+                </a:solidFill>
+                <a:latin typeface="Times New Roman" panose="02020603050405020304" charset="0"/>
+                <a:ea typeface="Times New Roman" panose="02020603050405020304"/>
+                <a:cs typeface="Times New Roman" panose="02020603050405020304" charset="0"/>
+              </a:rPr>
               <a:t>, không yêu cầu cao về khả năng lập trình,</a:t>
             </a:r>
             <a:r>
-              <a:rPr lang="en-US" sz="3200">
+              <a:rPr lang="en-US" sz="3200" dirty="0">
                 <a:solidFill>
                   <a:schemeClr val="tx2"/>
                 </a:solidFill>
@@ -8095,10 +9694,10 @@
                 <a:ea typeface="Times New Roman" panose="02020603050405020304"/>
                 <a:cs typeface="Times New Roman" panose="02020603050405020304" charset="0"/>
               </a:rPr>
-              <a:t> cần hệ thống thu thập dữ liệu lớn, ổn định, dễ triển khai</a:t>
-            </a:r>
-            <a:r>
-              <a:rPr lang="zh-CN" sz="3200">
+              <a:t> </a:t>
+            </a:r>
+            <a:r>
+              <a:rPr lang="en-US" sz="3200" dirty="0" err="1">
                 <a:solidFill>
                   <a:schemeClr val="tx2"/>
                 </a:solidFill>
@@ -8106,10 +9705,285 @@
                 <a:ea typeface="Times New Roman" panose="02020603050405020304"/>
                 <a:cs typeface="Times New Roman" panose="02020603050405020304" charset="0"/>
               </a:rPr>
+              <a:t>cần</a:t>
+            </a:r>
+            <a:r>
+              <a:rPr lang="en-US" sz="3200" dirty="0">
+                <a:solidFill>
+                  <a:schemeClr val="tx2"/>
+                </a:solidFill>
+                <a:latin typeface="Times New Roman" panose="02020603050405020304" charset="0"/>
+                <a:ea typeface="Times New Roman" panose="02020603050405020304"/>
+                <a:cs typeface="Times New Roman" panose="02020603050405020304" charset="0"/>
+              </a:rPr>
+              <a:t> </a:t>
+            </a:r>
+            <a:r>
+              <a:rPr lang="en-US" sz="3200" dirty="0" err="1">
+                <a:solidFill>
+                  <a:schemeClr val="tx2"/>
+                </a:solidFill>
+                <a:latin typeface="Times New Roman" panose="02020603050405020304" charset="0"/>
+                <a:ea typeface="Times New Roman" panose="02020603050405020304"/>
+                <a:cs typeface="Times New Roman" panose="02020603050405020304" charset="0"/>
+              </a:rPr>
+              <a:t>hệ</a:t>
+            </a:r>
+            <a:r>
+              <a:rPr lang="en-US" sz="3200" dirty="0">
+                <a:solidFill>
+                  <a:schemeClr val="tx2"/>
+                </a:solidFill>
+                <a:latin typeface="Times New Roman" panose="02020603050405020304" charset="0"/>
+                <a:ea typeface="Times New Roman" panose="02020603050405020304"/>
+                <a:cs typeface="Times New Roman" panose="02020603050405020304" charset="0"/>
+              </a:rPr>
+              <a:t> </a:t>
+            </a:r>
+            <a:r>
+              <a:rPr lang="en-US" sz="3200" dirty="0" err="1">
+                <a:solidFill>
+                  <a:schemeClr val="tx2"/>
+                </a:solidFill>
+                <a:latin typeface="Times New Roman" panose="02020603050405020304" charset="0"/>
+                <a:ea typeface="Times New Roman" panose="02020603050405020304"/>
+                <a:cs typeface="Times New Roman" panose="02020603050405020304" charset="0"/>
+              </a:rPr>
+              <a:t>thống</a:t>
+            </a:r>
+            <a:r>
+              <a:rPr lang="en-US" sz="3200" dirty="0">
+                <a:solidFill>
+                  <a:schemeClr val="tx2"/>
+                </a:solidFill>
+                <a:latin typeface="Times New Roman" panose="02020603050405020304" charset="0"/>
+                <a:ea typeface="Times New Roman" panose="02020603050405020304"/>
+                <a:cs typeface="Times New Roman" panose="02020603050405020304" charset="0"/>
+              </a:rPr>
+              <a:t> </a:t>
+            </a:r>
+            <a:r>
+              <a:rPr lang="en-US" sz="3200" dirty="0" err="1">
+                <a:solidFill>
+                  <a:schemeClr val="tx2"/>
+                </a:solidFill>
+                <a:latin typeface="Times New Roman" panose="02020603050405020304" charset="0"/>
+                <a:ea typeface="Times New Roman" panose="02020603050405020304"/>
+                <a:cs typeface="Times New Roman" panose="02020603050405020304" charset="0"/>
+              </a:rPr>
+              <a:t>thu</a:t>
+            </a:r>
+            <a:r>
+              <a:rPr lang="en-US" sz="3200" dirty="0">
+                <a:solidFill>
+                  <a:schemeClr val="tx2"/>
+                </a:solidFill>
+                <a:latin typeface="Times New Roman" panose="02020603050405020304" charset="0"/>
+                <a:ea typeface="Times New Roman" panose="02020603050405020304"/>
+                <a:cs typeface="Times New Roman" panose="02020603050405020304" charset="0"/>
+              </a:rPr>
+              <a:t> </a:t>
+            </a:r>
+            <a:r>
+              <a:rPr lang="en-US" sz="3200" dirty="0" err="1">
+                <a:solidFill>
+                  <a:schemeClr val="tx2"/>
+                </a:solidFill>
+                <a:latin typeface="Times New Roman" panose="02020603050405020304" charset="0"/>
+                <a:ea typeface="Times New Roman" panose="02020603050405020304"/>
+                <a:cs typeface="Times New Roman" panose="02020603050405020304" charset="0"/>
+              </a:rPr>
+              <a:t>thập</a:t>
+            </a:r>
+            <a:r>
+              <a:rPr lang="en-US" sz="3200" dirty="0">
+                <a:solidFill>
+                  <a:schemeClr val="tx2"/>
+                </a:solidFill>
+                <a:latin typeface="Times New Roman" panose="02020603050405020304" charset="0"/>
+                <a:ea typeface="Times New Roman" panose="02020603050405020304"/>
+                <a:cs typeface="Times New Roman" panose="02020603050405020304" charset="0"/>
+              </a:rPr>
+              <a:t> </a:t>
+            </a:r>
+            <a:r>
+              <a:rPr lang="en-US" sz="3200" dirty="0" err="1">
+                <a:solidFill>
+                  <a:schemeClr val="tx2"/>
+                </a:solidFill>
+                <a:latin typeface="Times New Roman" panose="02020603050405020304" charset="0"/>
+                <a:ea typeface="Times New Roman" panose="02020603050405020304"/>
+                <a:cs typeface="Times New Roman" panose="02020603050405020304" charset="0"/>
+              </a:rPr>
+              <a:t>dữ</a:t>
+            </a:r>
+            <a:r>
+              <a:rPr lang="en-US" sz="3200" dirty="0">
+                <a:solidFill>
+                  <a:schemeClr val="tx2"/>
+                </a:solidFill>
+                <a:latin typeface="Times New Roman" panose="02020603050405020304" charset="0"/>
+                <a:ea typeface="Times New Roman" panose="02020603050405020304"/>
+                <a:cs typeface="Times New Roman" panose="02020603050405020304" charset="0"/>
+              </a:rPr>
+              <a:t> </a:t>
+            </a:r>
+            <a:r>
+              <a:rPr lang="en-US" sz="3200" dirty="0" err="1">
+                <a:solidFill>
+                  <a:schemeClr val="tx2"/>
+                </a:solidFill>
+                <a:latin typeface="Times New Roman" panose="02020603050405020304" charset="0"/>
+                <a:ea typeface="Times New Roman" panose="02020603050405020304"/>
+                <a:cs typeface="Times New Roman" panose="02020603050405020304" charset="0"/>
+              </a:rPr>
+              <a:t>liệu</a:t>
+            </a:r>
+            <a:r>
+              <a:rPr lang="en-US" sz="3200" dirty="0">
+                <a:solidFill>
+                  <a:schemeClr val="tx2"/>
+                </a:solidFill>
+                <a:latin typeface="Times New Roman" panose="02020603050405020304" charset="0"/>
+                <a:ea typeface="Times New Roman" panose="02020603050405020304"/>
+                <a:cs typeface="Times New Roman" panose="02020603050405020304" charset="0"/>
+              </a:rPr>
+              <a:t> </a:t>
+            </a:r>
+            <a:r>
+              <a:rPr lang="en-US" sz="3200" dirty="0" err="1">
+                <a:solidFill>
+                  <a:schemeClr val="tx2"/>
+                </a:solidFill>
+                <a:latin typeface="Times New Roman" panose="02020603050405020304" charset="0"/>
+                <a:ea typeface="Times New Roman" panose="02020603050405020304"/>
+                <a:cs typeface="Times New Roman" panose="02020603050405020304" charset="0"/>
+              </a:rPr>
+              <a:t>lớn</a:t>
+            </a:r>
+            <a:r>
+              <a:rPr lang="en-US" sz="3200" dirty="0">
+                <a:solidFill>
+                  <a:schemeClr val="tx2"/>
+                </a:solidFill>
+                <a:latin typeface="Times New Roman" panose="02020603050405020304" charset="0"/>
+                <a:ea typeface="Times New Roman" panose="02020603050405020304"/>
+                <a:cs typeface="Times New Roman" panose="02020603050405020304" charset="0"/>
+              </a:rPr>
+              <a:t>, </a:t>
+            </a:r>
+            <a:r>
+              <a:rPr lang="en-US" sz="3200" dirty="0" err="1">
+                <a:solidFill>
+                  <a:schemeClr val="tx2"/>
+                </a:solidFill>
+                <a:latin typeface="Times New Roman" panose="02020603050405020304" charset="0"/>
+                <a:ea typeface="Times New Roman" panose="02020603050405020304"/>
+                <a:cs typeface="Times New Roman" panose="02020603050405020304" charset="0"/>
+              </a:rPr>
+              <a:t>ổn</a:t>
+            </a:r>
+            <a:r>
+              <a:rPr lang="en-US" sz="3200" dirty="0">
+                <a:solidFill>
+                  <a:schemeClr val="tx2"/>
+                </a:solidFill>
+                <a:latin typeface="Times New Roman" panose="02020603050405020304" charset="0"/>
+                <a:ea typeface="Times New Roman" panose="02020603050405020304"/>
+                <a:cs typeface="Times New Roman" panose="02020603050405020304" charset="0"/>
+              </a:rPr>
+              <a:t> </a:t>
+            </a:r>
+            <a:r>
+              <a:rPr lang="en-US" sz="3200" dirty="0" err="1">
+                <a:solidFill>
+                  <a:schemeClr val="tx2"/>
+                </a:solidFill>
+                <a:latin typeface="Times New Roman" panose="02020603050405020304" charset="0"/>
+                <a:ea typeface="Times New Roman" panose="02020603050405020304"/>
+                <a:cs typeface="Times New Roman" panose="02020603050405020304" charset="0"/>
+              </a:rPr>
+              <a:t>định</a:t>
+            </a:r>
+            <a:r>
+              <a:rPr lang="en-US" sz="3200" dirty="0">
+                <a:solidFill>
+                  <a:schemeClr val="tx2"/>
+                </a:solidFill>
+                <a:latin typeface="Times New Roman" panose="02020603050405020304" charset="0"/>
+                <a:ea typeface="Times New Roman" panose="02020603050405020304"/>
+                <a:cs typeface="Times New Roman" panose="02020603050405020304" charset="0"/>
+              </a:rPr>
+              <a:t>, </a:t>
+            </a:r>
+            <a:r>
+              <a:rPr lang="en-US" sz="3200" dirty="0" err="1">
+                <a:solidFill>
+                  <a:schemeClr val="tx2"/>
+                </a:solidFill>
+                <a:latin typeface="Times New Roman" panose="02020603050405020304" charset="0"/>
+                <a:ea typeface="Times New Roman" panose="02020603050405020304"/>
+                <a:cs typeface="Times New Roman" panose="02020603050405020304" charset="0"/>
+              </a:rPr>
+              <a:t>dễ</a:t>
+            </a:r>
+            <a:r>
+              <a:rPr lang="en-US" sz="3200" dirty="0">
+                <a:solidFill>
+                  <a:schemeClr val="tx2"/>
+                </a:solidFill>
+                <a:latin typeface="Times New Roman" panose="02020603050405020304" charset="0"/>
+                <a:ea typeface="Times New Roman" panose="02020603050405020304"/>
+                <a:cs typeface="Times New Roman" panose="02020603050405020304" charset="0"/>
+              </a:rPr>
+              <a:t> </a:t>
+            </a:r>
+            <a:r>
+              <a:rPr lang="en-US" sz="3200" dirty="0" err="1">
+                <a:solidFill>
+                  <a:schemeClr val="tx2"/>
+                </a:solidFill>
+                <a:latin typeface="Times New Roman" panose="02020603050405020304" charset="0"/>
+                <a:ea typeface="Times New Roman" panose="02020603050405020304"/>
+                <a:cs typeface="Times New Roman" panose="02020603050405020304" charset="0"/>
+              </a:rPr>
+              <a:t>triển</a:t>
+            </a:r>
+            <a:r>
+              <a:rPr lang="en-US" sz="3200" dirty="0">
+                <a:solidFill>
+                  <a:schemeClr val="tx2"/>
+                </a:solidFill>
+                <a:latin typeface="Times New Roman" panose="02020603050405020304" charset="0"/>
+                <a:ea typeface="Times New Roman" panose="02020603050405020304"/>
+                <a:cs typeface="Times New Roman" panose="02020603050405020304" charset="0"/>
+              </a:rPr>
+              <a:t> </a:t>
+            </a:r>
+            <a:r>
+              <a:rPr lang="en-US" sz="3200" dirty="0" err="1">
+                <a:solidFill>
+                  <a:schemeClr val="tx2"/>
+                </a:solidFill>
+                <a:latin typeface="Times New Roman" panose="02020603050405020304" charset="0"/>
+                <a:ea typeface="Times New Roman" panose="02020603050405020304"/>
+                <a:cs typeface="Times New Roman" panose="02020603050405020304" charset="0"/>
+              </a:rPr>
+              <a:t>khai</a:t>
+            </a:r>
+            <a:r>
+              <a:rPr lang="zh-CN" sz="3200" dirty="0">
+                <a:solidFill>
+                  <a:schemeClr val="tx2"/>
+                </a:solidFill>
+                <a:latin typeface="Times New Roman" panose="02020603050405020304" charset="0"/>
+                <a:ea typeface="Times New Roman" panose="02020603050405020304"/>
+                <a:cs typeface="Times New Roman" panose="02020603050405020304" charset="0"/>
+              </a:rPr>
               <a:t> thực hiện </a:t>
             </a:r>
             <a:r>
-              <a:rPr lang="en-US" sz="3200">
+              <a:rPr lang="en-US" sz="3200" dirty="0">
                 <a:solidFill>
                   <a:schemeClr val="tx2"/>
                 </a:solidFill>
@@ -8117,10 +9991,10 @@
                 <a:ea typeface="Times New Roman" panose="02020603050405020304"/>
                 <a:cs typeface="Times New Roman" panose="02020603050405020304" charset="0"/>
               </a:rPr>
-              <a:t> và có khả năng chi trả chi phí</a:t>
-            </a:r>
-            <a:r>
-              <a:rPr lang="zh-CN" sz="3200">
+              <a:t> </a:t>
+            </a:r>
+            <a:r>
+              <a:rPr lang="en-US" sz="3200" dirty="0" err="1">
                 <a:solidFill>
                   <a:schemeClr val="tx2"/>
                 </a:solidFill>
@@ -8128,10 +10002,131 @@
                 <a:ea typeface="Times New Roman" panose="02020603050405020304"/>
                 <a:cs typeface="Times New Roman" panose="02020603050405020304" charset="0"/>
               </a:rPr>
+              <a:t>và</a:t>
+            </a:r>
+            <a:r>
+              <a:rPr lang="en-US" sz="3200" dirty="0">
+                <a:solidFill>
+                  <a:schemeClr val="tx2"/>
+                </a:solidFill>
+                <a:latin typeface="Times New Roman" panose="02020603050405020304" charset="0"/>
+                <a:ea typeface="Times New Roman" panose="02020603050405020304"/>
+                <a:cs typeface="Times New Roman" panose="02020603050405020304" charset="0"/>
+              </a:rPr>
+              <a:t> </a:t>
+            </a:r>
+            <a:r>
+              <a:rPr lang="en-US" sz="3200" dirty="0" err="1">
+                <a:solidFill>
+                  <a:schemeClr val="tx2"/>
+                </a:solidFill>
+                <a:latin typeface="Times New Roman" panose="02020603050405020304" charset="0"/>
+                <a:ea typeface="Times New Roman" panose="02020603050405020304"/>
+                <a:cs typeface="Times New Roman" panose="02020603050405020304" charset="0"/>
+              </a:rPr>
+              <a:t>có</a:t>
+            </a:r>
+            <a:r>
+              <a:rPr lang="en-US" sz="3200" dirty="0">
+                <a:solidFill>
+                  <a:schemeClr val="tx2"/>
+                </a:solidFill>
+                <a:latin typeface="Times New Roman" panose="02020603050405020304" charset="0"/>
+                <a:ea typeface="Times New Roman" panose="02020603050405020304"/>
+                <a:cs typeface="Times New Roman" panose="02020603050405020304" charset="0"/>
+              </a:rPr>
+              <a:t> </a:t>
+            </a:r>
+            <a:r>
+              <a:rPr lang="en-US" sz="3200" dirty="0" err="1">
+                <a:solidFill>
+                  <a:schemeClr val="tx2"/>
+                </a:solidFill>
+                <a:latin typeface="Times New Roman" panose="02020603050405020304" charset="0"/>
+                <a:ea typeface="Times New Roman" panose="02020603050405020304"/>
+                <a:cs typeface="Times New Roman" panose="02020603050405020304" charset="0"/>
+              </a:rPr>
+              <a:t>khả</a:t>
+            </a:r>
+            <a:r>
+              <a:rPr lang="en-US" sz="3200" dirty="0">
+                <a:solidFill>
+                  <a:schemeClr val="tx2"/>
+                </a:solidFill>
+                <a:latin typeface="Times New Roman" panose="02020603050405020304" charset="0"/>
+                <a:ea typeface="Times New Roman" panose="02020603050405020304"/>
+                <a:cs typeface="Times New Roman" panose="02020603050405020304" charset="0"/>
+              </a:rPr>
+              <a:t> </a:t>
+            </a:r>
+            <a:r>
+              <a:rPr lang="en-US" sz="3200" dirty="0" err="1">
+                <a:solidFill>
+                  <a:schemeClr val="tx2"/>
+                </a:solidFill>
+                <a:latin typeface="Times New Roman" panose="02020603050405020304" charset="0"/>
+                <a:ea typeface="Times New Roman" panose="02020603050405020304"/>
+                <a:cs typeface="Times New Roman" panose="02020603050405020304" charset="0"/>
+              </a:rPr>
+              <a:t>năng</a:t>
+            </a:r>
+            <a:r>
+              <a:rPr lang="en-US" sz="3200" dirty="0">
+                <a:solidFill>
+                  <a:schemeClr val="tx2"/>
+                </a:solidFill>
+                <a:latin typeface="Times New Roman" panose="02020603050405020304" charset="0"/>
+                <a:ea typeface="Times New Roman" panose="02020603050405020304"/>
+                <a:cs typeface="Times New Roman" panose="02020603050405020304" charset="0"/>
+              </a:rPr>
+              <a:t> chi </a:t>
+            </a:r>
+            <a:r>
+              <a:rPr lang="en-US" sz="3200" dirty="0" err="1">
+                <a:solidFill>
+                  <a:schemeClr val="tx2"/>
+                </a:solidFill>
+                <a:latin typeface="Times New Roman" panose="02020603050405020304" charset="0"/>
+                <a:ea typeface="Times New Roman" panose="02020603050405020304"/>
+                <a:cs typeface="Times New Roman" panose="02020603050405020304" charset="0"/>
+              </a:rPr>
+              <a:t>trả</a:t>
+            </a:r>
+            <a:r>
+              <a:rPr lang="en-US" sz="3200" dirty="0">
+                <a:solidFill>
+                  <a:schemeClr val="tx2"/>
+                </a:solidFill>
+                <a:latin typeface="Times New Roman" panose="02020603050405020304" charset="0"/>
+                <a:ea typeface="Times New Roman" panose="02020603050405020304"/>
+                <a:cs typeface="Times New Roman" panose="02020603050405020304" charset="0"/>
+              </a:rPr>
+              <a:t> chi </a:t>
+            </a:r>
+            <a:r>
+              <a:rPr lang="en-US" sz="3200" dirty="0" err="1">
+                <a:solidFill>
+                  <a:schemeClr val="tx2"/>
+                </a:solidFill>
+                <a:latin typeface="Times New Roman" panose="02020603050405020304" charset="0"/>
+                <a:ea typeface="Times New Roman" panose="02020603050405020304"/>
+                <a:cs typeface="Times New Roman" panose="02020603050405020304" charset="0"/>
+              </a:rPr>
+              <a:t>phí</a:t>
+            </a:r>
+            <a:r>
+              <a:rPr lang="zh-CN" sz="3200" dirty="0">
+                <a:solidFill>
+                  <a:schemeClr val="tx2"/>
+                </a:solidFill>
+                <a:latin typeface="Times New Roman" panose="02020603050405020304" charset="0"/>
+                <a:ea typeface="Times New Roman" panose="02020603050405020304"/>
+                <a:cs typeface="Times New Roman" panose="02020603050405020304" charset="0"/>
+              </a:rPr>
               <a:t> khi sử dụng</a:t>
             </a:r>
             <a:r>
-              <a:rPr lang="en-US" sz="3200">
+              <a:rPr lang="en-US" sz="3200" dirty="0">
                 <a:solidFill>
                   <a:schemeClr val="tx2"/>
                 </a:solidFill>
@@ -8155,7 +10150,7 @@
               </a:spcAft>
             </a:pPr>
             <a:r>
-              <a:rPr lang="zh-CN" sz="3200" b="1">
+              <a:rPr lang="zh-CN" sz="3200" b="1" dirty="0">
                 <a:solidFill>
                   <a:schemeClr val="tx2">
                     <a:lumMod val="75000"/>
@@ -8168,7 +10163,7 @@
               <a:t>- </a:t>
             </a:r>
             <a:r>
-              <a:rPr lang="en-US" sz="3200" b="1">
+              <a:rPr lang="en-US" sz="3200" b="1" dirty="0" err="1">
                 <a:solidFill>
                   <a:schemeClr val="tx2">
                     <a:lumMod val="75000"/>
@@ -8178,10 +10173,10 @@
                 <a:ea typeface="Times New Roman" panose="02020603050405020304"/>
                 <a:cs typeface="Times New Roman" panose="02020603050405020304" charset="0"/>
               </a:rPr>
-              <a:t>Giải pháp</a:t>
-            </a:r>
-            <a:r>
-              <a:rPr lang="zh-CN" sz="3200" b="1">
+              <a:t>Giải</a:t>
+            </a:r>
+            <a:r>
+              <a:rPr lang="en-US" sz="3200" b="1" dirty="0">
                 <a:solidFill>
                   <a:schemeClr val="tx2">
                     <a:lumMod val="75000"/>
@@ -8191,10 +10186,10 @@
                 <a:ea typeface="Times New Roman" panose="02020603050405020304"/>
                 <a:cs typeface="Times New Roman" panose="02020603050405020304" charset="0"/>
               </a:rPr>
-              <a:t> thu thập dữ liệu qua</a:t>
-            </a:r>
-            <a:r>
-              <a:rPr lang="en-US" sz="3200" b="1">
+              <a:t> </a:t>
+            </a:r>
+            <a:r>
+              <a:rPr lang="en-US" sz="3200" b="1" dirty="0" err="1">
                 <a:solidFill>
                   <a:schemeClr val="tx2">
                     <a:lumMod val="75000"/>
@@ -8204,10 +10199,10 @@
                 <a:ea typeface="Times New Roman" panose="02020603050405020304"/>
                 <a:cs typeface="Times New Roman" panose="02020603050405020304" charset="0"/>
               </a:rPr>
-              <a:t>việc</a:t>
-            </a:r>
-            <a:r>
-              <a:rPr lang="zh-CN" sz="3200" b="1">
+              <a:t>pháp</a:t>
+            </a:r>
+            <a:r>
+              <a:rPr lang="zh-CN" sz="3200" b="1" dirty="0">
                 <a:solidFill>
                   <a:schemeClr val="tx2">
                     <a:lumMod val="75000"/>
@@ -8217,10 +10212,36 @@
                 <a:ea typeface="Times New Roman" panose="02020603050405020304"/>
                 <a:cs typeface="Times New Roman" panose="02020603050405020304" charset="0"/>
               </a:rPr>
+              <a:t> thu thập dữ liệu qua</a:t>
+            </a:r>
+            <a:r>
+              <a:rPr lang="en-US" sz="3200" b="1" dirty="0" err="1">
+                <a:solidFill>
+                  <a:schemeClr val="tx2">
+                    <a:lumMod val="75000"/>
+                  </a:schemeClr>
+                </a:solidFill>
+                <a:latin typeface="Times New Roman" panose="02020603050405020304" charset="0"/>
+                <a:ea typeface="Times New Roman" panose="02020603050405020304"/>
+                <a:cs typeface="Times New Roman" panose="02020603050405020304" charset="0"/>
+              </a:rPr>
+              <a:t>việc</a:t>
+            </a:r>
+            <a:r>
+              <a:rPr lang="zh-CN" sz="3200" b="1" dirty="0">
+                <a:solidFill>
+                  <a:schemeClr val="tx2">
+                    <a:lumMod val="75000"/>
+                  </a:schemeClr>
+                </a:solidFill>
+                <a:latin typeface="Times New Roman" panose="02020603050405020304" charset="0"/>
+                <a:ea typeface="Times New Roman" panose="02020603050405020304"/>
+                <a:cs typeface="Times New Roman" panose="02020603050405020304" charset="0"/>
+              </a:rPr>
               <a:t> bán hàng:</a:t>
             </a:r>
             <a:r>
-              <a:rPr lang="zh-CN" sz="3200" b="1">
+              <a:rPr lang="zh-CN" sz="3200" b="1" dirty="0">
                 <a:latin typeface="Times New Roman" panose="02020603050405020304" charset="0"/>
                 <a:ea typeface="Times New Roman" panose="02020603050405020304"/>
                 <a:cs typeface="Times New Roman" panose="02020603050405020304" charset="0"/>
@@ -8228,7 +10249,7 @@
               <a:t> </a:t>
             </a:r>
             <a:r>
-              <a:rPr lang="en-US" sz="3200">
+              <a:rPr lang="en-US" sz="3200" dirty="0" err="1">
                 <a:solidFill>
                   <a:schemeClr val="tx2"/>
                 </a:solidFill>
@@ -8236,10 +10257,10 @@
                 <a:ea typeface="Times New Roman" panose="02020603050405020304"/>
                 <a:cs typeface="Times New Roman" panose="02020603050405020304" charset="0"/>
               </a:rPr>
-              <a:t>giải pháp hữu ích cho</a:t>
-            </a:r>
-            <a:r>
-              <a:rPr lang="zh-CN" sz="3200">
+              <a:t>giải</a:t>
+            </a:r>
+            <a:r>
+              <a:rPr lang="en-US" sz="3200" dirty="0">
                 <a:solidFill>
                   <a:schemeClr val="tx2"/>
                 </a:solidFill>
@@ -8247,10 +10268,98 @@
                 <a:ea typeface="Times New Roman" panose="02020603050405020304"/>
                 <a:cs typeface="Times New Roman" panose="02020603050405020304" charset="0"/>
               </a:rPr>
+              <a:t> </a:t>
+            </a:r>
+            <a:r>
+              <a:rPr lang="en-US" sz="3200" dirty="0" err="1">
+                <a:solidFill>
+                  <a:schemeClr val="tx2"/>
+                </a:solidFill>
+                <a:latin typeface="Times New Roman" panose="02020603050405020304" charset="0"/>
+                <a:ea typeface="Times New Roman" panose="02020603050405020304"/>
+                <a:cs typeface="Times New Roman" panose="02020603050405020304" charset="0"/>
+              </a:rPr>
+              <a:t>pháp</a:t>
+            </a:r>
+            <a:r>
+              <a:rPr lang="en-US" sz="3200" dirty="0">
+                <a:solidFill>
+                  <a:schemeClr val="tx2"/>
+                </a:solidFill>
+                <a:latin typeface="Times New Roman" panose="02020603050405020304" charset="0"/>
+                <a:ea typeface="Times New Roman" panose="02020603050405020304"/>
+                <a:cs typeface="Times New Roman" panose="02020603050405020304" charset="0"/>
+              </a:rPr>
+              <a:t> </a:t>
+            </a:r>
+            <a:r>
+              <a:rPr lang="en-US" sz="3200" dirty="0" err="1">
+                <a:solidFill>
+                  <a:schemeClr val="tx2"/>
+                </a:solidFill>
+                <a:latin typeface="Times New Roman" panose="02020603050405020304" charset="0"/>
+                <a:ea typeface="Times New Roman" panose="02020603050405020304"/>
+                <a:cs typeface="Times New Roman" panose="02020603050405020304" charset="0"/>
+              </a:rPr>
+              <a:t>hữu</a:t>
+            </a:r>
+            <a:r>
+              <a:rPr lang="en-US" sz="3200" dirty="0">
+                <a:solidFill>
+                  <a:schemeClr val="tx2"/>
+                </a:solidFill>
+                <a:latin typeface="Times New Roman" panose="02020603050405020304" charset="0"/>
+                <a:ea typeface="Times New Roman" panose="02020603050405020304"/>
+                <a:cs typeface="Times New Roman" panose="02020603050405020304" charset="0"/>
+              </a:rPr>
+              <a:t> </a:t>
+            </a:r>
+            <a:r>
+              <a:rPr lang="en-US" sz="3200" dirty="0" err="1">
+                <a:solidFill>
+                  <a:schemeClr val="tx2"/>
+                </a:solidFill>
+                <a:latin typeface="Times New Roman" panose="02020603050405020304" charset="0"/>
+                <a:ea typeface="Times New Roman" panose="02020603050405020304"/>
+                <a:cs typeface="Times New Roman" panose="02020603050405020304" charset="0"/>
+              </a:rPr>
+              <a:t>ích</a:t>
+            </a:r>
+            <a:r>
+              <a:rPr lang="en-US" sz="3200" dirty="0">
+                <a:solidFill>
+                  <a:schemeClr val="tx2"/>
+                </a:solidFill>
+                <a:latin typeface="Times New Roman" panose="02020603050405020304" charset="0"/>
+                <a:ea typeface="Times New Roman" panose="02020603050405020304"/>
+                <a:cs typeface="Times New Roman" panose="02020603050405020304" charset="0"/>
+              </a:rPr>
+              <a:t> </a:t>
+            </a:r>
+            <a:r>
+              <a:rPr lang="en-US" sz="3200" dirty="0" err="1">
+                <a:solidFill>
+                  <a:schemeClr val="tx2"/>
+                </a:solidFill>
+                <a:latin typeface="Times New Roman" panose="02020603050405020304" charset="0"/>
+                <a:ea typeface="Times New Roman" panose="02020603050405020304"/>
+                <a:cs typeface="Times New Roman" panose="02020603050405020304" charset="0"/>
+              </a:rPr>
+              <a:t>cho</a:t>
+            </a:r>
+            <a:r>
+              <a:rPr lang="zh-CN" sz="3200" dirty="0">
+                <a:solidFill>
+                  <a:schemeClr val="tx2"/>
+                </a:solidFill>
+                <a:latin typeface="Times New Roman" panose="02020603050405020304" charset="0"/>
+                <a:ea typeface="Times New Roman" panose="02020603050405020304"/>
+                <a:cs typeface="Times New Roman" panose="02020603050405020304" charset="0"/>
+              </a:rPr>
               <a:t> việc</a:t>
             </a:r>
             <a:r>
-              <a:rPr lang="en-US" sz="3200">
+              <a:rPr lang="en-US" sz="3200" dirty="0">
                 <a:solidFill>
                   <a:schemeClr val="tx2"/>
                 </a:solidFill>
@@ -8258,10 +10367,10 @@
                 <a:ea typeface="Times New Roman" panose="02020603050405020304"/>
                 <a:cs typeface="Times New Roman" panose="02020603050405020304" charset="0"/>
               </a:rPr>
-              <a:t> theo dõi hiệu quả sản phẩm và chiến lược marketing, nhưng tính</a:t>
-            </a:r>
-            <a:r>
-              <a:rPr lang="zh-CN" sz="3200">
+              <a:t> </a:t>
+            </a:r>
+            <a:r>
+              <a:rPr lang="en-US" sz="3200" dirty="0" err="1">
                 <a:solidFill>
                   <a:schemeClr val="tx2"/>
                 </a:solidFill>
@@ -8269,10 +10378,241 @@
                 <a:ea typeface="Times New Roman" panose="02020603050405020304"/>
                 <a:cs typeface="Times New Roman" panose="02020603050405020304" charset="0"/>
               </a:rPr>
+              <a:t>theo</a:t>
+            </a:r>
+            <a:r>
+              <a:rPr lang="en-US" sz="3200" dirty="0">
+                <a:solidFill>
+                  <a:schemeClr val="tx2"/>
+                </a:solidFill>
+                <a:latin typeface="Times New Roman" panose="02020603050405020304" charset="0"/>
+                <a:ea typeface="Times New Roman" panose="02020603050405020304"/>
+                <a:cs typeface="Times New Roman" panose="02020603050405020304" charset="0"/>
+              </a:rPr>
+              <a:t> </a:t>
+            </a:r>
+            <a:r>
+              <a:rPr lang="en-US" sz="3200" dirty="0" err="1">
+                <a:solidFill>
+                  <a:schemeClr val="tx2"/>
+                </a:solidFill>
+                <a:latin typeface="Times New Roman" panose="02020603050405020304" charset="0"/>
+                <a:ea typeface="Times New Roman" panose="02020603050405020304"/>
+                <a:cs typeface="Times New Roman" panose="02020603050405020304" charset="0"/>
+              </a:rPr>
+              <a:t>dõi</a:t>
+            </a:r>
+            <a:r>
+              <a:rPr lang="en-US" sz="3200" dirty="0">
+                <a:solidFill>
+                  <a:schemeClr val="tx2"/>
+                </a:solidFill>
+                <a:latin typeface="Times New Roman" panose="02020603050405020304" charset="0"/>
+                <a:ea typeface="Times New Roman" panose="02020603050405020304"/>
+                <a:cs typeface="Times New Roman" panose="02020603050405020304" charset="0"/>
+              </a:rPr>
+              <a:t> </a:t>
+            </a:r>
+            <a:r>
+              <a:rPr lang="en-US" sz="3200" dirty="0" err="1">
+                <a:solidFill>
+                  <a:schemeClr val="tx2"/>
+                </a:solidFill>
+                <a:latin typeface="Times New Roman" panose="02020603050405020304" charset="0"/>
+                <a:ea typeface="Times New Roman" panose="02020603050405020304"/>
+                <a:cs typeface="Times New Roman" panose="02020603050405020304" charset="0"/>
+              </a:rPr>
+              <a:t>hiệu</a:t>
+            </a:r>
+            <a:r>
+              <a:rPr lang="en-US" sz="3200" dirty="0">
+                <a:solidFill>
+                  <a:schemeClr val="tx2"/>
+                </a:solidFill>
+                <a:latin typeface="Times New Roman" panose="02020603050405020304" charset="0"/>
+                <a:ea typeface="Times New Roman" panose="02020603050405020304"/>
+                <a:cs typeface="Times New Roman" panose="02020603050405020304" charset="0"/>
+              </a:rPr>
+              <a:t> </a:t>
+            </a:r>
+            <a:r>
+              <a:rPr lang="en-US" sz="3200" dirty="0" err="1">
+                <a:solidFill>
+                  <a:schemeClr val="tx2"/>
+                </a:solidFill>
+                <a:latin typeface="Times New Roman" panose="02020603050405020304" charset="0"/>
+                <a:ea typeface="Times New Roman" panose="02020603050405020304"/>
+                <a:cs typeface="Times New Roman" panose="02020603050405020304" charset="0"/>
+              </a:rPr>
+              <a:t>quả</a:t>
+            </a:r>
+            <a:r>
+              <a:rPr lang="en-US" sz="3200" dirty="0">
+                <a:solidFill>
+                  <a:schemeClr val="tx2"/>
+                </a:solidFill>
+                <a:latin typeface="Times New Roman" panose="02020603050405020304" charset="0"/>
+                <a:ea typeface="Times New Roman" panose="02020603050405020304"/>
+                <a:cs typeface="Times New Roman" panose="02020603050405020304" charset="0"/>
+              </a:rPr>
+              <a:t> </a:t>
+            </a:r>
+            <a:r>
+              <a:rPr lang="en-US" sz="3200" dirty="0" err="1">
+                <a:solidFill>
+                  <a:schemeClr val="tx2"/>
+                </a:solidFill>
+                <a:latin typeface="Times New Roman" panose="02020603050405020304" charset="0"/>
+                <a:ea typeface="Times New Roman" panose="02020603050405020304"/>
+                <a:cs typeface="Times New Roman" panose="02020603050405020304" charset="0"/>
+              </a:rPr>
+              <a:t>sản</a:t>
+            </a:r>
+            <a:r>
+              <a:rPr lang="en-US" sz="3200" dirty="0">
+                <a:solidFill>
+                  <a:schemeClr val="tx2"/>
+                </a:solidFill>
+                <a:latin typeface="Times New Roman" panose="02020603050405020304" charset="0"/>
+                <a:ea typeface="Times New Roman" panose="02020603050405020304"/>
+                <a:cs typeface="Times New Roman" panose="02020603050405020304" charset="0"/>
+              </a:rPr>
+              <a:t> </a:t>
+            </a:r>
+            <a:r>
+              <a:rPr lang="en-US" sz="3200" dirty="0" err="1">
+                <a:solidFill>
+                  <a:schemeClr val="tx2"/>
+                </a:solidFill>
+                <a:latin typeface="Times New Roman" panose="02020603050405020304" charset="0"/>
+                <a:ea typeface="Times New Roman" panose="02020603050405020304"/>
+                <a:cs typeface="Times New Roman" panose="02020603050405020304" charset="0"/>
+              </a:rPr>
+              <a:t>phẩm</a:t>
+            </a:r>
+            <a:r>
+              <a:rPr lang="en-US" sz="3200" dirty="0">
+                <a:solidFill>
+                  <a:schemeClr val="tx2"/>
+                </a:solidFill>
+                <a:latin typeface="Times New Roman" panose="02020603050405020304" charset="0"/>
+                <a:ea typeface="Times New Roman" panose="02020603050405020304"/>
+                <a:cs typeface="Times New Roman" panose="02020603050405020304" charset="0"/>
+              </a:rPr>
+              <a:t> </a:t>
+            </a:r>
+            <a:r>
+              <a:rPr lang="en-US" sz="3200" dirty="0" err="1">
+                <a:solidFill>
+                  <a:schemeClr val="tx2"/>
+                </a:solidFill>
+                <a:latin typeface="Times New Roman" panose="02020603050405020304" charset="0"/>
+                <a:ea typeface="Times New Roman" panose="02020603050405020304"/>
+                <a:cs typeface="Times New Roman" panose="02020603050405020304" charset="0"/>
+              </a:rPr>
+              <a:t>và</a:t>
+            </a:r>
+            <a:r>
+              <a:rPr lang="en-US" sz="3200" dirty="0">
+                <a:solidFill>
+                  <a:schemeClr val="tx2"/>
+                </a:solidFill>
+                <a:latin typeface="Times New Roman" panose="02020603050405020304" charset="0"/>
+                <a:ea typeface="Times New Roman" panose="02020603050405020304"/>
+                <a:cs typeface="Times New Roman" panose="02020603050405020304" charset="0"/>
+              </a:rPr>
+              <a:t> </a:t>
+            </a:r>
+            <a:r>
+              <a:rPr lang="en-US" sz="3200" dirty="0" err="1">
+                <a:solidFill>
+                  <a:schemeClr val="tx2"/>
+                </a:solidFill>
+                <a:latin typeface="Times New Roman" panose="02020603050405020304" charset="0"/>
+                <a:ea typeface="Times New Roman" panose="02020603050405020304"/>
+                <a:cs typeface="Times New Roman" panose="02020603050405020304" charset="0"/>
+              </a:rPr>
+              <a:t>chiến</a:t>
+            </a:r>
+            <a:r>
+              <a:rPr lang="en-US" sz="3200" dirty="0">
+                <a:solidFill>
+                  <a:schemeClr val="tx2"/>
+                </a:solidFill>
+                <a:latin typeface="Times New Roman" panose="02020603050405020304" charset="0"/>
+                <a:ea typeface="Times New Roman" panose="02020603050405020304"/>
+                <a:cs typeface="Times New Roman" panose="02020603050405020304" charset="0"/>
+              </a:rPr>
+              <a:t> </a:t>
+            </a:r>
+            <a:r>
+              <a:rPr lang="en-US" sz="3200" dirty="0" err="1">
+                <a:solidFill>
+                  <a:schemeClr val="tx2"/>
+                </a:solidFill>
+                <a:latin typeface="Times New Roman" panose="02020603050405020304" charset="0"/>
+                <a:ea typeface="Times New Roman" panose="02020603050405020304"/>
+                <a:cs typeface="Times New Roman" panose="02020603050405020304" charset="0"/>
+              </a:rPr>
+              <a:t>lược</a:t>
+            </a:r>
+            <a:r>
+              <a:rPr lang="en-US" sz="3200" dirty="0">
+                <a:solidFill>
+                  <a:schemeClr val="tx2"/>
+                </a:solidFill>
+                <a:latin typeface="Times New Roman" panose="02020603050405020304" charset="0"/>
+                <a:ea typeface="Times New Roman" panose="02020603050405020304"/>
+                <a:cs typeface="Times New Roman" panose="02020603050405020304" charset="0"/>
+              </a:rPr>
+              <a:t> marketing, </a:t>
+            </a:r>
+            <a:r>
+              <a:rPr lang="en-US" sz="3200" dirty="0" err="1">
+                <a:solidFill>
+                  <a:schemeClr val="tx2"/>
+                </a:solidFill>
+                <a:latin typeface="Times New Roman" panose="02020603050405020304" charset="0"/>
+                <a:ea typeface="Times New Roman" panose="02020603050405020304"/>
+                <a:cs typeface="Times New Roman" panose="02020603050405020304" charset="0"/>
+              </a:rPr>
+              <a:t>nhưng</a:t>
+            </a:r>
+            <a:r>
+              <a:rPr lang="en-US" sz="3200" dirty="0">
+                <a:solidFill>
+                  <a:schemeClr val="tx2"/>
+                </a:solidFill>
+                <a:latin typeface="Times New Roman" panose="02020603050405020304" charset="0"/>
+                <a:ea typeface="Times New Roman" panose="02020603050405020304"/>
+                <a:cs typeface="Times New Roman" panose="02020603050405020304" charset="0"/>
+              </a:rPr>
+              <a:t> </a:t>
+            </a:r>
+            <a:r>
+              <a:rPr lang="en-US" sz="3200" dirty="0" err="1">
+                <a:solidFill>
+                  <a:schemeClr val="tx2"/>
+                </a:solidFill>
+                <a:latin typeface="Times New Roman" panose="02020603050405020304" charset="0"/>
+                <a:ea typeface="Times New Roman" panose="02020603050405020304"/>
+                <a:cs typeface="Times New Roman" panose="02020603050405020304" charset="0"/>
+              </a:rPr>
+              <a:t>tính</a:t>
+            </a:r>
+            <a:r>
+              <a:rPr lang="zh-CN" sz="3200" dirty="0">
+                <a:solidFill>
+                  <a:schemeClr val="tx2"/>
+                </a:solidFill>
+                <a:latin typeface="Times New Roman" panose="02020603050405020304" charset="0"/>
+                <a:ea typeface="Times New Roman" panose="02020603050405020304"/>
+                <a:cs typeface="Times New Roman" panose="02020603050405020304" charset="0"/>
+              </a:rPr>
               <a:t> khả thi không cao khi chỉ lấy được dữ liệu của một cửa hàng và yêu cầu sản phẩm phải được bán ra và được khách hàng đánh giá</a:t>
             </a:r>
             <a:r>
-              <a:rPr lang="en-US" sz="3200">
+              <a:rPr lang="en-US" sz="3200" dirty="0">
                 <a:solidFill>
                   <a:schemeClr val="tx2"/>
                 </a:solidFill>
@@ -8282,7 +10622,7 @@
               </a:rPr>
               <a:t>.</a:t>
             </a:r>
-            <a:endParaRPr lang="en-US" sz="3200">
+            <a:endParaRPr lang="en-US" sz="3200" dirty="0">
               <a:latin typeface="Times New Roman" panose="02020603050405020304" charset="0"/>
               <a:ea typeface="Times New Roman" panose="02020603050405020304"/>
               <a:cs typeface="Times New Roman" panose="02020603050405020304" charset="0"/>
@@ -8301,7 +10641,7 @@
               </a:spcAft>
             </a:pPr>
             <a:r>
-              <a:rPr lang="zh-CN" sz="3200" b="1">
+              <a:rPr lang="zh-CN" sz="3200" b="1" dirty="0">
                 <a:solidFill>
                   <a:schemeClr val="tx2">
                     <a:lumMod val="75000"/>
@@ -8314,7 +10654,7 @@
               <a:t>- Giải pháp thu thập dữ liệu thông qua việc hợp tác với các cửa hàng:</a:t>
             </a:r>
             <a:r>
-              <a:rPr lang="zh-CN" sz="3200" b="1">
+              <a:rPr lang="zh-CN" sz="3200" b="1" dirty="0">
                 <a:latin typeface="Times New Roman" panose="02020603050405020304" charset="0"/>
                 <a:ea typeface="Times New Roman" panose="02020603050405020304"/>
                 <a:cs typeface="Times New Roman" panose="02020603050405020304" charset="0"/>
@@ -8322,7 +10662,7 @@
               <a:t> </a:t>
             </a:r>
             <a:r>
-              <a:rPr lang="zh-CN" sz="3200">
+              <a:rPr lang="zh-CN" sz="3200" dirty="0">
                 <a:solidFill>
                   <a:schemeClr val="tx2"/>
                 </a:solidFill>
@@ -8343,7 +10683,7 @@
         </p:nvSpPr>
         <p:spPr>
           <a:xfrm>
-            <a:off x="4059756" y="514350"/>
+            <a:off x="4059756" y="419100"/>
             <a:ext cx="10168489" cy="1292225"/>
           </a:xfrm>
           <a:prstGeom prst="rect">
@@ -8365,7 +10705,7 @@
               </a:spcBef>
             </a:pPr>
             <a:r>
-              <a:rPr lang="vi-VN" altLang="en-US" sz="7200" b="1" i="1">
+              <a:rPr lang="vi-VN" altLang="en-US" sz="7200" b="1" i="1" dirty="0">
                 <a:solidFill>
                   <a:srgbClr val="2D3880"/>
                 </a:solidFill>
@@ -8482,6 +10822,54 @@
             </a:stretch>
           </a:blipFill>
         </p:spPr>
+      </p:sp>
+      <p:sp>
+        <p:nvSpPr>
+          <p:cNvPr id="5" name="Rectangle: Rounded Corners 4">
+            <a:extLst>
+              <a:ext uri="{FF2B5EF4-FFF2-40B4-BE49-F238E27FC236}">
+                <a16:creationId xmlns:a16="http://schemas.microsoft.com/office/drawing/2014/main" id="{BCFFD030-1875-1A95-69AA-DD81E394A4E0}"/>
+              </a:ext>
+            </a:extLst>
+          </p:cNvPr>
+          <p:cNvSpPr/>
+          <p:nvPr/>
+        </p:nvSpPr>
+        <p:spPr>
+          <a:xfrm>
+            <a:off x="8856980" y="9598660"/>
+            <a:ext cx="574040" cy="574040"/>
+          </a:xfrm>
+          <a:prstGeom prst="roundRect">
+            <a:avLst/>
+          </a:prstGeom>
+        </p:spPr>
+        <p:style>
+          <a:lnRef idx="2">
+            <a:schemeClr val="accent1"/>
+          </a:lnRef>
+          <a:fillRef idx="1">
+            <a:schemeClr val="lt1"/>
+          </a:fillRef>
+          <a:effectRef idx="0">
+            <a:schemeClr val="accent1"/>
+          </a:effectRef>
+          <a:fontRef idx="minor">
+            <a:schemeClr val="dk1"/>
+          </a:fontRef>
+        </p:style>
+        <p:txBody>
+          <a:bodyPr rtlCol="0" anchor="ctr"/>
+          <a:lstStyle/>
+          <a:p>
+            <a:pPr algn="ctr"/>
+            <a:r>
+              <a:rPr lang="vi-VN" dirty="0"/>
+              <a:t>14</a:t>
+            </a:r>
+            <a:endParaRPr lang="en-US" dirty="0"/>
+          </a:p>
+        </p:txBody>
       </p:sp>
     </p:spTree>
   </p:cSld>
@@ -8720,6 +11108,54 @@
           </a:p>
         </p:txBody>
       </p:sp>
+      <p:sp>
+        <p:nvSpPr>
+          <p:cNvPr id="9" name="Rectangle: Rounded Corners 8">
+            <a:extLst>
+              <a:ext uri="{FF2B5EF4-FFF2-40B4-BE49-F238E27FC236}">
+                <a16:creationId xmlns:a16="http://schemas.microsoft.com/office/drawing/2014/main" id="{1A43B417-D255-8DF4-B73D-BA47BD052040}"/>
+              </a:ext>
+            </a:extLst>
+          </p:cNvPr>
+          <p:cNvSpPr/>
+          <p:nvPr/>
+        </p:nvSpPr>
+        <p:spPr>
+          <a:xfrm>
+            <a:off x="8856980" y="9598660"/>
+            <a:ext cx="574040" cy="574040"/>
+          </a:xfrm>
+          <a:prstGeom prst="roundRect">
+            <a:avLst/>
+          </a:prstGeom>
+        </p:spPr>
+        <p:style>
+          <a:lnRef idx="2">
+            <a:schemeClr val="accent1"/>
+          </a:lnRef>
+          <a:fillRef idx="1">
+            <a:schemeClr val="lt1"/>
+          </a:fillRef>
+          <a:effectRef idx="0">
+            <a:schemeClr val="accent1"/>
+          </a:effectRef>
+          <a:fontRef idx="minor">
+            <a:schemeClr val="dk1"/>
+          </a:fontRef>
+        </p:style>
+        <p:txBody>
+          <a:bodyPr rtlCol="0" anchor="ctr"/>
+          <a:lstStyle/>
+          <a:p>
+            <a:pPr algn="ctr"/>
+            <a:r>
+              <a:rPr lang="vi-VN" dirty="0"/>
+              <a:t>15</a:t>
+            </a:r>
+            <a:endParaRPr lang="en-US" dirty="0"/>
+          </a:p>
+        </p:txBody>
+      </p:sp>
     </p:spTree>
   </p:cSld>
   <p:clrMapOvr>
@@ -8901,6 +11337,54 @@
             </a:stretch>
           </a:blipFill>
         </p:spPr>
+      </p:sp>
+      <p:sp>
+        <p:nvSpPr>
+          <p:cNvPr id="8" name="Rectangle: Rounded Corners 7">
+            <a:extLst>
+              <a:ext uri="{FF2B5EF4-FFF2-40B4-BE49-F238E27FC236}">
+                <a16:creationId xmlns:a16="http://schemas.microsoft.com/office/drawing/2014/main" id="{883A8611-E8B6-B868-E5F0-B65AFCC0E55C}"/>
+              </a:ext>
+            </a:extLst>
+          </p:cNvPr>
+          <p:cNvSpPr/>
+          <p:nvPr/>
+        </p:nvSpPr>
+        <p:spPr>
+          <a:xfrm>
+            <a:off x="8856980" y="9598660"/>
+            <a:ext cx="574040" cy="574040"/>
+          </a:xfrm>
+          <a:prstGeom prst="roundRect">
+            <a:avLst/>
+          </a:prstGeom>
+        </p:spPr>
+        <p:style>
+          <a:lnRef idx="2">
+            <a:schemeClr val="accent1"/>
+          </a:lnRef>
+          <a:fillRef idx="1">
+            <a:schemeClr val="lt1"/>
+          </a:fillRef>
+          <a:effectRef idx="0">
+            <a:schemeClr val="accent1"/>
+          </a:effectRef>
+          <a:fontRef idx="minor">
+            <a:schemeClr val="dk1"/>
+          </a:fontRef>
+        </p:style>
+        <p:txBody>
+          <a:bodyPr rtlCol="0" anchor="ctr"/>
+          <a:lstStyle/>
+          <a:p>
+            <a:pPr algn="ctr"/>
+            <a:r>
+              <a:rPr lang="vi-VN" dirty="0"/>
+              <a:t>16</a:t>
+            </a:r>
+            <a:endParaRPr lang="en-US" dirty="0"/>
+          </a:p>
+        </p:txBody>
       </p:sp>
     </p:spTree>
   </p:cSld>
@@ -10370,6 +12854,54 @@
           </a:p>
         </p:txBody>
       </p:sp>
+      <p:sp>
+        <p:nvSpPr>
+          <p:cNvPr id="43" name="Rectangle: Rounded Corners 42">
+            <a:extLst>
+              <a:ext uri="{FF2B5EF4-FFF2-40B4-BE49-F238E27FC236}">
+                <a16:creationId xmlns:a16="http://schemas.microsoft.com/office/drawing/2014/main" id="{1C8E6BAE-6DF4-42E2-592C-4DC5BD752D97}"/>
+              </a:ext>
+            </a:extLst>
+          </p:cNvPr>
+          <p:cNvSpPr/>
+          <p:nvPr/>
+        </p:nvSpPr>
+        <p:spPr>
+          <a:xfrm>
+            <a:off x="8874760" y="9598660"/>
+            <a:ext cx="574040" cy="574040"/>
+          </a:xfrm>
+          <a:prstGeom prst="roundRect">
+            <a:avLst/>
+          </a:prstGeom>
+        </p:spPr>
+        <p:style>
+          <a:lnRef idx="2">
+            <a:schemeClr val="accent1"/>
+          </a:lnRef>
+          <a:fillRef idx="1">
+            <a:schemeClr val="lt1"/>
+          </a:fillRef>
+          <a:effectRef idx="0">
+            <a:schemeClr val="accent1"/>
+          </a:effectRef>
+          <a:fontRef idx="minor">
+            <a:schemeClr val="dk1"/>
+          </a:fontRef>
+        </p:style>
+        <p:txBody>
+          <a:bodyPr rtlCol="0" anchor="ctr"/>
+          <a:lstStyle/>
+          <a:p>
+            <a:pPr algn="ctr"/>
+            <a:r>
+              <a:rPr lang="vi-VN" dirty="0"/>
+              <a:t>2</a:t>
+            </a:r>
+            <a:endParaRPr lang="en-US" dirty="0"/>
+          </a:p>
+        </p:txBody>
+      </p:sp>
     </p:spTree>
   </p:cSld>
   <p:clrMapOvr>
@@ -10608,6 +13140,54 @@
           </a:blipFill>
         </p:spPr>
       </p:sp>
+      <p:sp>
+        <p:nvSpPr>
+          <p:cNvPr id="11" name="Rectangle: Rounded Corners 10">
+            <a:extLst>
+              <a:ext uri="{FF2B5EF4-FFF2-40B4-BE49-F238E27FC236}">
+                <a16:creationId xmlns:a16="http://schemas.microsoft.com/office/drawing/2014/main" id="{0D0CD10B-A991-2641-9120-90ED0B703C83}"/>
+              </a:ext>
+            </a:extLst>
+          </p:cNvPr>
+          <p:cNvSpPr/>
+          <p:nvPr/>
+        </p:nvSpPr>
+        <p:spPr>
+          <a:xfrm>
+            <a:off x="8856980" y="9598660"/>
+            <a:ext cx="574040" cy="574040"/>
+          </a:xfrm>
+          <a:prstGeom prst="roundRect">
+            <a:avLst/>
+          </a:prstGeom>
+        </p:spPr>
+        <p:style>
+          <a:lnRef idx="2">
+            <a:schemeClr val="accent1"/>
+          </a:lnRef>
+          <a:fillRef idx="1">
+            <a:schemeClr val="lt1"/>
+          </a:fillRef>
+          <a:effectRef idx="0">
+            <a:schemeClr val="accent1"/>
+          </a:effectRef>
+          <a:fontRef idx="minor">
+            <a:schemeClr val="dk1"/>
+          </a:fontRef>
+        </p:style>
+        <p:txBody>
+          <a:bodyPr rtlCol="0" anchor="ctr"/>
+          <a:lstStyle/>
+          <a:p>
+            <a:pPr algn="ctr"/>
+            <a:r>
+              <a:rPr lang="vi-VN" dirty="0"/>
+              <a:t>3</a:t>
+            </a:r>
+            <a:endParaRPr lang="en-US" dirty="0"/>
+          </a:p>
+        </p:txBody>
+      </p:sp>
     </p:spTree>
   </p:cSld>
   <p:clrMapOvr>
@@ -10809,6 +13389,54 @@
           </a:prstGeom>
         </p:spPr>
       </p:pic>
+      <p:sp>
+        <p:nvSpPr>
+          <p:cNvPr id="5" name="Rectangle: Rounded Corners 4">
+            <a:extLst>
+              <a:ext uri="{FF2B5EF4-FFF2-40B4-BE49-F238E27FC236}">
+                <a16:creationId xmlns:a16="http://schemas.microsoft.com/office/drawing/2014/main" id="{49E214F5-F691-645A-AFF0-FD510C77D035}"/>
+              </a:ext>
+            </a:extLst>
+          </p:cNvPr>
+          <p:cNvSpPr/>
+          <p:nvPr/>
+        </p:nvSpPr>
+        <p:spPr>
+          <a:xfrm>
+            <a:off x="8856980" y="9598660"/>
+            <a:ext cx="574040" cy="574040"/>
+          </a:xfrm>
+          <a:prstGeom prst="roundRect">
+            <a:avLst/>
+          </a:prstGeom>
+        </p:spPr>
+        <p:style>
+          <a:lnRef idx="2">
+            <a:schemeClr val="accent1"/>
+          </a:lnRef>
+          <a:fillRef idx="1">
+            <a:schemeClr val="lt1"/>
+          </a:fillRef>
+          <a:effectRef idx="0">
+            <a:schemeClr val="accent1"/>
+          </a:effectRef>
+          <a:fontRef idx="minor">
+            <a:schemeClr val="dk1"/>
+          </a:fontRef>
+        </p:style>
+        <p:txBody>
+          <a:bodyPr rtlCol="0" anchor="ctr"/>
+          <a:lstStyle/>
+          <a:p>
+            <a:pPr algn="ctr"/>
+            <a:r>
+              <a:rPr lang="vi-VN" dirty="0"/>
+              <a:t>4</a:t>
+            </a:r>
+            <a:endParaRPr lang="en-US" dirty="0"/>
+          </a:p>
+        </p:txBody>
+      </p:sp>
     </p:spTree>
   </p:cSld>
   <p:clrMapOvr>
@@ -10951,7 +13579,7 @@
         <p:spPr>
           <a:xfrm>
             <a:off x="897890" y="2956560"/>
-            <a:ext cx="7251700" cy="5062855"/>
+            <a:ext cx="7179310" cy="5062855"/>
           </a:xfrm>
           <a:prstGeom prst="rect">
             <a:avLst/>
@@ -10971,7 +13599,7 @@
               <a:buChar char="•"/>
             </a:pPr>
             <a:r>
-              <a:rPr lang="en-US" sz="4700">
+              <a:rPr lang="en-US" sz="4700" dirty="0" err="1">
                 <a:solidFill>
                   <a:srgbClr val="2D3880"/>
                 </a:solidFill>
@@ -10980,8 +13608,257 @@
                 <a:cs typeface="Times New Roman" panose="02020603050405020304" charset="0"/>
                 <a:sym typeface="Glacial Indifference"/>
               </a:rPr>
-              <a:t>Hiểu rõ về API và các giải pháp thu thập dữ liệu</a:t>
-            </a:r>
+              <a:t>Hiểu</a:t>
+            </a:r>
+            <a:r>
+              <a:rPr lang="en-US" sz="4700" dirty="0">
+                <a:solidFill>
+                  <a:srgbClr val="2D3880"/>
+                </a:solidFill>
+                <a:latin typeface="Times New Roman" panose="02020603050405020304" charset="0"/>
+                <a:ea typeface="Glacial Indifference"/>
+                <a:cs typeface="Times New Roman" panose="02020603050405020304" charset="0"/>
+                <a:sym typeface="Glacial Indifference"/>
+              </a:rPr>
+              <a:t> </a:t>
+            </a:r>
+            <a:r>
+              <a:rPr lang="en-US" sz="4700" dirty="0" err="1">
+                <a:solidFill>
+                  <a:srgbClr val="2D3880"/>
+                </a:solidFill>
+                <a:latin typeface="Times New Roman" panose="02020603050405020304" charset="0"/>
+                <a:ea typeface="Glacial Indifference"/>
+                <a:cs typeface="Times New Roman" panose="02020603050405020304" charset="0"/>
+                <a:sym typeface="Glacial Indifference"/>
+              </a:rPr>
+              <a:t>rõ</a:t>
+            </a:r>
+            <a:r>
+              <a:rPr lang="en-US" sz="4700" dirty="0">
+                <a:solidFill>
+                  <a:srgbClr val="2D3880"/>
+                </a:solidFill>
+                <a:latin typeface="Times New Roman" panose="02020603050405020304" charset="0"/>
+                <a:ea typeface="Glacial Indifference"/>
+                <a:cs typeface="Times New Roman" panose="02020603050405020304" charset="0"/>
+                <a:sym typeface="Glacial Indifference"/>
+              </a:rPr>
+              <a:t> </a:t>
+            </a:r>
+            <a:r>
+              <a:rPr lang="en-US" sz="4700" dirty="0" err="1">
+                <a:solidFill>
+                  <a:srgbClr val="2D3880"/>
+                </a:solidFill>
+                <a:latin typeface="Times New Roman" panose="02020603050405020304" charset="0"/>
+                <a:ea typeface="Glacial Indifference"/>
+                <a:cs typeface="Times New Roman" panose="02020603050405020304" charset="0"/>
+                <a:sym typeface="Glacial Indifference"/>
+              </a:rPr>
+              <a:t>về</a:t>
+            </a:r>
+            <a:r>
+              <a:rPr lang="en-US" sz="4700" dirty="0">
+                <a:solidFill>
+                  <a:srgbClr val="2D3880"/>
+                </a:solidFill>
+                <a:latin typeface="Times New Roman" panose="02020603050405020304" charset="0"/>
+                <a:ea typeface="Glacial Indifference"/>
+                <a:cs typeface="Times New Roman" panose="02020603050405020304" charset="0"/>
+                <a:sym typeface="Glacial Indifference"/>
+              </a:rPr>
+              <a:t> API </a:t>
+            </a:r>
+            <a:r>
+              <a:rPr lang="en-US" sz="4700" dirty="0" err="1">
+                <a:solidFill>
+                  <a:srgbClr val="2D3880"/>
+                </a:solidFill>
+                <a:latin typeface="Times New Roman" panose="02020603050405020304" charset="0"/>
+                <a:ea typeface="Glacial Indifference"/>
+                <a:cs typeface="Times New Roman" panose="02020603050405020304" charset="0"/>
+                <a:sym typeface="Glacial Indifference"/>
+              </a:rPr>
+              <a:t>và</a:t>
+            </a:r>
+            <a:r>
+              <a:rPr lang="en-US" sz="4700" dirty="0">
+                <a:solidFill>
+                  <a:srgbClr val="2D3880"/>
+                </a:solidFill>
+                <a:latin typeface="Times New Roman" panose="02020603050405020304" charset="0"/>
+                <a:ea typeface="Glacial Indifference"/>
+                <a:cs typeface="Times New Roman" panose="02020603050405020304" charset="0"/>
+                <a:sym typeface="Glacial Indifference"/>
+              </a:rPr>
+              <a:t> </a:t>
+            </a:r>
+            <a:r>
+              <a:rPr lang="en-US" sz="4700" dirty="0" err="1">
+                <a:solidFill>
+                  <a:srgbClr val="2D3880"/>
+                </a:solidFill>
+                <a:latin typeface="Times New Roman" panose="02020603050405020304" charset="0"/>
+                <a:ea typeface="Glacial Indifference"/>
+                <a:cs typeface="Times New Roman" panose="02020603050405020304" charset="0"/>
+                <a:sym typeface="Glacial Indifference"/>
+              </a:rPr>
+              <a:t>các</a:t>
+            </a:r>
+            <a:r>
+              <a:rPr lang="en-US" sz="4700" dirty="0">
+                <a:solidFill>
+                  <a:srgbClr val="2D3880"/>
+                </a:solidFill>
+                <a:latin typeface="Times New Roman" panose="02020603050405020304" charset="0"/>
+                <a:ea typeface="Glacial Indifference"/>
+                <a:cs typeface="Times New Roman" panose="02020603050405020304" charset="0"/>
+                <a:sym typeface="Glacial Indifference"/>
+              </a:rPr>
+              <a:t> </a:t>
+            </a:r>
+            <a:r>
+              <a:rPr lang="en-US" sz="4700" dirty="0" err="1">
+                <a:solidFill>
+                  <a:srgbClr val="2D3880"/>
+                </a:solidFill>
+                <a:latin typeface="Times New Roman" panose="02020603050405020304" charset="0"/>
+                <a:ea typeface="Glacial Indifference"/>
+                <a:cs typeface="Times New Roman" panose="02020603050405020304" charset="0"/>
+                <a:sym typeface="Glacial Indifference"/>
+              </a:rPr>
+              <a:t>giải</a:t>
+            </a:r>
+            <a:r>
+              <a:rPr lang="en-US" sz="4700" dirty="0">
+                <a:solidFill>
+                  <a:srgbClr val="2D3880"/>
+                </a:solidFill>
+                <a:latin typeface="Times New Roman" panose="02020603050405020304" charset="0"/>
+                <a:ea typeface="Glacial Indifference"/>
+                <a:cs typeface="Times New Roman" panose="02020603050405020304" charset="0"/>
+                <a:sym typeface="Glacial Indifference"/>
+              </a:rPr>
+              <a:t> </a:t>
+            </a:r>
+            <a:r>
+              <a:rPr lang="en-US" sz="4700" dirty="0" err="1">
+                <a:solidFill>
+                  <a:srgbClr val="2D3880"/>
+                </a:solidFill>
+                <a:latin typeface="Times New Roman" panose="02020603050405020304" charset="0"/>
+                <a:ea typeface="Glacial Indifference"/>
+                <a:cs typeface="Times New Roman" panose="02020603050405020304" charset="0"/>
+                <a:sym typeface="Glacial Indifference"/>
+              </a:rPr>
+              <a:t>pháp</a:t>
+            </a:r>
+            <a:r>
+              <a:rPr lang="en-US" sz="4700" dirty="0">
+                <a:solidFill>
+                  <a:srgbClr val="2D3880"/>
+                </a:solidFill>
+                <a:latin typeface="Times New Roman" panose="02020603050405020304" charset="0"/>
+                <a:ea typeface="Glacial Indifference"/>
+                <a:cs typeface="Times New Roman" panose="02020603050405020304" charset="0"/>
+                <a:sym typeface="Glacial Indifference"/>
+              </a:rPr>
+              <a:t> </a:t>
+            </a:r>
+            <a:r>
+              <a:rPr lang="en-US" sz="4700" dirty="0" err="1">
+                <a:solidFill>
+                  <a:srgbClr val="2D3880"/>
+                </a:solidFill>
+                <a:latin typeface="Times New Roman" panose="02020603050405020304" charset="0"/>
+                <a:ea typeface="Glacial Indifference"/>
+                <a:cs typeface="Times New Roman" panose="02020603050405020304" charset="0"/>
+                <a:sym typeface="Glacial Indifference"/>
+              </a:rPr>
+              <a:t>thu</a:t>
+            </a:r>
+            <a:r>
+              <a:rPr lang="en-US" sz="4700" dirty="0">
+                <a:solidFill>
+                  <a:srgbClr val="2D3880"/>
+                </a:solidFill>
+                <a:latin typeface="Times New Roman" panose="02020603050405020304" charset="0"/>
+                <a:ea typeface="Glacial Indifference"/>
+                <a:cs typeface="Times New Roman" panose="02020603050405020304" charset="0"/>
+                <a:sym typeface="Glacial Indifference"/>
+              </a:rPr>
+              <a:t> </a:t>
+            </a:r>
+            <a:r>
+              <a:rPr lang="en-US" sz="4700" dirty="0" err="1">
+                <a:solidFill>
+                  <a:srgbClr val="2D3880"/>
+                </a:solidFill>
+                <a:latin typeface="Times New Roman" panose="02020603050405020304" charset="0"/>
+                <a:ea typeface="Glacial Indifference"/>
+                <a:cs typeface="Times New Roman" panose="02020603050405020304" charset="0"/>
+                <a:sym typeface="Glacial Indifference"/>
+              </a:rPr>
+              <a:t>thập</a:t>
+            </a:r>
+            <a:r>
+              <a:rPr lang="en-US" sz="4700" dirty="0">
+                <a:solidFill>
+                  <a:srgbClr val="2D3880"/>
+                </a:solidFill>
+                <a:latin typeface="Times New Roman" panose="02020603050405020304" charset="0"/>
+                <a:ea typeface="Glacial Indifference"/>
+                <a:cs typeface="Times New Roman" panose="02020603050405020304" charset="0"/>
+                <a:sym typeface="Glacial Indifference"/>
+              </a:rPr>
+              <a:t> </a:t>
+            </a:r>
+            <a:r>
+              <a:rPr lang="en-US" sz="4700" dirty="0" err="1">
+                <a:solidFill>
+                  <a:srgbClr val="2D3880"/>
+                </a:solidFill>
+                <a:latin typeface="Times New Roman" panose="02020603050405020304" charset="0"/>
+                <a:ea typeface="Glacial Indifference"/>
+                <a:cs typeface="Times New Roman" panose="02020603050405020304" charset="0"/>
+                <a:sym typeface="Glacial Indifference"/>
+              </a:rPr>
+              <a:t>dữ</a:t>
+            </a:r>
+            <a:r>
+              <a:rPr lang="en-US" sz="4700" dirty="0">
+                <a:solidFill>
+                  <a:srgbClr val="2D3880"/>
+                </a:solidFill>
+                <a:latin typeface="Times New Roman" panose="02020603050405020304" charset="0"/>
+                <a:ea typeface="Glacial Indifference"/>
+                <a:cs typeface="Times New Roman" panose="02020603050405020304" charset="0"/>
+                <a:sym typeface="Glacial Indifference"/>
+              </a:rPr>
+              <a:t> </a:t>
+            </a:r>
+            <a:r>
+              <a:rPr lang="en-US" sz="4700" dirty="0" err="1">
+                <a:solidFill>
+                  <a:srgbClr val="2D3880"/>
+                </a:solidFill>
+                <a:latin typeface="Times New Roman" panose="02020603050405020304" charset="0"/>
+                <a:ea typeface="Glacial Indifference"/>
+                <a:cs typeface="Times New Roman" panose="02020603050405020304" charset="0"/>
+                <a:sym typeface="Glacial Indifference"/>
+              </a:rPr>
+              <a:t>liệu</a:t>
+            </a:r>
+            <a:endParaRPr lang="en-US" sz="4700" dirty="0">
+              <a:solidFill>
+                <a:srgbClr val="2D3880"/>
+              </a:solidFill>
+              <a:latin typeface="Times New Roman" panose="02020603050405020304" charset="0"/>
+              <a:ea typeface="Glacial Indifference"/>
+              <a:cs typeface="Times New Roman" panose="02020603050405020304" charset="0"/>
+              <a:sym typeface="Glacial Indifference"/>
+            </a:endParaRPr>
           </a:p>
           <a:p>
             <a:pPr marL="1014730" lvl="1" indent="-507365" algn="l">
@@ -10992,7 +13869,7 @@
               <a:buChar char="•"/>
             </a:pPr>
             <a:r>
-              <a:rPr lang="en-US" sz="4700">
+              <a:rPr lang="en-US" sz="4700" dirty="0" err="1">
                 <a:solidFill>
                   <a:srgbClr val="2D3880"/>
                 </a:solidFill>
@@ -11001,8 +13878,209 @@
                 <a:cs typeface="Times New Roman" panose="02020603050405020304" charset="0"/>
                 <a:sym typeface="Glacial Indifference"/>
               </a:rPr>
-              <a:t>Thực hiện các giải pháp thu thập dữ liệu</a:t>
-            </a:r>
+              <a:t>Thực</a:t>
+            </a:r>
+            <a:r>
+              <a:rPr lang="en-US" sz="4700" dirty="0">
+                <a:solidFill>
+                  <a:srgbClr val="2D3880"/>
+                </a:solidFill>
+                <a:latin typeface="Times New Roman" panose="02020603050405020304" charset="0"/>
+                <a:ea typeface="Glacial Indifference"/>
+                <a:cs typeface="Times New Roman" panose="02020603050405020304" charset="0"/>
+                <a:sym typeface="Glacial Indifference"/>
+              </a:rPr>
+              <a:t> </a:t>
+            </a:r>
+            <a:r>
+              <a:rPr lang="en-US" sz="4700" dirty="0" err="1">
+                <a:solidFill>
+                  <a:srgbClr val="2D3880"/>
+                </a:solidFill>
+                <a:latin typeface="Times New Roman" panose="02020603050405020304" charset="0"/>
+                <a:ea typeface="Glacial Indifference"/>
+                <a:cs typeface="Times New Roman" panose="02020603050405020304" charset="0"/>
+                <a:sym typeface="Glacial Indifference"/>
+              </a:rPr>
+              <a:t>hiện</a:t>
+            </a:r>
+            <a:r>
+              <a:rPr lang="en-US" sz="4700" dirty="0">
+                <a:solidFill>
+                  <a:srgbClr val="2D3880"/>
+                </a:solidFill>
+                <a:latin typeface="Times New Roman" panose="02020603050405020304" charset="0"/>
+                <a:ea typeface="Glacial Indifference"/>
+                <a:cs typeface="Times New Roman" panose="02020603050405020304" charset="0"/>
+                <a:sym typeface="Glacial Indifference"/>
+              </a:rPr>
+              <a:t> </a:t>
+            </a:r>
+            <a:r>
+              <a:rPr lang="en-US" sz="4700" dirty="0" err="1">
+                <a:solidFill>
+                  <a:srgbClr val="2D3880"/>
+                </a:solidFill>
+                <a:latin typeface="Times New Roman" panose="02020603050405020304" charset="0"/>
+                <a:ea typeface="Glacial Indifference"/>
+                <a:cs typeface="Times New Roman" panose="02020603050405020304" charset="0"/>
+                <a:sym typeface="Glacial Indifference"/>
+              </a:rPr>
+              <a:t>các</a:t>
+            </a:r>
+            <a:r>
+              <a:rPr lang="en-US" sz="4700" dirty="0">
+                <a:solidFill>
+                  <a:srgbClr val="2D3880"/>
+                </a:solidFill>
+                <a:latin typeface="Times New Roman" panose="02020603050405020304" charset="0"/>
+                <a:ea typeface="Glacial Indifference"/>
+                <a:cs typeface="Times New Roman" panose="02020603050405020304" charset="0"/>
+                <a:sym typeface="Glacial Indifference"/>
+              </a:rPr>
+              <a:t> </a:t>
+            </a:r>
+            <a:r>
+              <a:rPr lang="en-US" sz="4700" dirty="0" err="1">
+                <a:solidFill>
+                  <a:srgbClr val="2D3880"/>
+                </a:solidFill>
+                <a:latin typeface="Times New Roman" panose="02020603050405020304" charset="0"/>
+                <a:ea typeface="Glacial Indifference"/>
+                <a:cs typeface="Times New Roman" panose="02020603050405020304" charset="0"/>
+                <a:sym typeface="Glacial Indifference"/>
+              </a:rPr>
+              <a:t>giải</a:t>
+            </a:r>
+            <a:r>
+              <a:rPr lang="en-US" sz="4700" dirty="0">
+                <a:solidFill>
+                  <a:srgbClr val="2D3880"/>
+                </a:solidFill>
+                <a:latin typeface="Times New Roman" panose="02020603050405020304" charset="0"/>
+                <a:ea typeface="Glacial Indifference"/>
+                <a:cs typeface="Times New Roman" panose="02020603050405020304" charset="0"/>
+                <a:sym typeface="Glacial Indifference"/>
+              </a:rPr>
+              <a:t> </a:t>
+            </a:r>
+            <a:r>
+              <a:rPr lang="en-US" sz="4700" dirty="0" err="1">
+                <a:solidFill>
+                  <a:srgbClr val="2D3880"/>
+                </a:solidFill>
+                <a:latin typeface="Times New Roman" panose="02020603050405020304" charset="0"/>
+                <a:ea typeface="Glacial Indifference"/>
+                <a:cs typeface="Times New Roman" panose="02020603050405020304" charset="0"/>
+                <a:sym typeface="Glacial Indifference"/>
+              </a:rPr>
+              <a:t>pháp</a:t>
+            </a:r>
+            <a:r>
+              <a:rPr lang="en-US" sz="4700" dirty="0">
+                <a:solidFill>
+                  <a:srgbClr val="2D3880"/>
+                </a:solidFill>
+                <a:latin typeface="Times New Roman" panose="02020603050405020304" charset="0"/>
+                <a:ea typeface="Glacial Indifference"/>
+                <a:cs typeface="Times New Roman" panose="02020603050405020304" charset="0"/>
+                <a:sym typeface="Glacial Indifference"/>
+              </a:rPr>
+              <a:t> </a:t>
+            </a:r>
+            <a:r>
+              <a:rPr lang="en-US" sz="4700" dirty="0" err="1">
+                <a:solidFill>
+                  <a:srgbClr val="2D3880"/>
+                </a:solidFill>
+                <a:latin typeface="Times New Roman" panose="02020603050405020304" charset="0"/>
+                <a:ea typeface="Glacial Indifference"/>
+                <a:cs typeface="Times New Roman" panose="02020603050405020304" charset="0"/>
+                <a:sym typeface="Glacial Indifference"/>
+              </a:rPr>
+              <a:t>thu</a:t>
+            </a:r>
+            <a:r>
+              <a:rPr lang="en-US" sz="4700" dirty="0">
+                <a:solidFill>
+                  <a:srgbClr val="2D3880"/>
+                </a:solidFill>
+                <a:latin typeface="Times New Roman" panose="02020603050405020304" charset="0"/>
+                <a:ea typeface="Glacial Indifference"/>
+                <a:cs typeface="Times New Roman" panose="02020603050405020304" charset="0"/>
+                <a:sym typeface="Glacial Indifference"/>
+              </a:rPr>
+              <a:t> </a:t>
+            </a:r>
+            <a:r>
+              <a:rPr lang="en-US" sz="4700" dirty="0" err="1">
+                <a:solidFill>
+                  <a:srgbClr val="2D3880"/>
+                </a:solidFill>
+                <a:latin typeface="Times New Roman" panose="02020603050405020304" charset="0"/>
+                <a:ea typeface="Glacial Indifference"/>
+                <a:cs typeface="Times New Roman" panose="02020603050405020304" charset="0"/>
+                <a:sym typeface="Glacial Indifference"/>
+              </a:rPr>
+              <a:t>thập</a:t>
+            </a:r>
+            <a:r>
+              <a:rPr lang="en-US" sz="4700" dirty="0">
+                <a:solidFill>
+                  <a:srgbClr val="2D3880"/>
+                </a:solidFill>
+                <a:latin typeface="Times New Roman" panose="02020603050405020304" charset="0"/>
+                <a:ea typeface="Glacial Indifference"/>
+                <a:cs typeface="Times New Roman" panose="02020603050405020304" charset="0"/>
+                <a:sym typeface="Glacial Indifference"/>
+              </a:rPr>
+              <a:t> </a:t>
+            </a:r>
+            <a:r>
+              <a:rPr lang="en-US" sz="4700" dirty="0" err="1">
+                <a:solidFill>
+                  <a:srgbClr val="2D3880"/>
+                </a:solidFill>
+                <a:latin typeface="Times New Roman" panose="02020603050405020304" charset="0"/>
+                <a:ea typeface="Glacial Indifference"/>
+                <a:cs typeface="Times New Roman" panose="02020603050405020304" charset="0"/>
+                <a:sym typeface="Glacial Indifference"/>
+              </a:rPr>
+              <a:t>dữ</a:t>
+            </a:r>
+            <a:r>
+              <a:rPr lang="en-US" sz="4700" dirty="0">
+                <a:solidFill>
+                  <a:srgbClr val="2D3880"/>
+                </a:solidFill>
+                <a:latin typeface="Times New Roman" panose="02020603050405020304" charset="0"/>
+                <a:ea typeface="Glacial Indifference"/>
+                <a:cs typeface="Times New Roman" panose="02020603050405020304" charset="0"/>
+                <a:sym typeface="Glacial Indifference"/>
+              </a:rPr>
+              <a:t> </a:t>
+            </a:r>
+            <a:r>
+              <a:rPr lang="en-US" sz="4700" dirty="0" err="1">
+                <a:solidFill>
+                  <a:srgbClr val="2D3880"/>
+                </a:solidFill>
+                <a:latin typeface="Times New Roman" panose="02020603050405020304" charset="0"/>
+                <a:ea typeface="Glacial Indifference"/>
+                <a:cs typeface="Times New Roman" panose="02020603050405020304" charset="0"/>
+                <a:sym typeface="Glacial Indifference"/>
+              </a:rPr>
+              <a:t>liệu</a:t>
+            </a:r>
+            <a:endParaRPr lang="en-US" sz="4700" dirty="0">
+              <a:solidFill>
+                <a:srgbClr val="2D3880"/>
+              </a:solidFill>
+              <a:latin typeface="Times New Roman" panose="02020603050405020304" charset="0"/>
+              <a:ea typeface="Glacial Indifference"/>
+              <a:cs typeface="Times New Roman" panose="02020603050405020304" charset="0"/>
+              <a:sym typeface="Glacial Indifference"/>
+            </a:endParaRPr>
           </a:p>
           <a:p>
             <a:pPr marL="1014730" lvl="1" indent="-507365" algn="l">
@@ -11013,7 +14091,7 @@
               <a:buChar char="•"/>
             </a:pPr>
             <a:r>
-              <a:rPr lang="en-US" sz="4700">
+              <a:rPr lang="en-US" sz="4700" dirty="0" err="1">
                 <a:solidFill>
                   <a:srgbClr val="2D3880"/>
                 </a:solidFill>
@@ -11022,8 +14100,185 @@
                 <a:cs typeface="Times New Roman" panose="02020603050405020304" charset="0"/>
                 <a:sym typeface="Glacial Indifference"/>
               </a:rPr>
-              <a:t>Đánh giá hiệu quả của các giải pháp</a:t>
-            </a:r>
+              <a:t>Đánh</a:t>
+            </a:r>
+            <a:r>
+              <a:rPr lang="en-US" sz="4700" dirty="0">
+                <a:solidFill>
+                  <a:srgbClr val="2D3880"/>
+                </a:solidFill>
+                <a:latin typeface="Times New Roman" panose="02020603050405020304" charset="0"/>
+                <a:ea typeface="Glacial Indifference"/>
+                <a:cs typeface="Times New Roman" panose="02020603050405020304" charset="0"/>
+                <a:sym typeface="Glacial Indifference"/>
+              </a:rPr>
+              <a:t> </a:t>
+            </a:r>
+            <a:r>
+              <a:rPr lang="en-US" sz="4700" dirty="0" err="1">
+                <a:solidFill>
+                  <a:srgbClr val="2D3880"/>
+                </a:solidFill>
+                <a:latin typeface="Times New Roman" panose="02020603050405020304" charset="0"/>
+                <a:ea typeface="Glacial Indifference"/>
+                <a:cs typeface="Times New Roman" panose="02020603050405020304" charset="0"/>
+                <a:sym typeface="Glacial Indifference"/>
+              </a:rPr>
+              <a:t>giá</a:t>
+            </a:r>
+            <a:r>
+              <a:rPr lang="en-US" sz="4700" dirty="0">
+                <a:solidFill>
+                  <a:srgbClr val="2D3880"/>
+                </a:solidFill>
+                <a:latin typeface="Times New Roman" panose="02020603050405020304" charset="0"/>
+                <a:ea typeface="Glacial Indifference"/>
+                <a:cs typeface="Times New Roman" panose="02020603050405020304" charset="0"/>
+                <a:sym typeface="Glacial Indifference"/>
+              </a:rPr>
+              <a:t> </a:t>
+            </a:r>
+            <a:r>
+              <a:rPr lang="en-US" sz="4700" dirty="0" err="1">
+                <a:solidFill>
+                  <a:srgbClr val="2D3880"/>
+                </a:solidFill>
+                <a:latin typeface="Times New Roman" panose="02020603050405020304" charset="0"/>
+                <a:ea typeface="Glacial Indifference"/>
+                <a:cs typeface="Times New Roman" panose="02020603050405020304" charset="0"/>
+                <a:sym typeface="Glacial Indifference"/>
+              </a:rPr>
+              <a:t>hiệu</a:t>
+            </a:r>
+            <a:r>
+              <a:rPr lang="en-US" sz="4700" dirty="0">
+                <a:solidFill>
+                  <a:srgbClr val="2D3880"/>
+                </a:solidFill>
+                <a:latin typeface="Times New Roman" panose="02020603050405020304" charset="0"/>
+                <a:ea typeface="Glacial Indifference"/>
+                <a:cs typeface="Times New Roman" panose="02020603050405020304" charset="0"/>
+                <a:sym typeface="Glacial Indifference"/>
+              </a:rPr>
+              <a:t> </a:t>
+            </a:r>
+            <a:r>
+              <a:rPr lang="en-US" sz="4700" dirty="0" err="1">
+                <a:solidFill>
+                  <a:srgbClr val="2D3880"/>
+                </a:solidFill>
+                <a:latin typeface="Times New Roman" panose="02020603050405020304" charset="0"/>
+                <a:ea typeface="Glacial Indifference"/>
+                <a:cs typeface="Times New Roman" panose="02020603050405020304" charset="0"/>
+                <a:sym typeface="Glacial Indifference"/>
+              </a:rPr>
+              <a:t>quả</a:t>
+            </a:r>
+            <a:r>
+              <a:rPr lang="en-US" sz="4700" dirty="0">
+                <a:solidFill>
+                  <a:srgbClr val="2D3880"/>
+                </a:solidFill>
+                <a:latin typeface="Times New Roman" panose="02020603050405020304" charset="0"/>
+                <a:ea typeface="Glacial Indifference"/>
+                <a:cs typeface="Times New Roman" panose="02020603050405020304" charset="0"/>
+                <a:sym typeface="Glacial Indifference"/>
+              </a:rPr>
+              <a:t> </a:t>
+            </a:r>
+            <a:r>
+              <a:rPr lang="en-US" sz="4700" dirty="0" err="1">
+                <a:solidFill>
+                  <a:srgbClr val="2D3880"/>
+                </a:solidFill>
+                <a:latin typeface="Times New Roman" panose="02020603050405020304" charset="0"/>
+                <a:ea typeface="Glacial Indifference"/>
+                <a:cs typeface="Times New Roman" panose="02020603050405020304" charset="0"/>
+                <a:sym typeface="Glacial Indifference"/>
+              </a:rPr>
+              <a:t>của</a:t>
+            </a:r>
+            <a:r>
+              <a:rPr lang="en-US" sz="4700" dirty="0">
+                <a:solidFill>
+                  <a:srgbClr val="2D3880"/>
+                </a:solidFill>
+                <a:latin typeface="Times New Roman" panose="02020603050405020304" charset="0"/>
+                <a:ea typeface="Glacial Indifference"/>
+                <a:cs typeface="Times New Roman" panose="02020603050405020304" charset="0"/>
+                <a:sym typeface="Glacial Indifference"/>
+              </a:rPr>
+              <a:t> </a:t>
+            </a:r>
+            <a:r>
+              <a:rPr lang="en-US" sz="4700" dirty="0" err="1">
+                <a:solidFill>
+                  <a:srgbClr val="2D3880"/>
+                </a:solidFill>
+                <a:latin typeface="Times New Roman" panose="02020603050405020304" charset="0"/>
+                <a:ea typeface="Glacial Indifference"/>
+                <a:cs typeface="Times New Roman" panose="02020603050405020304" charset="0"/>
+                <a:sym typeface="Glacial Indifference"/>
+              </a:rPr>
+              <a:t>các</a:t>
+            </a:r>
+            <a:r>
+              <a:rPr lang="en-US" sz="4700" dirty="0">
+                <a:solidFill>
+                  <a:srgbClr val="2D3880"/>
+                </a:solidFill>
+                <a:latin typeface="Times New Roman" panose="02020603050405020304" charset="0"/>
+                <a:ea typeface="Glacial Indifference"/>
+                <a:cs typeface="Times New Roman" panose="02020603050405020304" charset="0"/>
+                <a:sym typeface="Glacial Indifference"/>
+              </a:rPr>
+              <a:t> </a:t>
+            </a:r>
+            <a:r>
+              <a:rPr lang="en-US" sz="4700" dirty="0" err="1">
+                <a:solidFill>
+                  <a:srgbClr val="2D3880"/>
+                </a:solidFill>
+                <a:latin typeface="Times New Roman" panose="02020603050405020304" charset="0"/>
+                <a:ea typeface="Glacial Indifference"/>
+                <a:cs typeface="Times New Roman" panose="02020603050405020304" charset="0"/>
+                <a:sym typeface="Glacial Indifference"/>
+              </a:rPr>
+              <a:t>giải</a:t>
+            </a:r>
+            <a:r>
+              <a:rPr lang="en-US" sz="4700" dirty="0">
+                <a:solidFill>
+                  <a:srgbClr val="2D3880"/>
+                </a:solidFill>
+                <a:latin typeface="Times New Roman" panose="02020603050405020304" charset="0"/>
+                <a:ea typeface="Glacial Indifference"/>
+                <a:cs typeface="Times New Roman" panose="02020603050405020304" charset="0"/>
+                <a:sym typeface="Glacial Indifference"/>
+              </a:rPr>
+              <a:t> </a:t>
+            </a:r>
+            <a:r>
+              <a:rPr lang="en-US" sz="4700" dirty="0" err="1">
+                <a:solidFill>
+                  <a:srgbClr val="2D3880"/>
+                </a:solidFill>
+                <a:latin typeface="Times New Roman" panose="02020603050405020304" charset="0"/>
+                <a:ea typeface="Glacial Indifference"/>
+                <a:cs typeface="Times New Roman" panose="02020603050405020304" charset="0"/>
+                <a:sym typeface="Glacial Indifference"/>
+              </a:rPr>
+              <a:t>pháp</a:t>
+            </a:r>
+            <a:endParaRPr lang="en-US" sz="4700" dirty="0">
+              <a:solidFill>
+                <a:srgbClr val="2D3880"/>
+              </a:solidFill>
+              <a:latin typeface="Times New Roman" panose="02020603050405020304" charset="0"/>
+              <a:ea typeface="Glacial Indifference"/>
+              <a:cs typeface="Times New Roman" panose="02020603050405020304" charset="0"/>
+              <a:sym typeface="Glacial Indifference"/>
+            </a:endParaRPr>
           </a:p>
         </p:txBody>
       </p:sp>
@@ -11042,14 +14297,62 @@
         </p:blipFill>
         <p:spPr>
           <a:xfrm>
-            <a:off x="8922385" y="0"/>
-            <a:ext cx="9441815" cy="10287000"/>
+            <a:off x="9819951" y="0"/>
+            <a:ext cx="8544249" cy="10287000"/>
           </a:xfrm>
           <a:prstGeom prst="rect">
             <a:avLst/>
           </a:prstGeom>
         </p:spPr>
       </p:pic>
+      <p:sp>
+        <p:nvSpPr>
+          <p:cNvPr id="9" name="Rectangle: Rounded Corners 8">
+            <a:extLst>
+              <a:ext uri="{FF2B5EF4-FFF2-40B4-BE49-F238E27FC236}">
+                <a16:creationId xmlns:a16="http://schemas.microsoft.com/office/drawing/2014/main" id="{E7A0348B-122D-6689-574D-41F550CD4D1D}"/>
+              </a:ext>
+            </a:extLst>
+          </p:cNvPr>
+          <p:cNvSpPr/>
+          <p:nvPr/>
+        </p:nvSpPr>
+        <p:spPr>
+          <a:xfrm>
+            <a:off x="8856980" y="9598660"/>
+            <a:ext cx="574040" cy="574040"/>
+          </a:xfrm>
+          <a:prstGeom prst="roundRect">
+            <a:avLst/>
+          </a:prstGeom>
+        </p:spPr>
+        <p:style>
+          <a:lnRef idx="2">
+            <a:schemeClr val="accent1"/>
+          </a:lnRef>
+          <a:fillRef idx="1">
+            <a:schemeClr val="lt1"/>
+          </a:fillRef>
+          <a:effectRef idx="0">
+            <a:schemeClr val="accent1"/>
+          </a:effectRef>
+          <a:fontRef idx="minor">
+            <a:schemeClr val="dk1"/>
+          </a:fontRef>
+        </p:style>
+        <p:txBody>
+          <a:bodyPr rtlCol="0" anchor="ctr"/>
+          <a:lstStyle/>
+          <a:p>
+            <a:pPr algn="ctr"/>
+            <a:r>
+              <a:rPr lang="vi-VN" dirty="0"/>
+              <a:t>5</a:t>
+            </a:r>
+            <a:endParaRPr lang="en-US" dirty="0"/>
+          </a:p>
+        </p:txBody>
+      </p:sp>
     </p:spTree>
   </p:cSld>
   <p:clrMapOvr>
@@ -11291,6 +14594,54 @@
           </a:prstGeom>
         </p:spPr>
       </p:pic>
+      <p:sp>
+        <p:nvSpPr>
+          <p:cNvPr id="11" name="Rectangle: Rounded Corners 10">
+            <a:extLst>
+              <a:ext uri="{FF2B5EF4-FFF2-40B4-BE49-F238E27FC236}">
+                <a16:creationId xmlns:a16="http://schemas.microsoft.com/office/drawing/2014/main" id="{3B536C3A-5BB8-4424-F2C6-442FC9FB5973}"/>
+              </a:ext>
+            </a:extLst>
+          </p:cNvPr>
+          <p:cNvSpPr/>
+          <p:nvPr/>
+        </p:nvSpPr>
+        <p:spPr>
+          <a:xfrm>
+            <a:off x="8856980" y="9598660"/>
+            <a:ext cx="574040" cy="574040"/>
+          </a:xfrm>
+          <a:prstGeom prst="roundRect">
+            <a:avLst/>
+          </a:prstGeom>
+        </p:spPr>
+        <p:style>
+          <a:lnRef idx="2">
+            <a:schemeClr val="accent1"/>
+          </a:lnRef>
+          <a:fillRef idx="1">
+            <a:schemeClr val="lt1"/>
+          </a:fillRef>
+          <a:effectRef idx="0">
+            <a:schemeClr val="accent1"/>
+          </a:effectRef>
+          <a:fontRef idx="minor">
+            <a:schemeClr val="dk1"/>
+          </a:fontRef>
+        </p:style>
+        <p:txBody>
+          <a:bodyPr rtlCol="0" anchor="ctr"/>
+          <a:lstStyle/>
+          <a:p>
+            <a:pPr algn="ctr"/>
+            <a:r>
+              <a:rPr lang="vi-VN" dirty="0"/>
+              <a:t>6</a:t>
+            </a:r>
+            <a:endParaRPr lang="en-US" dirty="0"/>
+          </a:p>
+        </p:txBody>
+      </p:sp>
     </p:spTree>
   </p:cSld>
   <p:clrMapOvr>
@@ -11493,6 +14844,54 @@
           </a:prstGeom>
         </p:spPr>
       </p:pic>
+      <p:sp>
+        <p:nvSpPr>
+          <p:cNvPr id="8" name="Rectangle: Rounded Corners 7">
+            <a:extLst>
+              <a:ext uri="{FF2B5EF4-FFF2-40B4-BE49-F238E27FC236}">
+                <a16:creationId xmlns:a16="http://schemas.microsoft.com/office/drawing/2014/main" id="{E5D480F1-DF31-7730-41E2-6D5504948F29}"/>
+              </a:ext>
+            </a:extLst>
+          </p:cNvPr>
+          <p:cNvSpPr/>
+          <p:nvPr/>
+        </p:nvSpPr>
+        <p:spPr>
+          <a:xfrm>
+            <a:off x="8856980" y="9598660"/>
+            <a:ext cx="574040" cy="574040"/>
+          </a:xfrm>
+          <a:prstGeom prst="roundRect">
+            <a:avLst/>
+          </a:prstGeom>
+        </p:spPr>
+        <p:style>
+          <a:lnRef idx="2">
+            <a:schemeClr val="accent1"/>
+          </a:lnRef>
+          <a:fillRef idx="1">
+            <a:schemeClr val="lt1"/>
+          </a:fillRef>
+          <a:effectRef idx="0">
+            <a:schemeClr val="accent1"/>
+          </a:effectRef>
+          <a:fontRef idx="minor">
+            <a:schemeClr val="dk1"/>
+          </a:fontRef>
+        </p:style>
+        <p:txBody>
+          <a:bodyPr rtlCol="0" anchor="ctr"/>
+          <a:lstStyle/>
+          <a:p>
+            <a:pPr algn="ctr"/>
+            <a:r>
+              <a:rPr lang="vi-VN" dirty="0"/>
+              <a:t>7</a:t>
+            </a:r>
+            <a:endParaRPr lang="en-US" dirty="0"/>
+          </a:p>
+        </p:txBody>
+      </p:sp>
     </p:spTree>
   </p:cSld>
   <p:clrMapOvr>
@@ -12411,6 +15810,54 @@
           </a:p>
         </p:txBody>
       </p:sp>
+      <p:sp>
+        <p:nvSpPr>
+          <p:cNvPr id="7" name="Rectangle: Rounded Corners 6">
+            <a:extLst>
+              <a:ext uri="{FF2B5EF4-FFF2-40B4-BE49-F238E27FC236}">
+                <a16:creationId xmlns:a16="http://schemas.microsoft.com/office/drawing/2014/main" id="{39EE599D-7266-02B4-6E40-67E6D42F681F}"/>
+              </a:ext>
+            </a:extLst>
+          </p:cNvPr>
+          <p:cNvSpPr/>
+          <p:nvPr/>
+        </p:nvSpPr>
+        <p:spPr>
+          <a:xfrm>
+            <a:off x="8856980" y="9598660"/>
+            <a:ext cx="574040" cy="574040"/>
+          </a:xfrm>
+          <a:prstGeom prst="roundRect">
+            <a:avLst/>
+          </a:prstGeom>
+        </p:spPr>
+        <p:style>
+          <a:lnRef idx="2">
+            <a:schemeClr val="accent1"/>
+          </a:lnRef>
+          <a:fillRef idx="1">
+            <a:schemeClr val="lt1"/>
+          </a:fillRef>
+          <a:effectRef idx="0">
+            <a:schemeClr val="accent1"/>
+          </a:effectRef>
+          <a:fontRef idx="minor">
+            <a:schemeClr val="dk1"/>
+          </a:fontRef>
+        </p:style>
+        <p:txBody>
+          <a:bodyPr rtlCol="0" anchor="ctr"/>
+          <a:lstStyle/>
+          <a:p>
+            <a:pPr algn="ctr"/>
+            <a:r>
+              <a:rPr lang="vi-VN" dirty="0"/>
+              <a:t>8</a:t>
+            </a:r>
+            <a:endParaRPr lang="en-US" dirty="0"/>
+          </a:p>
+        </p:txBody>
+      </p:sp>
     </p:spTree>
   </p:cSld>
   <p:clrMapOvr>
@@ -12474,7 +15921,7 @@
                                     </p:set>
                                     <p:animEffect transition="in" filter="checkerboard(across)">
                                       <p:cBhvr>
-                                        <p:cTn id="7" dur="500"/>
+                                        <p:cTn id="7" dur="250"/>
                                         <p:tgtEl>
                                           <p:spTgt spid="31"/>
                                         </p:tgtEl>
@@ -12509,7 +15956,7 @@
                                     </p:set>
                                     <p:animEffect transition="in" filter="checkerboard(across)">
                                       <p:cBhvr>
-                                        <p:cTn id="10" dur="500"/>
+                                        <p:cTn id="10" dur="250"/>
                                         <p:tgtEl>
                                           <p:spTgt spid="40"/>
                                         </p:tgtEl>
@@ -12544,7 +15991,7 @@
                                     </p:set>
                                     <p:animEffect transition="in" filter="checkerboard(across)">
                                       <p:cBhvr>
-                                        <p:cTn id="13" dur="500"/>
+                                        <p:cTn id="13" dur="250"/>
                                         <p:tgtEl>
                                           <p:spTgt spid="41"/>
                                         </p:tgtEl>
@@ -12579,7 +16026,7 @@
                                     </p:set>
                                     <p:animEffect transition="in" filter="checkerboard(across)">
                                       <p:cBhvr>
-                                        <p:cTn id="16" dur="500"/>
+                                        <p:cTn id="16" dur="250"/>
                                         <p:tgtEl>
                                           <p:spTgt spid="42"/>
                                         </p:tgtEl>
@@ -12614,7 +16061,7 @@
                                     </p:set>
                                     <p:animEffect transition="in" filter="checkerboard(across)">
                                       <p:cBhvr>
-                                        <p:cTn id="19" dur="500"/>
+                                        <p:cTn id="19" dur="250"/>
                                         <p:tgtEl>
                                           <p:spTgt spid="43"/>
                                         </p:tgtEl>
@@ -12649,7 +16096,7 @@
                                   <p:childTnLst>
                                     <p:set>
                                       <p:cBhvr>
-                                        <p:cTn id="23" dur="750" fill="hold">
+                                        <p:cTn id="23" dur="250" fill="hold">
                                           <p:stCondLst>
                                             <p:cond delay="0"/>
                                           </p:stCondLst>
@@ -12667,7 +16114,7 @@
                                     </p:set>
                                     <p:animEffect transition="in" filter="plus(in)">
                                       <p:cBhvr>
-                                        <p:cTn id="24" dur="750"/>
+                                        <p:cTn id="24" dur="250"/>
                                         <p:tgtEl>
                                           <p:spTgt spid="28"/>
                                         </p:tgtEl>
@@ -12702,7 +16149,7 @@
                                   <p:childTnLst>
                                     <p:set>
                                       <p:cBhvr>
-                                        <p:cTn id="28" dur="750" fill="hold">
+                                        <p:cTn id="28" dur="250" fill="hold">
                                           <p:stCondLst>
                                             <p:cond delay="0"/>
                                           </p:stCondLst>
@@ -12720,7 +16167,7 @@
                                     </p:set>
                                     <p:animEffect transition="in" filter="box(in)">
                                       <p:cBhvr>
-                                        <p:cTn id="29" dur="750"/>
+                                        <p:cTn id="29" dur="250"/>
                                         <p:tgtEl>
                                           <p:spTgt spid="89"/>
                                         </p:tgtEl>
@@ -12755,7 +16202,7 @@
                                   <p:childTnLst>
                                     <p:set>
                                       <p:cBhvr>
-                                        <p:cTn id="33" dur="750" fill="hold">
+                                        <p:cTn id="33" dur="250" fill="hold">
                                           <p:stCondLst>
                                             <p:cond delay="0"/>
                                           </p:stCondLst>
@@ -12773,7 +16220,7 @@
                                     </p:set>
                                     <p:animEffect transition="in" filter="plus(in)">
                                       <p:cBhvr>
-                                        <p:cTn id="34" dur="750"/>
+                                        <p:cTn id="34" dur="250"/>
                                         <p:tgtEl>
                                           <p:spTgt spid="19"/>
                                         </p:tgtEl>
@@ -12808,7 +16255,7 @@
                                   <p:childTnLst>
                                     <p:set>
                                       <p:cBhvr>
-                                        <p:cTn id="38" dur="750" fill="hold">
+                                        <p:cTn id="38" dur="250" fill="hold">
                                           <p:stCondLst>
                                             <p:cond delay="0"/>
                                           </p:stCondLst>
@@ -12826,7 +16273,7 @@
                                     </p:set>
                                     <p:animEffect transition="in" filter="box(in)">
                                       <p:cBhvr>
-                                        <p:cTn id="39" dur="750"/>
+                                        <p:cTn id="39" dur="250"/>
                                         <p:tgtEl>
                                           <p:spTgt spid="92"/>
                                         </p:tgtEl>
@@ -12861,7 +16308,7 @@
                                   <p:childTnLst>
                                     <p:set>
                                       <p:cBhvr>
-                                        <p:cTn id="43" dur="750" fill="hold">
+                                        <p:cTn id="43" dur="250" fill="hold">
                                           <p:stCondLst>
                                             <p:cond delay="0"/>
                                           </p:stCondLst>
@@ -12879,7 +16326,7 @@
                                     </p:set>
                                     <p:animEffect transition="in" filter="plus(in)">
                                       <p:cBhvr>
-                                        <p:cTn id="44" dur="750"/>
+                                        <p:cTn id="44" dur="250"/>
                                         <p:tgtEl>
                                           <p:spTgt spid="23"/>
                                         </p:tgtEl>
@@ -12914,7 +16361,7 @@
                                   <p:childTnLst>
                                     <p:set>
                                       <p:cBhvr>
-                                        <p:cTn id="48" dur="750" fill="hold">
+                                        <p:cTn id="48" dur="250" fill="hold">
                                           <p:stCondLst>
                                             <p:cond delay="0"/>
                                           </p:stCondLst>
@@ -12932,7 +16379,7 @@
                                     </p:set>
                                     <p:animEffect transition="in" filter="box(in)">
                                       <p:cBhvr>
-                                        <p:cTn id="49" dur="750"/>
+                                        <p:cTn id="49" dur="250"/>
                                         <p:tgtEl>
                                           <p:spTgt spid="93"/>
                                         </p:tgtEl>
@@ -12967,7 +16414,7 @@
                                   <p:childTnLst>
                                     <p:set>
                                       <p:cBhvr>
-                                        <p:cTn id="53" dur="750" fill="hold">
+                                        <p:cTn id="53" dur="250" fill="hold">
                                           <p:stCondLst>
                                             <p:cond delay="0"/>
                                           </p:stCondLst>
@@ -12985,7 +16432,7 @@
                                     </p:set>
                                     <p:animEffect transition="in" filter="plus(in)">
                                       <p:cBhvr>
-                                        <p:cTn id="54" dur="750"/>
+                                        <p:cTn id="54" dur="250"/>
                                         <p:tgtEl>
                                           <p:spTgt spid="17"/>
                                         </p:tgtEl>
@@ -13020,7 +16467,7 @@
                                   <p:childTnLst>
                                     <p:set>
                                       <p:cBhvr>
-                                        <p:cTn id="58" dur="750" fill="hold">
+                                        <p:cTn id="58" dur="250" fill="hold">
                                           <p:stCondLst>
                                             <p:cond delay="0"/>
                                           </p:stCondLst>
@@ -13038,7 +16485,7 @@
                                     </p:set>
                                     <p:animEffect transition="in" filter="box(in)">
                                       <p:cBhvr>
-                                        <p:cTn id="59" dur="750"/>
+                                        <p:cTn id="59" dur="250"/>
                                         <p:tgtEl>
                                           <p:spTgt spid="94"/>
                                         </p:tgtEl>
@@ -14096,6 +17543,54 @@
           </a:p>
         </p:txBody>
       </p:sp>
+      <p:sp>
+        <p:nvSpPr>
+          <p:cNvPr id="18" name="Rectangle: Rounded Corners 17">
+            <a:extLst>
+              <a:ext uri="{FF2B5EF4-FFF2-40B4-BE49-F238E27FC236}">
+                <a16:creationId xmlns:a16="http://schemas.microsoft.com/office/drawing/2014/main" id="{B3D0BF50-487D-A3B3-DE00-71726F4B42B2}"/>
+              </a:ext>
+            </a:extLst>
+          </p:cNvPr>
+          <p:cNvSpPr/>
+          <p:nvPr/>
+        </p:nvSpPr>
+        <p:spPr>
+          <a:xfrm>
+            <a:off x="8856980" y="9598660"/>
+            <a:ext cx="574040" cy="574040"/>
+          </a:xfrm>
+          <a:prstGeom prst="roundRect">
+            <a:avLst/>
+          </a:prstGeom>
+        </p:spPr>
+        <p:style>
+          <a:lnRef idx="2">
+            <a:schemeClr val="accent1"/>
+          </a:lnRef>
+          <a:fillRef idx="1">
+            <a:schemeClr val="lt1"/>
+          </a:fillRef>
+          <a:effectRef idx="0">
+            <a:schemeClr val="accent1"/>
+          </a:effectRef>
+          <a:fontRef idx="minor">
+            <a:schemeClr val="dk1"/>
+          </a:fontRef>
+        </p:style>
+        <p:txBody>
+          <a:bodyPr rtlCol="0" anchor="ctr"/>
+          <a:lstStyle/>
+          <a:p>
+            <a:pPr algn="ctr"/>
+            <a:r>
+              <a:rPr lang="vi-VN" dirty="0"/>
+              <a:t>9</a:t>
+            </a:r>
+            <a:endParaRPr lang="en-US" dirty="0"/>
+          </a:p>
+        </p:txBody>
+      </p:sp>
     </p:spTree>
   </p:cSld>
   <p:clrMapOvr>
@@ -14141,7 +17636,7 @@
                                   <p:childTnLst>
                                     <p:set>
                                       <p:cBhvr>
-                                        <p:cTn id="6" dur="500" fill="hold">
+                                        <p:cTn id="6" dur="250" fill="hold">
                                           <p:stCondLst>
                                             <p:cond delay="0"/>
                                           </p:stCondLst>
@@ -14159,7 +17654,7 @@
                                     </p:set>
                                     <p:animEffect transition="in" filter="plus(in)">
                                       <p:cBhvr>
-                                        <p:cTn id="7" dur="500"/>
+                                        <p:cTn id="7" dur="250"/>
                                         <p:tgtEl>
                                           <p:spTgt spid="31"/>
                                         </p:tgtEl>
@@ -14176,7 +17671,7 @@
                                   <p:childTnLst>
                                     <p:set>
                                       <p:cBhvr>
-                                        <p:cTn id="9" dur="500" fill="hold">
+                                        <p:cTn id="9" dur="250" fill="hold">
                                           <p:stCondLst>
                                             <p:cond delay="0"/>
                                           </p:stCondLst>
@@ -14194,7 +17689,7 @@
                                     </p:set>
                                     <p:animEffect transition="in" filter="plus(in)">
                                       <p:cBhvr>
-                                        <p:cTn id="10" dur="500"/>
+                                        <p:cTn id="10" dur="250"/>
                                         <p:tgtEl>
                                           <p:spTgt spid="3"/>
                                         </p:tgtEl>
@@ -14211,7 +17706,7 @@
                                   <p:childTnLst>
                                     <p:set>
                                       <p:cBhvr>
-                                        <p:cTn id="12" dur="500" fill="hold">
+                                        <p:cTn id="12" dur="250" fill="hold">
                                           <p:stCondLst>
                                             <p:cond delay="0"/>
                                           </p:stCondLst>
@@ -14229,7 +17724,7 @@
                                     </p:set>
                                     <p:animEffect transition="in" filter="plus(in)">
                                       <p:cBhvr>
-                                        <p:cTn id="13" dur="500"/>
+                                        <p:cTn id="13" dur="250"/>
                                         <p:tgtEl>
                                           <p:spTgt spid="4"/>
                                         </p:tgtEl>
@@ -14246,7 +17741,7 @@
                                   <p:childTnLst>
                                     <p:set>
                                       <p:cBhvr>
-                                        <p:cTn id="15" dur="500" fill="hold">
+                                        <p:cTn id="15" dur="250" fill="hold">
                                           <p:stCondLst>
                                             <p:cond delay="0"/>
                                           </p:stCondLst>
@@ -14264,7 +17759,7 @@
                                     </p:set>
                                     <p:animEffect transition="in" filter="plus(in)">
                                       <p:cBhvr>
-                                        <p:cTn id="16" dur="500"/>
+                                        <p:cTn id="16" dur="250"/>
                                         <p:tgtEl>
                                           <p:spTgt spid="5"/>
                                         </p:tgtEl>
@@ -14281,7 +17776,7 @@
                                   <p:childTnLst>
                                     <p:set>
                                       <p:cBhvr>
-                                        <p:cTn id="18" dur="500" fill="hold">
+                                        <p:cTn id="18" dur="250" fill="hold">
                                           <p:stCondLst>
                                             <p:cond delay="0"/>
                                           </p:stCondLst>
@@ -14299,7 +17794,7 @@
                                     </p:set>
                                     <p:animEffect transition="in" filter="plus(in)">
                                       <p:cBhvr>
-                                        <p:cTn id="19" dur="500"/>
+                                        <p:cTn id="19" dur="250"/>
                                         <p:tgtEl>
                                           <p:spTgt spid="7"/>
                                         </p:tgtEl>
@@ -14316,7 +17811,7 @@
                                   <p:childTnLst>
                                     <p:set>
                                       <p:cBhvr>
-                                        <p:cTn id="21" dur="500" fill="hold">
+                                        <p:cTn id="21" dur="250" fill="hold">
                                           <p:stCondLst>
                                             <p:cond delay="0"/>
                                           </p:stCondLst>
@@ -14334,7 +17829,7 @@
                                     </p:set>
                                     <p:animEffect transition="in" filter="plus(in)">
                                       <p:cBhvr>
-                                        <p:cTn id="22" dur="500"/>
+                                        <p:cTn id="22" dur="250"/>
                                         <p:tgtEl>
                                           <p:spTgt spid="8"/>
                                         </p:tgtEl>
@@ -14387,7 +17882,7 @@
                                     </p:set>
                                     <p:animEffect transition="in" filter="plus(in)">
                                       <p:cBhvr>
-                                        <p:cTn id="27" dur="2000"/>
+                                        <p:cTn id="27" dur="250"/>
                                         <p:tgtEl>
                                           <p:spTgt spid="73"/>
                                         </p:tgtEl>
@@ -14440,7 +17935,7 @@
                                     </p:set>
                                     <p:animEffect transition="in" filter="box(in)">
                                       <p:cBhvr>
-                                        <p:cTn id="32" dur="2000"/>
+                                        <p:cTn id="32" dur="250"/>
                                         <p:tgtEl>
                                           <p:spTgt spid="12"/>
                                         </p:tgtEl>
@@ -14493,7 +17988,7 @@
                                     </p:set>
                                     <p:animEffect transition="in" filter="plus(in)">
                                       <p:cBhvr>
-                                        <p:cTn id="37" dur="2000"/>
+                                        <p:cTn id="37" dur="250"/>
                                         <p:tgtEl>
                                           <p:spTgt spid="74"/>
                                         </p:tgtEl>
@@ -14546,7 +18041,7 @@
                                     </p:set>
                                     <p:animEffect transition="in" filter="box(in)">
                                       <p:cBhvr>
-                                        <p:cTn id="42" dur="2000"/>
+                                        <p:cTn id="42" dur="250"/>
                                         <p:tgtEl>
                                           <p:spTgt spid="13"/>
                                         </p:tgtEl>
@@ -14599,7 +18094,7 @@
                                     </p:set>
                                     <p:animEffect transition="in" filter="plus(in)">
                                       <p:cBhvr>
-                                        <p:cTn id="47" dur="2000"/>
+                                        <p:cTn id="47" dur="250"/>
                                         <p:tgtEl>
                                           <p:spTgt spid="75"/>
                                         </p:tgtEl>
@@ -14652,7 +18147,7 @@
                                     </p:set>
                                     <p:animEffect transition="in" filter="box(in)">
                                       <p:cBhvr>
-                                        <p:cTn id="52" dur="2000"/>
+                                        <p:cTn id="52" dur="250"/>
                                         <p:tgtEl>
                                           <p:spTgt spid="14"/>
                                         </p:tgtEl>
@@ -14705,7 +18200,7 @@
                                     </p:set>
                                     <p:animEffect transition="in" filter="plus(in)">
                                       <p:cBhvr>
-                                        <p:cTn id="57" dur="2000"/>
+                                        <p:cTn id="57" dur="250"/>
                                         <p:tgtEl>
                                           <p:spTgt spid="76"/>
                                         </p:tgtEl>
@@ -14758,7 +18253,7 @@
                                     </p:set>
                                     <p:animEffect transition="in" filter="box(in)">
                                       <p:cBhvr>
-                                        <p:cTn id="62" dur="2000"/>
+                                        <p:cTn id="62" dur="250"/>
                                         <p:tgtEl>
                                           <p:spTgt spid="15"/>
                                         </p:tgtEl>
@@ -14811,7 +18306,7 @@
                                     </p:set>
                                     <p:animEffect transition="in" filter="plus(in)">
                                       <p:cBhvr>
-                                        <p:cTn id="67" dur="2000"/>
+                                        <p:cTn id="67" dur="250"/>
                                         <p:tgtEl>
                                           <p:spTgt spid="77"/>
                                         </p:tgtEl>
@@ -14864,7 +18359,7 @@
                                     </p:set>
                                     <p:animEffect transition="in" filter="box(in)">
                                       <p:cBhvr>
-                                        <p:cTn id="72" dur="2000"/>
+                                        <p:cTn id="72" dur="250"/>
                                         <p:tgtEl>
                                           <p:spTgt spid="16"/>
                                         </p:tgtEl>
@@ -15473,4 +18968,319 @@
     </a:ext>
   </a:extLst>
 </a:theme>
+</file>
+
+<file path=ppt/theme/theme3.xml><?xml version="1.0" encoding="utf-8"?>
+<a:theme xmlns:a="http://schemas.openxmlformats.org/drawingml/2006/main" name="Office Theme">
+  <a:themeElements>
+    <a:clrScheme name="Office">
+      <a:dk1>
+        <a:sysClr val="windowText" lastClr="000000"/>
+      </a:dk1>
+      <a:lt1>
+        <a:sysClr val="window" lastClr="FFFFFF"/>
+      </a:lt1>
+      <a:dk2>
+        <a:srgbClr val="0E2841"/>
+      </a:dk2>
+      <a:lt2>
+        <a:srgbClr val="E8E8E8"/>
+      </a:lt2>
+      <a:accent1>
+        <a:srgbClr val="156082"/>
+      </a:accent1>
+      <a:accent2>
+        <a:srgbClr val="E97132"/>
+      </a:accent2>
+      <a:accent3>
+        <a:srgbClr val="196B24"/>
+      </a:accent3>
+      <a:accent4>
+        <a:srgbClr val="0F9ED5"/>
+      </a:accent4>
+      <a:accent5>
+        <a:srgbClr val="A02B93"/>
+      </a:accent5>
+      <a:accent6>
+        <a:srgbClr val="4EA72E"/>
+      </a:accent6>
+      <a:hlink>
+        <a:srgbClr val="467886"/>
+      </a:hlink>
+      <a:folHlink>
+        <a:srgbClr val="96607D"/>
+      </a:folHlink>
+    </a:clrScheme>
+    <a:fontScheme name="Office">
+      <a:majorFont>
+        <a:latin typeface="Aptos Display" panose="02110004020202020204"/>
+        <a:ea typeface=""/>
+        <a:cs typeface=""/>
+        <a:font script="Jpan" typeface="游ゴシック Light"/>
+        <a:font script="Hang" typeface="맑은 고딕"/>
+        <a:font script="Hans" typeface="等线 Light"/>
+        <a:font script="Hant" typeface="新細明體"/>
+        <a:font script="Arab" typeface="Times New Roman"/>
+        <a:font script="Hebr" typeface="Times New Roman"/>
+        <a:font script="Thai" typeface="Angsana New"/>
+        <a:font script="Ethi" typeface="Nyala"/>
+        <a:font script="Beng" typeface="Vrinda"/>
+        <a:font script="Gujr" typeface="Shruti"/>
+        <a:font script="Khmr" typeface="MoolBoran"/>
+        <a:font script="Knda" typeface="Tunga"/>
+        <a:font script="Guru" typeface="Raavi"/>
+        <a:font script="Cans" typeface="Euphemia"/>
+        <a:font script="Cher" typeface="Plantagenet Cherokee"/>
+        <a:font script="Yiii" typeface="Microsoft Yi Baiti"/>
+        <a:font script="Tibt" typeface="Microsoft Himalaya"/>
+        <a:font script="Thaa" typeface="MV Boli"/>
+        <a:font script="Deva" typeface="Mangal"/>
+        <a:font script="Telu" typeface="Gautami"/>
+        <a:font script="Taml" typeface="Latha"/>
+        <a:font script="Syrc" typeface="Estrangelo Edessa"/>
+        <a:font script="Orya" typeface="Kalinga"/>
+        <a:font script="Mlym" typeface="Kartika"/>
+        <a:font script="Laoo" typeface="DokChampa"/>
+        <a:font script="Sinh" typeface="Iskoola Pota"/>
+        <a:font script="Mong" typeface="Mongolian Baiti"/>
+        <a:font script="Viet" typeface="Times New Roman"/>
+        <a:font script="Uigh" typeface="Microsoft Uighur"/>
+        <a:font script="Geor" typeface="Sylfaen"/>
+        <a:font script="Armn" typeface="Arial"/>
+        <a:font script="Bugi" typeface="Leelawadee UI"/>
+        <a:font script="Bopo" typeface="Microsoft JhengHei"/>
+        <a:font script="Java" typeface="Javanese Text"/>
+        <a:font script="Lisu" typeface="Segoe UI"/>
+        <a:font script="Mymr" typeface="Myanmar Text"/>
+        <a:font script="Nkoo" typeface="Ebrima"/>
+        <a:font script="Olck" typeface="Nirmala UI"/>
+        <a:font script="Osma" typeface="Ebrima"/>
+        <a:font script="Phag" typeface="Phagspa"/>
+        <a:font script="Syrn" typeface="Estrangelo Edessa"/>
+        <a:font script="Syrj" typeface="Estrangelo Edessa"/>
+        <a:font script="Syre" typeface="Estrangelo Edessa"/>
+        <a:font script="Sora" typeface="Nirmala UI"/>
+        <a:font script="Tale" typeface="Microsoft Tai Le"/>
+        <a:font script="Talu" typeface="Microsoft New Tai Lue"/>
+        <a:font script="Tfng" typeface="Ebrima"/>
+      </a:majorFont>
+      <a:minorFont>
+        <a:latin typeface="Aptos" panose="02110004020202020204"/>
+        <a:ea typeface=""/>
+        <a:cs typeface=""/>
+        <a:font script="Jpan" typeface="游ゴシック"/>
+        <a:font script="Hang" typeface="맑은 고딕"/>
+        <a:font script="Hans" typeface="等线"/>
+        <a:font script="Hant" typeface="新細明體"/>
+        <a:font script="Arab" typeface="Arial"/>
+        <a:font script="Hebr" typeface="Arial"/>
+        <a:font script="Thai" typeface="Cordia New"/>
+        <a:font script="Ethi" typeface="Nyala"/>
+        <a:font script="Beng" typeface="Vrinda"/>
+        <a:font script="Gujr" typeface="Shruti"/>
+        <a:font script="Khmr" typeface="DaunPenh"/>
+        <a:font script="Knda" typeface="Tunga"/>
+        <a:font script="Guru" typeface="Raavi"/>
+        <a:font script="Cans" typeface="Euphemia"/>
+        <a:font script="Cher" typeface="Plantagenet Cherokee"/>
+        <a:font script="Yiii" typeface="Microsoft Yi Baiti"/>
+        <a:font script="Tibt" typeface="Microsoft Himalaya"/>
+        <a:font script="Thaa" typeface="MV Boli"/>
+        <a:font script="Deva" typeface="Mangal"/>
+        <a:font script="Telu" typeface="Gautami"/>
+        <a:font script="Taml" typeface="Latha"/>
+        <a:font script="Syrc" typeface="Estrangelo Edessa"/>
+        <a:font script="Orya" typeface="Kalinga"/>
+        <a:font script="Mlym" typeface="Kartika"/>
+        <a:font script="Laoo" typeface="DokChampa"/>
+        <a:font script="Sinh" typeface="Iskoola Pota"/>
+        <a:font script="Mong" typeface="Mongolian Baiti"/>
+        <a:font script="Viet" typeface="Arial"/>
+        <a:font script="Uigh" typeface="Microsoft Uighur"/>
+        <a:font script="Geor" typeface="Sylfaen"/>
+        <a:font script="Armn" typeface="Arial"/>
+        <a:font script="Bugi" typeface="Leelawadee UI"/>
+        <a:font script="Bopo" typeface="Microsoft JhengHei"/>
+        <a:font script="Java" typeface="Javanese Text"/>
+        <a:font script="Lisu" typeface="Segoe UI"/>
+        <a:font script="Mymr" typeface="Myanmar Text"/>
+        <a:font script="Nkoo" typeface="Ebrima"/>
+        <a:font script="Olck" typeface="Nirmala UI"/>
+        <a:font script="Osma" typeface="Ebrima"/>
+        <a:font script="Phag" typeface="Phagspa"/>
+        <a:font script="Syrn" typeface="Estrangelo Edessa"/>
+        <a:font script="Syrj" typeface="Estrangelo Edessa"/>
+        <a:font script="Syre" typeface="Estrangelo Edessa"/>
+        <a:font script="Sora" typeface="Nirmala UI"/>
+        <a:font script="Tale" typeface="Microsoft Tai Le"/>
+        <a:font script="Talu" typeface="Microsoft New Tai Lue"/>
+        <a:font script="Tfng" typeface="Ebrima"/>
+      </a:minorFont>
+    </a:fontScheme>
+    <a:fmtScheme name="Office">
+      <a:fillStyleLst>
+        <a:solidFill>
+          <a:schemeClr val="phClr"/>
+        </a:solidFill>
+        <a:gradFill rotWithShape="1">
+          <a:gsLst>
+            <a:gs pos="0">
+              <a:schemeClr val="phClr">
+                <a:lumMod val="110000"/>
+                <a:satMod val="105000"/>
+                <a:tint val="67000"/>
+              </a:schemeClr>
+            </a:gs>
+            <a:gs pos="50000">
+              <a:schemeClr val="phClr">
+                <a:lumMod val="105000"/>
+                <a:satMod val="103000"/>
+                <a:tint val="73000"/>
+              </a:schemeClr>
+            </a:gs>
+            <a:gs pos="100000">
+              <a:schemeClr val="phClr">
+                <a:lumMod val="105000"/>
+                <a:satMod val="109000"/>
+                <a:tint val="81000"/>
+              </a:schemeClr>
+            </a:gs>
+          </a:gsLst>
+          <a:lin ang="5400000" scaled="0"/>
+        </a:gradFill>
+        <a:gradFill rotWithShape="1">
+          <a:gsLst>
+            <a:gs pos="0">
+              <a:schemeClr val="phClr">
+                <a:satMod val="103000"/>
+                <a:lumMod val="102000"/>
+                <a:tint val="94000"/>
+              </a:schemeClr>
+            </a:gs>
+            <a:gs pos="50000">
+              <a:schemeClr val="phClr">
+                <a:satMod val="110000"/>
+                <a:lumMod val="100000"/>
+                <a:shade val="100000"/>
+              </a:schemeClr>
+            </a:gs>
+            <a:gs pos="100000">
+              <a:schemeClr val="phClr">
+                <a:lumMod val="99000"/>
+                <a:satMod val="120000"/>
+                <a:shade val="78000"/>
+              </a:schemeClr>
+            </a:gs>
+          </a:gsLst>
+          <a:lin ang="5400000" scaled="0"/>
+        </a:gradFill>
+      </a:fillStyleLst>
+      <a:lnStyleLst>
+        <a:ln w="12700" cap="flat" cmpd="sng" algn="ctr">
+          <a:solidFill>
+            <a:schemeClr val="phClr"/>
+          </a:solidFill>
+          <a:prstDash val="solid"/>
+          <a:miter lim="800000"/>
+        </a:ln>
+        <a:ln w="19050" cap="flat" cmpd="sng" algn="ctr">
+          <a:solidFill>
+            <a:schemeClr val="phClr"/>
+          </a:solidFill>
+          <a:prstDash val="solid"/>
+          <a:miter lim="800000"/>
+        </a:ln>
+        <a:ln w="25400" cap="flat" cmpd="sng" algn="ctr">
+          <a:solidFill>
+            <a:schemeClr val="phClr"/>
+          </a:solidFill>
+          <a:prstDash val="solid"/>
+          <a:miter lim="800000"/>
+        </a:ln>
+      </a:lnStyleLst>
+      <a:effectStyleLst>
+        <a:effectStyle>
+          <a:effectLst/>
+        </a:effectStyle>
+        <a:effectStyle>
+          <a:effectLst/>
+        </a:effectStyle>
+        <a:effectStyle>
+          <a:effectLst>
+            <a:outerShdw blurRad="57150" dist="19050" dir="5400000" algn="ctr" rotWithShape="0">
+              <a:srgbClr val="000000">
+                <a:alpha val="63000"/>
+              </a:srgbClr>
+            </a:outerShdw>
+          </a:effectLst>
+        </a:effectStyle>
+      </a:effectStyleLst>
+      <a:bgFillStyleLst>
+        <a:solidFill>
+          <a:schemeClr val="phClr"/>
+        </a:solidFill>
+        <a:solidFill>
+          <a:schemeClr val="phClr">
+            <a:tint val="95000"/>
+            <a:satMod val="170000"/>
+          </a:schemeClr>
+        </a:solidFill>
+        <a:gradFill rotWithShape="1">
+          <a:gsLst>
+            <a:gs pos="0">
+              <a:schemeClr val="phClr">
+                <a:tint val="93000"/>
+                <a:satMod val="150000"/>
+                <a:shade val="98000"/>
+                <a:lumMod val="102000"/>
+              </a:schemeClr>
+            </a:gs>
+            <a:gs pos="50000">
+              <a:schemeClr val="phClr">
+                <a:tint val="98000"/>
+                <a:satMod val="130000"/>
+                <a:shade val="90000"/>
+                <a:lumMod val="103000"/>
+              </a:schemeClr>
+            </a:gs>
+            <a:gs pos="100000">
+              <a:schemeClr val="phClr">
+                <a:shade val="63000"/>
+                <a:satMod val="120000"/>
+              </a:schemeClr>
+            </a:gs>
+          </a:gsLst>
+          <a:lin ang="5400000" scaled="0"/>
+        </a:gradFill>
+      </a:bgFillStyleLst>
+    </a:fmtScheme>
+  </a:themeElements>
+  <a:objectDefaults>
+    <a:lnDef>
+      <a:spPr/>
+      <a:bodyPr/>
+      <a:lstStyle/>
+      <a:style>
+        <a:lnRef idx="2">
+          <a:schemeClr val="accent1"/>
+        </a:lnRef>
+        <a:fillRef idx="0">
+          <a:schemeClr val="accent1"/>
+        </a:fillRef>
+        <a:effectRef idx="1">
+          <a:schemeClr val="accent1"/>
+        </a:effectRef>
+        <a:fontRef idx="minor">
+          <a:schemeClr val="tx1"/>
+        </a:fontRef>
+      </a:style>
+    </a:lnDef>
+  </a:objectDefaults>
+  <a:extraClrSchemeLst/>
+  <a:extLst>
+    <a:ext uri="{05A4C25C-085E-4340-85A3-A5531E510DB2}">
+      <thm15:themeFamily xmlns:thm15="http://schemas.microsoft.com/office/thememl/2012/main" name="Office Theme" id="{2E142A2C-CD16-42D6-873A-C26D2A0506FA}" vid="{1BDDFF52-6CD6-40A5-AB3C-68EB2F1E4D0A}"/>
+    </a:ext>
+  </a:extLst>
+</a:theme>
 </file>
--- a/thesis/abs/THỰC TẬP ĐỒ ÁN CHUYÊN NGÀNH.pptx
+++ b/thesis/abs/THỰC TẬP ĐỒ ÁN CHUYÊN NGÀNH.pptx
@@ -244,7 +244,7 @@
           <a:p>
             <a:fld id="{40785DC8-3A28-411D-A7B8-C80CBE98942F}" type="datetimeFigureOut">
               <a:rPr lang="en-US" smtClean="0"/>
-              <a:t>1/16/2025</a:t>
+              <a:t>1/17/2025</a:t>
             </a:fld>
             <a:endParaRPr lang="en-US"/>
           </a:p>
@@ -422,7 +422,7 @@
           <a:p>
             <a:fld id="{3EFD42F7-718C-4B98-AAEC-167E6DDD60A7}" type="datetimeFigureOut">
               <a:rPr lang="en-US" smtClean="0"/>
-              <a:t>1/16/2025</a:t>
+              <a:t>1/17/2025</a:t>
             </a:fld>
             <a:endParaRPr lang="en-US"/>
           </a:p>
@@ -1060,7 +1060,7 @@
           <a:p>
             <a:fld id="{1D8BD707-D9CF-40AE-B4C6-C98DA3205C09}" type="datetimeFigureOut">
               <a:rPr lang="en-US" smtClean="0"/>
-              <a:t>1/16/2025</a:t>
+              <a:t>1/17/2025</a:t>
             </a:fld>
             <a:endParaRPr lang="en-US"/>
           </a:p>
@@ -1223,7 +1223,7 @@
           <a:p>
             <a:fld id="{1D8BD707-D9CF-40AE-B4C6-C98DA3205C09}" type="datetimeFigureOut">
               <a:rPr lang="en-US" smtClean="0"/>
-              <a:t>1/16/2025</a:t>
+              <a:t>1/17/2025</a:t>
             </a:fld>
             <a:endParaRPr lang="en-US"/>
           </a:p>
@@ -1396,7 +1396,7 @@
           <a:p>
             <a:fld id="{1D8BD707-D9CF-40AE-B4C6-C98DA3205C09}" type="datetimeFigureOut">
               <a:rPr lang="en-US" smtClean="0"/>
-              <a:t>1/16/2025</a:t>
+              <a:t>1/17/2025</a:t>
             </a:fld>
             <a:endParaRPr lang="en-US"/>
           </a:p>
@@ -1559,7 +1559,7 @@
           <a:p>
             <a:fld id="{1D8BD707-D9CF-40AE-B4C6-C98DA3205C09}" type="datetimeFigureOut">
               <a:rPr lang="en-US" smtClean="0"/>
-              <a:t>1/16/2025</a:t>
+              <a:t>1/17/2025</a:t>
             </a:fld>
             <a:endParaRPr lang="en-US"/>
           </a:p>
@@ -1799,7 +1799,7 @@
           <a:p>
             <a:fld id="{1D8BD707-D9CF-40AE-B4C6-C98DA3205C09}" type="datetimeFigureOut">
               <a:rPr lang="en-US" smtClean="0"/>
-              <a:t>1/16/2025</a:t>
+              <a:t>1/17/2025</a:t>
             </a:fld>
             <a:endParaRPr lang="en-US"/>
           </a:p>
@@ -2079,7 +2079,7 @@
           <a:p>
             <a:fld id="{1D8BD707-D9CF-40AE-B4C6-C98DA3205C09}" type="datetimeFigureOut">
               <a:rPr lang="en-US" smtClean="0"/>
-              <a:t>1/16/2025</a:t>
+              <a:t>1/17/2025</a:t>
             </a:fld>
             <a:endParaRPr lang="en-US"/>
           </a:p>
@@ -2493,7 +2493,7 @@
           <a:p>
             <a:fld id="{1D8BD707-D9CF-40AE-B4C6-C98DA3205C09}" type="datetimeFigureOut">
               <a:rPr lang="en-US" smtClean="0"/>
-              <a:t>1/16/2025</a:t>
+              <a:t>1/17/2025</a:t>
             </a:fld>
             <a:endParaRPr lang="en-US"/>
           </a:p>
@@ -2605,7 +2605,7 @@
           <a:p>
             <a:fld id="{1D8BD707-D9CF-40AE-B4C6-C98DA3205C09}" type="datetimeFigureOut">
               <a:rPr lang="en-US" smtClean="0"/>
-              <a:t>1/16/2025</a:t>
+              <a:t>1/17/2025</a:t>
             </a:fld>
             <a:endParaRPr lang="en-US"/>
           </a:p>
@@ -2695,7 +2695,7 @@
           <a:p>
             <a:fld id="{1D8BD707-D9CF-40AE-B4C6-C98DA3205C09}" type="datetimeFigureOut">
               <a:rPr lang="en-US" smtClean="0"/>
-              <a:t>1/16/2025</a:t>
+              <a:t>1/17/2025</a:t>
             </a:fld>
             <a:endParaRPr lang="en-US"/>
           </a:p>
@@ -2965,7 +2965,7 @@
           <a:p>
             <a:fld id="{1D8BD707-D9CF-40AE-B4C6-C98DA3205C09}" type="datetimeFigureOut">
               <a:rPr lang="en-US" smtClean="0"/>
-              <a:t>1/16/2025</a:t>
+              <a:t>1/17/2025</a:t>
             </a:fld>
             <a:endParaRPr lang="en-US"/>
           </a:p>
@@ -3212,7 +3212,7 @@
           <a:p>
             <a:fld id="{1D8BD707-D9CF-40AE-B4C6-C98DA3205C09}" type="datetimeFigureOut">
               <a:rPr lang="en-US" smtClean="0"/>
-              <a:t>1/16/2025</a:t>
+              <a:t>1/17/2025</a:t>
             </a:fld>
             <a:endParaRPr lang="en-US"/>
           </a:p>
@@ -3418,7 +3418,7 @@
           <a:p>
             <a:fld id="{1D8BD707-D9CF-40AE-B4C6-C98DA3205C09}" type="datetimeFigureOut">
               <a:rPr lang="en-US" smtClean="0"/>
-              <a:t>1/16/2025</a:t>
+              <a:t>1/17/2025</a:t>
             </a:fld>
             <a:endParaRPr lang="en-US"/>
           </a:p>
@@ -10213,6 +10213,19 @@
                 <a:cs typeface="Times New Roman" panose="02020603050405020304" charset="0"/>
               </a:rPr>
               <a:t> thu thập dữ liệu qua</a:t>
+            </a:r>
+            <a:r>
+              <a:rPr lang="en-US" altLang="zh-CN" sz="3200" b="1" dirty="0">
+                <a:solidFill>
+                  <a:schemeClr val="tx2">
+                    <a:lumMod val="75000"/>
+                  </a:schemeClr>
+                </a:solidFill>
+                <a:latin typeface="Times New Roman" panose="02020603050405020304" charset="0"/>
+                <a:ea typeface="Times New Roman" panose="02020603050405020304"/>
+                <a:cs typeface="Times New Roman" panose="02020603050405020304" charset="0"/>
+              </a:rPr>
+              <a:t> </a:t>
             </a:r>
             <a:r>
               <a:rPr lang="en-US" sz="3200" b="1" dirty="0" err="1">
